--- a/発表資料.pptx
+++ b/発表資料.pptx
@@ -4,6 +4,9 @@
   <p:sldMasterIdLst>
     <p:sldMasterId id="2147483674" r:id="rId1"/>
   </p:sldMasterIdLst>
+  <p:notesMasterIdLst>
+    <p:notesMasterId r:id="rId23"/>
+  </p:notesMasterIdLst>
   <p:sldIdLst>
     <p:sldId id="256" r:id="rId2"/>
     <p:sldId id="257" r:id="rId3"/>
@@ -12,19 +15,20 @@
     <p:sldId id="260" r:id="rId6"/>
     <p:sldId id="261" r:id="rId7"/>
     <p:sldId id="262" r:id="rId8"/>
-    <p:sldId id="269" r:id="rId9"/>
-    <p:sldId id="263" r:id="rId10"/>
-    <p:sldId id="264" r:id="rId11"/>
-    <p:sldId id="265" r:id="rId12"/>
-    <p:sldId id="266" r:id="rId13"/>
-    <p:sldId id="267" r:id="rId14"/>
-    <p:sldId id="270" r:id="rId15"/>
-    <p:sldId id="268" r:id="rId16"/>
-    <p:sldId id="271" r:id="rId17"/>
-    <p:sldId id="272" r:id="rId18"/>
-    <p:sldId id="273" r:id="rId19"/>
-    <p:sldId id="274" r:id="rId20"/>
-    <p:sldId id="275" r:id="rId21"/>
+    <p:sldId id="276" r:id="rId9"/>
+    <p:sldId id="269" r:id="rId10"/>
+    <p:sldId id="263" r:id="rId11"/>
+    <p:sldId id="264" r:id="rId12"/>
+    <p:sldId id="265" r:id="rId13"/>
+    <p:sldId id="266" r:id="rId14"/>
+    <p:sldId id="267" r:id="rId15"/>
+    <p:sldId id="270" r:id="rId16"/>
+    <p:sldId id="268" r:id="rId17"/>
+    <p:sldId id="271" r:id="rId18"/>
+    <p:sldId id="272" r:id="rId19"/>
+    <p:sldId id="273" r:id="rId20"/>
+    <p:sldId id="274" r:id="rId21"/>
+    <p:sldId id="275" r:id="rId22"/>
   </p:sldIdLst>
   <p:sldSz cx="12192000" cy="6858000"/>
   <p:notesSz cx="6858000" cy="9144000"/>
@@ -123,7 +127,1284 @@
       </a:defRPr>
     </a:lvl9pPr>
   </p:defaultTextStyle>
+  <p:extLst>
+    <p:ext uri="{EFAFB233-063F-42B5-8137-9DF3F51BA10A}">
+      <p15:sldGuideLst xmlns:p15="http://schemas.microsoft.com/office/powerpoint/2012/main"/>
+    </p:ext>
+  </p:extLst>
 </p:presentation>
+</file>
+
+<file path=ppt/notesMasters/notesMaster1.xml><?xml version="1.0" encoding="utf-8"?>
+<p:notesMaster xmlns:a="http://schemas.openxmlformats.org/drawingml/2006/main" xmlns:r="http://schemas.openxmlformats.org/officeDocument/2006/relationships" xmlns:p="http://schemas.openxmlformats.org/presentationml/2006/main">
+  <p:cSld>
+    <p:bg>
+      <p:bgRef idx="1001">
+        <a:schemeClr val="bg1"/>
+      </p:bgRef>
+    </p:bg>
+    <p:spTree>
+      <p:nvGrpSpPr>
+        <p:cNvPr id="1" name=""/>
+        <p:cNvGrpSpPr/>
+        <p:nvPr/>
+      </p:nvGrpSpPr>
+      <p:grpSpPr>
+        <a:xfrm>
+          <a:off x="0" y="0"/>
+          <a:ext cx="0" cy="0"/>
+          <a:chOff x="0" y="0"/>
+          <a:chExt cx="0" cy="0"/>
+        </a:xfrm>
+      </p:grpSpPr>
+      <p:sp>
+        <p:nvSpPr>
+          <p:cNvPr id="2" name="ヘッダー プレースホルダー 1"/>
+          <p:cNvSpPr>
+            <a:spLocks noGrp="1"/>
+          </p:cNvSpPr>
+          <p:nvPr>
+            <p:ph type="hdr" sz="quarter"/>
+          </p:nvPr>
+        </p:nvSpPr>
+        <p:spPr>
+          <a:xfrm>
+            <a:off x="0" y="0"/>
+            <a:ext cx="2971800" cy="458788"/>
+          </a:xfrm>
+          <a:prstGeom prst="rect">
+            <a:avLst/>
+          </a:prstGeom>
+        </p:spPr>
+        <p:txBody>
+          <a:bodyPr vert="horz" lIns="91440" tIns="45720" rIns="91440" bIns="45720" rtlCol="0"/>
+          <a:lstStyle>
+            <a:lvl1pPr algn="l">
+              <a:defRPr sz="1200"/>
+            </a:lvl1pPr>
+          </a:lstStyle>
+          <a:p>
+            <a:endParaRPr kumimoji="1" lang="ja-JP" altLang="en-US"/>
+          </a:p>
+        </p:txBody>
+      </p:sp>
+      <p:sp>
+        <p:nvSpPr>
+          <p:cNvPr id="3" name="日付プレースホルダー 2"/>
+          <p:cNvSpPr>
+            <a:spLocks noGrp="1"/>
+          </p:cNvSpPr>
+          <p:nvPr>
+            <p:ph type="dt" idx="1"/>
+          </p:nvPr>
+        </p:nvSpPr>
+        <p:spPr>
+          <a:xfrm>
+            <a:off x="3884613" y="0"/>
+            <a:ext cx="2971800" cy="458788"/>
+          </a:xfrm>
+          <a:prstGeom prst="rect">
+            <a:avLst/>
+          </a:prstGeom>
+        </p:spPr>
+        <p:txBody>
+          <a:bodyPr vert="horz" lIns="91440" tIns="45720" rIns="91440" bIns="45720" rtlCol="0"/>
+          <a:lstStyle>
+            <a:lvl1pPr algn="r">
+              <a:defRPr sz="1200"/>
+            </a:lvl1pPr>
+          </a:lstStyle>
+          <a:p>
+            <a:fld id="{10935577-1A92-4EF2-A9DD-97FD6FA44B2C}" type="datetimeFigureOut">
+              <a:rPr kumimoji="1" lang="ja-JP" altLang="en-US" smtClean="0"/>
+              <a:t>2020/6/28</a:t>
+            </a:fld>
+            <a:endParaRPr kumimoji="1" lang="ja-JP" altLang="en-US"/>
+          </a:p>
+        </p:txBody>
+      </p:sp>
+      <p:sp>
+        <p:nvSpPr>
+          <p:cNvPr id="4" name="スライド イメージ プレースホルダー 3"/>
+          <p:cNvSpPr>
+            <a:spLocks noGrp="1" noRot="1" noChangeAspect="1"/>
+          </p:cNvSpPr>
+          <p:nvPr>
+            <p:ph type="sldImg" idx="2"/>
+          </p:nvPr>
+        </p:nvSpPr>
+        <p:spPr>
+          <a:xfrm>
+            <a:off x="685800" y="1143000"/>
+            <a:ext cx="5486400" cy="3086100"/>
+          </a:xfrm>
+          <a:prstGeom prst="rect">
+            <a:avLst/>
+          </a:prstGeom>
+          <a:noFill/>
+          <a:ln w="12700">
+            <a:solidFill>
+              <a:prstClr val="black"/>
+            </a:solidFill>
+          </a:ln>
+        </p:spPr>
+        <p:txBody>
+          <a:bodyPr vert="horz" lIns="91440" tIns="45720" rIns="91440" bIns="45720" rtlCol="0" anchor="ctr"/>
+          <a:lstStyle/>
+          <a:p>
+            <a:endParaRPr lang="ja-JP" altLang="en-US"/>
+          </a:p>
+        </p:txBody>
+      </p:sp>
+      <p:sp>
+        <p:nvSpPr>
+          <p:cNvPr id="5" name="ノート プレースホルダー 4"/>
+          <p:cNvSpPr>
+            <a:spLocks noGrp="1"/>
+          </p:cNvSpPr>
+          <p:nvPr>
+            <p:ph type="body" sz="quarter" idx="3"/>
+          </p:nvPr>
+        </p:nvSpPr>
+        <p:spPr>
+          <a:xfrm>
+            <a:off x="685800" y="4400550"/>
+            <a:ext cx="5486400" cy="3600450"/>
+          </a:xfrm>
+          <a:prstGeom prst="rect">
+            <a:avLst/>
+          </a:prstGeom>
+        </p:spPr>
+        <p:txBody>
+          <a:bodyPr vert="horz" lIns="91440" tIns="45720" rIns="91440" bIns="45720" rtlCol="0"/>
+          <a:lstStyle/>
+          <a:p>
+            <a:pPr lvl="0"/>
+            <a:r>
+              <a:rPr kumimoji="1" lang="ja-JP" altLang="en-US"/>
+              <a:t>マスター テキストの書式設定</a:t>
+            </a:r>
+          </a:p>
+          <a:p>
+            <a:pPr lvl="1"/>
+            <a:r>
+              <a:rPr kumimoji="1" lang="ja-JP" altLang="en-US"/>
+              <a:t>第 </a:t>
+            </a:r>
+            <a:r>
+              <a:rPr kumimoji="1" lang="en-US" altLang="ja-JP"/>
+              <a:t>2 </a:t>
+            </a:r>
+            <a:r>
+              <a:rPr kumimoji="1" lang="ja-JP" altLang="en-US"/>
+              <a:t>レベル</a:t>
+            </a:r>
+          </a:p>
+          <a:p>
+            <a:pPr lvl="2"/>
+            <a:r>
+              <a:rPr kumimoji="1" lang="ja-JP" altLang="en-US"/>
+              <a:t>第 </a:t>
+            </a:r>
+            <a:r>
+              <a:rPr kumimoji="1" lang="en-US" altLang="ja-JP"/>
+              <a:t>3 </a:t>
+            </a:r>
+            <a:r>
+              <a:rPr kumimoji="1" lang="ja-JP" altLang="en-US"/>
+              <a:t>レベル</a:t>
+            </a:r>
+          </a:p>
+          <a:p>
+            <a:pPr lvl="3"/>
+            <a:r>
+              <a:rPr kumimoji="1" lang="ja-JP" altLang="en-US"/>
+              <a:t>第 </a:t>
+            </a:r>
+            <a:r>
+              <a:rPr kumimoji="1" lang="en-US" altLang="ja-JP"/>
+              <a:t>4 </a:t>
+            </a:r>
+            <a:r>
+              <a:rPr kumimoji="1" lang="ja-JP" altLang="en-US"/>
+              <a:t>レベル</a:t>
+            </a:r>
+          </a:p>
+          <a:p>
+            <a:pPr lvl="4"/>
+            <a:r>
+              <a:rPr kumimoji="1" lang="ja-JP" altLang="en-US"/>
+              <a:t>第 </a:t>
+            </a:r>
+            <a:r>
+              <a:rPr kumimoji="1" lang="en-US" altLang="ja-JP"/>
+              <a:t>5 </a:t>
+            </a:r>
+            <a:r>
+              <a:rPr kumimoji="1" lang="ja-JP" altLang="en-US"/>
+              <a:t>レベル</a:t>
+            </a:r>
+          </a:p>
+        </p:txBody>
+      </p:sp>
+      <p:sp>
+        <p:nvSpPr>
+          <p:cNvPr id="6" name="フッター プレースホルダー 5"/>
+          <p:cNvSpPr>
+            <a:spLocks noGrp="1"/>
+          </p:cNvSpPr>
+          <p:nvPr>
+            <p:ph type="ftr" sz="quarter" idx="4"/>
+          </p:nvPr>
+        </p:nvSpPr>
+        <p:spPr>
+          <a:xfrm>
+            <a:off x="0" y="8685213"/>
+            <a:ext cx="2971800" cy="458787"/>
+          </a:xfrm>
+          <a:prstGeom prst="rect">
+            <a:avLst/>
+          </a:prstGeom>
+        </p:spPr>
+        <p:txBody>
+          <a:bodyPr vert="horz" lIns="91440" tIns="45720" rIns="91440" bIns="45720" rtlCol="0" anchor="b"/>
+          <a:lstStyle>
+            <a:lvl1pPr algn="l">
+              <a:defRPr sz="1200"/>
+            </a:lvl1pPr>
+          </a:lstStyle>
+          <a:p>
+            <a:endParaRPr kumimoji="1" lang="ja-JP" altLang="en-US"/>
+          </a:p>
+        </p:txBody>
+      </p:sp>
+      <p:sp>
+        <p:nvSpPr>
+          <p:cNvPr id="7" name="スライド番号プレースホルダー 6"/>
+          <p:cNvSpPr>
+            <a:spLocks noGrp="1"/>
+          </p:cNvSpPr>
+          <p:nvPr>
+            <p:ph type="sldNum" sz="quarter" idx="5"/>
+          </p:nvPr>
+        </p:nvSpPr>
+        <p:spPr>
+          <a:xfrm>
+            <a:off x="3884613" y="8685213"/>
+            <a:ext cx="2971800" cy="458787"/>
+          </a:xfrm>
+          <a:prstGeom prst="rect">
+            <a:avLst/>
+          </a:prstGeom>
+        </p:spPr>
+        <p:txBody>
+          <a:bodyPr vert="horz" lIns="91440" tIns="45720" rIns="91440" bIns="45720" rtlCol="0" anchor="b"/>
+          <a:lstStyle>
+            <a:lvl1pPr algn="r">
+              <a:defRPr sz="1200"/>
+            </a:lvl1pPr>
+          </a:lstStyle>
+          <a:p>
+            <a:fld id="{DAA37000-F953-4017-BC7A-A0ED4B544261}" type="slidenum">
+              <a:rPr kumimoji="1" lang="ja-JP" altLang="en-US" smtClean="0"/>
+              <a:t>‹#›</a:t>
+            </a:fld>
+            <a:endParaRPr kumimoji="1" lang="ja-JP" altLang="en-US"/>
+          </a:p>
+        </p:txBody>
+      </p:sp>
+    </p:spTree>
+    <p:extLst>
+      <p:ext uri="{BB962C8B-B14F-4D97-AF65-F5344CB8AC3E}">
+        <p14:creationId xmlns:p14="http://schemas.microsoft.com/office/powerpoint/2010/main" val="4232867286"/>
+      </p:ext>
+    </p:extLst>
+  </p:cSld>
+  <p:clrMap bg1="lt1" tx1="dk1" bg2="lt2" tx2="dk2" accent1="accent1" accent2="accent2" accent3="accent3" accent4="accent4" accent5="accent5" accent6="accent6" hlink="hlink" folHlink="folHlink"/>
+  <p:notesStyle>
+    <a:lvl1pPr marL="0" algn="l" defTabSz="914400" rtl="0" eaLnBrk="1" latinLnBrk="0" hangingPunct="1">
+      <a:defRPr kumimoji="1" sz="1200" kern="1200">
+        <a:solidFill>
+          <a:schemeClr val="tx1"/>
+        </a:solidFill>
+        <a:latin typeface="+mn-lt"/>
+        <a:ea typeface="+mn-ea"/>
+        <a:cs typeface="+mn-cs"/>
+      </a:defRPr>
+    </a:lvl1pPr>
+    <a:lvl2pPr marL="457200" algn="l" defTabSz="914400" rtl="0" eaLnBrk="1" latinLnBrk="0" hangingPunct="1">
+      <a:defRPr kumimoji="1" sz="1200" kern="1200">
+        <a:solidFill>
+          <a:schemeClr val="tx1"/>
+        </a:solidFill>
+        <a:latin typeface="+mn-lt"/>
+        <a:ea typeface="+mn-ea"/>
+        <a:cs typeface="+mn-cs"/>
+      </a:defRPr>
+    </a:lvl2pPr>
+    <a:lvl3pPr marL="914400" algn="l" defTabSz="914400" rtl="0" eaLnBrk="1" latinLnBrk="0" hangingPunct="1">
+      <a:defRPr kumimoji="1" sz="1200" kern="1200">
+        <a:solidFill>
+          <a:schemeClr val="tx1"/>
+        </a:solidFill>
+        <a:latin typeface="+mn-lt"/>
+        <a:ea typeface="+mn-ea"/>
+        <a:cs typeface="+mn-cs"/>
+      </a:defRPr>
+    </a:lvl3pPr>
+    <a:lvl4pPr marL="1371600" algn="l" defTabSz="914400" rtl="0" eaLnBrk="1" latinLnBrk="0" hangingPunct="1">
+      <a:defRPr kumimoji="1" sz="1200" kern="1200">
+        <a:solidFill>
+          <a:schemeClr val="tx1"/>
+        </a:solidFill>
+        <a:latin typeface="+mn-lt"/>
+        <a:ea typeface="+mn-ea"/>
+        <a:cs typeface="+mn-cs"/>
+      </a:defRPr>
+    </a:lvl4pPr>
+    <a:lvl5pPr marL="1828800" algn="l" defTabSz="914400" rtl="0" eaLnBrk="1" latinLnBrk="0" hangingPunct="1">
+      <a:defRPr kumimoji="1" sz="1200" kern="1200">
+        <a:solidFill>
+          <a:schemeClr val="tx1"/>
+        </a:solidFill>
+        <a:latin typeface="+mn-lt"/>
+        <a:ea typeface="+mn-ea"/>
+        <a:cs typeface="+mn-cs"/>
+      </a:defRPr>
+    </a:lvl5pPr>
+    <a:lvl6pPr marL="2286000" algn="l" defTabSz="914400" rtl="0" eaLnBrk="1" latinLnBrk="0" hangingPunct="1">
+      <a:defRPr kumimoji="1" sz="1200" kern="1200">
+        <a:solidFill>
+          <a:schemeClr val="tx1"/>
+        </a:solidFill>
+        <a:latin typeface="+mn-lt"/>
+        <a:ea typeface="+mn-ea"/>
+        <a:cs typeface="+mn-cs"/>
+      </a:defRPr>
+    </a:lvl6pPr>
+    <a:lvl7pPr marL="2743200" algn="l" defTabSz="914400" rtl="0" eaLnBrk="1" latinLnBrk="0" hangingPunct="1">
+      <a:defRPr kumimoji="1" sz="1200" kern="1200">
+        <a:solidFill>
+          <a:schemeClr val="tx1"/>
+        </a:solidFill>
+        <a:latin typeface="+mn-lt"/>
+        <a:ea typeface="+mn-ea"/>
+        <a:cs typeface="+mn-cs"/>
+      </a:defRPr>
+    </a:lvl7pPr>
+    <a:lvl8pPr marL="3200400" algn="l" defTabSz="914400" rtl="0" eaLnBrk="1" latinLnBrk="0" hangingPunct="1">
+      <a:defRPr kumimoji="1" sz="1200" kern="1200">
+        <a:solidFill>
+          <a:schemeClr val="tx1"/>
+        </a:solidFill>
+        <a:latin typeface="+mn-lt"/>
+        <a:ea typeface="+mn-ea"/>
+        <a:cs typeface="+mn-cs"/>
+      </a:defRPr>
+    </a:lvl8pPr>
+    <a:lvl9pPr marL="3657600" algn="l" defTabSz="914400" rtl="0" eaLnBrk="1" latinLnBrk="0" hangingPunct="1">
+      <a:defRPr kumimoji="1" sz="1200" kern="1200">
+        <a:solidFill>
+          <a:schemeClr val="tx1"/>
+        </a:solidFill>
+        <a:latin typeface="+mn-lt"/>
+        <a:ea typeface="+mn-ea"/>
+        <a:cs typeface="+mn-cs"/>
+      </a:defRPr>
+    </a:lvl9pPr>
+  </p:notesStyle>
+</p:notesMaster>
+</file>
+
+<file path=ppt/notesSlides/notesSlide1.xml><?xml version="1.0" encoding="utf-8"?>
+<p:notes xmlns:a="http://schemas.openxmlformats.org/drawingml/2006/main" xmlns:r="http://schemas.openxmlformats.org/officeDocument/2006/relationships" xmlns:p="http://schemas.openxmlformats.org/presentationml/2006/main">
+  <p:cSld>
+    <p:spTree>
+      <p:nvGrpSpPr>
+        <p:cNvPr id="1" name=""/>
+        <p:cNvGrpSpPr/>
+        <p:nvPr/>
+      </p:nvGrpSpPr>
+      <p:grpSpPr>
+        <a:xfrm>
+          <a:off x="0" y="0"/>
+          <a:ext cx="0" cy="0"/>
+          <a:chOff x="0" y="0"/>
+          <a:chExt cx="0" cy="0"/>
+        </a:xfrm>
+      </p:grpSpPr>
+      <p:sp>
+        <p:nvSpPr>
+          <p:cNvPr id="2" name="スライド イメージ プレースホルダー 1"/>
+          <p:cNvSpPr>
+            <a:spLocks noGrp="1" noRot="1" noChangeAspect="1"/>
+          </p:cNvSpPr>
+          <p:nvPr>
+            <p:ph type="sldImg"/>
+          </p:nvPr>
+        </p:nvSpPr>
+        <p:spPr/>
+      </p:sp>
+      <p:sp>
+        <p:nvSpPr>
+          <p:cNvPr id="3" name="ノート プレースホルダー 2"/>
+          <p:cNvSpPr>
+            <a:spLocks noGrp="1"/>
+          </p:cNvSpPr>
+          <p:nvPr>
+            <p:ph type="body" idx="1"/>
+          </p:nvPr>
+        </p:nvSpPr>
+        <p:spPr/>
+        <p:txBody>
+          <a:bodyPr/>
+          <a:lstStyle/>
+          <a:p>
+            <a:r>
+              <a:rPr kumimoji="1" lang="ja-JP" altLang="en-US" dirty="0"/>
+              <a:t>大河</a:t>
+            </a:r>
+            <a:r>
+              <a:rPr kumimoji="1" lang="ja-JP" altLang="en-US"/>
+              <a:t>さん　</a:t>
+            </a:r>
+            <a:endParaRPr kumimoji="1" lang="en-US" altLang="ja-JP"/>
+          </a:p>
+        </p:txBody>
+      </p:sp>
+      <p:sp>
+        <p:nvSpPr>
+          <p:cNvPr id="4" name="スライド番号プレースホルダー 3"/>
+          <p:cNvSpPr>
+            <a:spLocks noGrp="1"/>
+          </p:cNvSpPr>
+          <p:nvPr>
+            <p:ph type="sldNum" sz="quarter" idx="5"/>
+          </p:nvPr>
+        </p:nvSpPr>
+        <p:spPr/>
+        <p:txBody>
+          <a:bodyPr/>
+          <a:lstStyle/>
+          <a:p>
+            <a:fld id="{DAA37000-F953-4017-BC7A-A0ED4B544261}" type="slidenum">
+              <a:rPr kumimoji="1" lang="ja-JP" altLang="en-US" smtClean="0"/>
+              <a:t>1</a:t>
+            </a:fld>
+            <a:endParaRPr kumimoji="1" lang="ja-JP" altLang="en-US"/>
+          </a:p>
+        </p:txBody>
+      </p:sp>
+    </p:spTree>
+    <p:extLst>
+      <p:ext uri="{BB962C8B-B14F-4D97-AF65-F5344CB8AC3E}">
+        <p14:creationId xmlns:p14="http://schemas.microsoft.com/office/powerpoint/2010/main" val="1332112835"/>
+      </p:ext>
+    </p:extLst>
+  </p:cSld>
+  <p:clrMapOvr>
+    <a:masterClrMapping/>
+  </p:clrMapOvr>
+</p:notes>
+</file>
+
+<file path=ppt/notesSlides/notesSlide10.xml><?xml version="1.0" encoding="utf-8"?>
+<p:notes xmlns:a="http://schemas.openxmlformats.org/drawingml/2006/main" xmlns:r="http://schemas.openxmlformats.org/officeDocument/2006/relationships" xmlns:p="http://schemas.openxmlformats.org/presentationml/2006/main">
+  <p:cSld>
+    <p:spTree>
+      <p:nvGrpSpPr>
+        <p:cNvPr id="1" name=""/>
+        <p:cNvGrpSpPr/>
+        <p:nvPr/>
+      </p:nvGrpSpPr>
+      <p:grpSpPr>
+        <a:xfrm>
+          <a:off x="0" y="0"/>
+          <a:ext cx="0" cy="0"/>
+          <a:chOff x="0" y="0"/>
+          <a:chExt cx="0" cy="0"/>
+        </a:xfrm>
+      </p:grpSpPr>
+      <p:sp>
+        <p:nvSpPr>
+          <p:cNvPr id="2" name="スライド イメージ プレースホルダー 1"/>
+          <p:cNvSpPr>
+            <a:spLocks noGrp="1" noRot="1" noChangeAspect="1"/>
+          </p:cNvSpPr>
+          <p:nvPr>
+            <p:ph type="sldImg"/>
+          </p:nvPr>
+        </p:nvSpPr>
+        <p:spPr/>
+      </p:sp>
+      <p:sp>
+        <p:nvSpPr>
+          <p:cNvPr id="3" name="ノート プレースホルダー 2"/>
+          <p:cNvSpPr>
+            <a:spLocks noGrp="1"/>
+          </p:cNvSpPr>
+          <p:nvPr>
+            <p:ph type="body" idx="1"/>
+          </p:nvPr>
+        </p:nvSpPr>
+        <p:spPr/>
+        <p:txBody>
+          <a:bodyPr/>
+          <a:lstStyle/>
+          <a:p>
+            <a:r>
+              <a:rPr kumimoji="1" lang="en-US" altLang="ja-JP" dirty="0"/>
+              <a:t>2.5</a:t>
+            </a:r>
+            <a:r>
+              <a:rPr kumimoji="1" lang="ja-JP" altLang="en-US" dirty="0"/>
+              <a:t>分</a:t>
+            </a:r>
+          </a:p>
+        </p:txBody>
+      </p:sp>
+      <p:sp>
+        <p:nvSpPr>
+          <p:cNvPr id="4" name="スライド番号プレースホルダー 3"/>
+          <p:cNvSpPr>
+            <a:spLocks noGrp="1"/>
+          </p:cNvSpPr>
+          <p:nvPr>
+            <p:ph type="sldNum" sz="quarter" idx="5"/>
+          </p:nvPr>
+        </p:nvSpPr>
+        <p:spPr/>
+        <p:txBody>
+          <a:bodyPr/>
+          <a:lstStyle/>
+          <a:p>
+            <a:fld id="{DAA37000-F953-4017-BC7A-A0ED4B544261}" type="slidenum">
+              <a:rPr kumimoji="1" lang="ja-JP" altLang="en-US" smtClean="0"/>
+              <a:t>15</a:t>
+            </a:fld>
+            <a:endParaRPr kumimoji="1" lang="ja-JP" altLang="en-US"/>
+          </a:p>
+        </p:txBody>
+      </p:sp>
+    </p:spTree>
+    <p:extLst>
+      <p:ext uri="{BB962C8B-B14F-4D97-AF65-F5344CB8AC3E}">
+        <p14:creationId xmlns:p14="http://schemas.microsoft.com/office/powerpoint/2010/main" val="1300183432"/>
+      </p:ext>
+    </p:extLst>
+  </p:cSld>
+  <p:clrMapOvr>
+    <a:masterClrMapping/>
+  </p:clrMapOvr>
+</p:notes>
+</file>
+
+<file path=ppt/notesSlides/notesSlide2.xml><?xml version="1.0" encoding="utf-8"?>
+<p:notes xmlns:a="http://schemas.openxmlformats.org/drawingml/2006/main" xmlns:r="http://schemas.openxmlformats.org/officeDocument/2006/relationships" xmlns:p="http://schemas.openxmlformats.org/presentationml/2006/main">
+  <p:cSld>
+    <p:spTree>
+      <p:nvGrpSpPr>
+        <p:cNvPr id="1" name=""/>
+        <p:cNvGrpSpPr/>
+        <p:nvPr/>
+      </p:nvGrpSpPr>
+      <p:grpSpPr>
+        <a:xfrm>
+          <a:off x="0" y="0"/>
+          <a:ext cx="0" cy="0"/>
+          <a:chOff x="0" y="0"/>
+          <a:chExt cx="0" cy="0"/>
+        </a:xfrm>
+      </p:grpSpPr>
+      <p:sp>
+        <p:nvSpPr>
+          <p:cNvPr id="2" name="スライド イメージ プレースホルダー 1"/>
+          <p:cNvSpPr>
+            <a:spLocks noGrp="1" noRot="1" noChangeAspect="1"/>
+          </p:cNvSpPr>
+          <p:nvPr>
+            <p:ph type="sldImg"/>
+          </p:nvPr>
+        </p:nvSpPr>
+        <p:spPr/>
+      </p:sp>
+      <p:sp>
+        <p:nvSpPr>
+          <p:cNvPr id="3" name="ノート プレースホルダー 2"/>
+          <p:cNvSpPr>
+            <a:spLocks noGrp="1"/>
+          </p:cNvSpPr>
+          <p:nvPr>
+            <p:ph type="body" idx="1"/>
+          </p:nvPr>
+        </p:nvSpPr>
+        <p:spPr/>
+        <p:txBody>
+          <a:bodyPr/>
+          <a:lstStyle/>
+          <a:p>
+            <a:r>
+              <a:rPr kumimoji="1" lang="ja-JP" altLang="en-US" dirty="0"/>
+              <a:t>大城</a:t>
+            </a:r>
+          </a:p>
+        </p:txBody>
+      </p:sp>
+      <p:sp>
+        <p:nvSpPr>
+          <p:cNvPr id="4" name="スライド番号プレースホルダー 3"/>
+          <p:cNvSpPr>
+            <a:spLocks noGrp="1"/>
+          </p:cNvSpPr>
+          <p:nvPr>
+            <p:ph type="sldNum" sz="quarter" idx="5"/>
+          </p:nvPr>
+        </p:nvSpPr>
+        <p:spPr/>
+        <p:txBody>
+          <a:bodyPr/>
+          <a:lstStyle/>
+          <a:p>
+            <a:fld id="{DAA37000-F953-4017-BC7A-A0ED4B544261}" type="slidenum">
+              <a:rPr kumimoji="1" lang="ja-JP" altLang="en-US" smtClean="0"/>
+              <a:t>2</a:t>
+            </a:fld>
+            <a:endParaRPr kumimoji="1" lang="ja-JP" altLang="en-US"/>
+          </a:p>
+        </p:txBody>
+      </p:sp>
+    </p:spTree>
+    <p:extLst>
+      <p:ext uri="{BB962C8B-B14F-4D97-AF65-F5344CB8AC3E}">
+        <p14:creationId xmlns:p14="http://schemas.microsoft.com/office/powerpoint/2010/main" val="3561594521"/>
+      </p:ext>
+    </p:extLst>
+  </p:cSld>
+  <p:clrMapOvr>
+    <a:masterClrMapping/>
+  </p:clrMapOvr>
+</p:notes>
+</file>
+
+<file path=ppt/notesSlides/notesSlide3.xml><?xml version="1.0" encoding="utf-8"?>
+<p:notes xmlns:a="http://schemas.openxmlformats.org/drawingml/2006/main" xmlns:r="http://schemas.openxmlformats.org/officeDocument/2006/relationships" xmlns:p="http://schemas.openxmlformats.org/presentationml/2006/main">
+  <p:cSld>
+    <p:spTree>
+      <p:nvGrpSpPr>
+        <p:cNvPr id="1" name=""/>
+        <p:cNvGrpSpPr/>
+        <p:nvPr/>
+      </p:nvGrpSpPr>
+      <p:grpSpPr>
+        <a:xfrm>
+          <a:off x="0" y="0"/>
+          <a:ext cx="0" cy="0"/>
+          <a:chOff x="0" y="0"/>
+          <a:chExt cx="0" cy="0"/>
+        </a:xfrm>
+      </p:grpSpPr>
+      <p:sp>
+        <p:nvSpPr>
+          <p:cNvPr id="2" name="スライド イメージ プレースホルダー 1"/>
+          <p:cNvSpPr>
+            <a:spLocks noGrp="1" noRot="1" noChangeAspect="1"/>
+          </p:cNvSpPr>
+          <p:nvPr>
+            <p:ph type="sldImg"/>
+          </p:nvPr>
+        </p:nvSpPr>
+        <p:spPr/>
+      </p:sp>
+      <p:sp>
+        <p:nvSpPr>
+          <p:cNvPr id="3" name="ノート プレースホルダー 2"/>
+          <p:cNvSpPr>
+            <a:spLocks noGrp="1"/>
+          </p:cNvSpPr>
+          <p:nvPr>
+            <p:ph type="body" idx="1"/>
+          </p:nvPr>
+        </p:nvSpPr>
+        <p:spPr/>
+        <p:txBody>
+          <a:bodyPr/>
+          <a:lstStyle/>
+          <a:p>
+            <a:r>
+              <a:rPr kumimoji="1" lang="ja-JP" altLang="en-US" dirty="0"/>
+              <a:t>陽聖さん</a:t>
+            </a:r>
+          </a:p>
+        </p:txBody>
+      </p:sp>
+      <p:sp>
+        <p:nvSpPr>
+          <p:cNvPr id="4" name="スライド番号プレースホルダー 3"/>
+          <p:cNvSpPr>
+            <a:spLocks noGrp="1"/>
+          </p:cNvSpPr>
+          <p:nvPr>
+            <p:ph type="sldNum" sz="quarter" idx="5"/>
+          </p:nvPr>
+        </p:nvSpPr>
+        <p:spPr/>
+        <p:txBody>
+          <a:bodyPr/>
+          <a:lstStyle/>
+          <a:p>
+            <a:fld id="{DAA37000-F953-4017-BC7A-A0ED4B544261}" type="slidenum">
+              <a:rPr kumimoji="1" lang="ja-JP" altLang="en-US" smtClean="0"/>
+              <a:t>3</a:t>
+            </a:fld>
+            <a:endParaRPr kumimoji="1" lang="ja-JP" altLang="en-US"/>
+          </a:p>
+        </p:txBody>
+      </p:sp>
+    </p:spTree>
+    <p:extLst>
+      <p:ext uri="{BB962C8B-B14F-4D97-AF65-F5344CB8AC3E}">
+        <p14:creationId xmlns:p14="http://schemas.microsoft.com/office/powerpoint/2010/main" val="2007910185"/>
+      </p:ext>
+    </p:extLst>
+  </p:cSld>
+  <p:clrMapOvr>
+    <a:masterClrMapping/>
+  </p:clrMapOvr>
+</p:notes>
+</file>
+
+<file path=ppt/notesSlides/notesSlide4.xml><?xml version="1.0" encoding="utf-8"?>
+<p:notes xmlns:a="http://schemas.openxmlformats.org/drawingml/2006/main" xmlns:r="http://schemas.openxmlformats.org/officeDocument/2006/relationships" xmlns:p="http://schemas.openxmlformats.org/presentationml/2006/main">
+  <p:cSld>
+    <p:spTree>
+      <p:nvGrpSpPr>
+        <p:cNvPr id="1" name=""/>
+        <p:cNvGrpSpPr/>
+        <p:nvPr/>
+      </p:nvGrpSpPr>
+      <p:grpSpPr>
+        <a:xfrm>
+          <a:off x="0" y="0"/>
+          <a:ext cx="0" cy="0"/>
+          <a:chOff x="0" y="0"/>
+          <a:chExt cx="0" cy="0"/>
+        </a:xfrm>
+      </p:grpSpPr>
+      <p:sp>
+        <p:nvSpPr>
+          <p:cNvPr id="2" name="スライド イメージ プレースホルダー 1"/>
+          <p:cNvSpPr>
+            <a:spLocks noGrp="1" noRot="1" noChangeAspect="1"/>
+          </p:cNvSpPr>
+          <p:nvPr>
+            <p:ph type="sldImg"/>
+          </p:nvPr>
+        </p:nvSpPr>
+        <p:spPr/>
+      </p:sp>
+      <p:sp>
+        <p:nvSpPr>
+          <p:cNvPr id="3" name="ノート プレースホルダー 2"/>
+          <p:cNvSpPr>
+            <a:spLocks noGrp="1"/>
+          </p:cNvSpPr>
+          <p:nvPr>
+            <p:ph type="body" idx="1"/>
+          </p:nvPr>
+        </p:nvSpPr>
+        <p:spPr/>
+        <p:txBody>
+          <a:bodyPr/>
+          <a:lstStyle/>
+          <a:p>
+            <a:r>
+              <a:rPr kumimoji="1" lang="ja-JP" altLang="en-US" dirty="0"/>
+              <a:t>照屋</a:t>
+            </a:r>
+          </a:p>
+        </p:txBody>
+      </p:sp>
+      <p:sp>
+        <p:nvSpPr>
+          <p:cNvPr id="4" name="スライド番号プレースホルダー 3"/>
+          <p:cNvSpPr>
+            <a:spLocks noGrp="1"/>
+          </p:cNvSpPr>
+          <p:nvPr>
+            <p:ph type="sldNum" sz="quarter" idx="5"/>
+          </p:nvPr>
+        </p:nvSpPr>
+        <p:spPr/>
+        <p:txBody>
+          <a:bodyPr/>
+          <a:lstStyle/>
+          <a:p>
+            <a:fld id="{DAA37000-F953-4017-BC7A-A0ED4B544261}" type="slidenum">
+              <a:rPr kumimoji="1" lang="ja-JP" altLang="en-US" smtClean="0"/>
+              <a:t>4</a:t>
+            </a:fld>
+            <a:endParaRPr kumimoji="1" lang="ja-JP" altLang="en-US"/>
+          </a:p>
+        </p:txBody>
+      </p:sp>
+    </p:spTree>
+    <p:extLst>
+      <p:ext uri="{BB962C8B-B14F-4D97-AF65-F5344CB8AC3E}">
+        <p14:creationId xmlns:p14="http://schemas.microsoft.com/office/powerpoint/2010/main" val="1154933919"/>
+      </p:ext>
+    </p:extLst>
+  </p:cSld>
+  <p:clrMapOvr>
+    <a:masterClrMapping/>
+  </p:clrMapOvr>
+</p:notes>
+</file>
+
+<file path=ppt/notesSlides/notesSlide5.xml><?xml version="1.0" encoding="utf-8"?>
+<p:notes xmlns:a="http://schemas.openxmlformats.org/drawingml/2006/main" xmlns:r="http://schemas.openxmlformats.org/officeDocument/2006/relationships" xmlns:p="http://schemas.openxmlformats.org/presentationml/2006/main">
+  <p:cSld>
+    <p:spTree>
+      <p:nvGrpSpPr>
+        <p:cNvPr id="1" name=""/>
+        <p:cNvGrpSpPr/>
+        <p:nvPr/>
+      </p:nvGrpSpPr>
+      <p:grpSpPr>
+        <a:xfrm>
+          <a:off x="0" y="0"/>
+          <a:ext cx="0" cy="0"/>
+          <a:chOff x="0" y="0"/>
+          <a:chExt cx="0" cy="0"/>
+        </a:xfrm>
+      </p:grpSpPr>
+      <p:sp>
+        <p:nvSpPr>
+          <p:cNvPr id="2" name="スライド イメージ プレースホルダー 1"/>
+          <p:cNvSpPr>
+            <a:spLocks noGrp="1" noRot="1" noChangeAspect="1"/>
+          </p:cNvSpPr>
+          <p:nvPr>
+            <p:ph type="sldImg"/>
+          </p:nvPr>
+        </p:nvSpPr>
+        <p:spPr/>
+      </p:sp>
+      <p:sp>
+        <p:nvSpPr>
+          <p:cNvPr id="3" name="ノート プレースホルダー 2"/>
+          <p:cNvSpPr>
+            <a:spLocks noGrp="1"/>
+          </p:cNvSpPr>
+          <p:nvPr>
+            <p:ph type="body" idx="1"/>
+          </p:nvPr>
+        </p:nvSpPr>
+        <p:spPr/>
+        <p:txBody>
+          <a:bodyPr/>
+          <a:lstStyle/>
+          <a:p>
+            <a:r>
+              <a:rPr kumimoji="1" lang="ja-JP" altLang="en-US" dirty="0"/>
+              <a:t>宮城</a:t>
+            </a:r>
+          </a:p>
+        </p:txBody>
+      </p:sp>
+      <p:sp>
+        <p:nvSpPr>
+          <p:cNvPr id="4" name="スライド番号プレースホルダー 3"/>
+          <p:cNvSpPr>
+            <a:spLocks noGrp="1"/>
+          </p:cNvSpPr>
+          <p:nvPr>
+            <p:ph type="sldNum" sz="quarter" idx="5"/>
+          </p:nvPr>
+        </p:nvSpPr>
+        <p:spPr/>
+        <p:txBody>
+          <a:bodyPr/>
+          <a:lstStyle/>
+          <a:p>
+            <a:fld id="{DAA37000-F953-4017-BC7A-A0ED4B544261}" type="slidenum">
+              <a:rPr kumimoji="1" lang="ja-JP" altLang="en-US" smtClean="0"/>
+              <a:t>5</a:t>
+            </a:fld>
+            <a:endParaRPr kumimoji="1" lang="ja-JP" altLang="en-US"/>
+          </a:p>
+        </p:txBody>
+      </p:sp>
+    </p:spTree>
+    <p:extLst>
+      <p:ext uri="{BB962C8B-B14F-4D97-AF65-F5344CB8AC3E}">
+        <p14:creationId xmlns:p14="http://schemas.microsoft.com/office/powerpoint/2010/main" val="4214588261"/>
+      </p:ext>
+    </p:extLst>
+  </p:cSld>
+  <p:clrMapOvr>
+    <a:masterClrMapping/>
+  </p:clrMapOvr>
+</p:notes>
+</file>
+
+<file path=ppt/notesSlides/notesSlide6.xml><?xml version="1.0" encoding="utf-8"?>
+<p:notes xmlns:a="http://schemas.openxmlformats.org/drawingml/2006/main" xmlns:r="http://schemas.openxmlformats.org/officeDocument/2006/relationships" xmlns:p="http://schemas.openxmlformats.org/presentationml/2006/main">
+  <p:cSld>
+    <p:spTree>
+      <p:nvGrpSpPr>
+        <p:cNvPr id="1" name=""/>
+        <p:cNvGrpSpPr/>
+        <p:nvPr/>
+      </p:nvGrpSpPr>
+      <p:grpSpPr>
+        <a:xfrm>
+          <a:off x="0" y="0"/>
+          <a:ext cx="0" cy="0"/>
+          <a:chOff x="0" y="0"/>
+          <a:chExt cx="0" cy="0"/>
+        </a:xfrm>
+      </p:grpSpPr>
+      <p:sp>
+        <p:nvSpPr>
+          <p:cNvPr id="2" name="スライド イメージ プレースホルダー 1"/>
+          <p:cNvSpPr>
+            <a:spLocks noGrp="1" noRot="1" noChangeAspect="1"/>
+          </p:cNvSpPr>
+          <p:nvPr>
+            <p:ph type="sldImg"/>
+          </p:nvPr>
+        </p:nvSpPr>
+        <p:spPr/>
+      </p:sp>
+      <p:sp>
+        <p:nvSpPr>
+          <p:cNvPr id="3" name="ノート プレースホルダー 2"/>
+          <p:cNvSpPr>
+            <a:spLocks noGrp="1"/>
+          </p:cNvSpPr>
+          <p:nvPr>
+            <p:ph type="body" idx="1"/>
+          </p:nvPr>
+        </p:nvSpPr>
+        <p:spPr/>
+        <p:txBody>
+          <a:bodyPr/>
+          <a:lstStyle/>
+          <a:p>
+            <a:r>
+              <a:rPr kumimoji="1" lang="ja-JP" altLang="en-US" dirty="0"/>
+              <a:t>各々</a:t>
+            </a:r>
+          </a:p>
+        </p:txBody>
+      </p:sp>
+      <p:sp>
+        <p:nvSpPr>
+          <p:cNvPr id="4" name="スライド番号プレースホルダー 3"/>
+          <p:cNvSpPr>
+            <a:spLocks noGrp="1"/>
+          </p:cNvSpPr>
+          <p:nvPr>
+            <p:ph type="sldNum" sz="quarter" idx="5"/>
+          </p:nvPr>
+        </p:nvSpPr>
+        <p:spPr/>
+        <p:txBody>
+          <a:bodyPr/>
+          <a:lstStyle/>
+          <a:p>
+            <a:fld id="{DAA37000-F953-4017-BC7A-A0ED4B544261}" type="slidenum">
+              <a:rPr kumimoji="1" lang="ja-JP" altLang="en-US" smtClean="0"/>
+              <a:t>6</a:t>
+            </a:fld>
+            <a:endParaRPr kumimoji="1" lang="ja-JP" altLang="en-US"/>
+          </a:p>
+        </p:txBody>
+      </p:sp>
+    </p:spTree>
+    <p:extLst>
+      <p:ext uri="{BB962C8B-B14F-4D97-AF65-F5344CB8AC3E}">
+        <p14:creationId xmlns:p14="http://schemas.microsoft.com/office/powerpoint/2010/main" val="287175618"/>
+      </p:ext>
+    </p:extLst>
+  </p:cSld>
+  <p:clrMapOvr>
+    <a:masterClrMapping/>
+  </p:clrMapOvr>
+</p:notes>
+</file>
+
+<file path=ppt/notesSlides/notesSlide7.xml><?xml version="1.0" encoding="utf-8"?>
+<p:notes xmlns:a="http://schemas.openxmlformats.org/drawingml/2006/main" xmlns:r="http://schemas.openxmlformats.org/officeDocument/2006/relationships" xmlns:p="http://schemas.openxmlformats.org/presentationml/2006/main">
+  <p:cSld>
+    <p:spTree>
+      <p:nvGrpSpPr>
+        <p:cNvPr id="1" name=""/>
+        <p:cNvGrpSpPr/>
+        <p:nvPr/>
+      </p:nvGrpSpPr>
+      <p:grpSpPr>
+        <a:xfrm>
+          <a:off x="0" y="0"/>
+          <a:ext cx="0" cy="0"/>
+          <a:chOff x="0" y="0"/>
+          <a:chExt cx="0" cy="0"/>
+        </a:xfrm>
+      </p:grpSpPr>
+      <p:sp>
+        <p:nvSpPr>
+          <p:cNvPr id="2" name="スライド イメージ プレースホルダー 1"/>
+          <p:cNvSpPr>
+            <a:spLocks noGrp="1" noRot="1" noChangeAspect="1"/>
+          </p:cNvSpPr>
+          <p:nvPr>
+            <p:ph type="sldImg"/>
+          </p:nvPr>
+        </p:nvSpPr>
+        <p:spPr/>
+      </p:sp>
+      <p:sp>
+        <p:nvSpPr>
+          <p:cNvPr id="3" name="ノート プレースホルダー 2"/>
+          <p:cNvSpPr>
+            <a:spLocks noGrp="1"/>
+          </p:cNvSpPr>
+          <p:nvPr>
+            <p:ph type="body" idx="1"/>
+          </p:nvPr>
+        </p:nvSpPr>
+        <p:spPr/>
+        <p:txBody>
+          <a:bodyPr/>
+          <a:lstStyle/>
+          <a:p>
+            <a:r>
+              <a:rPr kumimoji="1" lang="ja-JP" altLang="en-US" dirty="0"/>
+              <a:t>約</a:t>
+            </a:r>
+            <a:r>
+              <a:rPr kumimoji="1" lang="en-US" altLang="ja-JP" dirty="0"/>
+              <a:t>10</a:t>
+            </a:r>
+            <a:r>
+              <a:rPr kumimoji="1" lang="ja-JP" altLang="en-US" dirty="0"/>
+              <a:t>分　３人</a:t>
+            </a:r>
+          </a:p>
+        </p:txBody>
+      </p:sp>
+      <p:sp>
+        <p:nvSpPr>
+          <p:cNvPr id="4" name="スライド番号プレースホルダー 3"/>
+          <p:cNvSpPr>
+            <a:spLocks noGrp="1"/>
+          </p:cNvSpPr>
+          <p:nvPr>
+            <p:ph type="sldNum" sz="quarter" idx="5"/>
+          </p:nvPr>
+        </p:nvSpPr>
+        <p:spPr/>
+        <p:txBody>
+          <a:bodyPr/>
+          <a:lstStyle/>
+          <a:p>
+            <a:fld id="{DAA37000-F953-4017-BC7A-A0ED4B544261}" type="slidenum">
+              <a:rPr kumimoji="1" lang="ja-JP" altLang="en-US" smtClean="0"/>
+              <a:t>7</a:t>
+            </a:fld>
+            <a:endParaRPr kumimoji="1" lang="ja-JP" altLang="en-US"/>
+          </a:p>
+        </p:txBody>
+      </p:sp>
+    </p:spTree>
+    <p:extLst>
+      <p:ext uri="{BB962C8B-B14F-4D97-AF65-F5344CB8AC3E}">
+        <p14:creationId xmlns:p14="http://schemas.microsoft.com/office/powerpoint/2010/main" val="3185601120"/>
+      </p:ext>
+    </p:extLst>
+  </p:cSld>
+  <p:clrMapOvr>
+    <a:masterClrMapping/>
+  </p:clrMapOvr>
+</p:notes>
+</file>
+
+<file path=ppt/notesSlides/notesSlide8.xml><?xml version="1.0" encoding="utf-8"?>
+<p:notes xmlns:a="http://schemas.openxmlformats.org/drawingml/2006/main" xmlns:r="http://schemas.openxmlformats.org/officeDocument/2006/relationships" xmlns:p="http://schemas.openxmlformats.org/presentationml/2006/main">
+  <p:cSld>
+    <p:spTree>
+      <p:nvGrpSpPr>
+        <p:cNvPr id="1" name=""/>
+        <p:cNvGrpSpPr/>
+        <p:nvPr/>
+      </p:nvGrpSpPr>
+      <p:grpSpPr>
+        <a:xfrm>
+          <a:off x="0" y="0"/>
+          <a:ext cx="0" cy="0"/>
+          <a:chOff x="0" y="0"/>
+          <a:chExt cx="0" cy="0"/>
+        </a:xfrm>
+      </p:grpSpPr>
+      <p:sp>
+        <p:nvSpPr>
+          <p:cNvPr id="2" name="スライド イメージ プレースホルダー 1"/>
+          <p:cNvSpPr>
+            <a:spLocks noGrp="1" noRot="1" noChangeAspect="1"/>
+          </p:cNvSpPr>
+          <p:nvPr>
+            <p:ph type="sldImg"/>
+          </p:nvPr>
+        </p:nvSpPr>
+        <p:spPr/>
+      </p:sp>
+      <p:sp>
+        <p:nvSpPr>
+          <p:cNvPr id="3" name="ノート プレースホルダー 2"/>
+          <p:cNvSpPr>
+            <a:spLocks noGrp="1"/>
+          </p:cNvSpPr>
+          <p:nvPr>
+            <p:ph type="body" idx="1"/>
+          </p:nvPr>
+        </p:nvSpPr>
+        <p:spPr/>
+        <p:txBody>
+          <a:bodyPr/>
+          <a:lstStyle/>
+          <a:p>
+            <a:r>
+              <a:rPr kumimoji="1" lang="ja-JP" altLang="en-US" dirty="0"/>
+              <a:t>２人</a:t>
+            </a:r>
+          </a:p>
+        </p:txBody>
+      </p:sp>
+      <p:sp>
+        <p:nvSpPr>
+          <p:cNvPr id="4" name="スライド番号プレースホルダー 3"/>
+          <p:cNvSpPr>
+            <a:spLocks noGrp="1"/>
+          </p:cNvSpPr>
+          <p:nvPr>
+            <p:ph type="sldNum" sz="quarter" idx="5"/>
+          </p:nvPr>
+        </p:nvSpPr>
+        <p:spPr/>
+        <p:txBody>
+          <a:bodyPr/>
+          <a:lstStyle/>
+          <a:p>
+            <a:fld id="{DAA37000-F953-4017-BC7A-A0ED4B544261}" type="slidenum">
+              <a:rPr kumimoji="1" lang="ja-JP" altLang="en-US" smtClean="0"/>
+              <a:t>8</a:t>
+            </a:fld>
+            <a:endParaRPr kumimoji="1" lang="ja-JP" altLang="en-US"/>
+          </a:p>
+        </p:txBody>
+      </p:sp>
+    </p:spTree>
+    <p:extLst>
+      <p:ext uri="{BB962C8B-B14F-4D97-AF65-F5344CB8AC3E}">
+        <p14:creationId xmlns:p14="http://schemas.microsoft.com/office/powerpoint/2010/main" val="1951702210"/>
+      </p:ext>
+    </p:extLst>
+  </p:cSld>
+  <p:clrMapOvr>
+    <a:masterClrMapping/>
+  </p:clrMapOvr>
+</p:notes>
+</file>
+
+<file path=ppt/notesSlides/notesSlide9.xml><?xml version="1.0" encoding="utf-8"?>
+<p:notes xmlns:a="http://schemas.openxmlformats.org/drawingml/2006/main" xmlns:r="http://schemas.openxmlformats.org/officeDocument/2006/relationships" xmlns:p="http://schemas.openxmlformats.org/presentationml/2006/main">
+  <p:cSld>
+    <p:spTree>
+      <p:nvGrpSpPr>
+        <p:cNvPr id="1" name=""/>
+        <p:cNvGrpSpPr/>
+        <p:nvPr/>
+      </p:nvGrpSpPr>
+      <p:grpSpPr>
+        <a:xfrm>
+          <a:off x="0" y="0"/>
+          <a:ext cx="0" cy="0"/>
+          <a:chOff x="0" y="0"/>
+          <a:chExt cx="0" cy="0"/>
+        </a:xfrm>
+      </p:grpSpPr>
+      <p:sp>
+        <p:nvSpPr>
+          <p:cNvPr id="2" name="スライド イメージ プレースホルダー 1"/>
+          <p:cNvSpPr>
+            <a:spLocks noGrp="1" noRot="1" noChangeAspect="1"/>
+          </p:cNvSpPr>
+          <p:nvPr>
+            <p:ph type="sldImg"/>
+          </p:nvPr>
+        </p:nvSpPr>
+        <p:spPr/>
+      </p:sp>
+      <p:sp>
+        <p:nvSpPr>
+          <p:cNvPr id="3" name="ノート プレースホルダー 2"/>
+          <p:cNvSpPr>
+            <a:spLocks noGrp="1"/>
+          </p:cNvSpPr>
+          <p:nvPr>
+            <p:ph type="body" idx="1"/>
+          </p:nvPr>
+        </p:nvSpPr>
+        <p:spPr/>
+        <p:txBody>
+          <a:bodyPr/>
+          <a:lstStyle/>
+          <a:p>
+            <a:r>
+              <a:rPr kumimoji="1" lang="en-US" altLang="ja-JP" dirty="0"/>
+              <a:t>2.5</a:t>
+            </a:r>
+            <a:r>
+              <a:rPr kumimoji="1" lang="ja-JP" altLang="en-US" dirty="0"/>
+              <a:t>分</a:t>
+            </a:r>
+          </a:p>
+        </p:txBody>
+      </p:sp>
+      <p:sp>
+        <p:nvSpPr>
+          <p:cNvPr id="4" name="スライド番号プレースホルダー 3"/>
+          <p:cNvSpPr>
+            <a:spLocks noGrp="1"/>
+          </p:cNvSpPr>
+          <p:nvPr>
+            <p:ph type="sldNum" sz="quarter" idx="5"/>
+          </p:nvPr>
+        </p:nvSpPr>
+        <p:spPr/>
+        <p:txBody>
+          <a:bodyPr/>
+          <a:lstStyle/>
+          <a:p>
+            <a:fld id="{DAA37000-F953-4017-BC7A-A0ED4B544261}" type="slidenum">
+              <a:rPr kumimoji="1" lang="ja-JP" altLang="en-US" smtClean="0"/>
+              <a:t>9</a:t>
+            </a:fld>
+            <a:endParaRPr kumimoji="1" lang="ja-JP" altLang="en-US"/>
+          </a:p>
+        </p:txBody>
+      </p:sp>
+    </p:spTree>
+    <p:extLst>
+      <p:ext uri="{BB962C8B-B14F-4D97-AF65-F5344CB8AC3E}">
+        <p14:creationId xmlns:p14="http://schemas.microsoft.com/office/powerpoint/2010/main" val="100480747"/>
+      </p:ext>
+    </p:extLst>
+  </p:cSld>
+  <p:clrMapOvr>
+    <a:masterClrMapping/>
+  </p:clrMapOvr>
+</p:notes>
 </file>
 
 <file path=ppt/slideLayouts/slideLayout1.xml><?xml version="1.0" encoding="utf-8"?>
@@ -2765,7 +4046,7 @@
   <p:cSld>
     <p:bg>
       <p:bgRef idx="1001">
-        <a:schemeClr val="bg2"/>
+        <a:schemeClr val="bg1"/>
       </p:bgRef>
     </p:bg>
     <p:spTree>
@@ -3549,7 +4830,7 @@
       </p:ext>
     </p:extLst>
   </p:cSld>
-  <p:clrMap bg1="dk1" tx1="lt1" bg2="dk2" tx2="lt2" accent1="accent1" accent2="accent2" accent3="accent3" accent4="accent4" accent5="accent5" accent6="accent6" hlink="hlink" folHlink="folHlink"/>
+  <p:clrMap bg1="lt1" tx1="dk1" bg2="lt2" tx2="dk2" accent1="accent1" accent2="accent2" accent3="accent3" accent4="accent4" accent5="accent5" accent6="accent6" hlink="hlink" folHlink="folHlink"/>
   <p:sldLayoutIdLst>
     <p:sldLayoutId id="2147483669" r:id="rId1"/>
     <p:sldLayoutId id="2147483670" r:id="rId2"/>
@@ -3859,14 +5140,6 @@
 <file path=ppt/slides/slide1.xml><?xml version="1.0" encoding="utf-8"?>
 <p:sld xmlns:a="http://schemas.openxmlformats.org/drawingml/2006/main" xmlns:r="http://schemas.openxmlformats.org/officeDocument/2006/relationships" xmlns:p="http://schemas.openxmlformats.org/presentationml/2006/main">
   <p:cSld>
-    <p:bg>
-      <p:bgPr>
-        <a:solidFill>
-          <a:schemeClr val="bg2"/>
-        </a:solidFill>
-        <a:effectLst/>
-      </p:bgPr>
-    </p:bg>
     <p:spTree>
       <p:nvGrpSpPr>
         <p:cNvPr id="1" name=""/>
@@ -3971,7 +5244,7 @@
           <p:nvPr/>
         </p:nvPicPr>
         <p:blipFill rotWithShape="1">
-          <a:blip r:embed="rId2"/>
+          <a:blip r:embed="rId3"/>
           <a:srcRect l="6631" r="6631" b="-1"/>
           <a:stretch/>
         </p:blipFill>
@@ -4359,7 +5632,7 @@
           <p:cNvPr id="2" name="タイトル 1">
             <a:extLst>
               <a:ext uri="{FF2B5EF4-FFF2-40B4-BE49-F238E27FC236}">
-                <a16:creationId xmlns:a16="http://schemas.microsoft.com/office/drawing/2014/main" id="{5CA8C262-C3F3-46E7-846D-0933A9DF8052}"/>
+                <a16:creationId xmlns:a16="http://schemas.microsoft.com/office/drawing/2014/main" id="{E04D5201-C748-490C-850C-D7E9F707D9E9}"/>
               </a:ext>
             </a:extLst>
           </p:cNvPr>
@@ -4377,7 +5650,7 @@
           <a:p>
             <a:r>
               <a:rPr kumimoji="1" lang="ja-JP" altLang="en-US" dirty="0"/>
-              <a:t>開発を終えての感想（照屋涼）</a:t>
+              <a:t>開発を終えての感想（大城一馬）</a:t>
             </a:r>
           </a:p>
         </p:txBody>
@@ -4387,7 +5660,7 @@
           <p:cNvPr id="3" name="コンテンツ プレースホルダー 2">
             <a:extLst>
               <a:ext uri="{FF2B5EF4-FFF2-40B4-BE49-F238E27FC236}">
-                <a16:creationId xmlns:a16="http://schemas.microsoft.com/office/drawing/2014/main" id="{ADAB4589-010E-4957-8733-275B293C5276}"/>
+                <a16:creationId xmlns:a16="http://schemas.microsoft.com/office/drawing/2014/main" id="{332365A4-10D1-4360-A66A-513A5240E98A}"/>
               </a:ext>
             </a:extLst>
           </p:cNvPr>
@@ -4405,15 +5678,19 @@
           <a:p>
             <a:r>
               <a:rPr kumimoji="1" lang="ja-JP" altLang="en-US" dirty="0"/>
-              <a:t>楽しかっあ</a:t>
-            </a:r>
+              <a:t>たのしかった　</a:t>
+            </a:r>
+            <a:endParaRPr kumimoji="1" lang="en-US" altLang="ja-JP" dirty="0"/>
+          </a:p>
+          <a:p>
+            <a:endParaRPr kumimoji="1" lang="ja-JP" altLang="en-US" dirty="0"/>
           </a:p>
         </p:txBody>
       </p:sp>
     </p:spTree>
     <p:extLst>
       <p:ext uri="{BB962C8B-B14F-4D97-AF65-F5344CB8AC3E}">
-        <p14:creationId xmlns:p14="http://schemas.microsoft.com/office/powerpoint/2010/main" val="1348427"/>
+        <p14:creationId xmlns:p14="http://schemas.microsoft.com/office/powerpoint/2010/main" val="2875413314"/>
       </p:ext>
     </p:extLst>
   </p:cSld>
@@ -4445,7 +5722,7 @@
           <p:cNvPr id="2" name="タイトル 1">
             <a:extLst>
               <a:ext uri="{FF2B5EF4-FFF2-40B4-BE49-F238E27FC236}">
-                <a16:creationId xmlns:a16="http://schemas.microsoft.com/office/drawing/2014/main" id="{D0A9F469-FBF0-459F-9E2D-34917998441E}"/>
+                <a16:creationId xmlns:a16="http://schemas.microsoft.com/office/drawing/2014/main" id="{5CA8C262-C3F3-46E7-846D-0933A9DF8052}"/>
               </a:ext>
             </a:extLst>
           </p:cNvPr>
@@ -4463,7 +5740,7 @@
           <a:p>
             <a:r>
               <a:rPr kumimoji="1" lang="ja-JP" altLang="en-US" dirty="0"/>
-              <a:t>開発を終えての感想（天願大河）</a:t>
+              <a:t>開発を終えての感想（照屋涼）</a:t>
             </a:r>
           </a:p>
         </p:txBody>
@@ -4473,7 +5750,7 @@
           <p:cNvPr id="3" name="コンテンツ プレースホルダー 2">
             <a:extLst>
               <a:ext uri="{FF2B5EF4-FFF2-40B4-BE49-F238E27FC236}">
-                <a16:creationId xmlns:a16="http://schemas.microsoft.com/office/drawing/2014/main" id="{BAD6D2BF-5517-4E87-A0F7-5E49DEBBA58A}"/>
+                <a16:creationId xmlns:a16="http://schemas.microsoft.com/office/drawing/2014/main" id="{ADAB4589-010E-4957-8733-275B293C5276}"/>
               </a:ext>
             </a:extLst>
           </p:cNvPr>
@@ -4491,7 +5768,7 @@
           <a:p>
             <a:r>
               <a:rPr kumimoji="1" lang="ja-JP" altLang="en-US" dirty="0"/>
-              <a:t>たのしぁた</a:t>
+              <a:t>楽しかっあ</a:t>
             </a:r>
           </a:p>
         </p:txBody>
@@ -4499,7 +5776,7 @@
     </p:spTree>
     <p:extLst>
       <p:ext uri="{BB962C8B-B14F-4D97-AF65-F5344CB8AC3E}">
-        <p14:creationId xmlns:p14="http://schemas.microsoft.com/office/powerpoint/2010/main" val="1402136929"/>
+        <p14:creationId xmlns:p14="http://schemas.microsoft.com/office/powerpoint/2010/main" val="1348427"/>
       </p:ext>
     </p:extLst>
   </p:cSld>
@@ -4531,7 +5808,7 @@
           <p:cNvPr id="2" name="タイトル 1">
             <a:extLst>
               <a:ext uri="{FF2B5EF4-FFF2-40B4-BE49-F238E27FC236}">
-                <a16:creationId xmlns:a16="http://schemas.microsoft.com/office/drawing/2014/main" id="{70DC0E4D-7A91-4D7F-BB6B-9DB1090D5B07}"/>
+                <a16:creationId xmlns:a16="http://schemas.microsoft.com/office/drawing/2014/main" id="{D0A9F469-FBF0-459F-9E2D-34917998441E}"/>
               </a:ext>
             </a:extLst>
           </p:cNvPr>
@@ -4549,7 +5826,7 @@
           <a:p>
             <a:r>
               <a:rPr kumimoji="1" lang="ja-JP" altLang="en-US" dirty="0"/>
-              <a:t>開発を終えての感想（天願陽聖）</a:t>
+              <a:t>開発を終えての感想（天願大河）</a:t>
             </a:r>
           </a:p>
         </p:txBody>
@@ -4559,7 +5836,7 @@
           <p:cNvPr id="3" name="コンテンツ プレースホルダー 2">
             <a:extLst>
               <a:ext uri="{FF2B5EF4-FFF2-40B4-BE49-F238E27FC236}">
-                <a16:creationId xmlns:a16="http://schemas.microsoft.com/office/drawing/2014/main" id="{DE2F94AC-B39C-491F-A14C-9401576B4DFB}"/>
+                <a16:creationId xmlns:a16="http://schemas.microsoft.com/office/drawing/2014/main" id="{BAD6D2BF-5517-4E87-A0F7-5E49DEBBA58A}"/>
               </a:ext>
             </a:extLst>
           </p:cNvPr>
@@ -4577,7 +5854,7 @@
           <a:p>
             <a:r>
               <a:rPr kumimoji="1" lang="ja-JP" altLang="en-US" dirty="0"/>
-              <a:t>たしのかｊｌｈ</a:t>
+              <a:t>たのしぁた</a:t>
             </a:r>
           </a:p>
         </p:txBody>
@@ -4585,7 +5862,7 @@
     </p:spTree>
     <p:extLst>
       <p:ext uri="{BB962C8B-B14F-4D97-AF65-F5344CB8AC3E}">
-        <p14:creationId xmlns:p14="http://schemas.microsoft.com/office/powerpoint/2010/main" val="1435277462"/>
+        <p14:creationId xmlns:p14="http://schemas.microsoft.com/office/powerpoint/2010/main" val="1402136929"/>
       </p:ext>
     </p:extLst>
   </p:cSld>
@@ -4617,7 +5894,7 @@
           <p:cNvPr id="2" name="タイトル 1">
             <a:extLst>
               <a:ext uri="{FF2B5EF4-FFF2-40B4-BE49-F238E27FC236}">
-                <a16:creationId xmlns:a16="http://schemas.microsoft.com/office/drawing/2014/main" id="{B33BCBE8-F2B1-4AD8-843E-FB4D7C63D660}"/>
+                <a16:creationId xmlns:a16="http://schemas.microsoft.com/office/drawing/2014/main" id="{70DC0E4D-7A91-4D7F-BB6B-9DB1090D5B07}"/>
               </a:ext>
             </a:extLst>
           </p:cNvPr>
@@ -4635,7 +5912,7 @@
           <a:p>
             <a:r>
               <a:rPr kumimoji="1" lang="ja-JP" altLang="en-US" dirty="0"/>
-              <a:t>開発を終えての感想（宮城竜成）</a:t>
+              <a:t>開発を終えての感想（天願陽聖）</a:t>
             </a:r>
           </a:p>
         </p:txBody>
@@ -4645,7 +5922,7 @@
           <p:cNvPr id="3" name="コンテンツ プレースホルダー 2">
             <a:extLst>
               <a:ext uri="{FF2B5EF4-FFF2-40B4-BE49-F238E27FC236}">
-                <a16:creationId xmlns:a16="http://schemas.microsoft.com/office/drawing/2014/main" id="{90DEDE0D-ED72-46C6-B4E0-0BB5097D9916}"/>
+                <a16:creationId xmlns:a16="http://schemas.microsoft.com/office/drawing/2014/main" id="{DE2F94AC-B39C-491F-A14C-9401576B4DFB}"/>
               </a:ext>
             </a:extLst>
           </p:cNvPr>
@@ -4663,7 +5940,7 @@
           <a:p>
             <a:r>
               <a:rPr kumimoji="1" lang="ja-JP" altLang="en-US" dirty="0"/>
-              <a:t>Ｌｋｊふぁｌｄｓｋｊふぉ</a:t>
+              <a:t>たしのかｊｌｈ</a:t>
             </a:r>
           </a:p>
         </p:txBody>
@@ -4671,7 +5948,7 @@
     </p:spTree>
     <p:extLst>
       <p:ext uri="{BB962C8B-B14F-4D97-AF65-F5344CB8AC3E}">
-        <p14:creationId xmlns:p14="http://schemas.microsoft.com/office/powerpoint/2010/main" val="217422254"/>
+        <p14:creationId xmlns:p14="http://schemas.microsoft.com/office/powerpoint/2010/main" val="1435277462"/>
       </p:ext>
     </p:extLst>
   </p:cSld>
@@ -4700,44 +5977,64 @@
       </p:grpSpPr>
       <p:sp>
         <p:nvSpPr>
-          <p:cNvPr id="2" name="テキスト ボックス 1">
-            <a:extLst>
-              <a:ext uri="{FF2B5EF4-FFF2-40B4-BE49-F238E27FC236}">
-                <a16:creationId xmlns:a16="http://schemas.microsoft.com/office/drawing/2014/main" id="{D300679D-FF1D-4CC7-BF9D-7A61231882EA}"/>
-              </a:ext>
-            </a:extLst>
-          </p:cNvPr>
-          <p:cNvSpPr txBox="1"/>
-          <p:nvPr/>
-        </p:nvSpPr>
-        <p:spPr>
-          <a:xfrm>
-            <a:off x="1847088" y="2660904"/>
-            <a:ext cx="8641080" cy="1200329"/>
-          </a:xfrm>
-          <a:prstGeom prst="rect">
-            <a:avLst/>
-          </a:prstGeom>
-          <a:noFill/>
-        </p:spPr>
-        <p:txBody>
-          <a:bodyPr wrap="square" rtlCol="0">
-            <a:spAutoFit/>
-          </a:bodyPr>
-          <a:lstStyle/>
-          <a:p>
-            <a:r>
-              <a:rPr lang="ja-JP" altLang="en-US" sz="7200" dirty="0"/>
-              <a:t>研修を終えての感想</a:t>
-            </a:r>
-            <a:endParaRPr kumimoji="1" lang="ja-JP" altLang="en-US" sz="7200" dirty="0"/>
+          <p:cNvPr id="2" name="タイトル 1">
+            <a:extLst>
+              <a:ext uri="{FF2B5EF4-FFF2-40B4-BE49-F238E27FC236}">
+                <a16:creationId xmlns:a16="http://schemas.microsoft.com/office/drawing/2014/main" id="{B33BCBE8-F2B1-4AD8-843E-FB4D7C63D660}"/>
+              </a:ext>
+            </a:extLst>
+          </p:cNvPr>
+          <p:cNvSpPr>
+            <a:spLocks noGrp="1"/>
+          </p:cNvSpPr>
+          <p:nvPr>
+            <p:ph type="title"/>
+          </p:nvPr>
+        </p:nvSpPr>
+        <p:spPr/>
+        <p:txBody>
+          <a:bodyPr/>
+          <a:lstStyle/>
+          <a:p>
+            <a:r>
+              <a:rPr kumimoji="1" lang="ja-JP" altLang="en-US" dirty="0"/>
+              <a:t>開発を終えての感想（宮城竜成）</a:t>
+            </a:r>
+          </a:p>
+        </p:txBody>
+      </p:sp>
+      <p:sp>
+        <p:nvSpPr>
+          <p:cNvPr id="3" name="コンテンツ プレースホルダー 2">
+            <a:extLst>
+              <a:ext uri="{FF2B5EF4-FFF2-40B4-BE49-F238E27FC236}">
+                <a16:creationId xmlns:a16="http://schemas.microsoft.com/office/drawing/2014/main" id="{90DEDE0D-ED72-46C6-B4E0-0BB5097D9916}"/>
+              </a:ext>
+            </a:extLst>
+          </p:cNvPr>
+          <p:cNvSpPr>
+            <a:spLocks noGrp="1"/>
+          </p:cNvSpPr>
+          <p:nvPr>
+            <p:ph idx="1"/>
+          </p:nvPr>
+        </p:nvSpPr>
+        <p:spPr/>
+        <p:txBody>
+          <a:bodyPr/>
+          <a:lstStyle/>
+          <a:p>
+            <a:r>
+              <a:rPr kumimoji="1" lang="ja-JP" altLang="en-US" dirty="0"/>
+              <a:t>Ｌｋｊふぁｌｄｓｋｊふぉ</a:t>
+            </a:r>
           </a:p>
         </p:txBody>
       </p:sp>
     </p:spTree>
     <p:extLst>
       <p:ext uri="{BB962C8B-B14F-4D97-AF65-F5344CB8AC3E}">
-        <p14:creationId xmlns:p14="http://schemas.microsoft.com/office/powerpoint/2010/main" val="1793318085"/>
+        <p14:creationId xmlns:p14="http://schemas.microsoft.com/office/powerpoint/2010/main" val="217422254"/>
       </p:ext>
     </p:extLst>
   </p:cSld>
@@ -4766,64 +6063,44 @@
       </p:grpSpPr>
       <p:sp>
         <p:nvSpPr>
-          <p:cNvPr id="2" name="タイトル 1">
-            <a:extLst>
-              <a:ext uri="{FF2B5EF4-FFF2-40B4-BE49-F238E27FC236}">
-                <a16:creationId xmlns:a16="http://schemas.microsoft.com/office/drawing/2014/main" id="{9688E5F2-D137-477B-B824-E1DD6D8DD576}"/>
-              </a:ext>
-            </a:extLst>
-          </p:cNvPr>
-          <p:cNvSpPr>
-            <a:spLocks noGrp="1"/>
-          </p:cNvSpPr>
-          <p:nvPr>
-            <p:ph type="title"/>
-          </p:nvPr>
-        </p:nvSpPr>
-        <p:spPr/>
-        <p:txBody>
-          <a:bodyPr/>
-          <a:lstStyle/>
-          <a:p>
-            <a:r>
-              <a:rPr kumimoji="1" lang="ja-JP" altLang="en-US" dirty="0"/>
-              <a:t>研修を終えての感想（大城一馬）</a:t>
-            </a:r>
-          </a:p>
-        </p:txBody>
-      </p:sp>
-      <p:sp>
-        <p:nvSpPr>
-          <p:cNvPr id="3" name="コンテンツ プレースホルダー 2">
-            <a:extLst>
-              <a:ext uri="{FF2B5EF4-FFF2-40B4-BE49-F238E27FC236}">
-                <a16:creationId xmlns:a16="http://schemas.microsoft.com/office/drawing/2014/main" id="{8ADC1BE6-7A4E-4F1D-AE25-393ECAFEA1CD}"/>
-              </a:ext>
-            </a:extLst>
-          </p:cNvPr>
-          <p:cNvSpPr>
-            <a:spLocks noGrp="1"/>
-          </p:cNvSpPr>
-          <p:nvPr>
-            <p:ph idx="1"/>
-          </p:nvPr>
-        </p:nvSpPr>
-        <p:spPr/>
-        <p:txBody>
-          <a:bodyPr/>
-          <a:lstStyle/>
-          <a:p>
-            <a:r>
-              <a:rPr kumimoji="1" lang="ja-JP" altLang="en-US" dirty="0"/>
-              <a:t>楽しかった</a:t>
-            </a:r>
+          <p:cNvPr id="2" name="テキスト ボックス 1">
+            <a:extLst>
+              <a:ext uri="{FF2B5EF4-FFF2-40B4-BE49-F238E27FC236}">
+                <a16:creationId xmlns:a16="http://schemas.microsoft.com/office/drawing/2014/main" id="{D300679D-FF1D-4CC7-BF9D-7A61231882EA}"/>
+              </a:ext>
+            </a:extLst>
+          </p:cNvPr>
+          <p:cNvSpPr txBox="1"/>
+          <p:nvPr/>
+        </p:nvSpPr>
+        <p:spPr>
+          <a:xfrm>
+            <a:off x="1847088" y="2660904"/>
+            <a:ext cx="8641080" cy="1200329"/>
+          </a:xfrm>
+          <a:prstGeom prst="rect">
+            <a:avLst/>
+          </a:prstGeom>
+          <a:noFill/>
+        </p:spPr>
+        <p:txBody>
+          <a:bodyPr wrap="square" rtlCol="0">
+            <a:spAutoFit/>
+          </a:bodyPr>
+          <a:lstStyle/>
+          <a:p>
+            <a:r>
+              <a:rPr lang="ja-JP" altLang="en-US" sz="7200" dirty="0"/>
+              <a:t>研修を終えての感想</a:t>
+            </a:r>
+            <a:endParaRPr kumimoji="1" lang="ja-JP" altLang="en-US" sz="7200" dirty="0"/>
           </a:p>
         </p:txBody>
       </p:sp>
     </p:spTree>
     <p:extLst>
       <p:ext uri="{BB962C8B-B14F-4D97-AF65-F5344CB8AC3E}">
-        <p14:creationId xmlns:p14="http://schemas.microsoft.com/office/powerpoint/2010/main" val="2836958726"/>
+        <p14:creationId xmlns:p14="http://schemas.microsoft.com/office/powerpoint/2010/main" val="1793318085"/>
       </p:ext>
     </p:extLst>
   </p:cSld>
@@ -4855,7 +6132,7 @@
           <p:cNvPr id="2" name="タイトル 1">
             <a:extLst>
               <a:ext uri="{FF2B5EF4-FFF2-40B4-BE49-F238E27FC236}">
-                <a16:creationId xmlns:a16="http://schemas.microsoft.com/office/drawing/2014/main" id="{5276997B-B1F7-4F72-81B9-5A2796555753}"/>
+                <a16:creationId xmlns:a16="http://schemas.microsoft.com/office/drawing/2014/main" id="{9688E5F2-D137-477B-B824-E1DD6D8DD576}"/>
               </a:ext>
             </a:extLst>
           </p:cNvPr>
@@ -4873,7 +6150,7 @@
           <a:p>
             <a:r>
               <a:rPr kumimoji="1" lang="ja-JP" altLang="en-US" dirty="0"/>
-              <a:t>研修を終えての感想（照屋涼）</a:t>
+              <a:t>研修を終えての感想（大城一馬）</a:t>
             </a:r>
           </a:p>
         </p:txBody>
@@ -4883,7 +6160,7 @@
           <p:cNvPr id="3" name="コンテンツ プレースホルダー 2">
             <a:extLst>
               <a:ext uri="{FF2B5EF4-FFF2-40B4-BE49-F238E27FC236}">
-                <a16:creationId xmlns:a16="http://schemas.microsoft.com/office/drawing/2014/main" id="{B0298E07-189B-411A-A3FD-FD3A57E080BD}"/>
+                <a16:creationId xmlns:a16="http://schemas.microsoft.com/office/drawing/2014/main" id="{8ADC1BE6-7A4E-4F1D-AE25-393ECAFEA1CD}"/>
               </a:ext>
             </a:extLst>
           </p:cNvPr>
@@ -4901,7 +6178,7 @@
           <a:p>
             <a:r>
               <a:rPr kumimoji="1" lang="ja-JP" altLang="en-US" dirty="0"/>
-              <a:t>楽しかっあ</a:t>
+              <a:t>楽しかった</a:t>
             </a:r>
           </a:p>
         </p:txBody>
@@ -4909,7 +6186,7 @@
     </p:spTree>
     <p:extLst>
       <p:ext uri="{BB962C8B-B14F-4D97-AF65-F5344CB8AC3E}">
-        <p14:creationId xmlns:p14="http://schemas.microsoft.com/office/powerpoint/2010/main" val="4045891562"/>
+        <p14:creationId xmlns:p14="http://schemas.microsoft.com/office/powerpoint/2010/main" val="2836958726"/>
       </p:ext>
     </p:extLst>
   </p:cSld>
@@ -4941,7 +6218,7 @@
           <p:cNvPr id="2" name="タイトル 1">
             <a:extLst>
               <a:ext uri="{FF2B5EF4-FFF2-40B4-BE49-F238E27FC236}">
-                <a16:creationId xmlns:a16="http://schemas.microsoft.com/office/drawing/2014/main" id="{04AFBAB6-5784-48A0-A0F9-F5464257D04E}"/>
+                <a16:creationId xmlns:a16="http://schemas.microsoft.com/office/drawing/2014/main" id="{5276997B-B1F7-4F72-81B9-5A2796555753}"/>
               </a:ext>
             </a:extLst>
           </p:cNvPr>
@@ -4959,7 +6236,7 @@
           <a:p>
             <a:r>
               <a:rPr kumimoji="1" lang="ja-JP" altLang="en-US" dirty="0"/>
-              <a:t>研修を終えての感想（天願大河）</a:t>
+              <a:t>研修を終えての感想（照屋涼）</a:t>
             </a:r>
           </a:p>
         </p:txBody>
@@ -4969,7 +6246,7 @@
           <p:cNvPr id="3" name="コンテンツ プレースホルダー 2">
             <a:extLst>
               <a:ext uri="{FF2B5EF4-FFF2-40B4-BE49-F238E27FC236}">
-                <a16:creationId xmlns:a16="http://schemas.microsoft.com/office/drawing/2014/main" id="{4D39B51B-463F-4727-811A-FAB99BD58730}"/>
+                <a16:creationId xmlns:a16="http://schemas.microsoft.com/office/drawing/2014/main" id="{B0298E07-189B-411A-A3FD-FD3A57E080BD}"/>
               </a:ext>
             </a:extLst>
           </p:cNvPr>
@@ -4995,7 +6272,7 @@
     </p:spTree>
     <p:extLst>
       <p:ext uri="{BB962C8B-B14F-4D97-AF65-F5344CB8AC3E}">
-        <p14:creationId xmlns:p14="http://schemas.microsoft.com/office/powerpoint/2010/main" val="1158736267"/>
+        <p14:creationId xmlns:p14="http://schemas.microsoft.com/office/powerpoint/2010/main" val="4045891562"/>
       </p:ext>
     </p:extLst>
   </p:cSld>
@@ -5027,7 +6304,7 @@
           <p:cNvPr id="2" name="タイトル 1">
             <a:extLst>
               <a:ext uri="{FF2B5EF4-FFF2-40B4-BE49-F238E27FC236}">
-                <a16:creationId xmlns:a16="http://schemas.microsoft.com/office/drawing/2014/main" id="{6B9E7D6C-03FE-436A-8A76-BD59F1DFDF72}"/>
+                <a16:creationId xmlns:a16="http://schemas.microsoft.com/office/drawing/2014/main" id="{04AFBAB6-5784-48A0-A0F9-F5464257D04E}"/>
               </a:ext>
             </a:extLst>
           </p:cNvPr>
@@ -5045,7 +6322,7 @@
           <a:p>
             <a:r>
               <a:rPr kumimoji="1" lang="ja-JP" altLang="en-US" dirty="0"/>
-              <a:t>研修を終えての感想（天願陽聖）</a:t>
+              <a:t>研修を終えての感想（天願大河）</a:t>
             </a:r>
           </a:p>
         </p:txBody>
@@ -5055,7 +6332,7 @@
           <p:cNvPr id="3" name="コンテンツ プレースホルダー 2">
             <a:extLst>
               <a:ext uri="{FF2B5EF4-FFF2-40B4-BE49-F238E27FC236}">
-                <a16:creationId xmlns:a16="http://schemas.microsoft.com/office/drawing/2014/main" id="{B535D103-E5FA-467C-90A3-165903AD9985}"/>
+                <a16:creationId xmlns:a16="http://schemas.microsoft.com/office/drawing/2014/main" id="{4D39B51B-463F-4727-811A-FAB99BD58730}"/>
               </a:ext>
             </a:extLst>
           </p:cNvPr>
@@ -5073,15 +6350,7 @@
           <a:p>
             <a:r>
               <a:rPr kumimoji="1" lang="ja-JP" altLang="en-US" dirty="0"/>
-              <a:t>楽しか</a:t>
-            </a:r>
-            <a:r>
-              <a:rPr kumimoji="1" lang="en-US" altLang="ja-JP" dirty="0"/>
-              <a:t>l</a:t>
-            </a:r>
-            <a:r>
-              <a:rPr kumimoji="1" lang="ja-JP" altLang="en-US" dirty="0"/>
-              <a:t>多雨</a:t>
+              <a:t>楽しかっあ</a:t>
             </a:r>
           </a:p>
         </p:txBody>
@@ -5089,7 +6358,7 @@
     </p:spTree>
     <p:extLst>
       <p:ext uri="{BB962C8B-B14F-4D97-AF65-F5344CB8AC3E}">
-        <p14:creationId xmlns:p14="http://schemas.microsoft.com/office/powerpoint/2010/main" val="3470410322"/>
+        <p14:creationId xmlns:p14="http://schemas.microsoft.com/office/powerpoint/2010/main" val="1158736267"/>
       </p:ext>
     </p:extLst>
   </p:cSld>
@@ -5121,7 +6390,7 @@
           <p:cNvPr id="2" name="タイトル 1">
             <a:extLst>
               <a:ext uri="{FF2B5EF4-FFF2-40B4-BE49-F238E27FC236}">
-                <a16:creationId xmlns:a16="http://schemas.microsoft.com/office/drawing/2014/main" id="{299FBEF6-00DF-4DD8-A4D4-62E2042ED2DB}"/>
+                <a16:creationId xmlns:a16="http://schemas.microsoft.com/office/drawing/2014/main" id="{6B9E7D6C-03FE-436A-8A76-BD59F1DFDF72}"/>
               </a:ext>
             </a:extLst>
           </p:cNvPr>
@@ -5139,7 +6408,7 @@
           <a:p>
             <a:r>
               <a:rPr kumimoji="1" lang="ja-JP" altLang="en-US" dirty="0"/>
-              <a:t>研修を終えての感想（宮城竜成）</a:t>
+              <a:t>研修を終えての感想（天願陽聖）</a:t>
             </a:r>
           </a:p>
         </p:txBody>
@@ -5149,7 +6418,7 @@
           <p:cNvPr id="3" name="コンテンツ プレースホルダー 2">
             <a:extLst>
               <a:ext uri="{FF2B5EF4-FFF2-40B4-BE49-F238E27FC236}">
-                <a16:creationId xmlns:a16="http://schemas.microsoft.com/office/drawing/2014/main" id="{CF618CF8-0F6E-4DA9-8A73-31655F94F1D3}"/>
+                <a16:creationId xmlns:a16="http://schemas.microsoft.com/office/drawing/2014/main" id="{B535D103-E5FA-467C-90A3-165903AD9985}"/>
               </a:ext>
             </a:extLst>
           </p:cNvPr>
@@ -5167,23 +6436,15 @@
           <a:p>
             <a:r>
               <a:rPr kumimoji="1" lang="ja-JP" altLang="en-US" dirty="0"/>
-              <a:t>ヵ</a:t>
-            </a:r>
-            <a:r>
-              <a:rPr kumimoji="1" lang="en-US" altLang="ja-JP" dirty="0" err="1"/>
-              <a:t>sjd</a:t>
+              <a:t>楽しか</a:t>
+            </a:r>
+            <a:r>
+              <a:rPr kumimoji="1" lang="en-US" altLang="ja-JP" dirty="0"/>
+              <a:t>l</a:t>
             </a:r>
             <a:r>
               <a:rPr kumimoji="1" lang="ja-JP" altLang="en-US" dirty="0"/>
-              <a:t>；</a:t>
-            </a:r>
-            <a:r>
-              <a:rPr kumimoji="1" lang="en-US" altLang="ja-JP" dirty="0" err="1"/>
-              <a:t>lm</a:t>
-            </a:r>
-            <a:r>
-              <a:rPr kumimoji="1" lang="ja-JP" altLang="en-US" dirty="0"/>
-              <a:t>ｖｋじゃ</a:t>
+              <a:t>多雨</a:t>
             </a:r>
           </a:p>
         </p:txBody>
@@ -5191,7 +6452,7 @@
     </p:spTree>
     <p:extLst>
       <p:ext uri="{BB962C8B-B14F-4D97-AF65-F5344CB8AC3E}">
-        <p14:creationId xmlns:p14="http://schemas.microsoft.com/office/powerpoint/2010/main" val="1812798798"/>
+        <p14:creationId xmlns:p14="http://schemas.microsoft.com/office/powerpoint/2010/main" val="3470410322"/>
       </p:ext>
     </p:extLst>
   </p:cSld>
@@ -5354,6 +6615,108 @@
       </p:grpSpPr>
       <p:sp>
         <p:nvSpPr>
+          <p:cNvPr id="2" name="タイトル 1">
+            <a:extLst>
+              <a:ext uri="{FF2B5EF4-FFF2-40B4-BE49-F238E27FC236}">
+                <a16:creationId xmlns:a16="http://schemas.microsoft.com/office/drawing/2014/main" id="{299FBEF6-00DF-4DD8-A4D4-62E2042ED2DB}"/>
+              </a:ext>
+            </a:extLst>
+          </p:cNvPr>
+          <p:cNvSpPr>
+            <a:spLocks noGrp="1"/>
+          </p:cNvSpPr>
+          <p:nvPr>
+            <p:ph type="title"/>
+          </p:nvPr>
+        </p:nvSpPr>
+        <p:spPr/>
+        <p:txBody>
+          <a:bodyPr/>
+          <a:lstStyle/>
+          <a:p>
+            <a:r>
+              <a:rPr kumimoji="1" lang="ja-JP" altLang="en-US" dirty="0"/>
+              <a:t>研修を終えての感想（宮城竜成）</a:t>
+            </a:r>
+          </a:p>
+        </p:txBody>
+      </p:sp>
+      <p:sp>
+        <p:nvSpPr>
+          <p:cNvPr id="3" name="コンテンツ プレースホルダー 2">
+            <a:extLst>
+              <a:ext uri="{FF2B5EF4-FFF2-40B4-BE49-F238E27FC236}">
+                <a16:creationId xmlns:a16="http://schemas.microsoft.com/office/drawing/2014/main" id="{CF618CF8-0F6E-4DA9-8A73-31655F94F1D3}"/>
+              </a:ext>
+            </a:extLst>
+          </p:cNvPr>
+          <p:cNvSpPr>
+            <a:spLocks noGrp="1"/>
+          </p:cNvSpPr>
+          <p:nvPr>
+            <p:ph idx="1"/>
+          </p:nvPr>
+        </p:nvSpPr>
+        <p:spPr/>
+        <p:txBody>
+          <a:bodyPr/>
+          <a:lstStyle/>
+          <a:p>
+            <a:r>
+              <a:rPr kumimoji="1" lang="ja-JP" altLang="en-US" dirty="0"/>
+              <a:t>ヵ</a:t>
+            </a:r>
+            <a:r>
+              <a:rPr kumimoji="1" lang="en-US" altLang="ja-JP" dirty="0" err="1"/>
+              <a:t>sjd</a:t>
+            </a:r>
+            <a:r>
+              <a:rPr kumimoji="1" lang="ja-JP" altLang="en-US" dirty="0"/>
+              <a:t>；</a:t>
+            </a:r>
+            <a:r>
+              <a:rPr kumimoji="1" lang="en-US" altLang="ja-JP" dirty="0" err="1"/>
+              <a:t>lm</a:t>
+            </a:r>
+            <a:r>
+              <a:rPr kumimoji="1" lang="ja-JP" altLang="en-US" dirty="0"/>
+              <a:t>ｖｋじゃ</a:t>
+            </a:r>
+          </a:p>
+        </p:txBody>
+      </p:sp>
+    </p:spTree>
+    <p:extLst>
+      <p:ext uri="{BB962C8B-B14F-4D97-AF65-F5344CB8AC3E}">
+        <p14:creationId xmlns:p14="http://schemas.microsoft.com/office/powerpoint/2010/main" val="1812798798"/>
+      </p:ext>
+    </p:extLst>
+  </p:cSld>
+  <p:clrMapOvr>
+    <a:masterClrMapping/>
+  </p:clrMapOvr>
+</p:sld>
+</file>
+
+<file path=ppt/slides/slide21.xml><?xml version="1.0" encoding="utf-8"?>
+<p:sld xmlns:a="http://schemas.openxmlformats.org/drawingml/2006/main" xmlns:r="http://schemas.openxmlformats.org/officeDocument/2006/relationships" xmlns:p="http://schemas.openxmlformats.org/presentationml/2006/main">
+  <p:cSld>
+    <p:spTree>
+      <p:nvGrpSpPr>
+        <p:cNvPr id="1" name=""/>
+        <p:cNvGrpSpPr/>
+        <p:nvPr/>
+      </p:nvGrpSpPr>
+      <p:grpSpPr>
+        <a:xfrm>
+          <a:off x="0" y="0"/>
+          <a:ext cx="0" cy="0"/>
+          <a:chOff x="0" y="0"/>
+          <a:chExt cx="0" cy="0"/>
+        </a:xfrm>
+      </p:grpSpPr>
+      <p:sp>
+        <p:nvSpPr>
           <p:cNvPr id="2" name="テキスト ボックス 1">
             <a:extLst>
               <a:ext uri="{FF2B5EF4-FFF2-40B4-BE49-F238E27FC236}">
@@ -5566,7 +6929,12 @@
             <p:ph idx="1"/>
           </p:nvPr>
         </p:nvSpPr>
-        <p:spPr/>
+        <p:spPr>
+          <a:xfrm>
+            <a:off x="762000" y="2296633"/>
+            <a:ext cx="10668000" cy="3818083"/>
+          </a:xfrm>
+        </p:spPr>
         <p:txBody>
           <a:bodyPr>
             <a:normAutofit lnSpcReduction="10000"/>
@@ -5957,43 +7325,76 @@
       </p:grpSpPr>
       <p:sp>
         <p:nvSpPr>
-          <p:cNvPr id="2" name="テキスト ボックス 1">
-            <a:extLst>
-              <a:ext uri="{FF2B5EF4-FFF2-40B4-BE49-F238E27FC236}">
-                <a16:creationId xmlns:a16="http://schemas.microsoft.com/office/drawing/2014/main" id="{EBBC90F4-5DFE-4A03-8CAF-1889A963DA8C}"/>
-              </a:ext>
-            </a:extLst>
-          </p:cNvPr>
-          <p:cNvSpPr txBox="1"/>
-          <p:nvPr/>
-        </p:nvSpPr>
-        <p:spPr>
-          <a:xfrm>
-            <a:off x="1737360" y="2788920"/>
-            <a:ext cx="8677656" cy="1200329"/>
-          </a:xfrm>
-          <a:prstGeom prst="rect">
-            <a:avLst/>
-          </a:prstGeom>
-          <a:noFill/>
-        </p:spPr>
-        <p:txBody>
-          <a:bodyPr wrap="square" rtlCol="0">
-            <a:spAutoFit/>
-          </a:bodyPr>
-          <a:lstStyle/>
-          <a:p>
-            <a:r>
-              <a:rPr kumimoji="1" lang="ja-JP" altLang="en-US" sz="7200" dirty="0"/>
-              <a:t>開発を終えての感想</a:t>
-            </a:r>
+          <p:cNvPr id="2" name="タイトル 1">
+            <a:extLst>
+              <a:ext uri="{FF2B5EF4-FFF2-40B4-BE49-F238E27FC236}">
+                <a16:creationId xmlns:a16="http://schemas.microsoft.com/office/drawing/2014/main" id="{BA0A778D-67B0-4677-83E7-C45FECF2D6F3}"/>
+              </a:ext>
+            </a:extLst>
+          </p:cNvPr>
+          <p:cNvSpPr>
+            <a:spLocks noGrp="1"/>
+          </p:cNvSpPr>
+          <p:nvPr>
+            <p:ph type="title"/>
+          </p:nvPr>
+        </p:nvSpPr>
+        <p:spPr/>
+        <p:txBody>
+          <a:bodyPr/>
+          <a:lstStyle/>
+          <a:p>
+            <a:r>
+              <a:rPr lang="ja-JP" altLang="en-US" dirty="0"/>
+              <a:t>システムを作り終えての結果と考察</a:t>
+            </a:r>
+            <a:endParaRPr kumimoji="1" lang="ja-JP" altLang="en-US" dirty="0"/>
+          </a:p>
+        </p:txBody>
+      </p:sp>
+      <p:sp>
+        <p:nvSpPr>
+          <p:cNvPr id="3" name="コンテンツ プレースホルダー 2">
+            <a:extLst>
+              <a:ext uri="{FF2B5EF4-FFF2-40B4-BE49-F238E27FC236}">
+                <a16:creationId xmlns:a16="http://schemas.microsoft.com/office/drawing/2014/main" id="{C8414036-92DE-46A5-9DC9-AEEAD1425525}"/>
+              </a:ext>
+            </a:extLst>
+          </p:cNvPr>
+          <p:cNvSpPr>
+            <a:spLocks noGrp="1"/>
+          </p:cNvSpPr>
+          <p:nvPr>
+            <p:ph idx="1"/>
+          </p:nvPr>
+        </p:nvSpPr>
+        <p:spPr/>
+        <p:txBody>
+          <a:bodyPr/>
+          <a:lstStyle/>
+          <a:p>
+            <a:r>
+              <a:rPr kumimoji="1" lang="ja-JP" altLang="en-US" dirty="0"/>
+              <a:t>システムは完成しました。</a:t>
+            </a:r>
+            <a:endParaRPr kumimoji="1" lang="en-US" altLang="ja-JP" dirty="0"/>
+          </a:p>
+          <a:p>
+            <a:endParaRPr kumimoji="1" lang="en-US" altLang="ja-JP" dirty="0"/>
+          </a:p>
+          <a:p>
+            <a:r>
+              <a:rPr kumimoji="1" lang="ja-JP" altLang="en-US" dirty="0"/>
+              <a:t>しかし、予定通には作業を進められなかった（ブラックジャック・必殺技等）。</a:t>
+            </a:r>
+            <a:endParaRPr kumimoji="1" lang="en-US" altLang="ja-JP" dirty="0"/>
           </a:p>
         </p:txBody>
       </p:sp>
     </p:spTree>
     <p:extLst>
       <p:ext uri="{BB962C8B-B14F-4D97-AF65-F5344CB8AC3E}">
-        <p14:creationId xmlns:p14="http://schemas.microsoft.com/office/powerpoint/2010/main" val="2927162088"/>
+        <p14:creationId xmlns:p14="http://schemas.microsoft.com/office/powerpoint/2010/main" val="1984852456"/>
       </p:ext>
     </p:extLst>
   </p:cSld>
@@ -6022,68 +7423,43 @@
       </p:grpSpPr>
       <p:sp>
         <p:nvSpPr>
-          <p:cNvPr id="2" name="タイトル 1">
-            <a:extLst>
-              <a:ext uri="{FF2B5EF4-FFF2-40B4-BE49-F238E27FC236}">
-                <a16:creationId xmlns:a16="http://schemas.microsoft.com/office/drawing/2014/main" id="{E04D5201-C748-490C-850C-D7E9F707D9E9}"/>
-              </a:ext>
-            </a:extLst>
-          </p:cNvPr>
-          <p:cNvSpPr>
-            <a:spLocks noGrp="1"/>
-          </p:cNvSpPr>
-          <p:nvPr>
-            <p:ph type="title"/>
-          </p:nvPr>
-        </p:nvSpPr>
-        <p:spPr/>
-        <p:txBody>
-          <a:bodyPr/>
-          <a:lstStyle/>
-          <a:p>
-            <a:r>
-              <a:rPr kumimoji="1" lang="ja-JP" altLang="en-US" dirty="0"/>
-              <a:t>開発を終えての感想（大城一馬）</a:t>
-            </a:r>
-          </a:p>
-        </p:txBody>
-      </p:sp>
-      <p:sp>
-        <p:nvSpPr>
-          <p:cNvPr id="3" name="コンテンツ プレースホルダー 2">
-            <a:extLst>
-              <a:ext uri="{FF2B5EF4-FFF2-40B4-BE49-F238E27FC236}">
-                <a16:creationId xmlns:a16="http://schemas.microsoft.com/office/drawing/2014/main" id="{332365A4-10D1-4360-A66A-513A5240E98A}"/>
-              </a:ext>
-            </a:extLst>
-          </p:cNvPr>
-          <p:cNvSpPr>
-            <a:spLocks noGrp="1"/>
-          </p:cNvSpPr>
-          <p:nvPr>
-            <p:ph idx="1"/>
-          </p:nvPr>
-        </p:nvSpPr>
-        <p:spPr/>
-        <p:txBody>
-          <a:bodyPr/>
-          <a:lstStyle/>
-          <a:p>
-            <a:r>
-              <a:rPr kumimoji="1" lang="ja-JP" altLang="en-US" dirty="0"/>
-              <a:t>たのしかった　</a:t>
-            </a:r>
-            <a:endParaRPr kumimoji="1" lang="en-US" altLang="ja-JP" dirty="0"/>
-          </a:p>
-          <a:p>
-            <a:endParaRPr kumimoji="1" lang="ja-JP" altLang="en-US" dirty="0"/>
+          <p:cNvPr id="2" name="テキスト ボックス 1">
+            <a:extLst>
+              <a:ext uri="{FF2B5EF4-FFF2-40B4-BE49-F238E27FC236}">
+                <a16:creationId xmlns:a16="http://schemas.microsoft.com/office/drawing/2014/main" id="{EBBC90F4-5DFE-4A03-8CAF-1889A963DA8C}"/>
+              </a:ext>
+            </a:extLst>
+          </p:cNvPr>
+          <p:cNvSpPr txBox="1"/>
+          <p:nvPr/>
+        </p:nvSpPr>
+        <p:spPr>
+          <a:xfrm>
+            <a:off x="1737360" y="2788920"/>
+            <a:ext cx="8677656" cy="1200329"/>
+          </a:xfrm>
+          <a:prstGeom prst="rect">
+            <a:avLst/>
+          </a:prstGeom>
+          <a:noFill/>
+        </p:spPr>
+        <p:txBody>
+          <a:bodyPr wrap="square" rtlCol="0">
+            <a:spAutoFit/>
+          </a:bodyPr>
+          <a:lstStyle/>
+          <a:p>
+            <a:r>
+              <a:rPr kumimoji="1" lang="ja-JP" altLang="en-US" sz="7200" dirty="0"/>
+              <a:t>開発を終えての感想</a:t>
+            </a:r>
           </a:p>
         </p:txBody>
       </p:sp>
     </p:spTree>
     <p:extLst>
       <p:ext uri="{BB962C8B-B14F-4D97-AF65-F5344CB8AC3E}">
-        <p14:creationId xmlns:p14="http://schemas.microsoft.com/office/powerpoint/2010/main" val="2875413314"/>
+        <p14:creationId xmlns:p14="http://schemas.microsoft.com/office/powerpoint/2010/main" val="2927162088"/>
       </p:ext>
     </p:extLst>
   </p:cSld>
@@ -6292,4 +7668,299 @@
     </a:ext>
   </a:extLst>
 </a:theme>
+</file>
+
+<file path=ppt/theme/theme2.xml><?xml version="1.0" encoding="utf-8"?>
+<a:theme xmlns:a="http://schemas.openxmlformats.org/drawingml/2006/main" name="Office テーマ">
+  <a:themeElements>
+    <a:clrScheme name="Office">
+      <a:dk1>
+        <a:sysClr val="windowText" lastClr="000000"/>
+      </a:dk1>
+      <a:lt1>
+        <a:sysClr val="window" lastClr="FFFFFF"/>
+      </a:lt1>
+      <a:dk2>
+        <a:srgbClr val="44546A"/>
+      </a:dk2>
+      <a:lt2>
+        <a:srgbClr val="E7E6E6"/>
+      </a:lt2>
+      <a:accent1>
+        <a:srgbClr val="4472C4"/>
+      </a:accent1>
+      <a:accent2>
+        <a:srgbClr val="ED7D31"/>
+      </a:accent2>
+      <a:accent3>
+        <a:srgbClr val="A5A5A5"/>
+      </a:accent3>
+      <a:accent4>
+        <a:srgbClr val="FFC000"/>
+      </a:accent4>
+      <a:accent5>
+        <a:srgbClr val="5B9BD5"/>
+      </a:accent5>
+      <a:accent6>
+        <a:srgbClr val="70AD47"/>
+      </a:accent6>
+      <a:hlink>
+        <a:srgbClr val="0563C1"/>
+      </a:hlink>
+      <a:folHlink>
+        <a:srgbClr val="954F72"/>
+      </a:folHlink>
+    </a:clrScheme>
+    <a:fontScheme name="Office">
+      <a:majorFont>
+        <a:latin typeface="游ゴシック Light" panose="020F0302020204030204"/>
+        <a:ea typeface=""/>
+        <a:cs typeface=""/>
+        <a:font script="Jpan" typeface="游ゴシック Light"/>
+        <a:font script="Hang" typeface="맑은 고딕"/>
+        <a:font script="Hans" typeface="等线 Light"/>
+        <a:font script="Hant" typeface="新細明體"/>
+        <a:font script="Arab" typeface="Times New Roman"/>
+        <a:font script="Hebr" typeface="Times New Roman"/>
+        <a:font script="Thai" typeface="Angsana New"/>
+        <a:font script="Ethi" typeface="Nyala"/>
+        <a:font script="Beng" typeface="Vrinda"/>
+        <a:font script="Gujr" typeface="Shruti"/>
+        <a:font script="Khmr" typeface="MoolBoran"/>
+        <a:font script="Knda" typeface="Tunga"/>
+        <a:font script="Guru" typeface="Raavi"/>
+        <a:font script="Cans" typeface="Euphemia"/>
+        <a:font script="Cher" typeface="Plantagenet Cherokee"/>
+        <a:font script="Yiii" typeface="Microsoft Yi Baiti"/>
+        <a:font script="Tibt" typeface="Microsoft Himalaya"/>
+        <a:font script="Thaa" typeface="MV Boli"/>
+        <a:font script="Deva" typeface="Mangal"/>
+        <a:font script="Telu" typeface="Gautami"/>
+        <a:font script="Taml" typeface="Latha"/>
+        <a:font script="Syrc" typeface="Estrangelo Edessa"/>
+        <a:font script="Orya" typeface="Kalinga"/>
+        <a:font script="Mlym" typeface="Kartika"/>
+        <a:font script="Laoo" typeface="DokChampa"/>
+        <a:font script="Sinh" typeface="Iskoola Pota"/>
+        <a:font script="Mong" typeface="Mongolian Baiti"/>
+        <a:font script="Viet" typeface="Times New Roman"/>
+        <a:font script="Uigh" typeface="Microsoft Uighur"/>
+        <a:font script="Geor" typeface="Sylfaen"/>
+        <a:font script="Armn" typeface="Arial"/>
+        <a:font script="Bugi" typeface="Leelawadee UI"/>
+        <a:font script="Bopo" typeface="Microsoft JhengHei"/>
+        <a:font script="Java" typeface="Javanese Text"/>
+        <a:font script="Lisu" typeface="Segoe UI"/>
+        <a:font script="Mymr" typeface="Myanmar Text"/>
+        <a:font script="Nkoo" typeface="Ebrima"/>
+        <a:font script="Olck" typeface="Nirmala UI"/>
+        <a:font script="Osma" typeface="Ebrima"/>
+        <a:font script="Phag" typeface="Phagspa"/>
+        <a:font script="Syrn" typeface="Estrangelo Edessa"/>
+        <a:font script="Syrj" typeface="Estrangelo Edessa"/>
+        <a:font script="Syre" typeface="Estrangelo Edessa"/>
+        <a:font script="Sora" typeface="Nirmala UI"/>
+        <a:font script="Tale" typeface="Microsoft Tai Le"/>
+        <a:font script="Talu" typeface="Microsoft New Tai Lue"/>
+        <a:font script="Tfng" typeface="Ebrima"/>
+      </a:majorFont>
+      <a:minorFont>
+        <a:latin typeface="游ゴシック" panose="020F0502020204030204"/>
+        <a:ea typeface=""/>
+        <a:cs typeface=""/>
+        <a:font script="Jpan" typeface="游ゴシック"/>
+        <a:font script="Hang" typeface="맑은 고딕"/>
+        <a:font script="Hans" typeface="等线"/>
+        <a:font script="Hant" typeface="新細明體"/>
+        <a:font script="Arab" typeface="Arial"/>
+        <a:font script="Hebr" typeface="Arial"/>
+        <a:font script="Thai" typeface="Cordia New"/>
+        <a:font script="Ethi" typeface="Nyala"/>
+        <a:font script="Beng" typeface="Vrinda"/>
+        <a:font script="Gujr" typeface="Shruti"/>
+        <a:font script="Khmr" typeface="DaunPenh"/>
+        <a:font script="Knda" typeface="Tunga"/>
+        <a:font script="Guru" typeface="Raavi"/>
+        <a:font script="Cans" typeface="Euphemia"/>
+        <a:font script="Cher" typeface="Plantagenet Cherokee"/>
+        <a:font script="Yiii" typeface="Microsoft Yi Baiti"/>
+        <a:font script="Tibt" typeface="Microsoft Himalaya"/>
+        <a:font script="Thaa" typeface="MV Boli"/>
+        <a:font script="Deva" typeface="Mangal"/>
+        <a:font script="Telu" typeface="Gautami"/>
+        <a:font script="Taml" typeface="Latha"/>
+        <a:font script="Syrc" typeface="Estrangelo Edessa"/>
+        <a:font script="Orya" typeface="Kalinga"/>
+        <a:font script="Mlym" typeface="Kartika"/>
+        <a:font script="Laoo" typeface="DokChampa"/>
+        <a:font script="Sinh" typeface="Iskoola Pota"/>
+        <a:font script="Mong" typeface="Mongolian Baiti"/>
+        <a:font script="Viet" typeface="Arial"/>
+        <a:font script="Uigh" typeface="Microsoft Uighur"/>
+        <a:font script="Geor" typeface="Sylfaen"/>
+        <a:font script="Armn" typeface="Arial"/>
+        <a:font script="Bugi" typeface="Leelawadee UI"/>
+        <a:font script="Bopo" typeface="Microsoft JhengHei"/>
+        <a:font script="Java" typeface="Javanese Text"/>
+        <a:font script="Lisu" typeface="Segoe UI"/>
+        <a:font script="Mymr" typeface="Myanmar Text"/>
+        <a:font script="Nkoo" typeface="Ebrima"/>
+        <a:font script="Olck" typeface="Nirmala UI"/>
+        <a:font script="Osma" typeface="Ebrima"/>
+        <a:font script="Phag" typeface="Phagspa"/>
+        <a:font script="Syrn" typeface="Estrangelo Edessa"/>
+        <a:font script="Syrj" typeface="Estrangelo Edessa"/>
+        <a:font script="Syre" typeface="Estrangelo Edessa"/>
+        <a:font script="Sora" typeface="Nirmala UI"/>
+        <a:font script="Tale" typeface="Microsoft Tai Le"/>
+        <a:font script="Talu" typeface="Microsoft New Tai Lue"/>
+        <a:font script="Tfng" typeface="Ebrima"/>
+      </a:minorFont>
+    </a:fontScheme>
+    <a:fmtScheme name="Office">
+      <a:fillStyleLst>
+        <a:solidFill>
+          <a:schemeClr val="phClr"/>
+        </a:solidFill>
+        <a:gradFill rotWithShape="1">
+          <a:gsLst>
+            <a:gs pos="0">
+              <a:schemeClr val="phClr">
+                <a:lumMod val="110000"/>
+                <a:satMod val="105000"/>
+                <a:tint val="67000"/>
+              </a:schemeClr>
+            </a:gs>
+            <a:gs pos="50000">
+              <a:schemeClr val="phClr">
+                <a:lumMod val="105000"/>
+                <a:satMod val="103000"/>
+                <a:tint val="73000"/>
+              </a:schemeClr>
+            </a:gs>
+            <a:gs pos="100000">
+              <a:schemeClr val="phClr">
+                <a:lumMod val="105000"/>
+                <a:satMod val="109000"/>
+                <a:tint val="81000"/>
+              </a:schemeClr>
+            </a:gs>
+          </a:gsLst>
+          <a:lin ang="5400000" scaled="0"/>
+        </a:gradFill>
+        <a:gradFill rotWithShape="1">
+          <a:gsLst>
+            <a:gs pos="0">
+              <a:schemeClr val="phClr">
+                <a:satMod val="103000"/>
+                <a:lumMod val="102000"/>
+                <a:tint val="94000"/>
+              </a:schemeClr>
+            </a:gs>
+            <a:gs pos="50000">
+              <a:schemeClr val="phClr">
+                <a:satMod val="110000"/>
+                <a:lumMod val="100000"/>
+                <a:shade val="100000"/>
+              </a:schemeClr>
+            </a:gs>
+            <a:gs pos="100000">
+              <a:schemeClr val="phClr">
+                <a:lumMod val="99000"/>
+                <a:satMod val="120000"/>
+                <a:shade val="78000"/>
+              </a:schemeClr>
+            </a:gs>
+          </a:gsLst>
+          <a:lin ang="5400000" scaled="0"/>
+        </a:gradFill>
+      </a:fillStyleLst>
+      <a:lnStyleLst>
+        <a:ln w="6350" cap="flat" cmpd="sng" algn="ctr">
+          <a:solidFill>
+            <a:schemeClr val="phClr"/>
+          </a:solidFill>
+          <a:prstDash val="solid"/>
+          <a:miter lim="800000"/>
+        </a:ln>
+        <a:ln w="12700" cap="flat" cmpd="sng" algn="ctr">
+          <a:solidFill>
+            <a:schemeClr val="phClr"/>
+          </a:solidFill>
+          <a:prstDash val="solid"/>
+          <a:miter lim="800000"/>
+        </a:ln>
+        <a:ln w="19050" cap="flat" cmpd="sng" algn="ctr">
+          <a:solidFill>
+            <a:schemeClr val="phClr"/>
+          </a:solidFill>
+          <a:prstDash val="solid"/>
+          <a:miter lim="800000"/>
+        </a:ln>
+      </a:lnStyleLst>
+      <a:effectStyleLst>
+        <a:effectStyle>
+          <a:effectLst/>
+        </a:effectStyle>
+        <a:effectStyle>
+          <a:effectLst/>
+        </a:effectStyle>
+        <a:effectStyle>
+          <a:effectLst>
+            <a:outerShdw blurRad="57150" dist="19050" dir="5400000" algn="ctr" rotWithShape="0">
+              <a:srgbClr val="000000">
+                <a:alpha val="63000"/>
+              </a:srgbClr>
+            </a:outerShdw>
+          </a:effectLst>
+        </a:effectStyle>
+      </a:effectStyleLst>
+      <a:bgFillStyleLst>
+        <a:solidFill>
+          <a:schemeClr val="phClr"/>
+        </a:solidFill>
+        <a:solidFill>
+          <a:schemeClr val="phClr">
+            <a:tint val="95000"/>
+            <a:satMod val="170000"/>
+          </a:schemeClr>
+        </a:solidFill>
+        <a:gradFill rotWithShape="1">
+          <a:gsLst>
+            <a:gs pos="0">
+              <a:schemeClr val="phClr">
+                <a:tint val="93000"/>
+                <a:satMod val="150000"/>
+                <a:shade val="98000"/>
+                <a:lumMod val="102000"/>
+              </a:schemeClr>
+            </a:gs>
+            <a:gs pos="50000">
+              <a:schemeClr val="phClr">
+                <a:tint val="98000"/>
+                <a:satMod val="130000"/>
+                <a:shade val="90000"/>
+                <a:lumMod val="103000"/>
+              </a:schemeClr>
+            </a:gs>
+            <a:gs pos="100000">
+              <a:schemeClr val="phClr">
+                <a:shade val="63000"/>
+                <a:satMod val="120000"/>
+              </a:schemeClr>
+            </a:gs>
+          </a:gsLst>
+          <a:lin ang="5400000" scaled="0"/>
+        </a:gradFill>
+      </a:bgFillStyleLst>
+    </a:fmtScheme>
+  </a:themeElements>
+  <a:objectDefaults/>
+  <a:extraClrSchemeLst/>
+  <a:extLst>
+    <a:ext uri="{05A4C25C-085E-4340-85A3-A5531E510DB2}">
+      <thm15:themeFamily xmlns:thm15="http://schemas.microsoft.com/office/thememl/2012/main" name="Office Theme" id="{62F939B6-93AF-4DB8-9C6B-D6C7DFDC589F}" vid="{4A3C46E8-61CC-4603-A589-7422A47A8E4A}"/>
+    </a:ext>
+  </a:extLst>
+</a:theme>
 </file>
--- a/発表資料.pptx
+++ b/発表資料.pptx
@@ -131,6 +131,9 @@
     <p:ext uri="{EFAFB233-063F-42B5-8137-9DF3F51BA10A}">
       <p15:sldGuideLst xmlns:p15="http://schemas.microsoft.com/office/powerpoint/2012/main"/>
     </p:ext>
+    <p:ext uri="{2D200454-40CA-4A62-9FC3-DE9A4176ACB9}">
+      <p15:notesGuideLst xmlns:p15="http://schemas.microsoft.com/office/powerpoint/2012/main"/>
+    </p:ext>
   </p:extLst>
 </p:presentation>
 </file>
@@ -562,13 +565,31 @@
           <a:p>
             <a:r>
               <a:rPr kumimoji="1" lang="ja-JP" altLang="en-US" dirty="0"/>
-              <a:t>大河</a:t>
-            </a:r>
-            <a:r>
-              <a:rPr kumimoji="1" lang="ja-JP" altLang="en-US"/>
-              <a:t>さん　</a:t>
-            </a:r>
-            <a:endParaRPr kumimoji="1" lang="en-US" altLang="ja-JP"/>
+              <a:t>大河さん　</a:t>
+            </a:r>
+            <a:endParaRPr kumimoji="1" lang="en-US" altLang="ja-JP" dirty="0"/>
+          </a:p>
+          <a:p>
+            <a:r>
+              <a:rPr kumimoji="1" lang="ja-JP" altLang="en-US" dirty="0"/>
+              <a:t>これから</a:t>
+            </a:r>
+            <a:r>
+              <a:rPr kumimoji="1" lang="en-US" altLang="ja-JP" dirty="0"/>
+              <a:t>D</a:t>
+            </a:r>
+            <a:r>
+              <a:rPr kumimoji="1" lang="ja-JP" altLang="en-US" dirty="0"/>
+              <a:t>グループのグループ開発の成果物についての発表を始めさせていただきます。よろしくお願いします。</a:t>
+            </a:r>
+            <a:endParaRPr kumimoji="1" lang="en-US" altLang="ja-JP" dirty="0"/>
+          </a:p>
+          <a:p>
+            <a:r>
+              <a:rPr kumimoji="1" lang="ja-JP" altLang="en-US" dirty="0"/>
+              <a:t>名前の由来は沖縄でラスベガスにいるような気分になってもらいたいという思いで名付けました。</a:t>
+            </a:r>
+            <a:endParaRPr kumimoji="1" lang="en-US" altLang="ja-JP" dirty="0"/>
           </a:p>
         </p:txBody>
       </p:sp>
@@ -653,12 +674,482 @@
           <a:lstStyle/>
           <a:p>
             <a:r>
+              <a:rPr kumimoji="1" lang="ja-JP" altLang="en-US" dirty="0"/>
+              <a:t>株式会社琉球ネットワークサービスの大城一馬です。開発を終えての感想としましては。</a:t>
+            </a:r>
+          </a:p>
+        </p:txBody>
+      </p:sp>
+      <p:sp>
+        <p:nvSpPr>
+          <p:cNvPr id="4" name="スライド番号プレースホルダー 3"/>
+          <p:cNvSpPr>
+            <a:spLocks noGrp="1"/>
+          </p:cNvSpPr>
+          <p:nvPr>
+            <p:ph type="sldNum" sz="quarter" idx="5"/>
+          </p:nvPr>
+        </p:nvSpPr>
+        <p:spPr/>
+        <p:txBody>
+          <a:bodyPr/>
+          <a:lstStyle/>
+          <a:p>
+            <a:fld id="{DAA37000-F953-4017-BC7A-A0ED4B544261}" type="slidenum">
+              <a:rPr kumimoji="1" lang="ja-JP" altLang="en-US" smtClean="0"/>
+              <a:t>10</a:t>
+            </a:fld>
+            <a:endParaRPr kumimoji="1" lang="ja-JP" altLang="en-US"/>
+          </a:p>
+        </p:txBody>
+      </p:sp>
+    </p:spTree>
+    <p:extLst>
+      <p:ext uri="{BB962C8B-B14F-4D97-AF65-F5344CB8AC3E}">
+        <p14:creationId xmlns:p14="http://schemas.microsoft.com/office/powerpoint/2010/main" val="2024172690"/>
+      </p:ext>
+    </p:extLst>
+  </p:cSld>
+  <p:clrMapOvr>
+    <a:masterClrMapping/>
+  </p:clrMapOvr>
+</p:notes>
+</file>
+
+<file path=ppt/notesSlides/notesSlide11.xml><?xml version="1.0" encoding="utf-8"?>
+<p:notes xmlns:a="http://schemas.openxmlformats.org/drawingml/2006/main" xmlns:r="http://schemas.openxmlformats.org/officeDocument/2006/relationships" xmlns:p="http://schemas.openxmlformats.org/presentationml/2006/main">
+  <p:cSld>
+    <p:spTree>
+      <p:nvGrpSpPr>
+        <p:cNvPr id="1" name=""/>
+        <p:cNvGrpSpPr/>
+        <p:nvPr/>
+      </p:nvGrpSpPr>
+      <p:grpSpPr>
+        <a:xfrm>
+          <a:off x="0" y="0"/>
+          <a:ext cx="0" cy="0"/>
+          <a:chOff x="0" y="0"/>
+          <a:chExt cx="0" cy="0"/>
+        </a:xfrm>
+      </p:grpSpPr>
+      <p:sp>
+        <p:nvSpPr>
+          <p:cNvPr id="2" name="スライド イメージ プレースホルダー 1"/>
+          <p:cNvSpPr>
+            <a:spLocks noGrp="1" noRot="1" noChangeAspect="1"/>
+          </p:cNvSpPr>
+          <p:nvPr>
+            <p:ph type="sldImg"/>
+          </p:nvPr>
+        </p:nvSpPr>
+        <p:spPr/>
+      </p:sp>
+      <p:sp>
+        <p:nvSpPr>
+          <p:cNvPr id="3" name="ノート プレースホルダー 2"/>
+          <p:cNvSpPr>
+            <a:spLocks noGrp="1"/>
+          </p:cNvSpPr>
+          <p:nvPr>
+            <p:ph type="body" idx="1"/>
+          </p:nvPr>
+        </p:nvSpPr>
+        <p:spPr/>
+        <p:txBody>
+          <a:bodyPr/>
+          <a:lstStyle/>
+          <a:p>
+            <a:pPr marL="0" marR="0" lvl="0" indent="0" algn="l" defTabSz="914400" rtl="0" eaLnBrk="1" fontAlgn="auto" latinLnBrk="0" hangingPunct="1">
+              <a:lnSpc>
+                <a:spcPct val="100000"/>
+              </a:lnSpc>
+              <a:spcBef>
+                <a:spcPts val="0"/>
+              </a:spcBef>
+              <a:spcAft>
+                <a:spcPts val="0"/>
+              </a:spcAft>
+              <a:buClrTx/>
+              <a:buSzTx/>
+              <a:buFontTx/>
+              <a:buNone/>
+              <a:tabLst/>
+              <a:defRPr/>
+            </a:pPr>
+            <a:r>
+              <a:rPr kumimoji="1" lang="ja-JP" altLang="en-US" dirty="0"/>
+              <a:t>株式会社琉球ネットワークサービスの照屋涼です。開発を終えての感想としましては、</a:t>
+            </a:r>
+          </a:p>
+          <a:p>
+            <a:endParaRPr kumimoji="1" lang="ja-JP" altLang="en-US" dirty="0"/>
+          </a:p>
+        </p:txBody>
+      </p:sp>
+      <p:sp>
+        <p:nvSpPr>
+          <p:cNvPr id="4" name="スライド番号プレースホルダー 3"/>
+          <p:cNvSpPr>
+            <a:spLocks noGrp="1"/>
+          </p:cNvSpPr>
+          <p:nvPr>
+            <p:ph type="sldNum" sz="quarter" idx="5"/>
+          </p:nvPr>
+        </p:nvSpPr>
+        <p:spPr/>
+        <p:txBody>
+          <a:bodyPr/>
+          <a:lstStyle/>
+          <a:p>
+            <a:fld id="{DAA37000-F953-4017-BC7A-A0ED4B544261}" type="slidenum">
+              <a:rPr kumimoji="1" lang="ja-JP" altLang="en-US" smtClean="0"/>
+              <a:t>11</a:t>
+            </a:fld>
+            <a:endParaRPr kumimoji="1" lang="ja-JP" altLang="en-US"/>
+          </a:p>
+        </p:txBody>
+      </p:sp>
+    </p:spTree>
+    <p:extLst>
+      <p:ext uri="{BB962C8B-B14F-4D97-AF65-F5344CB8AC3E}">
+        <p14:creationId xmlns:p14="http://schemas.microsoft.com/office/powerpoint/2010/main" val="1996540180"/>
+      </p:ext>
+    </p:extLst>
+  </p:cSld>
+  <p:clrMapOvr>
+    <a:masterClrMapping/>
+  </p:clrMapOvr>
+</p:notes>
+</file>
+
+<file path=ppt/notesSlides/notesSlide12.xml><?xml version="1.0" encoding="utf-8"?>
+<p:notes xmlns:a="http://schemas.openxmlformats.org/drawingml/2006/main" xmlns:r="http://schemas.openxmlformats.org/officeDocument/2006/relationships" xmlns:p="http://schemas.openxmlformats.org/presentationml/2006/main">
+  <p:cSld>
+    <p:spTree>
+      <p:nvGrpSpPr>
+        <p:cNvPr id="1" name=""/>
+        <p:cNvGrpSpPr/>
+        <p:nvPr/>
+      </p:nvGrpSpPr>
+      <p:grpSpPr>
+        <a:xfrm>
+          <a:off x="0" y="0"/>
+          <a:ext cx="0" cy="0"/>
+          <a:chOff x="0" y="0"/>
+          <a:chExt cx="0" cy="0"/>
+        </a:xfrm>
+      </p:grpSpPr>
+      <p:sp>
+        <p:nvSpPr>
+          <p:cNvPr id="2" name="スライド イメージ プレースホルダー 1"/>
+          <p:cNvSpPr>
+            <a:spLocks noGrp="1" noRot="1" noChangeAspect="1"/>
+          </p:cNvSpPr>
+          <p:nvPr>
+            <p:ph type="sldImg"/>
+          </p:nvPr>
+        </p:nvSpPr>
+        <p:spPr/>
+      </p:sp>
+      <p:sp>
+        <p:nvSpPr>
+          <p:cNvPr id="3" name="ノート プレースホルダー 2"/>
+          <p:cNvSpPr>
+            <a:spLocks noGrp="1"/>
+          </p:cNvSpPr>
+          <p:nvPr>
+            <p:ph type="body" idx="1"/>
+          </p:nvPr>
+        </p:nvSpPr>
+        <p:spPr/>
+        <p:txBody>
+          <a:bodyPr/>
+          <a:lstStyle/>
+          <a:p>
+            <a:r>
+              <a:rPr kumimoji="1" lang="ja-JP" altLang="en-US" dirty="0"/>
+              <a:t>株式会社ソルティスターの天願大河です。開発を終えての感想としましては、</a:t>
+            </a:r>
+          </a:p>
+        </p:txBody>
+      </p:sp>
+      <p:sp>
+        <p:nvSpPr>
+          <p:cNvPr id="4" name="スライド番号プレースホルダー 3"/>
+          <p:cNvSpPr>
+            <a:spLocks noGrp="1"/>
+          </p:cNvSpPr>
+          <p:nvPr>
+            <p:ph type="sldNum" sz="quarter" idx="5"/>
+          </p:nvPr>
+        </p:nvSpPr>
+        <p:spPr/>
+        <p:txBody>
+          <a:bodyPr/>
+          <a:lstStyle/>
+          <a:p>
+            <a:fld id="{DAA37000-F953-4017-BC7A-A0ED4B544261}" type="slidenum">
+              <a:rPr kumimoji="1" lang="ja-JP" altLang="en-US" smtClean="0"/>
+              <a:t>12</a:t>
+            </a:fld>
+            <a:endParaRPr kumimoji="1" lang="ja-JP" altLang="en-US"/>
+          </a:p>
+        </p:txBody>
+      </p:sp>
+    </p:spTree>
+    <p:extLst>
+      <p:ext uri="{BB962C8B-B14F-4D97-AF65-F5344CB8AC3E}">
+        <p14:creationId xmlns:p14="http://schemas.microsoft.com/office/powerpoint/2010/main" val="2474528649"/>
+      </p:ext>
+    </p:extLst>
+  </p:cSld>
+  <p:clrMapOvr>
+    <a:masterClrMapping/>
+  </p:clrMapOvr>
+</p:notes>
+</file>
+
+<file path=ppt/notesSlides/notesSlide13.xml><?xml version="1.0" encoding="utf-8"?>
+<p:notes xmlns:a="http://schemas.openxmlformats.org/drawingml/2006/main" xmlns:r="http://schemas.openxmlformats.org/officeDocument/2006/relationships" xmlns:p="http://schemas.openxmlformats.org/presentationml/2006/main">
+  <p:cSld>
+    <p:spTree>
+      <p:nvGrpSpPr>
+        <p:cNvPr id="1" name=""/>
+        <p:cNvGrpSpPr/>
+        <p:nvPr/>
+      </p:nvGrpSpPr>
+      <p:grpSpPr>
+        <a:xfrm>
+          <a:off x="0" y="0"/>
+          <a:ext cx="0" cy="0"/>
+          <a:chOff x="0" y="0"/>
+          <a:chExt cx="0" cy="0"/>
+        </a:xfrm>
+      </p:grpSpPr>
+      <p:sp>
+        <p:nvSpPr>
+          <p:cNvPr id="2" name="スライド イメージ プレースホルダー 1"/>
+          <p:cNvSpPr>
+            <a:spLocks noGrp="1" noRot="1" noChangeAspect="1"/>
+          </p:cNvSpPr>
+          <p:nvPr>
+            <p:ph type="sldImg"/>
+          </p:nvPr>
+        </p:nvSpPr>
+        <p:spPr/>
+      </p:sp>
+      <p:sp>
+        <p:nvSpPr>
+          <p:cNvPr id="3" name="ノート プレースホルダー 2"/>
+          <p:cNvSpPr>
+            <a:spLocks noGrp="1"/>
+          </p:cNvSpPr>
+          <p:nvPr>
+            <p:ph type="body" idx="1"/>
+          </p:nvPr>
+        </p:nvSpPr>
+        <p:spPr/>
+        <p:txBody>
+          <a:bodyPr/>
+          <a:lstStyle/>
+          <a:p>
+            <a:r>
+              <a:rPr kumimoji="1" lang="ja-JP" altLang="en-US" dirty="0"/>
+              <a:t>株式会社</a:t>
+            </a:r>
+            <a:r>
+              <a:rPr kumimoji="1" lang="en-US" altLang="ja-JP" dirty="0"/>
+              <a:t>OSE</a:t>
+            </a:r>
+            <a:r>
+              <a:rPr kumimoji="1" lang="ja-JP" altLang="en-US" dirty="0"/>
+              <a:t>の天願陽聖です。開発を終えての感想としましては、</a:t>
+            </a:r>
+          </a:p>
+        </p:txBody>
+      </p:sp>
+      <p:sp>
+        <p:nvSpPr>
+          <p:cNvPr id="4" name="スライド番号プレースホルダー 3"/>
+          <p:cNvSpPr>
+            <a:spLocks noGrp="1"/>
+          </p:cNvSpPr>
+          <p:nvPr>
+            <p:ph type="sldNum" sz="quarter" idx="5"/>
+          </p:nvPr>
+        </p:nvSpPr>
+        <p:spPr/>
+        <p:txBody>
+          <a:bodyPr/>
+          <a:lstStyle/>
+          <a:p>
+            <a:fld id="{DAA37000-F953-4017-BC7A-A0ED4B544261}" type="slidenum">
+              <a:rPr kumimoji="1" lang="ja-JP" altLang="en-US" smtClean="0"/>
+              <a:t>13</a:t>
+            </a:fld>
+            <a:endParaRPr kumimoji="1" lang="ja-JP" altLang="en-US"/>
+          </a:p>
+        </p:txBody>
+      </p:sp>
+    </p:spTree>
+    <p:extLst>
+      <p:ext uri="{BB962C8B-B14F-4D97-AF65-F5344CB8AC3E}">
+        <p14:creationId xmlns:p14="http://schemas.microsoft.com/office/powerpoint/2010/main" val="3840684567"/>
+      </p:ext>
+    </p:extLst>
+  </p:cSld>
+  <p:clrMapOvr>
+    <a:masterClrMapping/>
+  </p:clrMapOvr>
+</p:notes>
+</file>
+
+<file path=ppt/notesSlides/notesSlide14.xml><?xml version="1.0" encoding="utf-8"?>
+<p:notes xmlns:a="http://schemas.openxmlformats.org/drawingml/2006/main" xmlns:r="http://schemas.openxmlformats.org/officeDocument/2006/relationships" xmlns:p="http://schemas.openxmlformats.org/presentationml/2006/main">
+  <p:cSld>
+    <p:spTree>
+      <p:nvGrpSpPr>
+        <p:cNvPr id="1" name=""/>
+        <p:cNvGrpSpPr/>
+        <p:nvPr/>
+      </p:nvGrpSpPr>
+      <p:grpSpPr>
+        <a:xfrm>
+          <a:off x="0" y="0"/>
+          <a:ext cx="0" cy="0"/>
+          <a:chOff x="0" y="0"/>
+          <a:chExt cx="0" cy="0"/>
+        </a:xfrm>
+      </p:grpSpPr>
+      <p:sp>
+        <p:nvSpPr>
+          <p:cNvPr id="2" name="スライド イメージ プレースホルダー 1"/>
+          <p:cNvSpPr>
+            <a:spLocks noGrp="1" noRot="1" noChangeAspect="1"/>
+          </p:cNvSpPr>
+          <p:nvPr>
+            <p:ph type="sldImg"/>
+          </p:nvPr>
+        </p:nvSpPr>
+        <p:spPr/>
+      </p:sp>
+      <p:sp>
+        <p:nvSpPr>
+          <p:cNvPr id="3" name="ノート プレースホルダー 2"/>
+          <p:cNvSpPr>
+            <a:spLocks noGrp="1"/>
+          </p:cNvSpPr>
+          <p:nvPr>
+            <p:ph type="body" idx="1"/>
+          </p:nvPr>
+        </p:nvSpPr>
+        <p:spPr/>
+        <p:txBody>
+          <a:bodyPr/>
+          <a:lstStyle/>
+          <a:p>
+            <a:r>
+              <a:rPr kumimoji="1" lang="ja-JP" altLang="en-US" dirty="0"/>
+              <a:t>株式会社プラスナレッジの宮城竜成です。開発を終えての感想としましては、</a:t>
+            </a:r>
+          </a:p>
+        </p:txBody>
+      </p:sp>
+      <p:sp>
+        <p:nvSpPr>
+          <p:cNvPr id="4" name="スライド番号プレースホルダー 3"/>
+          <p:cNvSpPr>
+            <a:spLocks noGrp="1"/>
+          </p:cNvSpPr>
+          <p:nvPr>
+            <p:ph type="sldNum" sz="quarter" idx="5"/>
+          </p:nvPr>
+        </p:nvSpPr>
+        <p:spPr/>
+        <p:txBody>
+          <a:bodyPr/>
+          <a:lstStyle/>
+          <a:p>
+            <a:fld id="{DAA37000-F953-4017-BC7A-A0ED4B544261}" type="slidenum">
+              <a:rPr kumimoji="1" lang="ja-JP" altLang="en-US" smtClean="0"/>
+              <a:t>14</a:t>
+            </a:fld>
+            <a:endParaRPr kumimoji="1" lang="ja-JP" altLang="en-US"/>
+          </a:p>
+        </p:txBody>
+      </p:sp>
+    </p:spTree>
+    <p:extLst>
+      <p:ext uri="{BB962C8B-B14F-4D97-AF65-F5344CB8AC3E}">
+        <p14:creationId xmlns:p14="http://schemas.microsoft.com/office/powerpoint/2010/main" val="3381244330"/>
+      </p:ext>
+    </p:extLst>
+  </p:cSld>
+  <p:clrMapOvr>
+    <a:masterClrMapping/>
+  </p:clrMapOvr>
+</p:notes>
+</file>
+
+<file path=ppt/notesSlides/notesSlide15.xml><?xml version="1.0" encoding="utf-8"?>
+<p:notes xmlns:a="http://schemas.openxmlformats.org/drawingml/2006/main" xmlns:r="http://schemas.openxmlformats.org/officeDocument/2006/relationships" xmlns:p="http://schemas.openxmlformats.org/presentationml/2006/main">
+  <p:cSld>
+    <p:spTree>
+      <p:nvGrpSpPr>
+        <p:cNvPr id="1" name=""/>
+        <p:cNvGrpSpPr/>
+        <p:nvPr/>
+      </p:nvGrpSpPr>
+      <p:grpSpPr>
+        <a:xfrm>
+          <a:off x="0" y="0"/>
+          <a:ext cx="0" cy="0"/>
+          <a:chOff x="0" y="0"/>
+          <a:chExt cx="0" cy="0"/>
+        </a:xfrm>
+      </p:grpSpPr>
+      <p:sp>
+        <p:nvSpPr>
+          <p:cNvPr id="2" name="スライド イメージ プレースホルダー 1"/>
+          <p:cNvSpPr>
+            <a:spLocks noGrp="1" noRot="1" noChangeAspect="1"/>
+          </p:cNvSpPr>
+          <p:nvPr>
+            <p:ph type="sldImg"/>
+          </p:nvPr>
+        </p:nvSpPr>
+        <p:spPr/>
+      </p:sp>
+      <p:sp>
+        <p:nvSpPr>
+          <p:cNvPr id="3" name="ノート プレースホルダー 2"/>
+          <p:cNvSpPr>
+            <a:spLocks noGrp="1"/>
+          </p:cNvSpPr>
+          <p:nvPr>
+            <p:ph type="body" idx="1"/>
+          </p:nvPr>
+        </p:nvSpPr>
+        <p:spPr/>
+        <p:txBody>
+          <a:bodyPr/>
+          <a:lstStyle/>
+          <a:p>
+            <a:r>
               <a:rPr kumimoji="1" lang="en-US" altLang="ja-JP" dirty="0"/>
               <a:t>2.5</a:t>
             </a:r>
             <a:r>
               <a:rPr kumimoji="1" lang="ja-JP" altLang="en-US" dirty="0"/>
               <a:t>分</a:t>
+            </a:r>
+            <a:endParaRPr kumimoji="1" lang="en-US" altLang="ja-JP" dirty="0"/>
+          </a:p>
+          <a:p>
+            <a:r>
+              <a:rPr kumimoji="1" lang="ja-JP" altLang="en-US" dirty="0"/>
+              <a:t>研修を終えての感想です。</a:t>
             </a:r>
           </a:p>
         </p:txBody>
@@ -690,6 +1181,359 @@
     <p:extLst>
       <p:ext uri="{BB962C8B-B14F-4D97-AF65-F5344CB8AC3E}">
         <p14:creationId xmlns:p14="http://schemas.microsoft.com/office/powerpoint/2010/main" val="1300183432"/>
+      </p:ext>
+    </p:extLst>
+  </p:cSld>
+  <p:clrMapOvr>
+    <a:masterClrMapping/>
+  </p:clrMapOvr>
+</p:notes>
+</file>
+
+<file path=ppt/notesSlides/notesSlide16.xml><?xml version="1.0" encoding="utf-8"?>
+<p:notes xmlns:a="http://schemas.openxmlformats.org/drawingml/2006/main" xmlns:r="http://schemas.openxmlformats.org/officeDocument/2006/relationships" xmlns:p="http://schemas.openxmlformats.org/presentationml/2006/main">
+  <p:cSld>
+    <p:spTree>
+      <p:nvGrpSpPr>
+        <p:cNvPr id="1" name=""/>
+        <p:cNvGrpSpPr/>
+        <p:nvPr/>
+      </p:nvGrpSpPr>
+      <p:grpSpPr>
+        <a:xfrm>
+          <a:off x="0" y="0"/>
+          <a:ext cx="0" cy="0"/>
+          <a:chOff x="0" y="0"/>
+          <a:chExt cx="0" cy="0"/>
+        </a:xfrm>
+      </p:grpSpPr>
+      <p:sp>
+        <p:nvSpPr>
+          <p:cNvPr id="2" name="スライド イメージ プレースホルダー 1"/>
+          <p:cNvSpPr>
+            <a:spLocks noGrp="1" noRot="1" noChangeAspect="1"/>
+          </p:cNvSpPr>
+          <p:nvPr>
+            <p:ph type="sldImg"/>
+          </p:nvPr>
+        </p:nvSpPr>
+        <p:spPr/>
+      </p:sp>
+      <p:sp>
+        <p:nvSpPr>
+          <p:cNvPr id="3" name="ノート プレースホルダー 2"/>
+          <p:cNvSpPr>
+            <a:spLocks noGrp="1"/>
+          </p:cNvSpPr>
+          <p:nvPr>
+            <p:ph type="body" idx="1"/>
+          </p:nvPr>
+        </p:nvSpPr>
+        <p:spPr/>
+        <p:txBody>
+          <a:bodyPr/>
+          <a:lstStyle/>
+          <a:p>
+            <a:r>
+              <a:rPr kumimoji="1" lang="ja-JP" altLang="en-US" dirty="0"/>
+              <a:t>大城一馬です。研修を終えての感想としましては、</a:t>
+            </a:r>
+          </a:p>
+        </p:txBody>
+      </p:sp>
+      <p:sp>
+        <p:nvSpPr>
+          <p:cNvPr id="4" name="スライド番号プレースホルダー 3"/>
+          <p:cNvSpPr>
+            <a:spLocks noGrp="1"/>
+          </p:cNvSpPr>
+          <p:nvPr>
+            <p:ph type="sldNum" sz="quarter" idx="5"/>
+          </p:nvPr>
+        </p:nvSpPr>
+        <p:spPr/>
+        <p:txBody>
+          <a:bodyPr/>
+          <a:lstStyle/>
+          <a:p>
+            <a:fld id="{DAA37000-F953-4017-BC7A-A0ED4B544261}" type="slidenum">
+              <a:rPr kumimoji="1" lang="ja-JP" altLang="en-US" smtClean="0"/>
+              <a:t>16</a:t>
+            </a:fld>
+            <a:endParaRPr kumimoji="1" lang="ja-JP" altLang="en-US"/>
+          </a:p>
+        </p:txBody>
+      </p:sp>
+    </p:spTree>
+    <p:extLst>
+      <p:ext uri="{BB962C8B-B14F-4D97-AF65-F5344CB8AC3E}">
+        <p14:creationId xmlns:p14="http://schemas.microsoft.com/office/powerpoint/2010/main" val="2685804076"/>
+      </p:ext>
+    </p:extLst>
+  </p:cSld>
+  <p:clrMapOvr>
+    <a:masterClrMapping/>
+  </p:clrMapOvr>
+</p:notes>
+</file>
+
+<file path=ppt/notesSlides/notesSlide17.xml><?xml version="1.0" encoding="utf-8"?>
+<p:notes xmlns:a="http://schemas.openxmlformats.org/drawingml/2006/main" xmlns:r="http://schemas.openxmlformats.org/officeDocument/2006/relationships" xmlns:p="http://schemas.openxmlformats.org/presentationml/2006/main">
+  <p:cSld>
+    <p:spTree>
+      <p:nvGrpSpPr>
+        <p:cNvPr id="1" name=""/>
+        <p:cNvGrpSpPr/>
+        <p:nvPr/>
+      </p:nvGrpSpPr>
+      <p:grpSpPr>
+        <a:xfrm>
+          <a:off x="0" y="0"/>
+          <a:ext cx="0" cy="0"/>
+          <a:chOff x="0" y="0"/>
+          <a:chExt cx="0" cy="0"/>
+        </a:xfrm>
+      </p:grpSpPr>
+      <p:sp>
+        <p:nvSpPr>
+          <p:cNvPr id="2" name="スライド イメージ プレースホルダー 1"/>
+          <p:cNvSpPr>
+            <a:spLocks noGrp="1" noRot="1" noChangeAspect="1"/>
+          </p:cNvSpPr>
+          <p:nvPr>
+            <p:ph type="sldImg"/>
+          </p:nvPr>
+        </p:nvSpPr>
+        <p:spPr/>
+      </p:sp>
+      <p:sp>
+        <p:nvSpPr>
+          <p:cNvPr id="3" name="ノート プレースホルダー 2"/>
+          <p:cNvSpPr>
+            <a:spLocks noGrp="1"/>
+          </p:cNvSpPr>
+          <p:nvPr>
+            <p:ph type="body" idx="1"/>
+          </p:nvPr>
+        </p:nvSpPr>
+        <p:spPr/>
+        <p:txBody>
+          <a:bodyPr/>
+          <a:lstStyle/>
+          <a:p>
+            <a:r>
+              <a:rPr kumimoji="1" lang="ja-JP" altLang="en-US" dirty="0"/>
+              <a:t>照屋涼です。研修を終えての感想としましては、</a:t>
+            </a:r>
+          </a:p>
+        </p:txBody>
+      </p:sp>
+      <p:sp>
+        <p:nvSpPr>
+          <p:cNvPr id="4" name="スライド番号プレースホルダー 3"/>
+          <p:cNvSpPr>
+            <a:spLocks noGrp="1"/>
+          </p:cNvSpPr>
+          <p:nvPr>
+            <p:ph type="sldNum" sz="quarter" idx="5"/>
+          </p:nvPr>
+        </p:nvSpPr>
+        <p:spPr/>
+        <p:txBody>
+          <a:bodyPr/>
+          <a:lstStyle/>
+          <a:p>
+            <a:fld id="{DAA37000-F953-4017-BC7A-A0ED4B544261}" type="slidenum">
+              <a:rPr kumimoji="1" lang="ja-JP" altLang="en-US" smtClean="0"/>
+              <a:t>17</a:t>
+            </a:fld>
+            <a:endParaRPr kumimoji="1" lang="ja-JP" altLang="en-US"/>
+          </a:p>
+        </p:txBody>
+      </p:sp>
+    </p:spTree>
+    <p:extLst>
+      <p:ext uri="{BB962C8B-B14F-4D97-AF65-F5344CB8AC3E}">
+        <p14:creationId xmlns:p14="http://schemas.microsoft.com/office/powerpoint/2010/main" val="2485768677"/>
+      </p:ext>
+    </p:extLst>
+  </p:cSld>
+  <p:clrMapOvr>
+    <a:masterClrMapping/>
+  </p:clrMapOvr>
+</p:notes>
+</file>
+
+<file path=ppt/notesSlides/notesSlide18.xml><?xml version="1.0" encoding="utf-8"?>
+<p:notes xmlns:a="http://schemas.openxmlformats.org/drawingml/2006/main" xmlns:r="http://schemas.openxmlformats.org/officeDocument/2006/relationships" xmlns:p="http://schemas.openxmlformats.org/presentationml/2006/main">
+  <p:cSld>
+    <p:spTree>
+      <p:nvGrpSpPr>
+        <p:cNvPr id="1" name=""/>
+        <p:cNvGrpSpPr/>
+        <p:nvPr/>
+      </p:nvGrpSpPr>
+      <p:grpSpPr>
+        <a:xfrm>
+          <a:off x="0" y="0"/>
+          <a:ext cx="0" cy="0"/>
+          <a:chOff x="0" y="0"/>
+          <a:chExt cx="0" cy="0"/>
+        </a:xfrm>
+      </p:grpSpPr>
+      <p:sp>
+        <p:nvSpPr>
+          <p:cNvPr id="2" name="スライド イメージ プレースホルダー 1"/>
+          <p:cNvSpPr>
+            <a:spLocks noGrp="1" noRot="1" noChangeAspect="1"/>
+          </p:cNvSpPr>
+          <p:nvPr>
+            <p:ph type="sldImg"/>
+          </p:nvPr>
+        </p:nvSpPr>
+        <p:spPr/>
+      </p:sp>
+      <p:sp>
+        <p:nvSpPr>
+          <p:cNvPr id="3" name="ノート プレースホルダー 2"/>
+          <p:cNvSpPr>
+            <a:spLocks noGrp="1"/>
+          </p:cNvSpPr>
+          <p:nvPr>
+            <p:ph type="body" idx="1"/>
+          </p:nvPr>
+        </p:nvSpPr>
+        <p:spPr/>
+        <p:txBody>
+          <a:bodyPr/>
+          <a:lstStyle/>
+          <a:p>
+            <a:endParaRPr kumimoji="1" lang="en-US" altLang="ja-JP" dirty="0"/>
+          </a:p>
+        </p:txBody>
+      </p:sp>
+      <p:sp>
+        <p:nvSpPr>
+          <p:cNvPr id="4" name="スライド番号プレースホルダー 3"/>
+          <p:cNvSpPr>
+            <a:spLocks noGrp="1"/>
+          </p:cNvSpPr>
+          <p:nvPr>
+            <p:ph type="sldNum" sz="quarter" idx="5"/>
+          </p:nvPr>
+        </p:nvSpPr>
+        <p:spPr/>
+        <p:txBody>
+          <a:bodyPr/>
+          <a:lstStyle/>
+          <a:p>
+            <a:fld id="{DAA37000-F953-4017-BC7A-A0ED4B544261}" type="slidenum">
+              <a:rPr kumimoji="1" lang="ja-JP" altLang="en-US" smtClean="0"/>
+              <a:t>18</a:t>
+            </a:fld>
+            <a:endParaRPr kumimoji="1" lang="ja-JP" altLang="en-US"/>
+          </a:p>
+        </p:txBody>
+      </p:sp>
+    </p:spTree>
+    <p:extLst>
+      <p:ext uri="{BB962C8B-B14F-4D97-AF65-F5344CB8AC3E}">
+        <p14:creationId xmlns:p14="http://schemas.microsoft.com/office/powerpoint/2010/main" val="3883218015"/>
+      </p:ext>
+    </p:extLst>
+  </p:cSld>
+  <p:clrMapOvr>
+    <a:masterClrMapping/>
+  </p:clrMapOvr>
+</p:notes>
+</file>
+
+<file path=ppt/notesSlides/notesSlide19.xml><?xml version="1.0" encoding="utf-8"?>
+<p:notes xmlns:a="http://schemas.openxmlformats.org/drawingml/2006/main" xmlns:r="http://schemas.openxmlformats.org/officeDocument/2006/relationships" xmlns:p="http://schemas.openxmlformats.org/presentationml/2006/main">
+  <p:cSld>
+    <p:spTree>
+      <p:nvGrpSpPr>
+        <p:cNvPr id="1" name=""/>
+        <p:cNvGrpSpPr/>
+        <p:nvPr/>
+      </p:nvGrpSpPr>
+      <p:grpSpPr>
+        <a:xfrm>
+          <a:off x="0" y="0"/>
+          <a:ext cx="0" cy="0"/>
+          <a:chOff x="0" y="0"/>
+          <a:chExt cx="0" cy="0"/>
+        </a:xfrm>
+      </p:grpSpPr>
+      <p:sp>
+        <p:nvSpPr>
+          <p:cNvPr id="2" name="スライド イメージ プレースホルダー 1"/>
+          <p:cNvSpPr>
+            <a:spLocks noGrp="1" noRot="1" noChangeAspect="1"/>
+          </p:cNvSpPr>
+          <p:nvPr>
+            <p:ph type="sldImg"/>
+          </p:nvPr>
+        </p:nvSpPr>
+        <p:spPr/>
+      </p:sp>
+      <p:sp>
+        <p:nvSpPr>
+          <p:cNvPr id="3" name="ノート プレースホルダー 2"/>
+          <p:cNvSpPr>
+            <a:spLocks noGrp="1"/>
+          </p:cNvSpPr>
+          <p:nvPr>
+            <p:ph type="body" idx="1"/>
+          </p:nvPr>
+        </p:nvSpPr>
+        <p:spPr/>
+        <p:txBody>
+          <a:bodyPr/>
+          <a:lstStyle/>
+          <a:p>
+            <a:r>
+              <a:rPr kumimoji="1" lang="ja-JP" altLang="en-US" dirty="0"/>
+              <a:t>これで</a:t>
+            </a:r>
+            <a:r>
+              <a:rPr kumimoji="1" lang="en-US" altLang="ja-JP" dirty="0"/>
+              <a:t>D</a:t>
+            </a:r>
+            <a:r>
+              <a:rPr kumimoji="1" lang="ja-JP" altLang="en-US" dirty="0"/>
+              <a:t>グループの開発の成果物発表についての発表とします。ご清聴ありがとうございました。</a:t>
+            </a:r>
+          </a:p>
+        </p:txBody>
+      </p:sp>
+      <p:sp>
+        <p:nvSpPr>
+          <p:cNvPr id="4" name="スライド番号プレースホルダー 3"/>
+          <p:cNvSpPr>
+            <a:spLocks noGrp="1"/>
+          </p:cNvSpPr>
+          <p:nvPr>
+            <p:ph type="sldNum" sz="quarter" idx="5"/>
+          </p:nvPr>
+        </p:nvSpPr>
+        <p:spPr/>
+        <p:txBody>
+          <a:bodyPr/>
+          <a:lstStyle/>
+          <a:p>
+            <a:fld id="{DAA37000-F953-4017-BC7A-A0ED4B544261}" type="slidenum">
+              <a:rPr kumimoji="1" lang="ja-JP" altLang="en-US" smtClean="0"/>
+              <a:t>21</a:t>
+            </a:fld>
+            <a:endParaRPr kumimoji="1" lang="ja-JP" altLang="en-US"/>
+          </a:p>
+        </p:txBody>
+      </p:sp>
+    </p:spTree>
+    <p:extLst>
+      <p:ext uri="{BB962C8B-B14F-4D97-AF65-F5344CB8AC3E}">
+        <p14:creationId xmlns:p14="http://schemas.microsoft.com/office/powerpoint/2010/main" val="1286348978"/>
       </p:ext>
     </p:extLst>
   </p:cSld>
@@ -746,6 +1590,13 @@
             <a:r>
               <a:rPr kumimoji="1" lang="ja-JP" altLang="en-US" dirty="0"/>
               <a:t>大城</a:t>
+            </a:r>
+            <a:endParaRPr kumimoji="1" lang="en-US" altLang="ja-JP" dirty="0"/>
+          </a:p>
+          <a:p>
+            <a:r>
+              <a:rPr kumimoji="1" lang="ja-JP" altLang="en-US" dirty="0"/>
+              <a:t>まずは目次について説明します。この流れで説明していきます。</a:t>
             </a:r>
           </a:p>
         </p:txBody>
@@ -834,6 +1685,27 @@
               <a:rPr kumimoji="1" lang="ja-JP" altLang="en-US" dirty="0"/>
               <a:t>陽聖さん</a:t>
             </a:r>
+            <a:endParaRPr kumimoji="1" lang="en-US" altLang="ja-JP" dirty="0"/>
+          </a:p>
+          <a:p>
+            <a:r>
+              <a:rPr kumimoji="1" lang="ja-JP" altLang="en-US" dirty="0"/>
+              <a:t>動機です。理由としましては、このようになっています。</a:t>
+            </a:r>
+            <a:endParaRPr kumimoji="1" lang="en-US" altLang="ja-JP" dirty="0"/>
+          </a:p>
+          <a:p>
+            <a:r>
+              <a:rPr kumimoji="1" lang="ja-JP" altLang="en-US" dirty="0"/>
+              <a:t>沖ベガスはコインをかけてトランプが出来ます。誰でも知っているトランプと、カジノのようにコインをかける事で誰でも楽しめるようになっています。</a:t>
+            </a:r>
+            <a:endParaRPr kumimoji="1" lang="en-US" altLang="ja-JP" dirty="0"/>
+          </a:p>
+          <a:p>
+            <a:r>
+              <a:rPr kumimoji="1" lang="ja-JP" altLang="en-US" dirty="0"/>
+              <a:t>そして、人間誰もがギャンブルが好きだという事です。人間の本質をついているゲームです。</a:t>
+            </a:r>
           </a:p>
         </p:txBody>
       </p:sp>
@@ -921,6 +1793,20 @@
               <a:rPr kumimoji="1" lang="ja-JP" altLang="en-US" dirty="0"/>
               <a:t>照屋</a:t>
             </a:r>
+            <a:endParaRPr kumimoji="1" lang="en-US" altLang="ja-JP" dirty="0"/>
+          </a:p>
+          <a:p>
+            <a:r>
+              <a:rPr kumimoji="1" lang="ja-JP" altLang="en-US" dirty="0"/>
+              <a:t>利用した環境はこのようになっています。</a:t>
+            </a:r>
+            <a:endParaRPr kumimoji="1" lang="en-US" altLang="ja-JP" dirty="0"/>
+          </a:p>
+          <a:p>
+            <a:r>
+              <a:rPr kumimoji="1" lang="ja-JP" altLang="en-US" dirty="0"/>
+              <a:t>講義で習った技術と、習っていない技術を使いました。</a:t>
+            </a:r>
           </a:p>
         </p:txBody>
       </p:sp>
@@ -1008,6 +1894,28 @@
               <a:rPr kumimoji="1" lang="ja-JP" altLang="en-US" dirty="0"/>
               <a:t>宮城</a:t>
             </a:r>
+            <a:endParaRPr kumimoji="1" lang="en-US" altLang="ja-JP" dirty="0"/>
+          </a:p>
+          <a:p>
+            <a:r>
+              <a:rPr kumimoji="1" lang="ja-JP" altLang="en-US" dirty="0"/>
+              <a:t>総開発時間は、約</a:t>
+            </a:r>
+            <a:r>
+              <a:rPr kumimoji="1" lang="en-US" altLang="ja-JP" dirty="0"/>
+              <a:t>580</a:t>
+            </a:r>
+            <a:r>
+              <a:rPr kumimoji="1" lang="ja-JP" altLang="en-US" dirty="0"/>
+              <a:t>時間です。</a:t>
+            </a:r>
+            <a:endParaRPr kumimoji="1" lang="en-US" altLang="ja-JP" dirty="0"/>
+          </a:p>
+          <a:p>
+            <a:r>
+              <a:rPr kumimoji="1" lang="ja-JP" altLang="en-US" dirty="0"/>
+              <a:t>平日の出勤時間と、土日で集まれる日を使って開発を行いました。</a:t>
+            </a:r>
           </a:p>
         </p:txBody>
       </p:sp>
@@ -1095,6 +2003,63 @@
               <a:rPr kumimoji="1" lang="ja-JP" altLang="en-US" dirty="0"/>
               <a:t>各々</a:t>
             </a:r>
+            <a:endParaRPr kumimoji="1" lang="en-US" altLang="ja-JP" dirty="0"/>
+          </a:p>
+          <a:p>
+            <a:r>
+              <a:rPr kumimoji="1" lang="ja-JP" altLang="en-US" dirty="0"/>
+              <a:t>機能説明です。</a:t>
+            </a:r>
+            <a:endParaRPr kumimoji="1" lang="en-US" altLang="ja-JP" dirty="0"/>
+          </a:p>
+          <a:p>
+            <a:r>
+              <a:rPr kumimoji="1" lang="ja-JP" altLang="en-US" dirty="0"/>
+              <a:t>ログインはアカウント登録が行われている場合はマイべージ画面に遷移する事が出来ます。</a:t>
+            </a:r>
+            <a:endParaRPr kumimoji="1" lang="en-US" altLang="ja-JP" dirty="0"/>
+          </a:p>
+          <a:p>
+            <a:r>
+              <a:rPr kumimoji="1" lang="ja-JP" altLang="en-US" dirty="0"/>
+              <a:t>アカウント新規登録は、アカウントの新規登録を行う事が出来ます。</a:t>
+            </a:r>
+            <a:endParaRPr kumimoji="1" lang="en-US" altLang="ja-JP" dirty="0"/>
+          </a:p>
+          <a:p>
+            <a:r>
+              <a:rPr kumimoji="1" lang="ja-JP" altLang="en-US" dirty="0"/>
+              <a:t>アカウント編集は、名前とパスワードを変更する事が出来ます。</a:t>
+            </a:r>
+            <a:endParaRPr kumimoji="1" lang="en-US" altLang="ja-JP" dirty="0"/>
+          </a:p>
+          <a:p>
+            <a:r>
+              <a:rPr kumimoji="1" lang="ja-JP" altLang="en-US" dirty="0"/>
+              <a:t>ランクは、コインの枚数によって変更されより上のランクを目指すことでやりこみ要素として実装しています。</a:t>
+            </a:r>
+            <a:endParaRPr kumimoji="1" lang="en-US" altLang="ja-JP" dirty="0"/>
+          </a:p>
+          <a:p>
+            <a:r>
+              <a:rPr kumimoji="1" lang="ja-JP" altLang="en-US" dirty="0"/>
+              <a:t>ポーカーは、コインをかけてポーカーをすることが出来て、役に応じた配当を獲得する事が出来ます。</a:t>
+            </a:r>
+            <a:endParaRPr kumimoji="1" lang="en-US" altLang="ja-JP" dirty="0"/>
+          </a:p>
+          <a:p>
+            <a:r>
+              <a:rPr kumimoji="1" lang="ja-JP" altLang="en-US" dirty="0"/>
+              <a:t>アイテムの購入と使用は、コインを支払う事でアイテムを入手する事が出来、使用する事が出来ます。</a:t>
+            </a:r>
+            <a:endParaRPr kumimoji="1" lang="en-US" altLang="ja-JP" dirty="0"/>
+          </a:p>
+          <a:p>
+            <a:r>
+              <a:rPr kumimoji="1" lang="ja-JP" altLang="en-US" dirty="0"/>
+              <a:t>ランキングの閲覧は、ポーカーの獲得コインや今までに出した役に応じた全体のランキングと個人のランキングを閲覧する事が出来ます。</a:t>
+            </a:r>
+            <a:endParaRPr kumimoji="1" lang="en-US" altLang="ja-JP" dirty="0"/>
           </a:p>
         </p:txBody>
       </p:sp>
@@ -1190,6 +2155,10 @@
               <a:rPr kumimoji="1" lang="ja-JP" altLang="en-US" dirty="0"/>
               <a:t>分　３人</a:t>
             </a:r>
+            <a:endParaRPr kumimoji="1" lang="en-US" altLang="ja-JP" dirty="0"/>
+          </a:p>
+          <a:p>
+            <a:endParaRPr kumimoji="1" lang="ja-JP" altLang="en-US" dirty="0"/>
           </a:p>
         </p:txBody>
       </p:sp>
@@ -1277,6 +2246,41 @@
               <a:rPr kumimoji="1" lang="ja-JP" altLang="en-US" dirty="0"/>
               <a:t>２人</a:t>
             </a:r>
+            <a:endParaRPr kumimoji="1" lang="en-US" altLang="ja-JP" dirty="0"/>
+          </a:p>
+          <a:p>
+            <a:r>
+              <a:rPr kumimoji="1" lang="ja-JP" altLang="en-US" dirty="0"/>
+              <a:t>システムを作り終えての結果と考察です。</a:t>
+            </a:r>
+            <a:endParaRPr kumimoji="1" lang="en-US" altLang="ja-JP" dirty="0"/>
+          </a:p>
+          <a:p>
+            <a:r>
+              <a:rPr kumimoji="1" lang="ja-JP" altLang="en-US" dirty="0"/>
+              <a:t>初めはポーカーとブラックジャックの二つのゲームを作る予定だったのですが、ポーカーを作るのに精一杯になっていたため、ポーカーのみになりました。</a:t>
+            </a:r>
+            <a:endParaRPr kumimoji="1" lang="en-US" altLang="ja-JP" dirty="0"/>
+          </a:p>
+          <a:p>
+            <a:r>
+              <a:rPr kumimoji="1" lang="ja-JP" altLang="en-US" dirty="0"/>
+              <a:t>システムについては、予定よりはシステムを削ったのですが、最低限のシステムは実装する事が出来ました。</a:t>
+            </a:r>
+            <a:endParaRPr kumimoji="1" lang="en-US" altLang="ja-JP" dirty="0"/>
+          </a:p>
+          <a:p>
+            <a:r>
+              <a:rPr kumimoji="1" lang="ja-JP" altLang="en-US" dirty="0"/>
+              <a:t>初めのスケジュール通りにはいかなくて随時スケジュールの変更を行い調整していきました。</a:t>
+            </a:r>
+            <a:endParaRPr kumimoji="1" lang="en-US" altLang="ja-JP" dirty="0"/>
+          </a:p>
+          <a:p>
+            <a:r>
+              <a:rPr kumimoji="1" lang="ja-JP" altLang="en-US" dirty="0"/>
+              <a:t>初めのスケジュールで、休みの日まで開発に含めていたことが甘かったと感じていて、なるべくそこを使わないスケジュールを立てるべきだと感じました。</a:t>
+            </a:r>
           </a:p>
         </p:txBody>
       </p:sp>
@@ -1367,6 +2371,13 @@
             <a:r>
               <a:rPr kumimoji="1" lang="ja-JP" altLang="en-US" dirty="0"/>
               <a:t>分</a:t>
+            </a:r>
+            <a:endParaRPr kumimoji="1" lang="en-US" altLang="ja-JP" dirty="0"/>
+          </a:p>
+          <a:p>
+            <a:r>
+              <a:rPr kumimoji="1" lang="ja-JP" altLang="en-US" dirty="0"/>
+              <a:t>開発を終えての感想です。</a:t>
             </a:r>
           </a:p>
         </p:txBody>
@@ -5538,8 +6549,8 @@
         </p:nvSpPr>
         <p:spPr>
           <a:xfrm>
-            <a:off x="762000" y="1524000"/>
-            <a:ext cx="4572000" cy="2286000"/>
+            <a:off x="130629" y="1524000"/>
+            <a:ext cx="5203371" cy="2286000"/>
           </a:xfrm>
         </p:spPr>
         <p:txBody>
@@ -5550,9 +6561,22 @@
           <a:p>
             <a:pPr algn="l"/>
             <a:r>
+              <a:rPr kumimoji="1" lang="en-US" altLang="ja-JP" sz="4400" dirty="0" err="1"/>
+              <a:t>Okivegas</a:t>
+            </a:r>
+            <a:r>
+              <a:rPr kumimoji="1" lang="en-US" altLang="ja-JP" sz="4400" dirty="0"/>
+              <a:t>(</a:t>
+            </a:r>
+            <a:r>
               <a:rPr kumimoji="1" lang="ja-JP" altLang="en-US" sz="4400" dirty="0"/>
-              <a:t>カジノ</a:t>
-            </a:r>
+              <a:t>沖ベガス</a:t>
+            </a:r>
+            <a:r>
+              <a:rPr kumimoji="1" lang="en-US" altLang="ja-JP" sz="4400" dirty="0"/>
+              <a:t>)</a:t>
+            </a:r>
+            <a:endParaRPr kumimoji="1" lang="ja-JP" altLang="en-US" sz="4400" dirty="0"/>
           </a:p>
         </p:txBody>
       </p:sp>
@@ -5593,7 +6617,6 @@
               <a:rPr kumimoji="1" lang="ja-JP" altLang="en-US" dirty="0"/>
               <a:t>グループ</a:t>
             </a:r>
-            <a:endParaRPr kumimoji="1" lang="ja-JP" altLang="en-US"/>
           </a:p>
         </p:txBody>
       </p:sp>
@@ -6937,7 +7960,7 @@
         </p:spPr>
         <p:txBody>
           <a:bodyPr>
-            <a:normAutofit lnSpcReduction="10000"/>
+            <a:normAutofit fontScale="92500" lnSpcReduction="20000"/>
           </a:bodyPr>
           <a:lstStyle/>
           <a:p>
@@ -6962,6 +7985,12 @@
             <a:r>
               <a:rPr kumimoji="1" lang="en-US" altLang="ja-JP" dirty="0"/>
               <a:t>JavaScript</a:t>
+            </a:r>
+          </a:p>
+          <a:p>
+            <a:r>
+              <a:rPr kumimoji="1" lang="en-US" altLang="ja-JP" dirty="0"/>
+              <a:t>Ajax</a:t>
             </a:r>
           </a:p>
           <a:p>
@@ -7173,7 +8202,7 @@
           <a:p>
             <a:r>
               <a:rPr kumimoji="1" lang="ja-JP" altLang="en-US" dirty="0"/>
-              <a:t>ランクによるやりこみ要素</a:t>
+              <a:t>ランク</a:t>
             </a:r>
             <a:endParaRPr kumimoji="1" lang="en-US" altLang="ja-JP" dirty="0"/>
           </a:p>

--- a/発表資料.pptx
+++ b/発表資料.pptx
@@ -21,12 +21,12 @@
     <p:sldId id="264" r:id="rId12"/>
     <p:sldId id="265" r:id="rId13"/>
     <p:sldId id="266" r:id="rId14"/>
-    <p:sldId id="267" r:id="rId15"/>
+    <p:sldId id="277" r:id="rId15"/>
     <p:sldId id="270" r:id="rId16"/>
     <p:sldId id="268" r:id="rId17"/>
     <p:sldId id="271" r:id="rId18"/>
-    <p:sldId id="272" r:id="rId19"/>
-    <p:sldId id="273" r:id="rId20"/>
+    <p:sldId id="273" r:id="rId19"/>
+    <p:sldId id="272" r:id="rId20"/>
     <p:sldId id="274" r:id="rId21"/>
     <p:sldId id="275" r:id="rId22"/>
   </p:sldIdLst>
@@ -220,7 +220,7 @@
           <a:p>
             <a:fld id="{10935577-1A92-4EF2-A9DD-97FD6FA44B2C}" type="datetimeFigureOut">
               <a:rPr kumimoji="1" lang="ja-JP" altLang="en-US" smtClean="0"/>
-              <a:t>2020/6/28</a:t>
+              <a:t>2020/6/29</a:t>
             </a:fld>
             <a:endParaRPr kumimoji="1" lang="ja-JP" altLang="en-US"/>
           </a:p>
@@ -677,6 +677,19 @@
               <a:rPr kumimoji="1" lang="ja-JP" altLang="en-US" dirty="0"/>
               <a:t>株式会社琉球ネットワークサービスの大城一馬です。開発を終えての感想としましては。</a:t>
             </a:r>
+            <a:endParaRPr kumimoji="1" lang="en-US" altLang="ja-JP" dirty="0"/>
+          </a:p>
+          <a:p>
+            <a:r>
+              <a:rPr kumimoji="1" lang="ja-JP" altLang="en-US" dirty="0"/>
+              <a:t>私はリーダーとして開発を行いました、そこで苦労した点として、スケジュール制作、管理がすごく難しいと感じました。</a:t>
+            </a:r>
+          </a:p>
+          <a:p>
+            <a:r>
+              <a:rPr kumimoji="1" lang="ja-JP" altLang="en-US" dirty="0"/>
+              <a:t>スケジュールはメンバーのモチベーションや、一日の作業量などを大きく左右し、、プロジェクト成功に大きく影響を与えるもので、しっかりと作成できていないとプロジェクトを失敗につながる要因になると学びました。</a:t>
+            </a:r>
           </a:p>
         </p:txBody>
       </p:sp>
@@ -781,6 +794,73 @@
               <a:rPr kumimoji="1" lang="ja-JP" altLang="en-US" dirty="0"/>
               <a:t>株式会社琉球ネットワークサービスの照屋涼です。開発を終えての感想としましては、</a:t>
             </a:r>
+            <a:endParaRPr kumimoji="1" lang="en-US" altLang="ja-JP" dirty="0"/>
+          </a:p>
+          <a:p>
+            <a:pPr marL="0" marR="0" lvl="0" indent="0" algn="l" defTabSz="914400" rtl="0" eaLnBrk="1" fontAlgn="auto" latinLnBrk="0" hangingPunct="1">
+              <a:lnSpc>
+                <a:spcPct val="100000"/>
+              </a:lnSpc>
+              <a:spcBef>
+                <a:spcPts val="0"/>
+              </a:spcBef>
+              <a:spcAft>
+                <a:spcPts val="0"/>
+              </a:spcAft>
+              <a:buClrTx/>
+              <a:buSzTx/>
+              <a:buFontTx/>
+              <a:buNone/>
+              <a:tabLst/>
+              <a:defRPr/>
+            </a:pPr>
+            <a:r>
+              <a:rPr kumimoji="1" lang="ja-JP" altLang="en-US" dirty="0"/>
+              <a:t>・研修で学んだ知識を応用して使うことに、苦労しました。まだまだ至らぬ部分や反省すべき点もあったので、今後も適度修正や学んでいきたいと思います。</a:t>
+            </a:r>
+          </a:p>
+          <a:p>
+            <a:pPr marL="0" marR="0" lvl="0" indent="0" algn="l" defTabSz="914400" rtl="0" eaLnBrk="1" fontAlgn="auto" latinLnBrk="0" hangingPunct="1">
+              <a:lnSpc>
+                <a:spcPct val="100000"/>
+              </a:lnSpc>
+              <a:spcBef>
+                <a:spcPts val="0"/>
+              </a:spcBef>
+              <a:spcAft>
+                <a:spcPts val="0"/>
+              </a:spcAft>
+              <a:buClrTx/>
+              <a:buSzTx/>
+              <a:buFontTx/>
+              <a:buNone/>
+              <a:tabLst/>
+              <a:defRPr/>
+            </a:pPr>
+            <a:r>
+              <a:rPr kumimoji="1" lang="ja-JP" altLang="en-US" dirty="0"/>
+              <a:t>・グループ開発を通して、皆で一つのものを作る楽しさ大変さを学べました。この経験を活かして、仕事に取組み自身の成長につなげていきます。</a:t>
+            </a:r>
+          </a:p>
+          <a:p>
+            <a:pPr marL="0" marR="0" lvl="0" indent="0" algn="l" defTabSz="914400" rtl="0" eaLnBrk="1" fontAlgn="auto" latinLnBrk="0" hangingPunct="1">
+              <a:lnSpc>
+                <a:spcPct val="100000"/>
+              </a:lnSpc>
+              <a:spcBef>
+                <a:spcPts val="0"/>
+              </a:spcBef>
+              <a:spcAft>
+                <a:spcPts val="0"/>
+              </a:spcAft>
+              <a:buClrTx/>
+              <a:buSzTx/>
+              <a:buFontTx/>
+              <a:buNone/>
+              <a:tabLst/>
+              <a:defRPr/>
+            </a:pPr>
+            <a:endParaRPr kumimoji="1" lang="ja-JP" altLang="en-US" dirty="0"/>
           </a:p>
           <a:p>
             <a:endParaRPr kumimoji="1" lang="ja-JP" altLang="en-US" dirty="0"/>
@@ -869,7 +949,28 @@
           <a:p>
             <a:r>
               <a:rPr kumimoji="1" lang="ja-JP" altLang="en-US" dirty="0"/>
-              <a:t>株式会社ソルティスターの天願大河です。開発を終えての感想としましては、</a:t>
+              <a:t>株式会社</a:t>
+            </a:r>
+            <a:r>
+              <a:rPr kumimoji="1" lang="en-US" altLang="ja-JP" dirty="0"/>
+              <a:t>OSE</a:t>
+            </a:r>
+            <a:r>
+              <a:rPr kumimoji="1" lang="ja-JP" altLang="en-US" dirty="0"/>
+              <a:t>の天願陽聖です。開発を終えての感想としましては、現状報告や足りないところをほかのメンバーと協力して補うことの大切さを学びました。</a:t>
+            </a:r>
+          </a:p>
+          <a:p>
+            <a:r>
+              <a:rPr kumimoji="1" lang="ja-JP" altLang="en-US" dirty="0"/>
+              <a:t>私はグループの中でもプログラミング技術が一番低かったですが、グループの人たちの教えてもらったり、</a:t>
+            </a:r>
+            <a:endParaRPr kumimoji="1" lang="en-US" altLang="ja-JP" dirty="0"/>
+          </a:p>
+          <a:p>
+            <a:r>
+              <a:rPr kumimoji="1" lang="ja-JP" altLang="en-US" dirty="0"/>
+              <a:t>協力してもらうことによって、システムを完成することができたので、このグループ同士の協力の大切さを一番実感することができました。</a:t>
             </a:r>
           </a:p>
         </p:txBody>
@@ -956,15 +1057,33 @@
           <a:p>
             <a:r>
               <a:rPr kumimoji="1" lang="ja-JP" altLang="en-US" dirty="0"/>
-              <a:t>株式会社</a:t>
-            </a:r>
-            <a:r>
-              <a:rPr kumimoji="1" lang="en-US" altLang="ja-JP" dirty="0"/>
-              <a:t>OSE</a:t>
-            </a:r>
-            <a:r>
-              <a:rPr kumimoji="1" lang="ja-JP" altLang="en-US" dirty="0"/>
-              <a:t>の天願陽聖です。開発を終えての感想としましては、</a:t>
+              <a:t>株式会社ソルティスターの天願大河です。開発を終えての感想としましては、</a:t>
+            </a:r>
+            <a:endParaRPr kumimoji="1" lang="en-US" altLang="ja-JP" dirty="0"/>
+          </a:p>
+          <a:p>
+            <a:r>
+              <a:rPr kumimoji="1" lang="ja-JP" altLang="en-US" dirty="0"/>
+              <a:t>今まで私が何気なくプレイしていたゲームは非常に考えに考え抜かれて作られたものだったのだと実感しました。</a:t>
+            </a:r>
+            <a:endParaRPr kumimoji="1" lang="en-US" altLang="ja-JP" dirty="0"/>
+          </a:p>
+          <a:p>
+            <a:r>
+              <a:rPr kumimoji="1" lang="ja-JP" altLang="en-US" dirty="0"/>
+              <a:t>なので今後は多少ゲームのバランスが狂っていたとしても、</a:t>
+            </a:r>
+          </a:p>
+          <a:p>
+            <a:r>
+              <a:rPr kumimoji="1" lang="ja-JP" altLang="en-US" dirty="0"/>
+              <a:t>「わかるよ。ゲームを作るのはむずかしいよね」と広い心をもってゲームと向き合っていきたいです。</a:t>
+            </a:r>
+          </a:p>
+          <a:p>
+            <a:r>
+              <a:rPr kumimoji="1" lang="ja-JP" altLang="en-US" dirty="0"/>
+              <a:t>	</a:t>
             </a:r>
           </a:p>
         </p:txBody>
@@ -1051,7 +1170,22 @@
           <a:p>
             <a:r>
               <a:rPr kumimoji="1" lang="ja-JP" altLang="en-US" dirty="0"/>
-              <a:t>株式会社プラスナレッジの宮城竜成です。開発を終えての感想としましては、</a:t>
+              <a:t>ゲームを作るという事で</a:t>
+            </a:r>
+            <a:r>
+              <a:rPr kumimoji="1" lang="en-US" altLang="ja-JP" dirty="0" err="1"/>
+              <a:t>Javascript</a:t>
+            </a:r>
+            <a:r>
+              <a:rPr kumimoji="1" lang="ja-JP" altLang="en-US" dirty="0"/>
+              <a:t>を使用しました。習っていない技術だったのでとても苦労しました。</a:t>
+            </a:r>
+            <a:endParaRPr kumimoji="1" lang="en-US" altLang="ja-JP" dirty="0"/>
+          </a:p>
+          <a:p>
+            <a:r>
+              <a:rPr kumimoji="1" lang="ja-JP" altLang="en-US" dirty="0"/>
+              <a:t>完成できるかという不安でお腹が痛くなりましたが、なんとか完成する事が出来たので良かったと思います。</a:t>
             </a:r>
           </a:p>
         </p:txBody>
@@ -1082,7 +1216,7 @@
     </p:spTree>
     <p:extLst>
       <p:ext uri="{BB962C8B-B14F-4D97-AF65-F5344CB8AC3E}">
-        <p14:creationId xmlns:p14="http://schemas.microsoft.com/office/powerpoint/2010/main" val="3381244330"/>
+        <p14:creationId xmlns:p14="http://schemas.microsoft.com/office/powerpoint/2010/main" val="1634169115"/>
       </p:ext>
     </p:extLst>
   </p:cSld>
@@ -1236,7 +1370,19 @@
           <a:p>
             <a:r>
               <a:rPr kumimoji="1" lang="ja-JP" altLang="en-US" dirty="0"/>
-              <a:t>大城一馬です。研修を終えての感想としましては、</a:t>
+              <a:t>大城一馬です。研修を終えての感想としましては、開発を行う際にメンバーとのコミュニケーションがすごく大事と感じました。</a:t>
+            </a:r>
+          </a:p>
+          <a:p>
+            <a:r>
+              <a:rPr kumimoji="1" lang="ja-JP" altLang="en-US" dirty="0"/>
+              <a:t>コミュニケーションが取れないと複数人で協力して行うプロジェクトで人間関係が悪化するだけではなく、技術的にわからないことの解決策、</a:t>
+            </a:r>
+          </a:p>
+          <a:p>
+            <a:r>
+              <a:rPr kumimoji="1" lang="ja-JP" altLang="en-US" dirty="0"/>
+              <a:t>スケージュールの管理を行う点としても進捗の把握を正確に行うためにとても大事なものであると学ぶことができました。</a:t>
             </a:r>
           </a:p>
         </p:txBody>
@@ -1325,6 +1471,19 @@
               <a:rPr kumimoji="1" lang="ja-JP" altLang="en-US" dirty="0"/>
               <a:t>照屋涼です。研修を終えての感想としましては、</a:t>
             </a:r>
+            <a:endParaRPr kumimoji="1" lang="en-US" altLang="ja-JP" dirty="0"/>
+          </a:p>
+          <a:p>
+            <a:r>
+              <a:rPr kumimoji="1" lang="ja-JP" altLang="en-US" dirty="0"/>
+              <a:t>・私自身、専門外の大学からこの業界に入り、プログラミングに関する知識も無く、０からのスタートでしたが、この研修を通して、プログラムの知識やマナー、勉強の仕方など様々なことを身に付け最初の頃よりかなり成長することができました。</a:t>
+            </a:r>
+          </a:p>
+          <a:p>
+            <a:r>
+              <a:rPr kumimoji="1" lang="ja-JP" altLang="en-US" dirty="0"/>
+              <a:t>・今後は、研修で得たことを活かし、研修に送り出していただいた、会社に貢献していけるよう努めてまいります。　</a:t>
+            </a:r>
           </a:p>
         </p:txBody>
       </p:sp>
@@ -1408,7 +1567,17 @@
           <a:bodyPr/>
           <a:lstStyle/>
           <a:p>
+            <a:r>
+              <a:rPr kumimoji="1" lang="ja-JP" altLang="en-US" dirty="0"/>
+              <a:t>研修を終えての感想としましては、私はこちらの研修でプログラミングの講義についていけず、ほかの研修生より、技術は劣っている状態ではありますが、</a:t>
+            </a:r>
             <a:endParaRPr kumimoji="1" lang="en-US" altLang="ja-JP" dirty="0"/>
+          </a:p>
+          <a:p>
+            <a:r>
+              <a:rPr kumimoji="1" lang="ja-JP" altLang="en-US" dirty="0"/>
+              <a:t>プログラミング講義以外で習った、ビジネスマナーや仕事をする上で必要な考え方などはしかっり学ぶことができたので、それだけでもこの研修は自分にとっていい影響を与えてくれました。</a:t>
+            </a:r>
           </a:p>
         </p:txBody>
       </p:sp>
@@ -1438,7 +1607,7 @@
     </p:spTree>
     <p:extLst>
       <p:ext uri="{BB962C8B-B14F-4D97-AF65-F5344CB8AC3E}">
-        <p14:creationId xmlns:p14="http://schemas.microsoft.com/office/powerpoint/2010/main" val="3883218015"/>
+        <p14:creationId xmlns:p14="http://schemas.microsoft.com/office/powerpoint/2010/main" val="4107838801"/>
       </p:ext>
     </p:extLst>
   </p:cSld>
@@ -1494,16 +1663,28 @@
           <a:p>
             <a:r>
               <a:rPr kumimoji="1" lang="ja-JP" altLang="en-US" dirty="0"/>
-              <a:t>これで</a:t>
-            </a:r>
-            <a:r>
-              <a:rPr kumimoji="1" lang="en-US" altLang="ja-JP" dirty="0"/>
-              <a:t>D</a:t>
-            </a:r>
-            <a:r>
-              <a:rPr kumimoji="1" lang="ja-JP" altLang="en-US" dirty="0"/>
-              <a:t>グループの開発の成果物発表についての発表とします。ご清聴ありがとうございました。</a:t>
-            </a:r>
+              <a:t>学生の頃は海ブドウの研究をしていたので、プログラミングの知識なんてものはほとんどありませんでした。</a:t>
+            </a:r>
+          </a:p>
+          <a:p>
+            <a:r>
+              <a:rPr kumimoji="1" lang="ja-JP" altLang="en-US" dirty="0"/>
+              <a:t>ほぼ０の状態からのスタートだったので、この研修を通して、</a:t>
+            </a:r>
+          </a:p>
+          <a:p>
+            <a:r>
+              <a:rPr kumimoji="1" lang="ja-JP" altLang="en-US" dirty="0"/>
+              <a:t>日々自分の成長を感じることができたのが非常にうれしく、楽しかったです。</a:t>
+            </a:r>
+            <a:endParaRPr kumimoji="1" lang="en-US" altLang="ja-JP" dirty="0"/>
+          </a:p>
+          <a:p>
+            <a:r>
+              <a:rPr kumimoji="1" lang="ja-JP" altLang="en-US" dirty="0"/>
+              <a:t>今後の目標は、失敗を恐れず、いろいろなことに挑戦し、いろいろなことを学び、立派なエンジニアになれるように頑張りたいです。</a:t>
+            </a:r>
+            <a:endParaRPr kumimoji="1" lang="en-US" altLang="ja-JP" dirty="0"/>
           </a:p>
         </p:txBody>
       </p:sp>
@@ -1524,7 +1705,7 @@
           <a:p>
             <a:fld id="{DAA37000-F953-4017-BC7A-A0ED4B544261}" type="slidenum">
               <a:rPr kumimoji="1" lang="ja-JP" altLang="en-US" smtClean="0"/>
-              <a:t>21</a:t>
+              <a:t>19</a:t>
             </a:fld>
             <a:endParaRPr kumimoji="1" lang="ja-JP" altLang="en-US"/>
           </a:p>
@@ -1533,7 +1714,7 @@
     </p:spTree>
     <p:extLst>
       <p:ext uri="{BB962C8B-B14F-4D97-AF65-F5344CB8AC3E}">
-        <p14:creationId xmlns:p14="http://schemas.microsoft.com/office/powerpoint/2010/main" val="1286348978"/>
+        <p14:creationId xmlns:p14="http://schemas.microsoft.com/office/powerpoint/2010/main" val="3883218015"/>
       </p:ext>
     </p:extLst>
   </p:cSld>
@@ -1628,6 +1809,206 @@
     <p:extLst>
       <p:ext uri="{BB962C8B-B14F-4D97-AF65-F5344CB8AC3E}">
         <p14:creationId xmlns:p14="http://schemas.microsoft.com/office/powerpoint/2010/main" val="3561594521"/>
+      </p:ext>
+    </p:extLst>
+  </p:cSld>
+  <p:clrMapOvr>
+    <a:masterClrMapping/>
+  </p:clrMapOvr>
+</p:notes>
+</file>
+
+<file path=ppt/notesSlides/notesSlide20.xml><?xml version="1.0" encoding="utf-8"?>
+<p:notes xmlns:a="http://schemas.openxmlformats.org/drawingml/2006/main" xmlns:r="http://schemas.openxmlformats.org/officeDocument/2006/relationships" xmlns:p="http://schemas.openxmlformats.org/presentationml/2006/main">
+  <p:cSld>
+    <p:spTree>
+      <p:nvGrpSpPr>
+        <p:cNvPr id="1" name=""/>
+        <p:cNvGrpSpPr/>
+        <p:nvPr/>
+      </p:nvGrpSpPr>
+      <p:grpSpPr>
+        <a:xfrm>
+          <a:off x="0" y="0"/>
+          <a:ext cx="0" cy="0"/>
+          <a:chOff x="0" y="0"/>
+          <a:chExt cx="0" cy="0"/>
+        </a:xfrm>
+      </p:grpSpPr>
+      <p:sp>
+        <p:nvSpPr>
+          <p:cNvPr id="2" name="スライド イメージ プレースホルダー 1"/>
+          <p:cNvSpPr>
+            <a:spLocks noGrp="1" noRot="1" noChangeAspect="1"/>
+          </p:cNvSpPr>
+          <p:nvPr>
+            <p:ph type="sldImg"/>
+          </p:nvPr>
+        </p:nvSpPr>
+        <p:spPr/>
+      </p:sp>
+      <p:sp>
+        <p:nvSpPr>
+          <p:cNvPr id="3" name="ノート プレースホルダー 2"/>
+          <p:cNvSpPr>
+            <a:spLocks noGrp="1"/>
+          </p:cNvSpPr>
+          <p:nvPr>
+            <p:ph type="body" idx="1"/>
+          </p:nvPr>
+        </p:nvSpPr>
+        <p:spPr/>
+        <p:txBody>
+          <a:bodyPr/>
+          <a:lstStyle/>
+          <a:p>
+            <a:r>
+              <a:rPr kumimoji="1" lang="ja-JP" altLang="en-US" dirty="0"/>
+              <a:t>始まったころに比べると出来る事がとても増えたと感じていて、成長できたと思います。</a:t>
+            </a:r>
+            <a:endParaRPr kumimoji="1" lang="en-US" altLang="ja-JP" dirty="0"/>
+          </a:p>
+          <a:p>
+            <a:r>
+              <a:rPr kumimoji="1" lang="ja-JP" altLang="en-US" dirty="0"/>
+              <a:t>みんなとも協力出来てとても楽しく研修ができて嬉しく思っています。</a:t>
+            </a:r>
+            <a:endParaRPr kumimoji="1" lang="en-US" altLang="ja-JP" dirty="0"/>
+          </a:p>
+          <a:p>
+            <a:r>
+              <a:rPr kumimoji="1" lang="ja-JP" altLang="en-US" dirty="0"/>
+              <a:t>そして技術だけではなくビジネスマナーなども学ばせていただき、学んだことを活かして職場でも成長できるように気持ちを切らさず頑張ります。</a:t>
+            </a:r>
+            <a:endParaRPr kumimoji="1" lang="en-US" altLang="ja-JP" dirty="0"/>
+          </a:p>
+          <a:p>
+            <a:endParaRPr kumimoji="1" lang="ja-JP" altLang="en-US" dirty="0"/>
+          </a:p>
+        </p:txBody>
+      </p:sp>
+      <p:sp>
+        <p:nvSpPr>
+          <p:cNvPr id="4" name="スライド番号プレースホルダー 3"/>
+          <p:cNvSpPr>
+            <a:spLocks noGrp="1"/>
+          </p:cNvSpPr>
+          <p:nvPr>
+            <p:ph type="sldNum" sz="quarter" idx="5"/>
+          </p:nvPr>
+        </p:nvSpPr>
+        <p:spPr/>
+        <p:txBody>
+          <a:bodyPr/>
+          <a:lstStyle/>
+          <a:p>
+            <a:fld id="{DAA37000-F953-4017-BC7A-A0ED4B544261}" type="slidenum">
+              <a:rPr kumimoji="1" lang="ja-JP" altLang="en-US" smtClean="0"/>
+              <a:t>20</a:t>
+            </a:fld>
+            <a:endParaRPr kumimoji="1" lang="ja-JP" altLang="en-US"/>
+          </a:p>
+        </p:txBody>
+      </p:sp>
+    </p:spTree>
+    <p:extLst>
+      <p:ext uri="{BB962C8B-B14F-4D97-AF65-F5344CB8AC3E}">
+        <p14:creationId xmlns:p14="http://schemas.microsoft.com/office/powerpoint/2010/main" val="4086160304"/>
+      </p:ext>
+    </p:extLst>
+  </p:cSld>
+  <p:clrMapOvr>
+    <a:masterClrMapping/>
+  </p:clrMapOvr>
+</p:notes>
+</file>
+
+<file path=ppt/notesSlides/notesSlide21.xml><?xml version="1.0" encoding="utf-8"?>
+<p:notes xmlns:a="http://schemas.openxmlformats.org/drawingml/2006/main" xmlns:r="http://schemas.openxmlformats.org/officeDocument/2006/relationships" xmlns:p="http://schemas.openxmlformats.org/presentationml/2006/main">
+  <p:cSld>
+    <p:spTree>
+      <p:nvGrpSpPr>
+        <p:cNvPr id="1" name=""/>
+        <p:cNvGrpSpPr/>
+        <p:nvPr/>
+      </p:nvGrpSpPr>
+      <p:grpSpPr>
+        <a:xfrm>
+          <a:off x="0" y="0"/>
+          <a:ext cx="0" cy="0"/>
+          <a:chOff x="0" y="0"/>
+          <a:chExt cx="0" cy="0"/>
+        </a:xfrm>
+      </p:grpSpPr>
+      <p:sp>
+        <p:nvSpPr>
+          <p:cNvPr id="2" name="スライド イメージ プレースホルダー 1"/>
+          <p:cNvSpPr>
+            <a:spLocks noGrp="1" noRot="1" noChangeAspect="1"/>
+          </p:cNvSpPr>
+          <p:nvPr>
+            <p:ph type="sldImg"/>
+          </p:nvPr>
+        </p:nvSpPr>
+        <p:spPr/>
+      </p:sp>
+      <p:sp>
+        <p:nvSpPr>
+          <p:cNvPr id="3" name="ノート プレースホルダー 2"/>
+          <p:cNvSpPr>
+            <a:spLocks noGrp="1"/>
+          </p:cNvSpPr>
+          <p:nvPr>
+            <p:ph type="body" idx="1"/>
+          </p:nvPr>
+        </p:nvSpPr>
+        <p:spPr/>
+        <p:txBody>
+          <a:bodyPr/>
+          <a:lstStyle/>
+          <a:p>
+            <a:r>
+              <a:rPr kumimoji="1" lang="ja-JP" altLang="en-US" dirty="0"/>
+              <a:t>これで</a:t>
+            </a:r>
+            <a:r>
+              <a:rPr kumimoji="1" lang="en-US" altLang="ja-JP" dirty="0"/>
+              <a:t>D</a:t>
+            </a:r>
+            <a:r>
+              <a:rPr kumimoji="1" lang="ja-JP" altLang="en-US" dirty="0"/>
+              <a:t>グループの開発の成果物発表についての発表とします。ご清聴ありがとうございました。</a:t>
+            </a:r>
+          </a:p>
+        </p:txBody>
+      </p:sp>
+      <p:sp>
+        <p:nvSpPr>
+          <p:cNvPr id="4" name="スライド番号プレースホルダー 3"/>
+          <p:cNvSpPr>
+            <a:spLocks noGrp="1"/>
+          </p:cNvSpPr>
+          <p:nvPr>
+            <p:ph type="sldNum" sz="quarter" idx="5"/>
+          </p:nvPr>
+        </p:nvSpPr>
+        <p:spPr/>
+        <p:txBody>
+          <a:bodyPr/>
+          <a:lstStyle/>
+          <a:p>
+            <a:fld id="{DAA37000-F953-4017-BC7A-A0ED4B544261}" type="slidenum">
+              <a:rPr kumimoji="1" lang="ja-JP" altLang="en-US" smtClean="0"/>
+              <a:t>21</a:t>
+            </a:fld>
+            <a:endParaRPr kumimoji="1" lang="ja-JP" altLang="en-US"/>
+          </a:p>
+        </p:txBody>
+      </p:sp>
+    </p:spTree>
+    <p:extLst>
+      <p:ext uri="{BB962C8B-B14F-4D97-AF65-F5344CB8AC3E}">
+        <p14:creationId xmlns:p14="http://schemas.microsoft.com/office/powerpoint/2010/main" val="1286348978"/>
       </p:ext>
     </p:extLst>
   </p:cSld>
@@ -2565,7 +2946,7 @@
           <a:p>
             <a:fld id="{76969C88-B244-455D-A017-012B25B1ACDD}" type="datetimeFigureOut">
               <a:rPr lang="en-US" smtClean="0"/>
-              <a:t>6/28/2020</a:t>
+              <a:t>6/29/2020</a:t>
             </a:fld>
             <a:endParaRPr lang="en-US"/>
           </a:p>
@@ -2763,7 +3144,7 @@
           <a:p>
             <a:fld id="{76969C88-B244-455D-A017-012B25B1ACDD}" type="datetimeFigureOut">
               <a:rPr lang="en-US" smtClean="0"/>
-              <a:t>6/28/2020</a:t>
+              <a:t>6/29/2020</a:t>
             </a:fld>
             <a:endParaRPr lang="en-US"/>
           </a:p>
@@ -2971,7 +3352,7 @@
           <a:p>
             <a:fld id="{76969C88-B244-455D-A017-012B25B1ACDD}" type="datetimeFigureOut">
               <a:rPr lang="en-US" smtClean="0"/>
-              <a:t>6/28/2020</a:t>
+              <a:t>6/29/2020</a:t>
             </a:fld>
             <a:endParaRPr lang="en-US"/>
           </a:p>
@@ -3170,7 +3551,7 @@
           <a:p>
             <a:fld id="{76969C88-B244-455D-A017-012B25B1ACDD}" type="datetimeFigureOut">
               <a:rPr lang="en-US" smtClean="0"/>
-              <a:t>6/28/2020</a:t>
+              <a:t>6/29/2020</a:t>
             </a:fld>
             <a:endParaRPr lang="en-US"/>
           </a:p>
@@ -3445,7 +3826,7 @@
           <a:p>
             <a:fld id="{76969C88-B244-455D-A017-012B25B1ACDD}" type="datetimeFigureOut">
               <a:rPr lang="en-US" smtClean="0"/>
-              <a:t>6/28/2020</a:t>
+              <a:t>6/29/2020</a:t>
             </a:fld>
             <a:endParaRPr lang="en-US"/>
           </a:p>
@@ -3710,7 +4091,7 @@
           <a:p>
             <a:fld id="{76969C88-B244-455D-A017-012B25B1ACDD}" type="datetimeFigureOut">
               <a:rPr lang="en-US" smtClean="0"/>
-              <a:t>6/28/2020</a:t>
+              <a:t>6/29/2020</a:t>
             </a:fld>
             <a:endParaRPr lang="en-US"/>
           </a:p>
@@ -4122,7 +4503,7 @@
           <a:p>
             <a:fld id="{76969C88-B244-455D-A017-012B25B1ACDD}" type="datetimeFigureOut">
               <a:rPr lang="en-US" smtClean="0"/>
-              <a:t>6/28/2020</a:t>
+              <a:t>6/29/2020</a:t>
             </a:fld>
             <a:endParaRPr lang="en-US"/>
           </a:p>
@@ -4263,7 +4644,7 @@
           <a:p>
             <a:fld id="{76969C88-B244-455D-A017-012B25B1ACDD}" type="datetimeFigureOut">
               <a:rPr lang="en-US" smtClean="0"/>
-              <a:t>6/28/2020</a:t>
+              <a:t>6/29/2020</a:t>
             </a:fld>
             <a:endParaRPr lang="en-US"/>
           </a:p>
@@ -4376,7 +4757,7 @@
           <a:p>
             <a:fld id="{76969C88-B244-455D-A017-012B25B1ACDD}" type="datetimeFigureOut">
               <a:rPr lang="en-US" smtClean="0"/>
-              <a:t>6/28/2020</a:t>
+              <a:t>6/29/2020</a:t>
             </a:fld>
             <a:endParaRPr lang="en-US"/>
           </a:p>
@@ -4688,7 +5069,7 @@
           <a:p>
             <a:fld id="{76969C88-B244-455D-A017-012B25B1ACDD}" type="datetimeFigureOut">
               <a:rPr lang="en-US" smtClean="0"/>
-              <a:t>6/28/2020</a:t>
+              <a:t>6/29/2020</a:t>
             </a:fld>
             <a:endParaRPr lang="en-US"/>
           </a:p>
@@ -4979,7 +5360,7 @@
           <a:p>
             <a:fld id="{76969C88-B244-455D-A017-012B25B1ACDD}" type="datetimeFigureOut">
               <a:rPr lang="en-US" smtClean="0"/>
-              <a:t>6/28/2020</a:t>
+              <a:t>6/29/2020</a:t>
             </a:fld>
             <a:endParaRPr lang="en-US"/>
           </a:p>
@@ -5735,7 +6116,7 @@
             <a:fld id="{76969C88-B244-455D-A017-012B25B1ACDD}" type="datetimeFigureOut">
               <a:rPr lang="en-US" smtClean="0"/>
               <a:pPr/>
-              <a:t>6/28/2020</a:t>
+              <a:t>6/29/2020</a:t>
             </a:fld>
             <a:endParaRPr lang="en-US"/>
           </a:p>
@@ -6699,9 +7080,15 @@
           <a:bodyPr/>
           <a:lstStyle/>
           <a:p>
-            <a:r>
-              <a:rPr kumimoji="1" lang="ja-JP" altLang="en-US" dirty="0"/>
-              <a:t>たのしかった　</a:t>
+            <a:endParaRPr kumimoji="1" lang="en-US" altLang="ja-JP" dirty="0"/>
+          </a:p>
+          <a:p>
+            <a:endParaRPr kumimoji="1" lang="en-US" altLang="ja-JP" dirty="0"/>
+          </a:p>
+          <a:p>
+            <a:r>
+              <a:rPr kumimoji="1" lang="ja-JP" altLang="en-US" dirty="0"/>
+              <a:t>スケジュールの作成、管理　</a:t>
             </a:r>
             <a:endParaRPr kumimoji="1" lang="en-US" altLang="ja-JP" dirty="0"/>
           </a:p>
@@ -6789,9 +7176,22 @@
           <a:bodyPr/>
           <a:lstStyle/>
           <a:p>
-            <a:r>
-              <a:rPr kumimoji="1" lang="ja-JP" altLang="en-US" dirty="0"/>
-              <a:t>楽しかっあ</a:t>
+            <a:endParaRPr kumimoji="1" lang="en-US" altLang="ja-JP" dirty="0"/>
+          </a:p>
+          <a:p>
+            <a:r>
+              <a:rPr kumimoji="1" lang="ja-JP" altLang="en-US" dirty="0"/>
+              <a:t>得た知識を応用して用いることの難しさ</a:t>
+            </a:r>
+            <a:endParaRPr kumimoji="1" lang="en-US" altLang="ja-JP" dirty="0"/>
+          </a:p>
+          <a:p>
+            <a:endParaRPr kumimoji="1" lang="en-US" altLang="ja-JP" dirty="0"/>
+          </a:p>
+          <a:p>
+            <a:r>
+              <a:rPr kumimoji="1" lang="ja-JP" altLang="en-US" dirty="0"/>
+              <a:t>グループで一つのものを作る楽しさと難しさ</a:t>
             </a:r>
           </a:p>
         </p:txBody>
@@ -6849,7 +7249,7 @@
           <a:p>
             <a:r>
               <a:rPr kumimoji="1" lang="ja-JP" altLang="en-US" dirty="0"/>
-              <a:t>開発を終えての感想（天願大河）</a:t>
+              <a:t>開発を終えての感想（天願陽聖）</a:t>
             </a:r>
           </a:p>
         </p:txBody>
@@ -6872,12 +7272,20 @@
         </p:nvSpPr>
         <p:spPr/>
         <p:txBody>
-          <a:bodyPr/>
-          <a:lstStyle/>
-          <a:p>
-            <a:r>
-              <a:rPr kumimoji="1" lang="ja-JP" altLang="en-US" dirty="0"/>
-              <a:t>たのしぁた</a:t>
+          <a:bodyPr>
+            <a:normAutofit/>
+          </a:bodyPr>
+          <a:lstStyle/>
+          <a:p>
+            <a:endParaRPr kumimoji="1" lang="en-US" altLang="ja-JP" sz="3200" dirty="0"/>
+          </a:p>
+          <a:p>
+            <a:endParaRPr kumimoji="1" lang="en-US" altLang="ja-JP" sz="3200" dirty="0"/>
+          </a:p>
+          <a:p>
+            <a:r>
+              <a:rPr kumimoji="1" lang="ja-JP" altLang="en-US" sz="3200" dirty="0"/>
+              <a:t>メンバー同士の現状報告の大切さ</a:t>
             </a:r>
           </a:p>
         </p:txBody>
@@ -6935,7 +7343,7 @@
           <a:p>
             <a:r>
               <a:rPr kumimoji="1" lang="ja-JP" altLang="en-US" dirty="0"/>
-              <a:t>開発を終えての感想（天願陽聖）</a:t>
+              <a:t>開発を終えての感想（天願大河）</a:t>
             </a:r>
           </a:p>
         </p:txBody>
@@ -6961,9 +7369,15 @@
           <a:bodyPr/>
           <a:lstStyle/>
           <a:p>
-            <a:r>
-              <a:rPr kumimoji="1" lang="ja-JP" altLang="en-US" dirty="0"/>
-              <a:t>たしのかｊｌｈ</a:t>
+            <a:endParaRPr kumimoji="1" lang="en-US" altLang="ja-JP" dirty="0"/>
+          </a:p>
+          <a:p>
+            <a:endParaRPr kumimoji="1" lang="en-US" altLang="ja-JP" dirty="0"/>
+          </a:p>
+          <a:p>
+            <a:r>
+              <a:rPr kumimoji="1" lang="ja-JP" altLang="en-US" dirty="0"/>
+              <a:t>ゲームバランスを考えるのは難しさ</a:t>
             </a:r>
           </a:p>
         </p:txBody>
@@ -7003,7 +7417,7 @@
           <p:cNvPr id="2" name="タイトル 1">
             <a:extLst>
               <a:ext uri="{FF2B5EF4-FFF2-40B4-BE49-F238E27FC236}">
-                <a16:creationId xmlns:a16="http://schemas.microsoft.com/office/drawing/2014/main" id="{B33BCBE8-F2B1-4AD8-843E-FB4D7C63D660}"/>
+                <a16:creationId xmlns:a16="http://schemas.microsoft.com/office/drawing/2014/main" id="{B3918928-F831-4EA8-B6E4-486A04F9522C}"/>
               </a:ext>
             </a:extLst>
           </p:cNvPr>
@@ -7031,7 +7445,7 @@
           <p:cNvPr id="3" name="コンテンツ プレースホルダー 2">
             <a:extLst>
               <a:ext uri="{FF2B5EF4-FFF2-40B4-BE49-F238E27FC236}">
-                <a16:creationId xmlns:a16="http://schemas.microsoft.com/office/drawing/2014/main" id="{90DEDE0D-ED72-46C6-B4E0-0BB5097D9916}"/>
+                <a16:creationId xmlns:a16="http://schemas.microsoft.com/office/drawing/2014/main" id="{55A0A815-F99F-4560-856A-6C5D32E91E71}"/>
               </a:ext>
             </a:extLst>
           </p:cNvPr>
@@ -7047,17 +7461,33 @@
           <a:bodyPr/>
           <a:lstStyle/>
           <a:p>
-            <a:r>
-              <a:rPr kumimoji="1" lang="ja-JP" altLang="en-US" dirty="0"/>
-              <a:t>Ｌｋｊふぁｌｄｓｋｊふぉ</a:t>
-            </a:r>
+            <a:endParaRPr kumimoji="1" lang="en-US" altLang="ja-JP" dirty="0"/>
+          </a:p>
+          <a:p>
+            <a:r>
+              <a:rPr kumimoji="1" lang="ja-JP" altLang="en-US" dirty="0"/>
+              <a:t>習っていない技術を使用した</a:t>
+            </a:r>
+            <a:endParaRPr kumimoji="1" lang="en-US" altLang="ja-JP" dirty="0"/>
+          </a:p>
+          <a:p>
+            <a:endParaRPr kumimoji="1" lang="en-US" altLang="ja-JP" dirty="0"/>
+          </a:p>
+          <a:p>
+            <a:r>
+              <a:rPr kumimoji="1" lang="ja-JP" altLang="en-US" dirty="0"/>
+              <a:t>なんとか完成する事が出来た</a:t>
+            </a:r>
+          </a:p>
+          <a:p>
+            <a:endParaRPr kumimoji="1" lang="ja-JP" altLang="en-US" dirty="0"/>
           </a:p>
         </p:txBody>
       </p:sp>
     </p:spTree>
     <p:extLst>
       <p:ext uri="{BB962C8B-B14F-4D97-AF65-F5344CB8AC3E}">
-        <p14:creationId xmlns:p14="http://schemas.microsoft.com/office/powerpoint/2010/main" val="217422254"/>
+        <p14:creationId xmlns:p14="http://schemas.microsoft.com/office/powerpoint/2010/main" val="990552468"/>
       </p:ext>
     </p:extLst>
   </p:cSld>
@@ -7199,9 +7629,15 @@
           <a:bodyPr/>
           <a:lstStyle/>
           <a:p>
-            <a:r>
-              <a:rPr kumimoji="1" lang="ja-JP" altLang="en-US" dirty="0"/>
-              <a:t>楽しかった</a:t>
+            <a:endParaRPr kumimoji="1" lang="en-US" altLang="ja-JP" dirty="0"/>
+          </a:p>
+          <a:p>
+            <a:endParaRPr kumimoji="1" lang="en-US" altLang="ja-JP" dirty="0"/>
+          </a:p>
+          <a:p>
+            <a:r>
+              <a:rPr kumimoji="1" lang="ja-JP" altLang="en-US" dirty="0"/>
+              <a:t>コミュニケーションの大事さ</a:t>
             </a:r>
           </a:p>
         </p:txBody>
@@ -7285,9 +7721,22 @@
           <a:bodyPr/>
           <a:lstStyle/>
           <a:p>
-            <a:r>
-              <a:rPr kumimoji="1" lang="ja-JP" altLang="en-US" dirty="0"/>
-              <a:t>楽しかっあ</a:t>
+            <a:endParaRPr kumimoji="1" lang="en-US" altLang="ja-JP" dirty="0"/>
+          </a:p>
+          <a:p>
+            <a:r>
+              <a:rPr kumimoji="1" lang="ja-JP" altLang="en-US" dirty="0"/>
+              <a:t>自身の成長について</a:t>
+            </a:r>
+            <a:endParaRPr kumimoji="1" lang="en-US" altLang="ja-JP" dirty="0"/>
+          </a:p>
+          <a:p>
+            <a:endParaRPr kumimoji="1" lang="en-US" altLang="ja-JP" dirty="0"/>
+          </a:p>
+          <a:p>
+            <a:r>
+              <a:rPr kumimoji="1" lang="ja-JP" altLang="en-US" dirty="0"/>
+              <a:t>今後について</a:t>
             </a:r>
           </a:p>
         </p:txBody>
@@ -7327,7 +7776,7 @@
           <p:cNvPr id="2" name="タイトル 1">
             <a:extLst>
               <a:ext uri="{FF2B5EF4-FFF2-40B4-BE49-F238E27FC236}">
-                <a16:creationId xmlns:a16="http://schemas.microsoft.com/office/drawing/2014/main" id="{04AFBAB6-5784-48A0-A0F9-F5464257D04E}"/>
+                <a16:creationId xmlns:a16="http://schemas.microsoft.com/office/drawing/2014/main" id="{6B9E7D6C-03FE-436A-8A76-BD59F1DFDF72}"/>
               </a:ext>
             </a:extLst>
           </p:cNvPr>
@@ -7345,7 +7794,7 @@
           <a:p>
             <a:r>
               <a:rPr kumimoji="1" lang="ja-JP" altLang="en-US" dirty="0"/>
-              <a:t>研修を終えての感想（天願大河）</a:t>
+              <a:t>研修を終えての感想（天願陽聖）</a:t>
             </a:r>
           </a:p>
         </p:txBody>
@@ -7355,7 +7804,7 @@
           <p:cNvPr id="3" name="コンテンツ プレースホルダー 2">
             <a:extLst>
               <a:ext uri="{FF2B5EF4-FFF2-40B4-BE49-F238E27FC236}">
-                <a16:creationId xmlns:a16="http://schemas.microsoft.com/office/drawing/2014/main" id="{4D39B51B-463F-4727-811A-FAB99BD58730}"/>
+                <a16:creationId xmlns:a16="http://schemas.microsoft.com/office/drawing/2014/main" id="{B535D103-E5FA-467C-90A3-165903AD9985}"/>
               </a:ext>
             </a:extLst>
           </p:cNvPr>
@@ -7371,9 +7820,22 @@
           <a:bodyPr/>
           <a:lstStyle/>
           <a:p>
-            <a:r>
-              <a:rPr kumimoji="1" lang="ja-JP" altLang="en-US" dirty="0"/>
-              <a:t>楽しかっあ</a:t>
+            <a:endParaRPr kumimoji="1" lang="en-US" altLang="ja-JP" dirty="0"/>
+          </a:p>
+          <a:p>
+            <a:r>
+              <a:rPr kumimoji="1" lang="ja-JP" altLang="en-US" dirty="0"/>
+              <a:t>ビジネスマナー</a:t>
+            </a:r>
+            <a:endParaRPr kumimoji="1" lang="en-US" altLang="ja-JP" dirty="0"/>
+          </a:p>
+          <a:p>
+            <a:endParaRPr kumimoji="1" lang="en-US" altLang="ja-JP" dirty="0"/>
+          </a:p>
+          <a:p>
+            <a:r>
+              <a:rPr kumimoji="1" lang="ja-JP" altLang="en-US" dirty="0"/>
+              <a:t>仕事をする上での必要な考え方、必要な技術</a:t>
             </a:r>
           </a:p>
         </p:txBody>
@@ -7381,7 +7843,7 @@
     </p:spTree>
     <p:extLst>
       <p:ext uri="{BB962C8B-B14F-4D97-AF65-F5344CB8AC3E}">
-        <p14:creationId xmlns:p14="http://schemas.microsoft.com/office/powerpoint/2010/main" val="1158736267"/>
+        <p14:creationId xmlns:p14="http://schemas.microsoft.com/office/powerpoint/2010/main" val="3470410322"/>
       </p:ext>
     </p:extLst>
   </p:cSld>
@@ -7413,7 +7875,7 @@
           <p:cNvPr id="2" name="タイトル 1">
             <a:extLst>
               <a:ext uri="{FF2B5EF4-FFF2-40B4-BE49-F238E27FC236}">
-                <a16:creationId xmlns:a16="http://schemas.microsoft.com/office/drawing/2014/main" id="{6B9E7D6C-03FE-436A-8A76-BD59F1DFDF72}"/>
+                <a16:creationId xmlns:a16="http://schemas.microsoft.com/office/drawing/2014/main" id="{04AFBAB6-5784-48A0-A0F9-F5464257D04E}"/>
               </a:ext>
             </a:extLst>
           </p:cNvPr>
@@ -7431,7 +7893,7 @@
           <a:p>
             <a:r>
               <a:rPr kumimoji="1" lang="ja-JP" altLang="en-US" dirty="0"/>
-              <a:t>研修を終えての感想（天願陽聖）</a:t>
+              <a:t>研修を終えての感想（天願大河）</a:t>
             </a:r>
           </a:p>
         </p:txBody>
@@ -7441,7 +7903,7 @@
           <p:cNvPr id="3" name="コンテンツ プレースホルダー 2">
             <a:extLst>
               <a:ext uri="{FF2B5EF4-FFF2-40B4-BE49-F238E27FC236}">
-                <a16:creationId xmlns:a16="http://schemas.microsoft.com/office/drawing/2014/main" id="{B535D103-E5FA-467C-90A3-165903AD9985}"/>
+                <a16:creationId xmlns:a16="http://schemas.microsoft.com/office/drawing/2014/main" id="{4D39B51B-463F-4727-811A-FAB99BD58730}"/>
               </a:ext>
             </a:extLst>
           </p:cNvPr>
@@ -7454,20 +7916,30 @@
         </p:nvSpPr>
         <p:spPr/>
         <p:txBody>
-          <a:bodyPr/>
-          <a:lstStyle/>
-          <a:p>
-            <a:r>
-              <a:rPr kumimoji="1" lang="ja-JP" altLang="en-US" dirty="0"/>
-              <a:t>楽しか</a:t>
-            </a:r>
-            <a:r>
-              <a:rPr kumimoji="1" lang="en-US" altLang="ja-JP" dirty="0"/>
-              <a:t>l</a:t>
-            </a:r>
-            <a:r>
-              <a:rPr kumimoji="1" lang="ja-JP" altLang="en-US" dirty="0"/>
-              <a:t>多雨</a:t>
+          <a:bodyPr>
+            <a:normAutofit/>
+          </a:bodyPr>
+          <a:lstStyle/>
+          <a:p>
+            <a:pPr marL="0" indent="0">
+              <a:buNone/>
+            </a:pPr>
+            <a:endParaRPr kumimoji="1" lang="en-US" altLang="ja-JP" dirty="0"/>
+          </a:p>
+          <a:p>
+            <a:r>
+              <a:rPr kumimoji="1" lang="ja-JP" altLang="en-US" dirty="0"/>
+              <a:t>自身の成長</a:t>
+            </a:r>
+            <a:endParaRPr kumimoji="1" lang="en-US" altLang="ja-JP" dirty="0"/>
+          </a:p>
+          <a:p>
+            <a:endParaRPr kumimoji="1" lang="en-US" altLang="ja-JP" dirty="0"/>
+          </a:p>
+          <a:p>
+            <a:r>
+              <a:rPr kumimoji="1" lang="ja-JP" altLang="en-US" dirty="0"/>
+              <a:t>立派なエンジニアになる</a:t>
             </a:r>
           </a:p>
         </p:txBody>
@@ -7475,7 +7947,7 @@
     </p:spTree>
     <p:extLst>
       <p:ext uri="{BB962C8B-B14F-4D97-AF65-F5344CB8AC3E}">
-        <p14:creationId xmlns:p14="http://schemas.microsoft.com/office/powerpoint/2010/main" val="3470410322"/>
+        <p14:creationId xmlns:p14="http://schemas.microsoft.com/office/powerpoint/2010/main" val="1158736267"/>
       </p:ext>
     </p:extLst>
   </p:cSld>
@@ -7685,25 +8157,22 @@
           <a:bodyPr/>
           <a:lstStyle/>
           <a:p>
-            <a:r>
-              <a:rPr kumimoji="1" lang="ja-JP" altLang="en-US" dirty="0"/>
-              <a:t>ヵ</a:t>
-            </a:r>
-            <a:r>
-              <a:rPr kumimoji="1" lang="en-US" altLang="ja-JP" dirty="0" err="1"/>
-              <a:t>sjd</a:t>
-            </a:r>
-            <a:r>
-              <a:rPr kumimoji="1" lang="ja-JP" altLang="en-US" dirty="0"/>
-              <a:t>；</a:t>
-            </a:r>
-            <a:r>
-              <a:rPr kumimoji="1" lang="en-US" altLang="ja-JP" dirty="0" err="1"/>
-              <a:t>lm</a:t>
-            </a:r>
-            <a:r>
-              <a:rPr kumimoji="1" lang="ja-JP" altLang="en-US" dirty="0"/>
-              <a:t>ｖｋじゃ</a:t>
+            <a:endParaRPr kumimoji="1" lang="en-US" altLang="ja-JP" dirty="0"/>
+          </a:p>
+          <a:p>
+            <a:r>
+              <a:rPr kumimoji="1" lang="ja-JP" altLang="en-US" dirty="0"/>
+              <a:t>成長する事が出来た</a:t>
+            </a:r>
+            <a:endParaRPr kumimoji="1" lang="en-US" altLang="ja-JP" dirty="0"/>
+          </a:p>
+          <a:p>
+            <a:endParaRPr kumimoji="1" lang="en-US" altLang="ja-JP" dirty="0"/>
+          </a:p>
+          <a:p>
+            <a:r>
+              <a:rPr kumimoji="1" lang="ja-JP" altLang="en-US" dirty="0"/>
+              <a:t>社会人としてのマナーが身についた</a:t>
             </a:r>
           </a:p>
         </p:txBody>
@@ -8414,7 +8883,17 @@
           <a:p>
             <a:r>
               <a:rPr kumimoji="1" lang="ja-JP" altLang="en-US" dirty="0"/>
-              <a:t>しかし、予定通には作業を進められなかった（ブラックジャック・必殺技等）。</a:t>
+              <a:t>しかし、予定通りには作業を進められなかった</a:t>
+            </a:r>
+            <a:endParaRPr kumimoji="1" lang="en-US" altLang="ja-JP" dirty="0"/>
+          </a:p>
+          <a:p>
+            <a:pPr marL="0" indent="0">
+              <a:buNone/>
+            </a:pPr>
+            <a:r>
+              <a:rPr kumimoji="1" lang="ja-JP" altLang="en-US" dirty="0"/>
+              <a:t>　（ブラックジャック・必殺技等）。</a:t>
             </a:r>
             <a:endParaRPr kumimoji="1" lang="en-US" altLang="ja-JP" dirty="0"/>
           </a:p>

--- a/発表資料.pptx
+++ b/発表資料.pptx
@@ -2525,21 +2525,205 @@
           <a:lstStyle/>
           <a:p>
             <a:r>
-              <a:rPr kumimoji="1" lang="ja-JP" altLang="en-US" dirty="0"/>
-              <a:t>約</a:t>
-            </a:r>
-            <a:r>
-              <a:rPr kumimoji="1" lang="en-US" altLang="ja-JP" dirty="0"/>
-              <a:t>10</a:t>
-            </a:r>
-            <a:r>
-              <a:rPr kumimoji="1" lang="ja-JP" altLang="en-US" dirty="0"/>
-              <a:t>分　３人</a:t>
+              <a:rPr lang="ja-JP" altLang="en-US" dirty="0"/>
+              <a:t>デモ流れ </a:t>
+            </a:r>
+            <a:endParaRPr lang="en-US" altLang="ja-JP" dirty="0"/>
+          </a:p>
+          <a:p>
+            <a:r>
+              <a:rPr lang="ja-JP" altLang="en-US" dirty="0"/>
+              <a:t>１、新規登録 </a:t>
+            </a:r>
+            <a:r>
+              <a:rPr lang="en-US" altLang="ja-JP" dirty="0"/>
+              <a:t>1-1</a:t>
+            </a:r>
+            <a:r>
+              <a:rPr lang="ja-JP" altLang="en-US" dirty="0"/>
+              <a:t>未⼊⼒の場合の処理を⾏う。（未⼊⼒の場合ははじかれますというだけでもいいかも） </a:t>
+            </a:r>
+            <a:r>
+              <a:rPr lang="en-US" altLang="ja-JP" dirty="0"/>
+              <a:t>1-2</a:t>
+            </a:r>
+            <a:r>
+              <a:rPr lang="ja-JP" altLang="en-US" dirty="0"/>
+              <a:t>データを⼊⼒して、確認画⾯へ。 </a:t>
+            </a:r>
+            <a:r>
+              <a:rPr lang="en-US" altLang="ja-JP" dirty="0"/>
+              <a:t>1-3</a:t>
+            </a:r>
+            <a:r>
+              <a:rPr lang="ja-JP" altLang="en-US" dirty="0"/>
+              <a:t>確認画⾯でパスワードを再⼊⼒して</a:t>
+            </a:r>
+            <a:r>
+              <a:rPr lang="en-US" altLang="ja-JP" dirty="0"/>
+              <a:t>check</a:t>
+            </a:r>
+            <a:r>
+              <a:rPr lang="ja-JP" altLang="en-US" dirty="0"/>
+              <a:t>画⾯へ </a:t>
+            </a:r>
+            <a:r>
+              <a:rPr lang="en-US" altLang="ja-JP" dirty="0"/>
+              <a:t>1-4</a:t>
+            </a:r>
+            <a:r>
+              <a:rPr lang="ja-JP" altLang="en-US" dirty="0"/>
+              <a:t>戻るを押してログイン画⾯へ </a:t>
+            </a:r>
+            <a:endParaRPr lang="en-US" altLang="ja-JP" dirty="0"/>
+          </a:p>
+          <a:p>
+            <a:r>
+              <a:rPr lang="ja-JP" altLang="en-US" dirty="0"/>
+              <a:t>２、ログイン画⾯ </a:t>
+            </a:r>
+            <a:r>
+              <a:rPr lang="en-US" altLang="ja-JP" dirty="0"/>
+              <a:t>2-1⼊⼒</a:t>
+            </a:r>
+            <a:r>
+              <a:rPr lang="ja-JP" altLang="en-US" dirty="0"/>
+              <a:t>値</a:t>
+            </a:r>
+            <a:r>
+              <a:rPr lang="en-US" altLang="ja-JP" dirty="0"/>
+              <a:t>check</a:t>
+            </a:r>
+            <a:r>
+              <a:rPr lang="ja-JP" altLang="en-US" dirty="0"/>
+              <a:t>（未⼊⼒の場合ははじかれマスというだけでもいいかも） </a:t>
+            </a:r>
+            <a:r>
+              <a:rPr lang="en-US" altLang="ja-JP" dirty="0"/>
+              <a:t>2-2</a:t>
+            </a:r>
+            <a:r>
+              <a:rPr lang="ja-JP" altLang="en-US" dirty="0"/>
+              <a:t>新規登録したデーターを⼊れてログインしマイページへ </a:t>
+            </a:r>
+            <a:r>
+              <a:rPr lang="en-US" altLang="ja-JP" dirty="0"/>
+              <a:t>2-3</a:t>
+            </a:r>
+            <a:r>
+              <a:rPr lang="ja-JP" altLang="en-US" dirty="0"/>
+              <a:t>マイページ左上の説明（ユーザー名、初期コインの説明、ランクの説明） </a:t>
+            </a:r>
+            <a:r>
+              <a:rPr lang="en-US" altLang="ja-JP" dirty="0"/>
+              <a:t>2-4</a:t>
+            </a:r>
+            <a:r>
+              <a:rPr lang="ja-JP" altLang="en-US" dirty="0"/>
+              <a:t>ポーカー画⾯へ </a:t>
+            </a:r>
+            <a:endParaRPr lang="en-US" altLang="ja-JP" dirty="0"/>
+          </a:p>
+          <a:p>
+            <a:r>
+              <a:rPr lang="en-US" altLang="ja-JP" dirty="0"/>
+              <a:t>3</a:t>
+            </a:r>
+            <a:r>
+              <a:rPr lang="ja-JP" altLang="en-US" dirty="0"/>
+              <a:t>ポーカー画⾯ </a:t>
+            </a:r>
+            <a:r>
+              <a:rPr lang="en-US" altLang="ja-JP" dirty="0"/>
+              <a:t>3-1</a:t>
+            </a:r>
+            <a:r>
+              <a:rPr lang="ja-JP" altLang="en-US" dirty="0"/>
+              <a:t>ポーカールール確認してルールーを把握 </a:t>
+            </a:r>
+            <a:r>
+              <a:rPr lang="en-US" altLang="ja-JP" dirty="0"/>
+              <a:t>3-2</a:t>
+            </a:r>
+            <a:r>
+              <a:rPr lang="ja-JP" altLang="en-US" dirty="0"/>
+              <a:t>ポーカーボタンを押しゲーム画⾯へ ◦配られた⼿札を確認してベットするコインを選択できます。 変更したいカードを選んで</a:t>
+            </a:r>
+            <a:r>
+              <a:rPr lang="en-US" altLang="ja-JP" dirty="0"/>
+              <a:t>change</a:t>
+            </a:r>
+            <a:r>
+              <a:rPr lang="ja-JP" altLang="en-US" dirty="0"/>
+              <a:t>ボタンを押すとカードを交換できます。 ベットした場合としなかった場合を実演（</a:t>
+            </a:r>
+            <a:r>
+              <a:rPr lang="en-US" altLang="ja-JP" dirty="0"/>
+              <a:t>BET</a:t>
+            </a:r>
+            <a:r>
+              <a:rPr lang="ja-JP" altLang="en-US" dirty="0"/>
+              <a:t>しないで</a:t>
+            </a:r>
+            <a:r>
+              <a:rPr lang="en-US" altLang="ja-JP" dirty="0"/>
+              <a:t>Change</a:t>
+            </a:r>
+            <a:r>
+              <a:rPr lang="ja-JP" altLang="en-US" dirty="0"/>
+              <a:t>ボタンを押した場合はエラーメッセージが表⽰され ることを確認） ↓ ◦ネクストゲームを押して次のゲームへ 賭けたコインと勝敗に応じて左上の所持コインが変動することを確認 ↓ ◦ランクが上がるまで実演 初⼼者⇒まぁまぁになるまで（役を固定にしていた⽅がいいかも、時間がかかるから。） ランクが変動することを確認。 ↓ ◦ユーザーの所持コインを超えて</a:t>
+            </a:r>
+            <a:r>
+              <a:rPr lang="en-US" altLang="ja-JP" dirty="0"/>
+              <a:t>BET</a:t>
+            </a:r>
+            <a:r>
+              <a:rPr lang="ja-JP" altLang="en-US" dirty="0"/>
+              <a:t>できないことを確認。 ↓ ◦⼀度到達したランクは所持コインが０にならない限り変動しないということを説明。（実演してもいいかも） </a:t>
+            </a:r>
+            <a:endParaRPr lang="en-US" altLang="ja-JP" dirty="0"/>
+          </a:p>
+          <a:p>
+            <a:r>
+              <a:rPr lang="ja-JP" altLang="en-US" dirty="0"/>
+              <a:t>４、アイテムショップ ・稼いだコインでアイテムが返ることを確認 ・各アイテムの使⽤感をデモ ・確認画⾯が表⽰されることを確認 ・コインが変動することを確認 </a:t>
+            </a:r>
+            <a:endParaRPr lang="en-US" altLang="ja-JP" dirty="0"/>
+          </a:p>
+          <a:p>
+            <a:r>
+              <a:rPr lang="ja-JP" altLang="en-US" dirty="0"/>
+              <a:t>５、アイテムリスト ・アイテムショップで買った商品が表⽰されていることを確認 ・アイテムが使⽤できることを確認し、アイテムがなくなった場合は、そのアイテムの表⽰がなくなることと、所持アイテムが ないことを確認。 ・コインが変動することを確認 </a:t>
+            </a:r>
+            <a:endParaRPr lang="en-US" altLang="ja-JP" dirty="0"/>
+          </a:p>
+          <a:p>
+            <a:r>
+              <a:rPr lang="ja-JP" altLang="en-US" dirty="0"/>
+              <a:t>６、ランキング確認 ・個⼈ランキングと全体ランキングを選択できることを説明 照屋しゃべりまーす </a:t>
+            </a:r>
+            <a:endParaRPr lang="en-US" altLang="ja-JP" dirty="0"/>
+          </a:p>
+          <a:p>
+            <a:r>
+              <a:rPr lang="ja-JP" altLang="en-US" dirty="0"/>
+              <a:t>７、アカウント編集 ・⼊⼒値チェック ・変更したいモノを⼊⼒してもらう ・確認画⾯へ ⼊⼒値チェック 前画⾯で⼊⼒したパスワードを再⼊⼒して、変更ができることを確認 </a:t>
+            </a:r>
+            <a:endParaRPr lang="en-US" altLang="ja-JP" dirty="0"/>
+          </a:p>
+          <a:p>
+            <a:r>
+              <a:rPr lang="ja-JP" altLang="en-US" dirty="0"/>
+              <a:t>８、ログアウト ログアウトします </a:t>
+            </a:r>
+            <a:endParaRPr lang="en-US" altLang="ja-JP" dirty="0"/>
+          </a:p>
+          <a:p>
+            <a:r>
+              <a:rPr lang="ja-JP" altLang="en-US" dirty="0"/>
+              <a:t>９、再ログイン アカウント編集で編集したアカウントでログインできるか確認。</a:t>
             </a:r>
             <a:endParaRPr kumimoji="1" lang="en-US" altLang="ja-JP" dirty="0"/>
-          </a:p>
-          <a:p>
-            <a:endParaRPr kumimoji="1" lang="ja-JP" altLang="en-US" dirty="0"/>
           </a:p>
         </p:txBody>
       </p:sp>
@@ -8429,7 +8613,7 @@
         </p:spPr>
         <p:txBody>
           <a:bodyPr>
-            <a:normAutofit fontScale="92500" lnSpcReduction="20000"/>
+            <a:normAutofit fontScale="77500" lnSpcReduction="20000"/>
           </a:bodyPr>
           <a:lstStyle/>
           <a:p>
@@ -8472,6 +8656,12 @@
             <a:r>
               <a:rPr kumimoji="1" lang="en-US" altLang="ja-JP" dirty="0"/>
               <a:t>Tomcat 9.0</a:t>
+            </a:r>
+          </a:p>
+          <a:p>
+            <a:r>
+              <a:rPr kumimoji="1" lang="en-US" altLang="ja-JP" dirty="0"/>
+              <a:t>GitHub</a:t>
             </a:r>
           </a:p>
         </p:txBody>

--- a/発表資料.pptx
+++ b/発表資料.pptx
@@ -5,7 +5,7 @@
     <p:sldMasterId id="2147483674" r:id="rId1"/>
   </p:sldMasterIdLst>
   <p:notesMasterIdLst>
-    <p:notesMasterId r:id="rId23"/>
+    <p:notesMasterId r:id="rId17"/>
   </p:notesMasterIdLst>
   <p:sldIdLst>
     <p:sldId id="256" r:id="rId2"/>
@@ -16,19 +16,13 @@
     <p:sldId id="261" r:id="rId7"/>
     <p:sldId id="262" r:id="rId8"/>
     <p:sldId id="276" r:id="rId9"/>
-    <p:sldId id="269" r:id="rId10"/>
-    <p:sldId id="263" r:id="rId11"/>
-    <p:sldId id="264" r:id="rId12"/>
-    <p:sldId id="265" r:id="rId13"/>
-    <p:sldId id="266" r:id="rId14"/>
-    <p:sldId id="277" r:id="rId15"/>
-    <p:sldId id="270" r:id="rId16"/>
-    <p:sldId id="268" r:id="rId17"/>
-    <p:sldId id="271" r:id="rId18"/>
-    <p:sldId id="273" r:id="rId19"/>
-    <p:sldId id="272" r:id="rId20"/>
-    <p:sldId id="274" r:id="rId21"/>
-    <p:sldId id="275" r:id="rId22"/>
+    <p:sldId id="270" r:id="rId10"/>
+    <p:sldId id="268" r:id="rId11"/>
+    <p:sldId id="271" r:id="rId12"/>
+    <p:sldId id="273" r:id="rId13"/>
+    <p:sldId id="272" r:id="rId14"/>
+    <p:sldId id="274" r:id="rId15"/>
+    <p:sldId id="275" r:id="rId16"/>
   </p:sldIdLst>
   <p:sldSz cx="12192000" cy="6858000"/>
   <p:notesSz cx="6858000" cy="9144000"/>
@@ -675,20 +669,19 @@
           <a:p>
             <a:r>
               <a:rPr kumimoji="1" lang="ja-JP" altLang="en-US" dirty="0"/>
-              <a:t>株式会社琉球ネットワークサービスの大城一馬です。開発を終えての感想としましては。</a:t>
-            </a:r>
-            <a:endParaRPr kumimoji="1" lang="en-US" altLang="ja-JP" dirty="0"/>
-          </a:p>
-          <a:p>
-            <a:r>
-              <a:rPr kumimoji="1" lang="ja-JP" altLang="en-US" dirty="0"/>
-              <a:t>私はリーダーとして開発を行いました、そこで苦労した点として、スケジュール制作、管理がすごく難しいと感じました。</a:t>
-            </a:r>
-          </a:p>
-          <a:p>
-            <a:r>
-              <a:rPr kumimoji="1" lang="ja-JP" altLang="en-US" dirty="0"/>
-              <a:t>スケジュールはメンバーのモチベーションや、一日の作業量などを大きく左右し、、プロジェクト成功に大きく影響を与えるもので、しっかりと作成できていないとプロジェクトを失敗につながる要因になると学びました。</a:t>
+              <a:t>大城一馬です。研修を終えての感想としましては、開発を行う際にメンバーとのコミュニケーションがすごく大事と感じました。</a:t>
+            </a:r>
+          </a:p>
+          <a:p>
+            <a:r>
+              <a:rPr kumimoji="1" lang="ja-JP" altLang="en-US" dirty="0"/>
+              <a:t>コミュニケーションが取れないと複数人で協力して行うプロジェクトで人間関係が悪化するだけではなく、技術的にわからないことの解決策、</a:t>
+            </a:r>
+          </a:p>
+          <a:p>
+            <a:r>
+              <a:rPr kumimoji="1" lang="ja-JP" altLang="en-US" dirty="0"/>
+              <a:t>スケージュールの管理を行う点としても進捗の把握を正確に行うためにとても大事なものであると学ぶことができました。</a:t>
             </a:r>
           </a:p>
         </p:txBody>
@@ -719,7 +712,7 @@
     </p:spTree>
     <p:extLst>
       <p:ext uri="{BB962C8B-B14F-4D97-AF65-F5344CB8AC3E}">
-        <p14:creationId xmlns:p14="http://schemas.microsoft.com/office/powerpoint/2010/main" val="2024172690"/>
+        <p14:creationId xmlns:p14="http://schemas.microsoft.com/office/powerpoint/2010/main" val="2685804076"/>
       </p:ext>
     </p:extLst>
   </p:cSld>
@@ -773,97 +766,23 @@
           <a:bodyPr/>
           <a:lstStyle/>
           <a:p>
-            <a:pPr marL="0" marR="0" lvl="0" indent="0" algn="l" defTabSz="914400" rtl="0" eaLnBrk="1" fontAlgn="auto" latinLnBrk="0" hangingPunct="1">
-              <a:lnSpc>
-                <a:spcPct val="100000"/>
-              </a:lnSpc>
-              <a:spcBef>
-                <a:spcPts val="0"/>
-              </a:spcBef>
-              <a:spcAft>
-                <a:spcPts val="0"/>
-              </a:spcAft>
-              <a:buClrTx/>
-              <a:buSzTx/>
-              <a:buFontTx/>
-              <a:buNone/>
-              <a:tabLst/>
-              <a:defRPr/>
-            </a:pPr>
-            <a:r>
-              <a:rPr kumimoji="1" lang="ja-JP" altLang="en-US" dirty="0"/>
-              <a:t>株式会社琉球ネットワークサービスの照屋涼です。開発を終えての感想としましては、</a:t>
+            <a:r>
+              <a:rPr kumimoji="1" lang="ja-JP" altLang="en-US" dirty="0"/>
+              <a:t>照屋涼です。研修を終えての感想としましては、</a:t>
             </a:r>
             <a:endParaRPr kumimoji="1" lang="en-US" altLang="ja-JP" dirty="0"/>
           </a:p>
           <a:p>
-            <a:pPr marL="0" marR="0" lvl="0" indent="0" algn="l" defTabSz="914400" rtl="0" eaLnBrk="1" fontAlgn="auto" latinLnBrk="0" hangingPunct="1">
-              <a:lnSpc>
-                <a:spcPct val="100000"/>
-              </a:lnSpc>
-              <a:spcBef>
-                <a:spcPts val="0"/>
-              </a:spcBef>
-              <a:spcAft>
-                <a:spcPts val="0"/>
-              </a:spcAft>
-              <a:buClrTx/>
-              <a:buSzTx/>
-              <a:buFontTx/>
-              <a:buNone/>
-              <a:tabLst/>
-              <a:defRPr/>
-            </a:pPr>
-            <a:r>
-              <a:rPr kumimoji="1" lang="ja-JP" altLang="en-US" dirty="0"/>
-              <a:t>・研修で学んだ知識を応用して使うことに、苦労しました。まだまだ至らぬ部分や反省すべき点もあったので、今後も適度修正や学んでいきたいと思います。</a:t>
-            </a:r>
-          </a:p>
-          <a:p>
-            <a:pPr marL="0" marR="0" lvl="0" indent="0" algn="l" defTabSz="914400" rtl="0" eaLnBrk="1" fontAlgn="auto" latinLnBrk="0" hangingPunct="1">
-              <a:lnSpc>
-                <a:spcPct val="100000"/>
-              </a:lnSpc>
-              <a:spcBef>
-                <a:spcPts val="0"/>
-              </a:spcBef>
-              <a:spcAft>
-                <a:spcPts val="0"/>
-              </a:spcAft>
-              <a:buClrTx/>
-              <a:buSzTx/>
-              <a:buFontTx/>
-              <a:buNone/>
-              <a:tabLst/>
-              <a:defRPr/>
-            </a:pPr>
-            <a:r>
-              <a:rPr kumimoji="1" lang="ja-JP" altLang="en-US" dirty="0"/>
-              <a:t>・グループ開発を通して、皆で一つのものを作る楽しさ大変さを学べました。この経験を活かして、仕事に取組み自身の成長につなげていきます。</a:t>
-            </a:r>
-          </a:p>
-          <a:p>
-            <a:pPr marL="0" marR="0" lvl="0" indent="0" algn="l" defTabSz="914400" rtl="0" eaLnBrk="1" fontAlgn="auto" latinLnBrk="0" hangingPunct="1">
-              <a:lnSpc>
-                <a:spcPct val="100000"/>
-              </a:lnSpc>
-              <a:spcBef>
-                <a:spcPts val="0"/>
-              </a:spcBef>
-              <a:spcAft>
-                <a:spcPts val="0"/>
-              </a:spcAft>
-              <a:buClrTx/>
-              <a:buSzTx/>
-              <a:buFontTx/>
-              <a:buNone/>
-              <a:tabLst/>
-              <a:defRPr/>
-            </a:pPr>
-            <a:endParaRPr kumimoji="1" lang="ja-JP" altLang="en-US" dirty="0"/>
-          </a:p>
-          <a:p>
-            <a:endParaRPr kumimoji="1" lang="ja-JP" altLang="en-US" dirty="0"/>
+            <a:r>
+              <a:rPr kumimoji="1" lang="ja-JP" altLang="en-US" dirty="0"/>
+              <a:t>・私自身、専門外の大学からこの業界に入り、プログラミングに関する知識も無く、０からのスタートでしたが、この研修を通して、プログラムの知識やマナー、勉強の仕方など様々なことを身に付け最初の頃よりかなり成長することができました。</a:t>
+            </a:r>
+          </a:p>
+          <a:p>
+            <a:r>
+              <a:rPr kumimoji="1" lang="ja-JP" altLang="en-US" dirty="0"/>
+              <a:t>・今後は、研修で得たことを活かし、研修に送り出していただいた、会社に貢献していけるよう努めてまいります。　</a:t>
+            </a:r>
           </a:p>
         </p:txBody>
       </p:sp>
@@ -893,7 +812,7 @@
     </p:spTree>
     <p:extLst>
       <p:ext uri="{BB962C8B-B14F-4D97-AF65-F5344CB8AC3E}">
-        <p14:creationId xmlns:p14="http://schemas.microsoft.com/office/powerpoint/2010/main" val="1996540180"/>
+        <p14:creationId xmlns:p14="http://schemas.microsoft.com/office/powerpoint/2010/main" val="2485768677"/>
       </p:ext>
     </p:extLst>
   </p:cSld>
@@ -949,28 +868,14 @@
           <a:p>
             <a:r>
               <a:rPr kumimoji="1" lang="ja-JP" altLang="en-US" dirty="0"/>
-              <a:t>株式会社</a:t>
-            </a:r>
-            <a:r>
-              <a:rPr kumimoji="1" lang="en-US" altLang="ja-JP" dirty="0"/>
-              <a:t>OSE</a:t>
-            </a:r>
-            <a:r>
-              <a:rPr kumimoji="1" lang="ja-JP" altLang="en-US" dirty="0"/>
-              <a:t>の天願陽聖です。開発を終えての感想としましては、現状報告や足りないところをほかのメンバーと協力して補うことの大切さを学びました。</a:t>
-            </a:r>
-          </a:p>
-          <a:p>
-            <a:r>
-              <a:rPr kumimoji="1" lang="ja-JP" altLang="en-US" dirty="0"/>
-              <a:t>私はグループの中でもプログラミング技術が一番低かったですが、グループの人たちの教えてもらったり、</a:t>
+              <a:t>研修を終えての感想としましては、私はこちらの研修でプログラミングの講義についていけず、ほかの研修生より、技術は劣っている状態ではありますが、</a:t>
             </a:r>
             <a:endParaRPr kumimoji="1" lang="en-US" altLang="ja-JP" dirty="0"/>
           </a:p>
           <a:p>
             <a:r>
               <a:rPr kumimoji="1" lang="ja-JP" altLang="en-US" dirty="0"/>
-              <a:t>協力してもらうことによって、システムを完成することができたので、このグループ同士の協力の大切さを一番実感することができました。</a:t>
+              <a:t>プログラミング講義以外で習った、ビジネスマナーや仕事をする上で必要な考え方などはしかっり学ぶことができたので、それだけでもこの研修は自分にとっていい影響を与えてくれました。</a:t>
             </a:r>
           </a:p>
         </p:txBody>
@@ -1001,7 +906,7 @@
     </p:spTree>
     <p:extLst>
       <p:ext uri="{BB962C8B-B14F-4D97-AF65-F5344CB8AC3E}">
-        <p14:creationId xmlns:p14="http://schemas.microsoft.com/office/powerpoint/2010/main" val="2474528649"/>
+        <p14:creationId xmlns:p14="http://schemas.microsoft.com/office/powerpoint/2010/main" val="4107838801"/>
       </p:ext>
     </p:extLst>
   </p:cSld>
@@ -1057,34 +962,28 @@
           <a:p>
             <a:r>
               <a:rPr kumimoji="1" lang="ja-JP" altLang="en-US" dirty="0"/>
-              <a:t>株式会社ソルティスターの天願大河です。開発を終えての感想としましては、</a:t>
+              <a:t>学生の頃は海ブドウの研究をしていたので、プログラミングの知識なんてものはほとんどありませんでした。</a:t>
+            </a:r>
+          </a:p>
+          <a:p>
+            <a:r>
+              <a:rPr kumimoji="1" lang="ja-JP" altLang="en-US" dirty="0"/>
+              <a:t>ほぼ０の状態からのスタートだったので、この研修を通して、</a:t>
+            </a:r>
+          </a:p>
+          <a:p>
+            <a:r>
+              <a:rPr kumimoji="1" lang="ja-JP" altLang="en-US" dirty="0"/>
+              <a:t>日々自分の成長を感じることができたのが非常にうれしく、楽しかったです。</a:t>
             </a:r>
             <a:endParaRPr kumimoji="1" lang="en-US" altLang="ja-JP" dirty="0"/>
           </a:p>
           <a:p>
             <a:r>
               <a:rPr kumimoji="1" lang="ja-JP" altLang="en-US" dirty="0"/>
-              <a:t>今まで私が何気なくプレイしていたゲームは非常に考えに考え抜かれて作られたものだったのだと実感しました。</a:t>
+              <a:t>今後の目標は、失敗を恐れず、いろいろなことに挑戦し、いろいろなことを学び、立派なエンジニアになれるように頑張りたいです。</a:t>
             </a:r>
             <a:endParaRPr kumimoji="1" lang="en-US" altLang="ja-JP" dirty="0"/>
-          </a:p>
-          <a:p>
-            <a:r>
-              <a:rPr kumimoji="1" lang="ja-JP" altLang="en-US" dirty="0"/>
-              <a:t>なので今後は多少ゲームのバランスが狂っていたとしても、</a:t>
-            </a:r>
-          </a:p>
-          <a:p>
-            <a:r>
-              <a:rPr kumimoji="1" lang="ja-JP" altLang="en-US" dirty="0"/>
-              <a:t>「わかるよ。ゲームを作るのはむずかしいよね」と広い心をもってゲームと向き合っていきたいです。</a:t>
-            </a:r>
-          </a:p>
-          <a:p>
-            <a:r>
-              <a:rPr kumimoji="1" lang="ja-JP" altLang="en-US" dirty="0"/>
-              <a:t>	</a:t>
-            </a:r>
           </a:p>
         </p:txBody>
       </p:sp>
@@ -1114,7 +1013,7 @@
     </p:spTree>
     <p:extLst>
       <p:ext uri="{BB962C8B-B14F-4D97-AF65-F5344CB8AC3E}">
-        <p14:creationId xmlns:p14="http://schemas.microsoft.com/office/powerpoint/2010/main" val="3840684567"/>
+        <p14:creationId xmlns:p14="http://schemas.microsoft.com/office/powerpoint/2010/main" val="3883218015"/>
       </p:ext>
     </p:extLst>
   </p:cSld>
@@ -1170,23 +1069,47 @@
           <a:p>
             <a:r>
               <a:rPr kumimoji="1" lang="ja-JP" altLang="en-US" dirty="0"/>
-              <a:t>ゲームを作るという事で</a:t>
-            </a:r>
-            <a:r>
-              <a:rPr kumimoji="1" lang="en-US" altLang="ja-JP" dirty="0" err="1"/>
-              <a:t>Javascript</a:t>
-            </a:r>
-            <a:r>
-              <a:rPr kumimoji="1" lang="ja-JP" altLang="en-US" dirty="0"/>
-              <a:t>を使用しました。習っていない技術だったのでとても苦労しました。</a:t>
+              <a:t>始まったころに比べると出来る事がとても増えたと感じていて、成長できたと思います。</a:t>
             </a:r>
             <a:endParaRPr kumimoji="1" lang="en-US" altLang="ja-JP" dirty="0"/>
           </a:p>
           <a:p>
             <a:r>
               <a:rPr kumimoji="1" lang="ja-JP" altLang="en-US" dirty="0"/>
-              <a:t>完成できるかという不安でお腹が痛くなりましたが、なんとか完成する事が出来たので良かったと思います。</a:t>
-            </a:r>
+              <a:t>毎日学ぶのが楽しくて休みがいらなかったくらいです。</a:t>
+            </a:r>
+            <a:endParaRPr kumimoji="1" lang="en-US" altLang="ja-JP" dirty="0"/>
+          </a:p>
+          <a:p>
+            <a:r>
+              <a:rPr kumimoji="1" lang="ja-JP" altLang="en-US" dirty="0"/>
+              <a:t>グループ開発では学んでいないことを扱ったので完成できるか毎日不安でお仲が痛かったです。何とか完成させることが出来たので良かったです。</a:t>
+            </a:r>
+            <a:endParaRPr kumimoji="1" lang="en-US" altLang="ja-JP" dirty="0"/>
+          </a:p>
+          <a:p>
+            <a:r>
+              <a:rPr kumimoji="1" lang="ja-JP" altLang="en-US" dirty="0"/>
+              <a:t>しかし、みんなとも協力する事が出来てとても楽しく研修ができたと嬉しく思っています。</a:t>
+            </a:r>
+            <a:endParaRPr kumimoji="1" lang="en-US" altLang="ja-JP" dirty="0"/>
+          </a:p>
+          <a:p>
+            <a:r>
+              <a:rPr kumimoji="1" lang="ja-JP" altLang="en-US" dirty="0"/>
+              <a:t>そして技術だけではなくビジネスマナーなども学ばせていただき、学んだことを活かして職場でも成長できるように気持ちを切らさず頑張ります。</a:t>
+            </a:r>
+            <a:endParaRPr kumimoji="1" lang="en-US" altLang="ja-JP" dirty="0"/>
+          </a:p>
+          <a:p>
+            <a:r>
+              <a:rPr kumimoji="1" lang="ja-JP" altLang="en-US" dirty="0"/>
+              <a:t>以上です。</a:t>
+            </a:r>
+            <a:endParaRPr kumimoji="1" lang="en-US" altLang="ja-JP" dirty="0"/>
+          </a:p>
+          <a:p>
+            <a:endParaRPr kumimoji="1" lang="ja-JP" altLang="en-US" dirty="0"/>
           </a:p>
         </p:txBody>
       </p:sp>
@@ -1216,7 +1139,7 @@
     </p:spTree>
     <p:extLst>
       <p:ext uri="{BB962C8B-B14F-4D97-AF65-F5344CB8AC3E}">
-        <p14:creationId xmlns:p14="http://schemas.microsoft.com/office/powerpoint/2010/main" val="1634169115"/>
+        <p14:creationId xmlns:p14="http://schemas.microsoft.com/office/powerpoint/2010/main" val="4086160304"/>
       </p:ext>
     </p:extLst>
   </p:cSld>
@@ -1271,19 +1194,16 @@
           <a:lstStyle/>
           <a:p>
             <a:r>
+              <a:rPr kumimoji="1" lang="ja-JP" altLang="en-US" dirty="0"/>
+              <a:t>これで</a:t>
+            </a:r>
+            <a:r>
               <a:rPr kumimoji="1" lang="en-US" altLang="ja-JP" dirty="0"/>
-              <a:t>2.5</a:t>
-            </a:r>
-            <a:r>
-              <a:rPr kumimoji="1" lang="ja-JP" altLang="en-US" dirty="0"/>
-              <a:t>分</a:t>
-            </a:r>
-            <a:endParaRPr kumimoji="1" lang="en-US" altLang="ja-JP" dirty="0"/>
-          </a:p>
-          <a:p>
-            <a:r>
-              <a:rPr kumimoji="1" lang="ja-JP" altLang="en-US" dirty="0"/>
-              <a:t>研修を終えての感想です。</a:t>
+              <a:t>D</a:t>
+            </a:r>
+            <a:r>
+              <a:rPr kumimoji="1" lang="ja-JP" altLang="en-US" dirty="0"/>
+              <a:t>グループの開発の成果物発表についての発表とします。ご清聴ありがとうございました。</a:t>
             </a:r>
           </a:p>
         </p:txBody>
@@ -1314,407 +1234,7 @@
     </p:spTree>
     <p:extLst>
       <p:ext uri="{BB962C8B-B14F-4D97-AF65-F5344CB8AC3E}">
-        <p14:creationId xmlns:p14="http://schemas.microsoft.com/office/powerpoint/2010/main" val="1300183432"/>
-      </p:ext>
-    </p:extLst>
-  </p:cSld>
-  <p:clrMapOvr>
-    <a:masterClrMapping/>
-  </p:clrMapOvr>
-</p:notes>
-</file>
-
-<file path=ppt/notesSlides/notesSlide16.xml><?xml version="1.0" encoding="utf-8"?>
-<p:notes xmlns:a="http://schemas.openxmlformats.org/drawingml/2006/main" xmlns:r="http://schemas.openxmlformats.org/officeDocument/2006/relationships" xmlns:p="http://schemas.openxmlformats.org/presentationml/2006/main">
-  <p:cSld>
-    <p:spTree>
-      <p:nvGrpSpPr>
-        <p:cNvPr id="1" name=""/>
-        <p:cNvGrpSpPr/>
-        <p:nvPr/>
-      </p:nvGrpSpPr>
-      <p:grpSpPr>
-        <a:xfrm>
-          <a:off x="0" y="0"/>
-          <a:ext cx="0" cy="0"/>
-          <a:chOff x="0" y="0"/>
-          <a:chExt cx="0" cy="0"/>
-        </a:xfrm>
-      </p:grpSpPr>
-      <p:sp>
-        <p:nvSpPr>
-          <p:cNvPr id="2" name="スライド イメージ プレースホルダー 1"/>
-          <p:cNvSpPr>
-            <a:spLocks noGrp="1" noRot="1" noChangeAspect="1"/>
-          </p:cNvSpPr>
-          <p:nvPr>
-            <p:ph type="sldImg"/>
-          </p:nvPr>
-        </p:nvSpPr>
-        <p:spPr/>
-      </p:sp>
-      <p:sp>
-        <p:nvSpPr>
-          <p:cNvPr id="3" name="ノート プレースホルダー 2"/>
-          <p:cNvSpPr>
-            <a:spLocks noGrp="1"/>
-          </p:cNvSpPr>
-          <p:nvPr>
-            <p:ph type="body" idx="1"/>
-          </p:nvPr>
-        </p:nvSpPr>
-        <p:spPr/>
-        <p:txBody>
-          <a:bodyPr/>
-          <a:lstStyle/>
-          <a:p>
-            <a:r>
-              <a:rPr kumimoji="1" lang="ja-JP" altLang="en-US" dirty="0"/>
-              <a:t>大城一馬です。研修を終えての感想としましては、開発を行う際にメンバーとのコミュニケーションがすごく大事と感じました。</a:t>
-            </a:r>
-          </a:p>
-          <a:p>
-            <a:r>
-              <a:rPr kumimoji="1" lang="ja-JP" altLang="en-US" dirty="0"/>
-              <a:t>コミュニケーションが取れないと複数人で協力して行うプロジェクトで人間関係が悪化するだけではなく、技術的にわからないことの解決策、</a:t>
-            </a:r>
-          </a:p>
-          <a:p>
-            <a:r>
-              <a:rPr kumimoji="1" lang="ja-JP" altLang="en-US" dirty="0"/>
-              <a:t>スケージュールの管理を行う点としても進捗の把握を正確に行うためにとても大事なものであると学ぶことができました。</a:t>
-            </a:r>
-          </a:p>
-        </p:txBody>
-      </p:sp>
-      <p:sp>
-        <p:nvSpPr>
-          <p:cNvPr id="4" name="スライド番号プレースホルダー 3"/>
-          <p:cNvSpPr>
-            <a:spLocks noGrp="1"/>
-          </p:cNvSpPr>
-          <p:nvPr>
-            <p:ph type="sldNum" sz="quarter" idx="5"/>
-          </p:nvPr>
-        </p:nvSpPr>
-        <p:spPr/>
-        <p:txBody>
-          <a:bodyPr/>
-          <a:lstStyle/>
-          <a:p>
-            <a:fld id="{DAA37000-F953-4017-BC7A-A0ED4B544261}" type="slidenum">
-              <a:rPr kumimoji="1" lang="ja-JP" altLang="en-US" smtClean="0"/>
-              <a:t>16</a:t>
-            </a:fld>
-            <a:endParaRPr kumimoji="1" lang="ja-JP" altLang="en-US"/>
-          </a:p>
-        </p:txBody>
-      </p:sp>
-    </p:spTree>
-    <p:extLst>
-      <p:ext uri="{BB962C8B-B14F-4D97-AF65-F5344CB8AC3E}">
-        <p14:creationId xmlns:p14="http://schemas.microsoft.com/office/powerpoint/2010/main" val="2685804076"/>
-      </p:ext>
-    </p:extLst>
-  </p:cSld>
-  <p:clrMapOvr>
-    <a:masterClrMapping/>
-  </p:clrMapOvr>
-</p:notes>
-</file>
-
-<file path=ppt/notesSlides/notesSlide17.xml><?xml version="1.0" encoding="utf-8"?>
-<p:notes xmlns:a="http://schemas.openxmlformats.org/drawingml/2006/main" xmlns:r="http://schemas.openxmlformats.org/officeDocument/2006/relationships" xmlns:p="http://schemas.openxmlformats.org/presentationml/2006/main">
-  <p:cSld>
-    <p:spTree>
-      <p:nvGrpSpPr>
-        <p:cNvPr id="1" name=""/>
-        <p:cNvGrpSpPr/>
-        <p:nvPr/>
-      </p:nvGrpSpPr>
-      <p:grpSpPr>
-        <a:xfrm>
-          <a:off x="0" y="0"/>
-          <a:ext cx="0" cy="0"/>
-          <a:chOff x="0" y="0"/>
-          <a:chExt cx="0" cy="0"/>
-        </a:xfrm>
-      </p:grpSpPr>
-      <p:sp>
-        <p:nvSpPr>
-          <p:cNvPr id="2" name="スライド イメージ プレースホルダー 1"/>
-          <p:cNvSpPr>
-            <a:spLocks noGrp="1" noRot="1" noChangeAspect="1"/>
-          </p:cNvSpPr>
-          <p:nvPr>
-            <p:ph type="sldImg"/>
-          </p:nvPr>
-        </p:nvSpPr>
-        <p:spPr/>
-      </p:sp>
-      <p:sp>
-        <p:nvSpPr>
-          <p:cNvPr id="3" name="ノート プレースホルダー 2"/>
-          <p:cNvSpPr>
-            <a:spLocks noGrp="1"/>
-          </p:cNvSpPr>
-          <p:nvPr>
-            <p:ph type="body" idx="1"/>
-          </p:nvPr>
-        </p:nvSpPr>
-        <p:spPr/>
-        <p:txBody>
-          <a:bodyPr/>
-          <a:lstStyle/>
-          <a:p>
-            <a:r>
-              <a:rPr kumimoji="1" lang="ja-JP" altLang="en-US" dirty="0"/>
-              <a:t>照屋涼です。研修を終えての感想としましては、</a:t>
-            </a:r>
-            <a:endParaRPr kumimoji="1" lang="en-US" altLang="ja-JP" dirty="0"/>
-          </a:p>
-          <a:p>
-            <a:r>
-              <a:rPr kumimoji="1" lang="ja-JP" altLang="en-US" dirty="0"/>
-              <a:t>・私自身、専門外の大学からこの業界に入り、プログラミングに関する知識も無く、０からのスタートでしたが、この研修を通して、プログラムの知識やマナー、勉強の仕方など様々なことを身に付け最初の頃よりかなり成長することができました。</a:t>
-            </a:r>
-          </a:p>
-          <a:p>
-            <a:r>
-              <a:rPr kumimoji="1" lang="ja-JP" altLang="en-US" dirty="0"/>
-              <a:t>・今後は、研修で得たことを活かし、研修に送り出していただいた、会社に貢献していけるよう努めてまいります。　</a:t>
-            </a:r>
-          </a:p>
-        </p:txBody>
-      </p:sp>
-      <p:sp>
-        <p:nvSpPr>
-          <p:cNvPr id="4" name="スライド番号プレースホルダー 3"/>
-          <p:cNvSpPr>
-            <a:spLocks noGrp="1"/>
-          </p:cNvSpPr>
-          <p:nvPr>
-            <p:ph type="sldNum" sz="quarter" idx="5"/>
-          </p:nvPr>
-        </p:nvSpPr>
-        <p:spPr/>
-        <p:txBody>
-          <a:bodyPr/>
-          <a:lstStyle/>
-          <a:p>
-            <a:fld id="{DAA37000-F953-4017-BC7A-A0ED4B544261}" type="slidenum">
-              <a:rPr kumimoji="1" lang="ja-JP" altLang="en-US" smtClean="0"/>
-              <a:t>17</a:t>
-            </a:fld>
-            <a:endParaRPr kumimoji="1" lang="ja-JP" altLang="en-US"/>
-          </a:p>
-        </p:txBody>
-      </p:sp>
-    </p:spTree>
-    <p:extLst>
-      <p:ext uri="{BB962C8B-B14F-4D97-AF65-F5344CB8AC3E}">
-        <p14:creationId xmlns:p14="http://schemas.microsoft.com/office/powerpoint/2010/main" val="2485768677"/>
-      </p:ext>
-    </p:extLst>
-  </p:cSld>
-  <p:clrMapOvr>
-    <a:masterClrMapping/>
-  </p:clrMapOvr>
-</p:notes>
-</file>
-
-<file path=ppt/notesSlides/notesSlide18.xml><?xml version="1.0" encoding="utf-8"?>
-<p:notes xmlns:a="http://schemas.openxmlformats.org/drawingml/2006/main" xmlns:r="http://schemas.openxmlformats.org/officeDocument/2006/relationships" xmlns:p="http://schemas.openxmlformats.org/presentationml/2006/main">
-  <p:cSld>
-    <p:spTree>
-      <p:nvGrpSpPr>
-        <p:cNvPr id="1" name=""/>
-        <p:cNvGrpSpPr/>
-        <p:nvPr/>
-      </p:nvGrpSpPr>
-      <p:grpSpPr>
-        <a:xfrm>
-          <a:off x="0" y="0"/>
-          <a:ext cx="0" cy="0"/>
-          <a:chOff x="0" y="0"/>
-          <a:chExt cx="0" cy="0"/>
-        </a:xfrm>
-      </p:grpSpPr>
-      <p:sp>
-        <p:nvSpPr>
-          <p:cNvPr id="2" name="スライド イメージ プレースホルダー 1"/>
-          <p:cNvSpPr>
-            <a:spLocks noGrp="1" noRot="1" noChangeAspect="1"/>
-          </p:cNvSpPr>
-          <p:nvPr>
-            <p:ph type="sldImg"/>
-          </p:nvPr>
-        </p:nvSpPr>
-        <p:spPr/>
-      </p:sp>
-      <p:sp>
-        <p:nvSpPr>
-          <p:cNvPr id="3" name="ノート プレースホルダー 2"/>
-          <p:cNvSpPr>
-            <a:spLocks noGrp="1"/>
-          </p:cNvSpPr>
-          <p:nvPr>
-            <p:ph type="body" idx="1"/>
-          </p:nvPr>
-        </p:nvSpPr>
-        <p:spPr/>
-        <p:txBody>
-          <a:bodyPr/>
-          <a:lstStyle/>
-          <a:p>
-            <a:r>
-              <a:rPr kumimoji="1" lang="ja-JP" altLang="en-US" dirty="0"/>
-              <a:t>研修を終えての感想としましては、私はこちらの研修でプログラミングの講義についていけず、ほかの研修生より、技術は劣っている状態ではありますが、</a:t>
-            </a:r>
-            <a:endParaRPr kumimoji="1" lang="en-US" altLang="ja-JP" dirty="0"/>
-          </a:p>
-          <a:p>
-            <a:r>
-              <a:rPr kumimoji="1" lang="ja-JP" altLang="en-US" dirty="0"/>
-              <a:t>プログラミング講義以外で習った、ビジネスマナーや仕事をする上で必要な考え方などはしかっり学ぶことができたので、それだけでもこの研修は自分にとっていい影響を与えてくれました。</a:t>
-            </a:r>
-          </a:p>
-        </p:txBody>
-      </p:sp>
-      <p:sp>
-        <p:nvSpPr>
-          <p:cNvPr id="4" name="スライド番号プレースホルダー 3"/>
-          <p:cNvSpPr>
-            <a:spLocks noGrp="1"/>
-          </p:cNvSpPr>
-          <p:nvPr>
-            <p:ph type="sldNum" sz="quarter" idx="5"/>
-          </p:nvPr>
-        </p:nvSpPr>
-        <p:spPr/>
-        <p:txBody>
-          <a:bodyPr/>
-          <a:lstStyle/>
-          <a:p>
-            <a:fld id="{DAA37000-F953-4017-BC7A-A0ED4B544261}" type="slidenum">
-              <a:rPr kumimoji="1" lang="ja-JP" altLang="en-US" smtClean="0"/>
-              <a:t>18</a:t>
-            </a:fld>
-            <a:endParaRPr kumimoji="1" lang="ja-JP" altLang="en-US"/>
-          </a:p>
-        </p:txBody>
-      </p:sp>
-    </p:spTree>
-    <p:extLst>
-      <p:ext uri="{BB962C8B-B14F-4D97-AF65-F5344CB8AC3E}">
-        <p14:creationId xmlns:p14="http://schemas.microsoft.com/office/powerpoint/2010/main" val="4107838801"/>
-      </p:ext>
-    </p:extLst>
-  </p:cSld>
-  <p:clrMapOvr>
-    <a:masterClrMapping/>
-  </p:clrMapOvr>
-</p:notes>
-</file>
-
-<file path=ppt/notesSlides/notesSlide19.xml><?xml version="1.0" encoding="utf-8"?>
-<p:notes xmlns:a="http://schemas.openxmlformats.org/drawingml/2006/main" xmlns:r="http://schemas.openxmlformats.org/officeDocument/2006/relationships" xmlns:p="http://schemas.openxmlformats.org/presentationml/2006/main">
-  <p:cSld>
-    <p:spTree>
-      <p:nvGrpSpPr>
-        <p:cNvPr id="1" name=""/>
-        <p:cNvGrpSpPr/>
-        <p:nvPr/>
-      </p:nvGrpSpPr>
-      <p:grpSpPr>
-        <a:xfrm>
-          <a:off x="0" y="0"/>
-          <a:ext cx="0" cy="0"/>
-          <a:chOff x="0" y="0"/>
-          <a:chExt cx="0" cy="0"/>
-        </a:xfrm>
-      </p:grpSpPr>
-      <p:sp>
-        <p:nvSpPr>
-          <p:cNvPr id="2" name="スライド イメージ プレースホルダー 1"/>
-          <p:cNvSpPr>
-            <a:spLocks noGrp="1" noRot="1" noChangeAspect="1"/>
-          </p:cNvSpPr>
-          <p:nvPr>
-            <p:ph type="sldImg"/>
-          </p:nvPr>
-        </p:nvSpPr>
-        <p:spPr/>
-      </p:sp>
-      <p:sp>
-        <p:nvSpPr>
-          <p:cNvPr id="3" name="ノート プレースホルダー 2"/>
-          <p:cNvSpPr>
-            <a:spLocks noGrp="1"/>
-          </p:cNvSpPr>
-          <p:nvPr>
-            <p:ph type="body" idx="1"/>
-          </p:nvPr>
-        </p:nvSpPr>
-        <p:spPr/>
-        <p:txBody>
-          <a:bodyPr/>
-          <a:lstStyle/>
-          <a:p>
-            <a:r>
-              <a:rPr kumimoji="1" lang="ja-JP" altLang="en-US" dirty="0"/>
-              <a:t>学生の頃は海ブドウの研究をしていたので、プログラミングの知識なんてものはほとんどありませんでした。</a:t>
-            </a:r>
-          </a:p>
-          <a:p>
-            <a:r>
-              <a:rPr kumimoji="1" lang="ja-JP" altLang="en-US" dirty="0"/>
-              <a:t>ほぼ０の状態からのスタートだったので、この研修を通して、</a:t>
-            </a:r>
-          </a:p>
-          <a:p>
-            <a:r>
-              <a:rPr kumimoji="1" lang="ja-JP" altLang="en-US" dirty="0"/>
-              <a:t>日々自分の成長を感じることができたのが非常にうれしく、楽しかったです。</a:t>
-            </a:r>
-            <a:endParaRPr kumimoji="1" lang="en-US" altLang="ja-JP" dirty="0"/>
-          </a:p>
-          <a:p>
-            <a:r>
-              <a:rPr kumimoji="1" lang="ja-JP" altLang="en-US" dirty="0"/>
-              <a:t>今後の目標は、失敗を恐れず、いろいろなことに挑戦し、いろいろなことを学び、立派なエンジニアになれるように頑張りたいです。</a:t>
-            </a:r>
-            <a:endParaRPr kumimoji="1" lang="en-US" altLang="ja-JP" dirty="0"/>
-          </a:p>
-        </p:txBody>
-      </p:sp>
-      <p:sp>
-        <p:nvSpPr>
-          <p:cNvPr id="4" name="スライド番号プレースホルダー 3"/>
-          <p:cNvSpPr>
-            <a:spLocks noGrp="1"/>
-          </p:cNvSpPr>
-          <p:nvPr>
-            <p:ph type="sldNum" sz="quarter" idx="5"/>
-          </p:nvPr>
-        </p:nvSpPr>
-        <p:spPr/>
-        <p:txBody>
-          <a:bodyPr/>
-          <a:lstStyle/>
-          <a:p>
-            <a:fld id="{DAA37000-F953-4017-BC7A-A0ED4B544261}" type="slidenum">
-              <a:rPr kumimoji="1" lang="ja-JP" altLang="en-US" smtClean="0"/>
-              <a:t>19</a:t>
-            </a:fld>
-            <a:endParaRPr kumimoji="1" lang="ja-JP" altLang="en-US"/>
-          </a:p>
-        </p:txBody>
-      </p:sp>
-    </p:spTree>
-    <p:extLst>
-      <p:ext uri="{BB962C8B-B14F-4D97-AF65-F5344CB8AC3E}">
-        <p14:creationId xmlns:p14="http://schemas.microsoft.com/office/powerpoint/2010/main" val="3883218015"/>
+        <p14:creationId xmlns:p14="http://schemas.microsoft.com/office/powerpoint/2010/main" val="1286348978"/>
       </p:ext>
     </p:extLst>
   </p:cSld>
@@ -1809,206 +1329,6 @@
     <p:extLst>
       <p:ext uri="{BB962C8B-B14F-4D97-AF65-F5344CB8AC3E}">
         <p14:creationId xmlns:p14="http://schemas.microsoft.com/office/powerpoint/2010/main" val="3561594521"/>
-      </p:ext>
-    </p:extLst>
-  </p:cSld>
-  <p:clrMapOvr>
-    <a:masterClrMapping/>
-  </p:clrMapOvr>
-</p:notes>
-</file>
-
-<file path=ppt/notesSlides/notesSlide20.xml><?xml version="1.0" encoding="utf-8"?>
-<p:notes xmlns:a="http://schemas.openxmlformats.org/drawingml/2006/main" xmlns:r="http://schemas.openxmlformats.org/officeDocument/2006/relationships" xmlns:p="http://schemas.openxmlformats.org/presentationml/2006/main">
-  <p:cSld>
-    <p:spTree>
-      <p:nvGrpSpPr>
-        <p:cNvPr id="1" name=""/>
-        <p:cNvGrpSpPr/>
-        <p:nvPr/>
-      </p:nvGrpSpPr>
-      <p:grpSpPr>
-        <a:xfrm>
-          <a:off x="0" y="0"/>
-          <a:ext cx="0" cy="0"/>
-          <a:chOff x="0" y="0"/>
-          <a:chExt cx="0" cy="0"/>
-        </a:xfrm>
-      </p:grpSpPr>
-      <p:sp>
-        <p:nvSpPr>
-          <p:cNvPr id="2" name="スライド イメージ プレースホルダー 1"/>
-          <p:cNvSpPr>
-            <a:spLocks noGrp="1" noRot="1" noChangeAspect="1"/>
-          </p:cNvSpPr>
-          <p:nvPr>
-            <p:ph type="sldImg"/>
-          </p:nvPr>
-        </p:nvSpPr>
-        <p:spPr/>
-      </p:sp>
-      <p:sp>
-        <p:nvSpPr>
-          <p:cNvPr id="3" name="ノート プレースホルダー 2"/>
-          <p:cNvSpPr>
-            <a:spLocks noGrp="1"/>
-          </p:cNvSpPr>
-          <p:nvPr>
-            <p:ph type="body" idx="1"/>
-          </p:nvPr>
-        </p:nvSpPr>
-        <p:spPr/>
-        <p:txBody>
-          <a:bodyPr/>
-          <a:lstStyle/>
-          <a:p>
-            <a:r>
-              <a:rPr kumimoji="1" lang="ja-JP" altLang="en-US" dirty="0"/>
-              <a:t>始まったころに比べると出来る事がとても増えたと感じていて、成長できたと思います。</a:t>
-            </a:r>
-            <a:endParaRPr kumimoji="1" lang="en-US" altLang="ja-JP" dirty="0"/>
-          </a:p>
-          <a:p>
-            <a:r>
-              <a:rPr kumimoji="1" lang="ja-JP" altLang="en-US" dirty="0"/>
-              <a:t>みんなとも協力出来てとても楽しく研修ができて嬉しく思っています。</a:t>
-            </a:r>
-            <a:endParaRPr kumimoji="1" lang="en-US" altLang="ja-JP" dirty="0"/>
-          </a:p>
-          <a:p>
-            <a:r>
-              <a:rPr kumimoji="1" lang="ja-JP" altLang="en-US" dirty="0"/>
-              <a:t>そして技術だけではなくビジネスマナーなども学ばせていただき、学んだことを活かして職場でも成長できるように気持ちを切らさず頑張ります。</a:t>
-            </a:r>
-            <a:endParaRPr kumimoji="1" lang="en-US" altLang="ja-JP" dirty="0"/>
-          </a:p>
-          <a:p>
-            <a:endParaRPr kumimoji="1" lang="ja-JP" altLang="en-US" dirty="0"/>
-          </a:p>
-        </p:txBody>
-      </p:sp>
-      <p:sp>
-        <p:nvSpPr>
-          <p:cNvPr id="4" name="スライド番号プレースホルダー 3"/>
-          <p:cNvSpPr>
-            <a:spLocks noGrp="1"/>
-          </p:cNvSpPr>
-          <p:nvPr>
-            <p:ph type="sldNum" sz="quarter" idx="5"/>
-          </p:nvPr>
-        </p:nvSpPr>
-        <p:spPr/>
-        <p:txBody>
-          <a:bodyPr/>
-          <a:lstStyle/>
-          <a:p>
-            <a:fld id="{DAA37000-F953-4017-BC7A-A0ED4B544261}" type="slidenum">
-              <a:rPr kumimoji="1" lang="ja-JP" altLang="en-US" smtClean="0"/>
-              <a:t>20</a:t>
-            </a:fld>
-            <a:endParaRPr kumimoji="1" lang="ja-JP" altLang="en-US"/>
-          </a:p>
-        </p:txBody>
-      </p:sp>
-    </p:spTree>
-    <p:extLst>
-      <p:ext uri="{BB962C8B-B14F-4D97-AF65-F5344CB8AC3E}">
-        <p14:creationId xmlns:p14="http://schemas.microsoft.com/office/powerpoint/2010/main" val="4086160304"/>
-      </p:ext>
-    </p:extLst>
-  </p:cSld>
-  <p:clrMapOvr>
-    <a:masterClrMapping/>
-  </p:clrMapOvr>
-</p:notes>
-</file>
-
-<file path=ppt/notesSlides/notesSlide21.xml><?xml version="1.0" encoding="utf-8"?>
-<p:notes xmlns:a="http://schemas.openxmlformats.org/drawingml/2006/main" xmlns:r="http://schemas.openxmlformats.org/officeDocument/2006/relationships" xmlns:p="http://schemas.openxmlformats.org/presentationml/2006/main">
-  <p:cSld>
-    <p:spTree>
-      <p:nvGrpSpPr>
-        <p:cNvPr id="1" name=""/>
-        <p:cNvGrpSpPr/>
-        <p:nvPr/>
-      </p:nvGrpSpPr>
-      <p:grpSpPr>
-        <a:xfrm>
-          <a:off x="0" y="0"/>
-          <a:ext cx="0" cy="0"/>
-          <a:chOff x="0" y="0"/>
-          <a:chExt cx="0" cy="0"/>
-        </a:xfrm>
-      </p:grpSpPr>
-      <p:sp>
-        <p:nvSpPr>
-          <p:cNvPr id="2" name="スライド イメージ プレースホルダー 1"/>
-          <p:cNvSpPr>
-            <a:spLocks noGrp="1" noRot="1" noChangeAspect="1"/>
-          </p:cNvSpPr>
-          <p:nvPr>
-            <p:ph type="sldImg"/>
-          </p:nvPr>
-        </p:nvSpPr>
-        <p:spPr/>
-      </p:sp>
-      <p:sp>
-        <p:nvSpPr>
-          <p:cNvPr id="3" name="ノート プレースホルダー 2"/>
-          <p:cNvSpPr>
-            <a:spLocks noGrp="1"/>
-          </p:cNvSpPr>
-          <p:nvPr>
-            <p:ph type="body" idx="1"/>
-          </p:nvPr>
-        </p:nvSpPr>
-        <p:spPr/>
-        <p:txBody>
-          <a:bodyPr/>
-          <a:lstStyle/>
-          <a:p>
-            <a:r>
-              <a:rPr kumimoji="1" lang="ja-JP" altLang="en-US" dirty="0"/>
-              <a:t>これで</a:t>
-            </a:r>
-            <a:r>
-              <a:rPr kumimoji="1" lang="en-US" altLang="ja-JP" dirty="0"/>
-              <a:t>D</a:t>
-            </a:r>
-            <a:r>
-              <a:rPr kumimoji="1" lang="ja-JP" altLang="en-US" dirty="0"/>
-              <a:t>グループの開発の成果物発表についての発表とします。ご清聴ありがとうございました。</a:t>
-            </a:r>
-          </a:p>
-        </p:txBody>
-      </p:sp>
-      <p:sp>
-        <p:nvSpPr>
-          <p:cNvPr id="4" name="スライド番号プレースホルダー 3"/>
-          <p:cNvSpPr>
-            <a:spLocks noGrp="1"/>
-          </p:cNvSpPr>
-          <p:nvPr>
-            <p:ph type="sldNum" sz="quarter" idx="5"/>
-          </p:nvPr>
-        </p:nvSpPr>
-        <p:spPr/>
-        <p:txBody>
-          <a:bodyPr/>
-          <a:lstStyle/>
-          <a:p>
-            <a:fld id="{DAA37000-F953-4017-BC7A-A0ED4B544261}" type="slidenum">
-              <a:rPr kumimoji="1" lang="ja-JP" altLang="en-US" smtClean="0"/>
-              <a:t>21</a:t>
-            </a:fld>
-            <a:endParaRPr kumimoji="1" lang="ja-JP" altLang="en-US"/>
-          </a:p>
-        </p:txBody>
-      </p:sp>
-    </p:spTree>
-    <p:extLst>
-      <p:ext uri="{BB962C8B-B14F-4D97-AF65-F5344CB8AC3E}">
-        <p14:creationId xmlns:p14="http://schemas.microsoft.com/office/powerpoint/2010/main" val="1286348978"/>
       </p:ext>
     </p:extLst>
   </p:cSld>
@@ -2396,49 +1716,7 @@
           <a:p>
             <a:r>
               <a:rPr kumimoji="1" lang="ja-JP" altLang="en-US" dirty="0"/>
-              <a:t>ログインはアカウント登録が行われている場合はマイべージ画面に遷移する事が出来ます。</a:t>
-            </a:r>
-            <a:endParaRPr kumimoji="1" lang="en-US" altLang="ja-JP" dirty="0"/>
-          </a:p>
-          <a:p>
-            <a:r>
-              <a:rPr kumimoji="1" lang="ja-JP" altLang="en-US" dirty="0"/>
-              <a:t>アカウント新規登録は、アカウントの新規登録を行う事が出来ます。</a:t>
-            </a:r>
-            <a:endParaRPr kumimoji="1" lang="en-US" altLang="ja-JP" dirty="0"/>
-          </a:p>
-          <a:p>
-            <a:r>
-              <a:rPr kumimoji="1" lang="ja-JP" altLang="en-US" dirty="0"/>
-              <a:t>アカウント編集は、名前とパスワードを変更する事が出来ます。</a:t>
-            </a:r>
-            <a:endParaRPr kumimoji="1" lang="en-US" altLang="ja-JP" dirty="0"/>
-          </a:p>
-          <a:p>
-            <a:r>
-              <a:rPr kumimoji="1" lang="ja-JP" altLang="en-US" dirty="0"/>
-              <a:t>ランクは、コインの枚数によって変更されより上のランクを目指すことでやりこみ要素として実装しています。</a:t>
-            </a:r>
-            <a:endParaRPr kumimoji="1" lang="en-US" altLang="ja-JP" dirty="0"/>
-          </a:p>
-          <a:p>
-            <a:r>
-              <a:rPr kumimoji="1" lang="ja-JP" altLang="en-US" dirty="0"/>
-              <a:t>ポーカーは、コインをかけてポーカーをすることが出来て、役に応じた配当を獲得する事が出来ます。</a:t>
-            </a:r>
-            <a:endParaRPr kumimoji="1" lang="en-US" altLang="ja-JP" dirty="0"/>
-          </a:p>
-          <a:p>
-            <a:r>
-              <a:rPr kumimoji="1" lang="ja-JP" altLang="en-US" dirty="0"/>
-              <a:t>アイテムの購入と使用は、コインを支払う事でアイテムを入手する事が出来、使用する事が出来ます。</a:t>
-            </a:r>
-            <a:endParaRPr kumimoji="1" lang="en-US" altLang="ja-JP" dirty="0"/>
-          </a:p>
-          <a:p>
-            <a:r>
-              <a:rPr kumimoji="1" lang="ja-JP" altLang="en-US" dirty="0"/>
-              <a:t>ランキングの閲覧は、ポーカーの獲得コインや今までに出した役に応じた全体のランキングと個人のランキングを閲覧する事が出来ます。</a:t>
+              <a:t>このような機能があります。では実際にデモで説明していきます。</a:t>
             </a:r>
             <a:endParaRPr kumimoji="1" lang="en-US" altLang="ja-JP" dirty="0"/>
           </a:p>
@@ -2942,7 +2220,7 @@
           <a:p>
             <a:r>
               <a:rPr kumimoji="1" lang="ja-JP" altLang="en-US" dirty="0"/>
-              <a:t>開発を終えての感想です。</a:t>
+              <a:t>研修を終えての感想です。</a:t>
             </a:r>
           </a:p>
         </p:txBody>
@@ -2973,7 +2251,7 @@
     </p:spTree>
     <p:extLst>
       <p:ext uri="{BB962C8B-B14F-4D97-AF65-F5344CB8AC3E}">
-        <p14:creationId xmlns:p14="http://schemas.microsoft.com/office/powerpoint/2010/main" val="100480747"/>
+        <p14:creationId xmlns:p14="http://schemas.microsoft.com/office/powerpoint/2010/main" val="1300183432"/>
       </p:ext>
     </p:extLst>
   </p:cSld>
@@ -7220,7 +6498,7 @@
           <p:cNvPr id="2" name="タイトル 1">
             <a:extLst>
               <a:ext uri="{FF2B5EF4-FFF2-40B4-BE49-F238E27FC236}">
-                <a16:creationId xmlns:a16="http://schemas.microsoft.com/office/drawing/2014/main" id="{E04D5201-C748-490C-850C-D7E9F707D9E9}"/>
+                <a16:creationId xmlns:a16="http://schemas.microsoft.com/office/drawing/2014/main" id="{9688E5F2-D137-477B-B824-E1DD6D8DD576}"/>
               </a:ext>
             </a:extLst>
           </p:cNvPr>
@@ -7238,7 +6516,7 @@
           <a:p>
             <a:r>
               <a:rPr kumimoji="1" lang="ja-JP" altLang="en-US" dirty="0"/>
-              <a:t>開発を終えての感想（大城一馬）</a:t>
+              <a:t>研修を終えての感想（大城一馬）</a:t>
             </a:r>
           </a:p>
         </p:txBody>
@@ -7248,7 +6526,7 @@
           <p:cNvPr id="3" name="コンテンツ プレースホルダー 2">
             <a:extLst>
               <a:ext uri="{FF2B5EF4-FFF2-40B4-BE49-F238E27FC236}">
-                <a16:creationId xmlns:a16="http://schemas.microsoft.com/office/drawing/2014/main" id="{332365A4-10D1-4360-A66A-513A5240E98A}"/>
+                <a16:creationId xmlns:a16="http://schemas.microsoft.com/office/drawing/2014/main" id="{8ADC1BE6-7A4E-4F1D-AE25-393ECAFEA1CD}"/>
               </a:ext>
             </a:extLst>
           </p:cNvPr>
@@ -7267,24 +6545,27 @@
             <a:endParaRPr kumimoji="1" lang="en-US" altLang="ja-JP" dirty="0"/>
           </a:p>
           <a:p>
+            <a:r>
+              <a:rPr kumimoji="1" lang="ja-JP" altLang="en-US" dirty="0"/>
+              <a:t>スケジュール管理の難しさ</a:t>
+            </a:r>
             <a:endParaRPr kumimoji="1" lang="en-US" altLang="ja-JP" dirty="0"/>
           </a:p>
           <a:p>
-            <a:r>
-              <a:rPr kumimoji="1" lang="ja-JP" altLang="en-US" dirty="0"/>
-              <a:t>スケジュールの作成、管理　</a:t>
-            </a:r>
             <a:endParaRPr kumimoji="1" lang="en-US" altLang="ja-JP" dirty="0"/>
           </a:p>
           <a:p>
-            <a:endParaRPr kumimoji="1" lang="ja-JP" altLang="en-US" dirty="0"/>
+            <a:r>
+              <a:rPr kumimoji="1" lang="ja-JP" altLang="en-US" dirty="0"/>
+              <a:t>コミュニケーションの大事さ</a:t>
+            </a:r>
           </a:p>
         </p:txBody>
       </p:sp>
     </p:spTree>
     <p:extLst>
       <p:ext uri="{BB962C8B-B14F-4D97-AF65-F5344CB8AC3E}">
-        <p14:creationId xmlns:p14="http://schemas.microsoft.com/office/powerpoint/2010/main" val="2875413314"/>
+        <p14:creationId xmlns:p14="http://schemas.microsoft.com/office/powerpoint/2010/main" val="2836958726"/>
       </p:ext>
     </p:extLst>
   </p:cSld>
@@ -7316,7 +6597,7 @@
           <p:cNvPr id="2" name="タイトル 1">
             <a:extLst>
               <a:ext uri="{FF2B5EF4-FFF2-40B4-BE49-F238E27FC236}">
-                <a16:creationId xmlns:a16="http://schemas.microsoft.com/office/drawing/2014/main" id="{5CA8C262-C3F3-46E7-846D-0933A9DF8052}"/>
+                <a16:creationId xmlns:a16="http://schemas.microsoft.com/office/drawing/2014/main" id="{5276997B-B1F7-4F72-81B9-5A2796555753}"/>
               </a:ext>
             </a:extLst>
           </p:cNvPr>
@@ -7334,7 +6615,7 @@
           <a:p>
             <a:r>
               <a:rPr kumimoji="1" lang="ja-JP" altLang="en-US" dirty="0"/>
-              <a:t>開発を終えての感想（照屋涼）</a:t>
+              <a:t>研修を終えての感想（照屋涼）</a:t>
             </a:r>
           </a:p>
         </p:txBody>
@@ -7344,7 +6625,7 @@
           <p:cNvPr id="3" name="コンテンツ プレースホルダー 2">
             <a:extLst>
               <a:ext uri="{FF2B5EF4-FFF2-40B4-BE49-F238E27FC236}">
-                <a16:creationId xmlns:a16="http://schemas.microsoft.com/office/drawing/2014/main" id="{ADAB4589-010E-4957-8733-275B293C5276}"/>
+                <a16:creationId xmlns:a16="http://schemas.microsoft.com/office/drawing/2014/main" id="{B0298E07-189B-411A-A3FD-FD3A57E080BD}"/>
               </a:ext>
             </a:extLst>
           </p:cNvPr>
@@ -7365,7 +6646,7 @@
           <a:p>
             <a:r>
               <a:rPr kumimoji="1" lang="ja-JP" altLang="en-US" dirty="0"/>
-              <a:t>得た知識を応用して用いることの難しさ</a:t>
+              <a:t>自身の成長について</a:t>
             </a:r>
             <a:endParaRPr kumimoji="1" lang="en-US" altLang="ja-JP" dirty="0"/>
           </a:p>
@@ -7375,7 +6656,7 @@
           <a:p>
             <a:r>
               <a:rPr kumimoji="1" lang="ja-JP" altLang="en-US" dirty="0"/>
-              <a:t>グループで一つのものを作る楽しさと難しさ</a:t>
+              <a:t>今後について</a:t>
             </a:r>
           </a:p>
         </p:txBody>
@@ -7383,7 +6664,7 @@
     </p:spTree>
     <p:extLst>
       <p:ext uri="{BB962C8B-B14F-4D97-AF65-F5344CB8AC3E}">
-        <p14:creationId xmlns:p14="http://schemas.microsoft.com/office/powerpoint/2010/main" val="1348427"/>
+        <p14:creationId xmlns:p14="http://schemas.microsoft.com/office/powerpoint/2010/main" val="4045891562"/>
       </p:ext>
     </p:extLst>
   </p:cSld>
@@ -7415,7 +6696,7 @@
           <p:cNvPr id="2" name="タイトル 1">
             <a:extLst>
               <a:ext uri="{FF2B5EF4-FFF2-40B4-BE49-F238E27FC236}">
-                <a16:creationId xmlns:a16="http://schemas.microsoft.com/office/drawing/2014/main" id="{D0A9F469-FBF0-459F-9E2D-34917998441E}"/>
+                <a16:creationId xmlns:a16="http://schemas.microsoft.com/office/drawing/2014/main" id="{6B9E7D6C-03FE-436A-8A76-BD59F1DFDF72}"/>
               </a:ext>
             </a:extLst>
           </p:cNvPr>
@@ -7433,7 +6714,7 @@
           <a:p>
             <a:r>
               <a:rPr kumimoji="1" lang="ja-JP" altLang="en-US" dirty="0"/>
-              <a:t>開発を終えての感想（天願陽聖）</a:t>
+              <a:t>研修を終えての感想（天願陽聖）</a:t>
             </a:r>
           </a:p>
         </p:txBody>
@@ -7443,7 +6724,7 @@
           <p:cNvPr id="3" name="コンテンツ プレースホルダー 2">
             <a:extLst>
               <a:ext uri="{FF2B5EF4-FFF2-40B4-BE49-F238E27FC236}">
-                <a16:creationId xmlns:a16="http://schemas.microsoft.com/office/drawing/2014/main" id="{BAD6D2BF-5517-4E87-A0F7-5E49DEBBA58A}"/>
+                <a16:creationId xmlns:a16="http://schemas.microsoft.com/office/drawing/2014/main" id="{B535D103-E5FA-467C-90A3-165903AD9985}"/>
               </a:ext>
             </a:extLst>
           </p:cNvPr>
@@ -7456,20 +6737,25 @@
         </p:nvSpPr>
         <p:spPr/>
         <p:txBody>
-          <a:bodyPr>
-            <a:normAutofit/>
-          </a:bodyPr>
-          <a:lstStyle/>
-          <a:p>
-            <a:endParaRPr kumimoji="1" lang="en-US" altLang="ja-JP" sz="3200" dirty="0"/>
-          </a:p>
-          <a:p>
-            <a:endParaRPr kumimoji="1" lang="en-US" altLang="ja-JP" sz="3200" dirty="0"/>
-          </a:p>
-          <a:p>
-            <a:r>
-              <a:rPr kumimoji="1" lang="ja-JP" altLang="en-US" sz="3200" dirty="0"/>
-              <a:t>メンバー同士の現状報告の大切さ</a:t>
+          <a:bodyPr/>
+          <a:lstStyle/>
+          <a:p>
+            <a:endParaRPr kumimoji="1" lang="en-US" altLang="ja-JP" dirty="0"/>
+          </a:p>
+          <a:p>
+            <a:r>
+              <a:rPr kumimoji="1" lang="ja-JP" altLang="en-US" dirty="0"/>
+              <a:t>ビジネスマナー</a:t>
+            </a:r>
+            <a:endParaRPr kumimoji="1" lang="en-US" altLang="ja-JP" dirty="0"/>
+          </a:p>
+          <a:p>
+            <a:endParaRPr kumimoji="1" lang="en-US" altLang="ja-JP" dirty="0"/>
+          </a:p>
+          <a:p>
+            <a:r>
+              <a:rPr kumimoji="1" lang="ja-JP" altLang="en-US" dirty="0"/>
+              <a:t>仕事をする上での必要な考え方、必要な技術</a:t>
             </a:r>
           </a:p>
         </p:txBody>
@@ -7477,7 +6763,7 @@
     </p:spTree>
     <p:extLst>
       <p:ext uri="{BB962C8B-B14F-4D97-AF65-F5344CB8AC3E}">
-        <p14:creationId xmlns:p14="http://schemas.microsoft.com/office/powerpoint/2010/main" val="1402136929"/>
+        <p14:creationId xmlns:p14="http://schemas.microsoft.com/office/powerpoint/2010/main" val="3470410322"/>
       </p:ext>
     </p:extLst>
   </p:cSld>
@@ -7509,7 +6795,7 @@
           <p:cNvPr id="2" name="タイトル 1">
             <a:extLst>
               <a:ext uri="{FF2B5EF4-FFF2-40B4-BE49-F238E27FC236}">
-                <a16:creationId xmlns:a16="http://schemas.microsoft.com/office/drawing/2014/main" id="{70DC0E4D-7A91-4D7F-BB6B-9DB1090D5B07}"/>
+                <a16:creationId xmlns:a16="http://schemas.microsoft.com/office/drawing/2014/main" id="{04AFBAB6-5784-48A0-A0F9-F5464257D04E}"/>
               </a:ext>
             </a:extLst>
           </p:cNvPr>
@@ -7527,7 +6813,7 @@
           <a:p>
             <a:r>
               <a:rPr kumimoji="1" lang="ja-JP" altLang="en-US" dirty="0"/>
-              <a:t>開発を終えての感想（天願大河）</a:t>
+              <a:t>研修を終えての感想（天願大河）</a:t>
             </a:r>
           </a:p>
         </p:txBody>
@@ -7537,7 +6823,7 @@
           <p:cNvPr id="3" name="コンテンツ プレースホルダー 2">
             <a:extLst>
               <a:ext uri="{FF2B5EF4-FFF2-40B4-BE49-F238E27FC236}">
-                <a16:creationId xmlns:a16="http://schemas.microsoft.com/office/drawing/2014/main" id="{DE2F94AC-B39C-491F-A14C-9401576B4DFB}"/>
+                <a16:creationId xmlns:a16="http://schemas.microsoft.com/office/drawing/2014/main" id="{4D39B51B-463F-4727-811A-FAB99BD58730}"/>
               </a:ext>
             </a:extLst>
           </p:cNvPr>
@@ -7550,18 +6836,37 @@
         </p:nvSpPr>
         <p:spPr/>
         <p:txBody>
-          <a:bodyPr/>
-          <a:lstStyle/>
-          <a:p>
+          <a:bodyPr>
+            <a:normAutofit/>
+          </a:bodyPr>
+          <a:lstStyle/>
+          <a:p>
+            <a:r>
+              <a:rPr kumimoji="1" lang="ja-JP" altLang="en-US" dirty="0"/>
+              <a:t>ゲームバランスを考える事の難しさ</a:t>
+            </a:r>
             <a:endParaRPr kumimoji="1" lang="en-US" altLang="ja-JP" dirty="0"/>
           </a:p>
           <a:p>
+            <a:pPr marL="0" indent="0">
+              <a:buNone/>
+            </a:pPr>
             <a:endParaRPr kumimoji="1" lang="en-US" altLang="ja-JP" dirty="0"/>
           </a:p>
           <a:p>
             <a:r>
               <a:rPr kumimoji="1" lang="ja-JP" altLang="en-US" dirty="0"/>
-              <a:t>ゲームバランスを考えるのは難しさ</a:t>
+              <a:t>自身の成長</a:t>
+            </a:r>
+            <a:endParaRPr kumimoji="1" lang="en-US" altLang="ja-JP" dirty="0"/>
+          </a:p>
+          <a:p>
+            <a:endParaRPr kumimoji="1" lang="en-US" altLang="ja-JP" dirty="0"/>
+          </a:p>
+          <a:p>
+            <a:r>
+              <a:rPr kumimoji="1" lang="ja-JP" altLang="en-US" dirty="0"/>
+              <a:t>立派なエンジニアになる</a:t>
             </a:r>
           </a:p>
         </p:txBody>
@@ -7569,7 +6874,7 @@
     </p:spTree>
     <p:extLst>
       <p:ext uri="{BB962C8B-B14F-4D97-AF65-F5344CB8AC3E}">
-        <p14:creationId xmlns:p14="http://schemas.microsoft.com/office/powerpoint/2010/main" val="1435277462"/>
+        <p14:creationId xmlns:p14="http://schemas.microsoft.com/office/powerpoint/2010/main" val="1158736267"/>
       </p:ext>
     </p:extLst>
   </p:cSld>
@@ -7601,7 +6906,7 @@
           <p:cNvPr id="2" name="タイトル 1">
             <a:extLst>
               <a:ext uri="{FF2B5EF4-FFF2-40B4-BE49-F238E27FC236}">
-                <a16:creationId xmlns:a16="http://schemas.microsoft.com/office/drawing/2014/main" id="{B3918928-F831-4EA8-B6E4-486A04F9522C}"/>
+                <a16:creationId xmlns:a16="http://schemas.microsoft.com/office/drawing/2014/main" id="{299FBEF6-00DF-4DD8-A4D4-62E2042ED2DB}"/>
               </a:ext>
             </a:extLst>
           </p:cNvPr>
@@ -7619,7 +6924,7 @@
           <a:p>
             <a:r>
               <a:rPr kumimoji="1" lang="ja-JP" altLang="en-US" dirty="0"/>
-              <a:t>開発を終えての感想（宮城竜成）</a:t>
+              <a:t>研修を終えての感想（宮城竜成）</a:t>
             </a:r>
           </a:p>
         </p:txBody>
@@ -7629,7 +6934,7 @@
           <p:cNvPr id="3" name="コンテンツ プレースホルダー 2">
             <a:extLst>
               <a:ext uri="{FF2B5EF4-FFF2-40B4-BE49-F238E27FC236}">
-                <a16:creationId xmlns:a16="http://schemas.microsoft.com/office/drawing/2014/main" id="{55A0A815-F99F-4560-856A-6C5D32E91E71}"/>
+                <a16:creationId xmlns:a16="http://schemas.microsoft.com/office/drawing/2014/main" id="{CF618CF8-0F6E-4DA9-8A73-31655F94F1D3}"/>
               </a:ext>
             </a:extLst>
           </p:cNvPr>
@@ -7650,7 +6955,7 @@
           <a:p>
             <a:r>
               <a:rPr kumimoji="1" lang="ja-JP" altLang="en-US" dirty="0"/>
-              <a:t>習っていない技術を使用した</a:t>
+              <a:t>成長する事が出来た</a:t>
             </a:r>
             <a:endParaRPr kumimoji="1" lang="en-US" altLang="ja-JP" dirty="0"/>
           </a:p>
@@ -7660,18 +6965,15 @@
           <a:p>
             <a:r>
               <a:rPr kumimoji="1" lang="ja-JP" altLang="en-US" dirty="0"/>
-              <a:t>なんとか完成する事が出来た</a:t>
-            </a:r>
-          </a:p>
-          <a:p>
-            <a:endParaRPr kumimoji="1" lang="ja-JP" altLang="en-US" dirty="0"/>
+              <a:t>社会人としてのマナーが身についた</a:t>
+            </a:r>
           </a:p>
         </p:txBody>
       </p:sp>
     </p:spTree>
     <p:extLst>
       <p:ext uri="{BB962C8B-B14F-4D97-AF65-F5344CB8AC3E}">
-        <p14:creationId xmlns:p14="http://schemas.microsoft.com/office/powerpoint/2010/main" val="990552468"/>
+        <p14:creationId xmlns:p14="http://schemas.microsoft.com/office/powerpoint/2010/main" val="1812798798"/>
       </p:ext>
     </p:extLst>
   </p:cSld>
@@ -7703,7 +7005,7 @@
           <p:cNvPr id="2" name="テキスト ボックス 1">
             <a:extLst>
               <a:ext uri="{FF2B5EF4-FFF2-40B4-BE49-F238E27FC236}">
-                <a16:creationId xmlns:a16="http://schemas.microsoft.com/office/drawing/2014/main" id="{D300679D-FF1D-4CC7-BF9D-7A61231882EA}"/>
+                <a16:creationId xmlns:a16="http://schemas.microsoft.com/office/drawing/2014/main" id="{E1979DBF-1737-4765-8758-D860258EFA4A}"/>
               </a:ext>
             </a:extLst>
           </p:cNvPr>
@@ -7712,8 +7014,8 @@
         </p:nvSpPr>
         <p:spPr>
           <a:xfrm>
-            <a:off x="1847088" y="2660904"/>
-            <a:ext cx="8641080" cy="1200329"/>
+            <a:off x="1188720" y="2788920"/>
+            <a:ext cx="10607040" cy="923330"/>
           </a:xfrm>
           <a:prstGeom prst="rect">
             <a:avLst/>
@@ -7727,411 +7029,16 @@
           <a:lstStyle/>
           <a:p>
             <a:r>
-              <a:rPr lang="ja-JP" altLang="en-US" sz="7200" dirty="0"/>
-              <a:t>研修を終えての感想</a:t>
-            </a:r>
-            <a:endParaRPr kumimoji="1" lang="ja-JP" altLang="en-US" sz="7200" dirty="0"/>
+              <a:rPr kumimoji="1" lang="ja-JP" altLang="en-US" sz="5400" dirty="0"/>
+              <a:t>ご清聴ありがとうございました</a:t>
+            </a:r>
           </a:p>
         </p:txBody>
       </p:sp>
     </p:spTree>
     <p:extLst>
       <p:ext uri="{BB962C8B-B14F-4D97-AF65-F5344CB8AC3E}">
-        <p14:creationId xmlns:p14="http://schemas.microsoft.com/office/powerpoint/2010/main" val="1793318085"/>
-      </p:ext>
-    </p:extLst>
-  </p:cSld>
-  <p:clrMapOvr>
-    <a:masterClrMapping/>
-  </p:clrMapOvr>
-</p:sld>
-</file>
-
-<file path=ppt/slides/slide16.xml><?xml version="1.0" encoding="utf-8"?>
-<p:sld xmlns:a="http://schemas.openxmlformats.org/drawingml/2006/main" xmlns:r="http://schemas.openxmlformats.org/officeDocument/2006/relationships" xmlns:p="http://schemas.openxmlformats.org/presentationml/2006/main">
-  <p:cSld>
-    <p:spTree>
-      <p:nvGrpSpPr>
-        <p:cNvPr id="1" name=""/>
-        <p:cNvGrpSpPr/>
-        <p:nvPr/>
-      </p:nvGrpSpPr>
-      <p:grpSpPr>
-        <a:xfrm>
-          <a:off x="0" y="0"/>
-          <a:ext cx="0" cy="0"/>
-          <a:chOff x="0" y="0"/>
-          <a:chExt cx="0" cy="0"/>
-        </a:xfrm>
-      </p:grpSpPr>
-      <p:sp>
-        <p:nvSpPr>
-          <p:cNvPr id="2" name="タイトル 1">
-            <a:extLst>
-              <a:ext uri="{FF2B5EF4-FFF2-40B4-BE49-F238E27FC236}">
-                <a16:creationId xmlns:a16="http://schemas.microsoft.com/office/drawing/2014/main" id="{9688E5F2-D137-477B-B824-E1DD6D8DD576}"/>
-              </a:ext>
-            </a:extLst>
-          </p:cNvPr>
-          <p:cNvSpPr>
-            <a:spLocks noGrp="1"/>
-          </p:cNvSpPr>
-          <p:nvPr>
-            <p:ph type="title"/>
-          </p:nvPr>
-        </p:nvSpPr>
-        <p:spPr/>
-        <p:txBody>
-          <a:bodyPr/>
-          <a:lstStyle/>
-          <a:p>
-            <a:r>
-              <a:rPr kumimoji="1" lang="ja-JP" altLang="en-US" dirty="0"/>
-              <a:t>研修を終えての感想（大城一馬）</a:t>
-            </a:r>
-          </a:p>
-        </p:txBody>
-      </p:sp>
-      <p:sp>
-        <p:nvSpPr>
-          <p:cNvPr id="3" name="コンテンツ プレースホルダー 2">
-            <a:extLst>
-              <a:ext uri="{FF2B5EF4-FFF2-40B4-BE49-F238E27FC236}">
-                <a16:creationId xmlns:a16="http://schemas.microsoft.com/office/drawing/2014/main" id="{8ADC1BE6-7A4E-4F1D-AE25-393ECAFEA1CD}"/>
-              </a:ext>
-            </a:extLst>
-          </p:cNvPr>
-          <p:cNvSpPr>
-            <a:spLocks noGrp="1"/>
-          </p:cNvSpPr>
-          <p:nvPr>
-            <p:ph idx="1"/>
-          </p:nvPr>
-        </p:nvSpPr>
-        <p:spPr/>
-        <p:txBody>
-          <a:bodyPr/>
-          <a:lstStyle/>
-          <a:p>
-            <a:endParaRPr kumimoji="1" lang="en-US" altLang="ja-JP" dirty="0"/>
-          </a:p>
-          <a:p>
-            <a:endParaRPr kumimoji="1" lang="en-US" altLang="ja-JP" dirty="0"/>
-          </a:p>
-          <a:p>
-            <a:r>
-              <a:rPr kumimoji="1" lang="ja-JP" altLang="en-US" dirty="0"/>
-              <a:t>コミュニケーションの大事さ</a:t>
-            </a:r>
-          </a:p>
-        </p:txBody>
-      </p:sp>
-    </p:spTree>
-    <p:extLst>
-      <p:ext uri="{BB962C8B-B14F-4D97-AF65-F5344CB8AC3E}">
-        <p14:creationId xmlns:p14="http://schemas.microsoft.com/office/powerpoint/2010/main" val="2836958726"/>
-      </p:ext>
-    </p:extLst>
-  </p:cSld>
-  <p:clrMapOvr>
-    <a:masterClrMapping/>
-  </p:clrMapOvr>
-</p:sld>
-</file>
-
-<file path=ppt/slides/slide17.xml><?xml version="1.0" encoding="utf-8"?>
-<p:sld xmlns:a="http://schemas.openxmlformats.org/drawingml/2006/main" xmlns:r="http://schemas.openxmlformats.org/officeDocument/2006/relationships" xmlns:p="http://schemas.openxmlformats.org/presentationml/2006/main">
-  <p:cSld>
-    <p:spTree>
-      <p:nvGrpSpPr>
-        <p:cNvPr id="1" name=""/>
-        <p:cNvGrpSpPr/>
-        <p:nvPr/>
-      </p:nvGrpSpPr>
-      <p:grpSpPr>
-        <a:xfrm>
-          <a:off x="0" y="0"/>
-          <a:ext cx="0" cy="0"/>
-          <a:chOff x="0" y="0"/>
-          <a:chExt cx="0" cy="0"/>
-        </a:xfrm>
-      </p:grpSpPr>
-      <p:sp>
-        <p:nvSpPr>
-          <p:cNvPr id="2" name="タイトル 1">
-            <a:extLst>
-              <a:ext uri="{FF2B5EF4-FFF2-40B4-BE49-F238E27FC236}">
-                <a16:creationId xmlns:a16="http://schemas.microsoft.com/office/drawing/2014/main" id="{5276997B-B1F7-4F72-81B9-5A2796555753}"/>
-              </a:ext>
-            </a:extLst>
-          </p:cNvPr>
-          <p:cNvSpPr>
-            <a:spLocks noGrp="1"/>
-          </p:cNvSpPr>
-          <p:nvPr>
-            <p:ph type="title"/>
-          </p:nvPr>
-        </p:nvSpPr>
-        <p:spPr/>
-        <p:txBody>
-          <a:bodyPr/>
-          <a:lstStyle/>
-          <a:p>
-            <a:r>
-              <a:rPr kumimoji="1" lang="ja-JP" altLang="en-US" dirty="0"/>
-              <a:t>研修を終えての感想（照屋涼）</a:t>
-            </a:r>
-          </a:p>
-        </p:txBody>
-      </p:sp>
-      <p:sp>
-        <p:nvSpPr>
-          <p:cNvPr id="3" name="コンテンツ プレースホルダー 2">
-            <a:extLst>
-              <a:ext uri="{FF2B5EF4-FFF2-40B4-BE49-F238E27FC236}">
-                <a16:creationId xmlns:a16="http://schemas.microsoft.com/office/drawing/2014/main" id="{B0298E07-189B-411A-A3FD-FD3A57E080BD}"/>
-              </a:ext>
-            </a:extLst>
-          </p:cNvPr>
-          <p:cNvSpPr>
-            <a:spLocks noGrp="1"/>
-          </p:cNvSpPr>
-          <p:nvPr>
-            <p:ph idx="1"/>
-          </p:nvPr>
-        </p:nvSpPr>
-        <p:spPr/>
-        <p:txBody>
-          <a:bodyPr/>
-          <a:lstStyle/>
-          <a:p>
-            <a:endParaRPr kumimoji="1" lang="en-US" altLang="ja-JP" dirty="0"/>
-          </a:p>
-          <a:p>
-            <a:r>
-              <a:rPr kumimoji="1" lang="ja-JP" altLang="en-US" dirty="0"/>
-              <a:t>自身の成長について</a:t>
-            </a:r>
-            <a:endParaRPr kumimoji="1" lang="en-US" altLang="ja-JP" dirty="0"/>
-          </a:p>
-          <a:p>
-            <a:endParaRPr kumimoji="1" lang="en-US" altLang="ja-JP" dirty="0"/>
-          </a:p>
-          <a:p>
-            <a:r>
-              <a:rPr kumimoji="1" lang="ja-JP" altLang="en-US" dirty="0"/>
-              <a:t>今後について</a:t>
-            </a:r>
-          </a:p>
-        </p:txBody>
-      </p:sp>
-    </p:spTree>
-    <p:extLst>
-      <p:ext uri="{BB962C8B-B14F-4D97-AF65-F5344CB8AC3E}">
-        <p14:creationId xmlns:p14="http://schemas.microsoft.com/office/powerpoint/2010/main" val="4045891562"/>
-      </p:ext>
-    </p:extLst>
-  </p:cSld>
-  <p:clrMapOvr>
-    <a:masterClrMapping/>
-  </p:clrMapOvr>
-</p:sld>
-</file>
-
-<file path=ppt/slides/slide18.xml><?xml version="1.0" encoding="utf-8"?>
-<p:sld xmlns:a="http://schemas.openxmlformats.org/drawingml/2006/main" xmlns:r="http://schemas.openxmlformats.org/officeDocument/2006/relationships" xmlns:p="http://schemas.openxmlformats.org/presentationml/2006/main">
-  <p:cSld>
-    <p:spTree>
-      <p:nvGrpSpPr>
-        <p:cNvPr id="1" name=""/>
-        <p:cNvGrpSpPr/>
-        <p:nvPr/>
-      </p:nvGrpSpPr>
-      <p:grpSpPr>
-        <a:xfrm>
-          <a:off x="0" y="0"/>
-          <a:ext cx="0" cy="0"/>
-          <a:chOff x="0" y="0"/>
-          <a:chExt cx="0" cy="0"/>
-        </a:xfrm>
-      </p:grpSpPr>
-      <p:sp>
-        <p:nvSpPr>
-          <p:cNvPr id="2" name="タイトル 1">
-            <a:extLst>
-              <a:ext uri="{FF2B5EF4-FFF2-40B4-BE49-F238E27FC236}">
-                <a16:creationId xmlns:a16="http://schemas.microsoft.com/office/drawing/2014/main" id="{6B9E7D6C-03FE-436A-8A76-BD59F1DFDF72}"/>
-              </a:ext>
-            </a:extLst>
-          </p:cNvPr>
-          <p:cNvSpPr>
-            <a:spLocks noGrp="1"/>
-          </p:cNvSpPr>
-          <p:nvPr>
-            <p:ph type="title"/>
-          </p:nvPr>
-        </p:nvSpPr>
-        <p:spPr/>
-        <p:txBody>
-          <a:bodyPr/>
-          <a:lstStyle/>
-          <a:p>
-            <a:r>
-              <a:rPr kumimoji="1" lang="ja-JP" altLang="en-US" dirty="0"/>
-              <a:t>研修を終えての感想（天願陽聖）</a:t>
-            </a:r>
-          </a:p>
-        </p:txBody>
-      </p:sp>
-      <p:sp>
-        <p:nvSpPr>
-          <p:cNvPr id="3" name="コンテンツ プレースホルダー 2">
-            <a:extLst>
-              <a:ext uri="{FF2B5EF4-FFF2-40B4-BE49-F238E27FC236}">
-                <a16:creationId xmlns:a16="http://schemas.microsoft.com/office/drawing/2014/main" id="{B535D103-E5FA-467C-90A3-165903AD9985}"/>
-              </a:ext>
-            </a:extLst>
-          </p:cNvPr>
-          <p:cNvSpPr>
-            <a:spLocks noGrp="1"/>
-          </p:cNvSpPr>
-          <p:nvPr>
-            <p:ph idx="1"/>
-          </p:nvPr>
-        </p:nvSpPr>
-        <p:spPr/>
-        <p:txBody>
-          <a:bodyPr/>
-          <a:lstStyle/>
-          <a:p>
-            <a:endParaRPr kumimoji="1" lang="en-US" altLang="ja-JP" dirty="0"/>
-          </a:p>
-          <a:p>
-            <a:r>
-              <a:rPr kumimoji="1" lang="ja-JP" altLang="en-US" dirty="0"/>
-              <a:t>ビジネスマナー</a:t>
-            </a:r>
-            <a:endParaRPr kumimoji="1" lang="en-US" altLang="ja-JP" dirty="0"/>
-          </a:p>
-          <a:p>
-            <a:endParaRPr kumimoji="1" lang="en-US" altLang="ja-JP" dirty="0"/>
-          </a:p>
-          <a:p>
-            <a:r>
-              <a:rPr kumimoji="1" lang="ja-JP" altLang="en-US" dirty="0"/>
-              <a:t>仕事をする上での必要な考え方、必要な技術</a:t>
-            </a:r>
-          </a:p>
-        </p:txBody>
-      </p:sp>
-    </p:spTree>
-    <p:extLst>
-      <p:ext uri="{BB962C8B-B14F-4D97-AF65-F5344CB8AC3E}">
-        <p14:creationId xmlns:p14="http://schemas.microsoft.com/office/powerpoint/2010/main" val="3470410322"/>
-      </p:ext>
-    </p:extLst>
-  </p:cSld>
-  <p:clrMapOvr>
-    <a:masterClrMapping/>
-  </p:clrMapOvr>
-</p:sld>
-</file>
-
-<file path=ppt/slides/slide19.xml><?xml version="1.0" encoding="utf-8"?>
-<p:sld xmlns:a="http://schemas.openxmlformats.org/drawingml/2006/main" xmlns:r="http://schemas.openxmlformats.org/officeDocument/2006/relationships" xmlns:p="http://schemas.openxmlformats.org/presentationml/2006/main">
-  <p:cSld>
-    <p:spTree>
-      <p:nvGrpSpPr>
-        <p:cNvPr id="1" name=""/>
-        <p:cNvGrpSpPr/>
-        <p:nvPr/>
-      </p:nvGrpSpPr>
-      <p:grpSpPr>
-        <a:xfrm>
-          <a:off x="0" y="0"/>
-          <a:ext cx="0" cy="0"/>
-          <a:chOff x="0" y="0"/>
-          <a:chExt cx="0" cy="0"/>
-        </a:xfrm>
-      </p:grpSpPr>
-      <p:sp>
-        <p:nvSpPr>
-          <p:cNvPr id="2" name="タイトル 1">
-            <a:extLst>
-              <a:ext uri="{FF2B5EF4-FFF2-40B4-BE49-F238E27FC236}">
-                <a16:creationId xmlns:a16="http://schemas.microsoft.com/office/drawing/2014/main" id="{04AFBAB6-5784-48A0-A0F9-F5464257D04E}"/>
-              </a:ext>
-            </a:extLst>
-          </p:cNvPr>
-          <p:cNvSpPr>
-            <a:spLocks noGrp="1"/>
-          </p:cNvSpPr>
-          <p:nvPr>
-            <p:ph type="title"/>
-          </p:nvPr>
-        </p:nvSpPr>
-        <p:spPr/>
-        <p:txBody>
-          <a:bodyPr/>
-          <a:lstStyle/>
-          <a:p>
-            <a:r>
-              <a:rPr kumimoji="1" lang="ja-JP" altLang="en-US" dirty="0"/>
-              <a:t>研修を終えての感想（天願大河）</a:t>
-            </a:r>
-          </a:p>
-        </p:txBody>
-      </p:sp>
-      <p:sp>
-        <p:nvSpPr>
-          <p:cNvPr id="3" name="コンテンツ プレースホルダー 2">
-            <a:extLst>
-              <a:ext uri="{FF2B5EF4-FFF2-40B4-BE49-F238E27FC236}">
-                <a16:creationId xmlns:a16="http://schemas.microsoft.com/office/drawing/2014/main" id="{4D39B51B-463F-4727-811A-FAB99BD58730}"/>
-              </a:ext>
-            </a:extLst>
-          </p:cNvPr>
-          <p:cNvSpPr>
-            <a:spLocks noGrp="1"/>
-          </p:cNvSpPr>
-          <p:nvPr>
-            <p:ph idx="1"/>
-          </p:nvPr>
-        </p:nvSpPr>
-        <p:spPr/>
-        <p:txBody>
-          <a:bodyPr>
-            <a:normAutofit/>
-          </a:bodyPr>
-          <a:lstStyle/>
-          <a:p>
-            <a:pPr marL="0" indent="0">
-              <a:buNone/>
-            </a:pPr>
-            <a:endParaRPr kumimoji="1" lang="en-US" altLang="ja-JP" dirty="0"/>
-          </a:p>
-          <a:p>
-            <a:r>
-              <a:rPr kumimoji="1" lang="ja-JP" altLang="en-US" dirty="0"/>
-              <a:t>自身の成長</a:t>
-            </a:r>
-            <a:endParaRPr kumimoji="1" lang="en-US" altLang="ja-JP" dirty="0"/>
-          </a:p>
-          <a:p>
-            <a:endParaRPr kumimoji="1" lang="en-US" altLang="ja-JP" dirty="0"/>
-          </a:p>
-          <a:p>
-            <a:r>
-              <a:rPr kumimoji="1" lang="ja-JP" altLang="en-US" dirty="0"/>
-              <a:t>立派なエンジニアになる</a:t>
-            </a:r>
-          </a:p>
-        </p:txBody>
-      </p:sp>
-    </p:spTree>
-    <p:extLst>
-      <p:ext uri="{BB962C8B-B14F-4D97-AF65-F5344CB8AC3E}">
-        <p14:creationId xmlns:p14="http://schemas.microsoft.com/office/powerpoint/2010/main" val="1158736267"/>
+        <p14:creationId xmlns:p14="http://schemas.microsoft.com/office/powerpoint/2010/main" val="2093538125"/>
       </p:ext>
     </p:extLst>
   </p:cSld>
@@ -8266,170 +7173,6 @@
     <p:extLst>
       <p:ext uri="{BB962C8B-B14F-4D97-AF65-F5344CB8AC3E}">
         <p14:creationId xmlns:p14="http://schemas.microsoft.com/office/powerpoint/2010/main" val="2776530130"/>
-      </p:ext>
-    </p:extLst>
-  </p:cSld>
-  <p:clrMapOvr>
-    <a:masterClrMapping/>
-  </p:clrMapOvr>
-</p:sld>
-</file>
-
-<file path=ppt/slides/slide20.xml><?xml version="1.0" encoding="utf-8"?>
-<p:sld xmlns:a="http://schemas.openxmlformats.org/drawingml/2006/main" xmlns:r="http://schemas.openxmlformats.org/officeDocument/2006/relationships" xmlns:p="http://schemas.openxmlformats.org/presentationml/2006/main">
-  <p:cSld>
-    <p:spTree>
-      <p:nvGrpSpPr>
-        <p:cNvPr id="1" name=""/>
-        <p:cNvGrpSpPr/>
-        <p:nvPr/>
-      </p:nvGrpSpPr>
-      <p:grpSpPr>
-        <a:xfrm>
-          <a:off x="0" y="0"/>
-          <a:ext cx="0" cy="0"/>
-          <a:chOff x="0" y="0"/>
-          <a:chExt cx="0" cy="0"/>
-        </a:xfrm>
-      </p:grpSpPr>
-      <p:sp>
-        <p:nvSpPr>
-          <p:cNvPr id="2" name="タイトル 1">
-            <a:extLst>
-              <a:ext uri="{FF2B5EF4-FFF2-40B4-BE49-F238E27FC236}">
-                <a16:creationId xmlns:a16="http://schemas.microsoft.com/office/drawing/2014/main" id="{299FBEF6-00DF-4DD8-A4D4-62E2042ED2DB}"/>
-              </a:ext>
-            </a:extLst>
-          </p:cNvPr>
-          <p:cNvSpPr>
-            <a:spLocks noGrp="1"/>
-          </p:cNvSpPr>
-          <p:nvPr>
-            <p:ph type="title"/>
-          </p:nvPr>
-        </p:nvSpPr>
-        <p:spPr/>
-        <p:txBody>
-          <a:bodyPr/>
-          <a:lstStyle/>
-          <a:p>
-            <a:r>
-              <a:rPr kumimoji="1" lang="ja-JP" altLang="en-US" dirty="0"/>
-              <a:t>研修を終えての感想（宮城竜成）</a:t>
-            </a:r>
-          </a:p>
-        </p:txBody>
-      </p:sp>
-      <p:sp>
-        <p:nvSpPr>
-          <p:cNvPr id="3" name="コンテンツ プレースホルダー 2">
-            <a:extLst>
-              <a:ext uri="{FF2B5EF4-FFF2-40B4-BE49-F238E27FC236}">
-                <a16:creationId xmlns:a16="http://schemas.microsoft.com/office/drawing/2014/main" id="{CF618CF8-0F6E-4DA9-8A73-31655F94F1D3}"/>
-              </a:ext>
-            </a:extLst>
-          </p:cNvPr>
-          <p:cNvSpPr>
-            <a:spLocks noGrp="1"/>
-          </p:cNvSpPr>
-          <p:nvPr>
-            <p:ph idx="1"/>
-          </p:nvPr>
-        </p:nvSpPr>
-        <p:spPr/>
-        <p:txBody>
-          <a:bodyPr/>
-          <a:lstStyle/>
-          <a:p>
-            <a:endParaRPr kumimoji="1" lang="en-US" altLang="ja-JP" dirty="0"/>
-          </a:p>
-          <a:p>
-            <a:r>
-              <a:rPr kumimoji="1" lang="ja-JP" altLang="en-US" dirty="0"/>
-              <a:t>成長する事が出来た</a:t>
-            </a:r>
-            <a:endParaRPr kumimoji="1" lang="en-US" altLang="ja-JP" dirty="0"/>
-          </a:p>
-          <a:p>
-            <a:endParaRPr kumimoji="1" lang="en-US" altLang="ja-JP" dirty="0"/>
-          </a:p>
-          <a:p>
-            <a:r>
-              <a:rPr kumimoji="1" lang="ja-JP" altLang="en-US" dirty="0"/>
-              <a:t>社会人としてのマナーが身についた</a:t>
-            </a:r>
-          </a:p>
-        </p:txBody>
-      </p:sp>
-    </p:spTree>
-    <p:extLst>
-      <p:ext uri="{BB962C8B-B14F-4D97-AF65-F5344CB8AC3E}">
-        <p14:creationId xmlns:p14="http://schemas.microsoft.com/office/powerpoint/2010/main" val="1812798798"/>
-      </p:ext>
-    </p:extLst>
-  </p:cSld>
-  <p:clrMapOvr>
-    <a:masterClrMapping/>
-  </p:clrMapOvr>
-</p:sld>
-</file>
-
-<file path=ppt/slides/slide21.xml><?xml version="1.0" encoding="utf-8"?>
-<p:sld xmlns:a="http://schemas.openxmlformats.org/drawingml/2006/main" xmlns:r="http://schemas.openxmlformats.org/officeDocument/2006/relationships" xmlns:p="http://schemas.openxmlformats.org/presentationml/2006/main">
-  <p:cSld>
-    <p:spTree>
-      <p:nvGrpSpPr>
-        <p:cNvPr id="1" name=""/>
-        <p:cNvGrpSpPr/>
-        <p:nvPr/>
-      </p:nvGrpSpPr>
-      <p:grpSpPr>
-        <a:xfrm>
-          <a:off x="0" y="0"/>
-          <a:ext cx="0" cy="0"/>
-          <a:chOff x="0" y="0"/>
-          <a:chExt cx="0" cy="0"/>
-        </a:xfrm>
-      </p:grpSpPr>
-      <p:sp>
-        <p:nvSpPr>
-          <p:cNvPr id="2" name="テキスト ボックス 1">
-            <a:extLst>
-              <a:ext uri="{FF2B5EF4-FFF2-40B4-BE49-F238E27FC236}">
-                <a16:creationId xmlns:a16="http://schemas.microsoft.com/office/drawing/2014/main" id="{E1979DBF-1737-4765-8758-D860258EFA4A}"/>
-              </a:ext>
-            </a:extLst>
-          </p:cNvPr>
-          <p:cNvSpPr txBox="1"/>
-          <p:nvPr/>
-        </p:nvSpPr>
-        <p:spPr>
-          <a:xfrm>
-            <a:off x="1188720" y="2788920"/>
-            <a:ext cx="10607040" cy="923330"/>
-          </a:xfrm>
-          <a:prstGeom prst="rect">
-            <a:avLst/>
-          </a:prstGeom>
-          <a:noFill/>
-        </p:spPr>
-        <p:txBody>
-          <a:bodyPr wrap="square" rtlCol="0">
-            <a:spAutoFit/>
-          </a:bodyPr>
-          <a:lstStyle/>
-          <a:p>
-            <a:r>
-              <a:rPr kumimoji="1" lang="ja-JP" altLang="en-US" sz="5400" dirty="0"/>
-              <a:t>ご清聴ありがとうございました</a:t>
-            </a:r>
-          </a:p>
-        </p:txBody>
-      </p:sp>
-    </p:spTree>
-    <p:extLst>
-      <p:ext uri="{BB962C8B-B14F-4D97-AF65-F5344CB8AC3E}">
-        <p14:creationId xmlns:p14="http://schemas.microsoft.com/office/powerpoint/2010/main" val="2093538125"/>
       </p:ext>
     </p:extLst>
   </p:cSld>
@@ -8810,7 +7553,7 @@
           <a:p>
             <a:r>
               <a:rPr kumimoji="1" lang="ja-JP" altLang="en-US" dirty="0"/>
-              <a:t>機能説明</a:t>
+              <a:t>機能紹介</a:t>
             </a:r>
           </a:p>
         </p:txBody>
@@ -9124,7 +7867,7 @@
           <p:cNvPr id="2" name="テキスト ボックス 1">
             <a:extLst>
               <a:ext uri="{FF2B5EF4-FFF2-40B4-BE49-F238E27FC236}">
-                <a16:creationId xmlns:a16="http://schemas.microsoft.com/office/drawing/2014/main" id="{EBBC90F4-5DFE-4A03-8CAF-1889A963DA8C}"/>
+                <a16:creationId xmlns:a16="http://schemas.microsoft.com/office/drawing/2014/main" id="{D300679D-FF1D-4CC7-BF9D-7A61231882EA}"/>
               </a:ext>
             </a:extLst>
           </p:cNvPr>
@@ -9133,8 +7876,8 @@
         </p:nvSpPr>
         <p:spPr>
           <a:xfrm>
-            <a:off x="1737360" y="2788920"/>
-            <a:ext cx="8677656" cy="1200329"/>
+            <a:off x="1847088" y="2660904"/>
+            <a:ext cx="8641080" cy="1200329"/>
           </a:xfrm>
           <a:prstGeom prst="rect">
             <a:avLst/>
@@ -9148,16 +7891,17 @@
           <a:lstStyle/>
           <a:p>
             <a:r>
-              <a:rPr kumimoji="1" lang="ja-JP" altLang="en-US" sz="7200" dirty="0"/>
-              <a:t>開発を終えての感想</a:t>
-            </a:r>
+              <a:rPr lang="ja-JP" altLang="en-US" sz="7200" dirty="0"/>
+              <a:t>研修を終えての感想</a:t>
+            </a:r>
+            <a:endParaRPr kumimoji="1" lang="ja-JP" altLang="en-US" sz="7200" dirty="0"/>
           </a:p>
         </p:txBody>
       </p:sp>
     </p:spTree>
     <p:extLst>
       <p:ext uri="{BB962C8B-B14F-4D97-AF65-F5344CB8AC3E}">
-        <p14:creationId xmlns:p14="http://schemas.microsoft.com/office/powerpoint/2010/main" val="2927162088"/>
+        <p14:creationId xmlns:p14="http://schemas.microsoft.com/office/powerpoint/2010/main" val="1793318085"/>
       </p:ext>
     </p:extLst>
   </p:cSld>

--- a/発表資料.pptx
+++ b/発表資料.pptx
@@ -18,9 +18,9 @@
     <p:sldId id="276" r:id="rId9"/>
     <p:sldId id="270" r:id="rId10"/>
     <p:sldId id="268" r:id="rId11"/>
-    <p:sldId id="271" r:id="rId12"/>
-    <p:sldId id="273" r:id="rId13"/>
-    <p:sldId id="272" r:id="rId14"/>
+    <p:sldId id="273" r:id="rId12"/>
+    <p:sldId id="272" r:id="rId13"/>
+    <p:sldId id="271" r:id="rId14"/>
     <p:sldId id="274" r:id="rId15"/>
     <p:sldId id="275" r:id="rId16"/>
   </p:sldIdLst>
@@ -768,20 +768,14 @@
           <a:p>
             <a:r>
               <a:rPr kumimoji="1" lang="ja-JP" altLang="en-US" dirty="0"/>
-              <a:t>照屋涼です。研修を終えての感想としましては、</a:t>
+              <a:t>研修を終えての感想としましては、私はこちらの研修でプログラミングの講義についていけず、ほかの研修生より、技術は劣っている状態ではありますが、</a:t>
             </a:r>
             <a:endParaRPr kumimoji="1" lang="en-US" altLang="ja-JP" dirty="0"/>
           </a:p>
           <a:p>
             <a:r>
               <a:rPr kumimoji="1" lang="ja-JP" altLang="en-US" dirty="0"/>
-              <a:t>・私自身、専門外の大学からこの業界に入り、プログラミングに関する知識も無く、０からのスタートでしたが、この研修を通して、プログラムの知識やマナー、勉強の仕方など様々なことを身に付け最初の頃よりかなり成長することができました。</a:t>
-            </a:r>
-          </a:p>
-          <a:p>
-            <a:r>
-              <a:rPr kumimoji="1" lang="ja-JP" altLang="en-US" dirty="0"/>
-              <a:t>・今後は、研修で得たことを活かし、研修に送り出していただいた、会社に貢献していけるよう努めてまいります。　</a:t>
+              <a:t>プログラミング講義以外で習った、ビジネスマナーや仕事をする上で必要な考え方などはしかっり学ぶことができたので、それだけでもこの研修は自分にとっていい影響を与えてくれました。</a:t>
             </a:r>
           </a:p>
         </p:txBody>
@@ -812,7 +806,7 @@
     </p:spTree>
     <p:extLst>
       <p:ext uri="{BB962C8B-B14F-4D97-AF65-F5344CB8AC3E}">
-        <p14:creationId xmlns:p14="http://schemas.microsoft.com/office/powerpoint/2010/main" val="2485768677"/>
+        <p14:creationId xmlns:p14="http://schemas.microsoft.com/office/powerpoint/2010/main" val="4107838801"/>
       </p:ext>
     </p:extLst>
   </p:cSld>
@@ -868,15 +862,28 @@
           <a:p>
             <a:r>
               <a:rPr kumimoji="1" lang="ja-JP" altLang="en-US" dirty="0"/>
-              <a:t>研修を終えての感想としましては、私はこちらの研修でプログラミングの講義についていけず、ほかの研修生より、技術は劣っている状態ではありますが、</a:t>
+              <a:t>学生の頃は海ブドウの研究をしていたので、プログラミングの知識なんてものはほとんどありませんでした。</a:t>
+            </a:r>
+          </a:p>
+          <a:p>
+            <a:r>
+              <a:rPr kumimoji="1" lang="ja-JP" altLang="en-US" dirty="0"/>
+              <a:t>ほぼ０の状態からのスタートだったので、この研修を通して、</a:t>
+            </a:r>
+          </a:p>
+          <a:p>
+            <a:r>
+              <a:rPr kumimoji="1" lang="ja-JP" altLang="en-US" dirty="0"/>
+              <a:t>日々自分の成長を感じることができたのが非常にうれしく、楽しかったです。</a:t>
             </a:r>
             <a:endParaRPr kumimoji="1" lang="en-US" altLang="ja-JP" dirty="0"/>
           </a:p>
           <a:p>
             <a:r>
               <a:rPr kumimoji="1" lang="ja-JP" altLang="en-US" dirty="0"/>
-              <a:t>プログラミング講義以外で習った、ビジネスマナーや仕事をする上で必要な考え方などはしかっり学ぶことができたので、それだけでもこの研修は自分にとっていい影響を与えてくれました。</a:t>
-            </a:r>
+              <a:t>今後の目標は、失敗を恐れず、いろいろなことに挑戦し、いろいろなことを学び、立派なエンジニアになれるように頑張りたいです。</a:t>
+            </a:r>
+            <a:endParaRPr kumimoji="1" lang="en-US" altLang="ja-JP" dirty="0"/>
           </a:p>
         </p:txBody>
       </p:sp>
@@ -906,7 +913,7 @@
     </p:spTree>
     <p:extLst>
       <p:ext uri="{BB962C8B-B14F-4D97-AF65-F5344CB8AC3E}">
-        <p14:creationId xmlns:p14="http://schemas.microsoft.com/office/powerpoint/2010/main" val="4107838801"/>
+        <p14:creationId xmlns:p14="http://schemas.microsoft.com/office/powerpoint/2010/main" val="3883218015"/>
       </p:ext>
     </p:extLst>
   </p:cSld>
@@ -962,28 +969,37 @@
           <a:p>
             <a:r>
               <a:rPr kumimoji="1" lang="ja-JP" altLang="en-US" dirty="0"/>
-              <a:t>学生の頃は海ブドウの研究をしていたので、プログラミングの知識なんてものはほとんどありませんでした。</a:t>
-            </a:r>
-          </a:p>
-          <a:p>
-            <a:r>
-              <a:rPr kumimoji="1" lang="ja-JP" altLang="en-US" dirty="0"/>
-              <a:t>ほぼ０の状態からのスタートだったので、この研修を通して、</a:t>
-            </a:r>
-          </a:p>
-          <a:p>
-            <a:r>
-              <a:rPr kumimoji="1" lang="ja-JP" altLang="en-US" dirty="0"/>
-              <a:t>日々自分の成長を感じることができたのが非常にうれしく、楽しかったです。</a:t>
+              <a:t>照屋涼です。研修を終えての感想としましては、</a:t>
             </a:r>
             <a:endParaRPr kumimoji="1" lang="en-US" altLang="ja-JP" dirty="0"/>
           </a:p>
           <a:p>
             <a:r>
-              <a:rPr kumimoji="1" lang="ja-JP" altLang="en-US" dirty="0"/>
-              <a:t>今後の目標は、失敗を恐れず、いろいろなことに挑戦し、いろいろなことを学び、立派なエンジニアになれるように頑張りたいです。</a:t>
-            </a:r>
-            <a:endParaRPr kumimoji="1" lang="en-US" altLang="ja-JP" dirty="0"/>
+              <a:rPr kumimoji="1" lang="ja-JP" altLang="en-US" sz="1200" b="0" kern="1200" dirty="0">
+                <a:solidFill>
+                  <a:schemeClr val="tx1"/>
+                </a:solidFill>
+                <a:effectLst/>
+                <a:latin typeface="+mn-lt"/>
+                <a:ea typeface="+mn-ea"/>
+                <a:cs typeface="+mn-cs"/>
+              </a:rPr>
+              <a:t>グループ開発及び研修を通しての感想といたしましては、私自身、専門外の大学からこの業界に入り、プログラミングに関する知識も無く、０からのスタートでしたが、この研修を通して、プログラムの知識やマナー、勉強の仕方など様々なことを身に付け最初の頃よりかなり成長することができました。</a:t>
+            </a:r>
+          </a:p>
+          <a:p>
+            <a:r>
+              <a:rPr kumimoji="1" lang="ja-JP" altLang="en-US" sz="1200" b="0" kern="1200" dirty="0">
+                <a:solidFill>
+                  <a:schemeClr val="tx1"/>
+                </a:solidFill>
+                <a:effectLst/>
+                <a:latin typeface="+mn-lt"/>
+                <a:ea typeface="+mn-ea"/>
+                <a:cs typeface="+mn-cs"/>
+              </a:rPr>
+              <a:t>研修で得た知識を応用することに苦労した点もあり反省するべきところも多々ありますが、今後は適宜修正、成長しながら、私を研修に送り出してくれた会社に貢献していけるよう努めていきます。</a:t>
+            </a:r>
           </a:p>
         </p:txBody>
       </p:sp>
@@ -1013,7 +1029,7 @@
     </p:spTree>
     <p:extLst>
       <p:ext uri="{BB962C8B-B14F-4D97-AF65-F5344CB8AC3E}">
-        <p14:creationId xmlns:p14="http://schemas.microsoft.com/office/powerpoint/2010/main" val="3883218015"/>
+        <p14:creationId xmlns:p14="http://schemas.microsoft.com/office/powerpoint/2010/main" val="2485768677"/>
       </p:ext>
     </p:extLst>
   </p:cSld>
@@ -6392,8 +6408,8 @@
         </p:nvSpPr>
         <p:spPr>
           <a:xfrm>
-            <a:off x="130629" y="1524000"/>
-            <a:ext cx="5203371" cy="2286000"/>
+            <a:off x="130629" y="1664210"/>
+            <a:ext cx="5203371" cy="926592"/>
           </a:xfrm>
         </p:spPr>
         <p:txBody>
@@ -6441,25 +6457,66 @@
         </p:nvSpPr>
         <p:spPr>
           <a:xfrm>
-            <a:off x="762000" y="4571999"/>
-            <a:ext cx="4572000" cy="1524000"/>
+            <a:off x="446314" y="3060196"/>
+            <a:ext cx="4247606" cy="3572252"/>
           </a:xfrm>
         </p:spPr>
         <p:txBody>
           <a:bodyPr>
-            <a:normAutofit/>
+            <a:normAutofit fontScale="92500" lnSpcReduction="20000"/>
           </a:bodyPr>
           <a:lstStyle/>
           <a:p>
             <a:pPr algn="l"/>
             <a:r>
-              <a:rPr kumimoji="1" lang="en-US" altLang="ja-JP" dirty="0"/>
+              <a:rPr kumimoji="1" lang="en-US" altLang="ja-JP" sz="3100" dirty="0"/>
               <a:t>D</a:t>
             </a:r>
             <a:r>
-              <a:rPr kumimoji="1" lang="ja-JP" altLang="en-US" dirty="0"/>
+              <a:rPr kumimoji="1" lang="ja-JP" altLang="en-US" sz="3100" dirty="0"/>
               <a:t>グループ</a:t>
             </a:r>
+            <a:endParaRPr kumimoji="1" lang="en-US" altLang="ja-JP" sz="3100" dirty="0"/>
+          </a:p>
+          <a:p>
+            <a:pPr algn="l"/>
+            <a:r>
+              <a:rPr kumimoji="1" lang="ja-JP" altLang="en-US" sz="3100" dirty="0"/>
+              <a:t>・宮城竜成</a:t>
+            </a:r>
+            <a:endParaRPr kumimoji="1" lang="en-US" altLang="ja-JP" sz="3100" dirty="0"/>
+          </a:p>
+          <a:p>
+            <a:pPr algn="l"/>
+            <a:r>
+              <a:rPr kumimoji="1" lang="ja-JP" altLang="en-US" sz="3100" dirty="0"/>
+              <a:t>・照屋涼</a:t>
+            </a:r>
+            <a:endParaRPr kumimoji="1" lang="en-US" altLang="ja-JP" sz="3100" dirty="0"/>
+          </a:p>
+          <a:p>
+            <a:pPr algn="l"/>
+            <a:r>
+              <a:rPr kumimoji="1" lang="ja-JP" altLang="en-US" sz="3100" dirty="0"/>
+              <a:t>・大城一馬</a:t>
+            </a:r>
+            <a:endParaRPr kumimoji="1" lang="en-US" altLang="ja-JP" sz="3100" dirty="0"/>
+          </a:p>
+          <a:p>
+            <a:pPr algn="l"/>
+            <a:r>
+              <a:rPr kumimoji="1" lang="ja-JP" altLang="en-US" sz="3100" dirty="0"/>
+              <a:t>・天願陽聖</a:t>
+            </a:r>
+            <a:endParaRPr kumimoji="1" lang="en-US" altLang="ja-JP" sz="3100" dirty="0"/>
+          </a:p>
+          <a:p>
+            <a:pPr algn="l"/>
+            <a:r>
+              <a:rPr kumimoji="1" lang="ja-JP" altLang="en-US" sz="3100" dirty="0"/>
+              <a:t>・天願大河</a:t>
+            </a:r>
+            <a:endParaRPr kumimoji="1" lang="ja-JP" altLang="en-US" dirty="0"/>
           </a:p>
         </p:txBody>
       </p:sp>
@@ -6597,7 +6654,7 @@
           <p:cNvPr id="2" name="タイトル 1">
             <a:extLst>
               <a:ext uri="{FF2B5EF4-FFF2-40B4-BE49-F238E27FC236}">
-                <a16:creationId xmlns:a16="http://schemas.microsoft.com/office/drawing/2014/main" id="{5276997B-B1F7-4F72-81B9-5A2796555753}"/>
+                <a16:creationId xmlns:a16="http://schemas.microsoft.com/office/drawing/2014/main" id="{6B9E7D6C-03FE-436A-8A76-BD59F1DFDF72}"/>
               </a:ext>
             </a:extLst>
           </p:cNvPr>
@@ -6615,7 +6672,7 @@
           <a:p>
             <a:r>
               <a:rPr kumimoji="1" lang="ja-JP" altLang="en-US" dirty="0"/>
-              <a:t>研修を終えての感想（照屋涼）</a:t>
+              <a:t>研修を終えての感想（天願陽聖）</a:t>
             </a:r>
           </a:p>
         </p:txBody>
@@ -6625,7 +6682,7 @@
           <p:cNvPr id="3" name="コンテンツ プレースホルダー 2">
             <a:extLst>
               <a:ext uri="{FF2B5EF4-FFF2-40B4-BE49-F238E27FC236}">
-                <a16:creationId xmlns:a16="http://schemas.microsoft.com/office/drawing/2014/main" id="{B0298E07-189B-411A-A3FD-FD3A57E080BD}"/>
+                <a16:creationId xmlns:a16="http://schemas.microsoft.com/office/drawing/2014/main" id="{B535D103-E5FA-467C-90A3-165903AD9985}"/>
               </a:ext>
             </a:extLst>
           </p:cNvPr>
@@ -6646,7 +6703,7 @@
           <a:p>
             <a:r>
               <a:rPr kumimoji="1" lang="ja-JP" altLang="en-US" dirty="0"/>
-              <a:t>自身の成長について</a:t>
+              <a:t>ビジネスマナー</a:t>
             </a:r>
             <a:endParaRPr kumimoji="1" lang="en-US" altLang="ja-JP" dirty="0"/>
           </a:p>
@@ -6656,7 +6713,7 @@
           <a:p>
             <a:r>
               <a:rPr kumimoji="1" lang="ja-JP" altLang="en-US" dirty="0"/>
-              <a:t>今後について</a:t>
+              <a:t>仕事をする上での必要な考え方、必要な技術</a:t>
             </a:r>
           </a:p>
         </p:txBody>
@@ -6664,7 +6721,7 @@
     </p:spTree>
     <p:extLst>
       <p:ext uri="{BB962C8B-B14F-4D97-AF65-F5344CB8AC3E}">
-        <p14:creationId xmlns:p14="http://schemas.microsoft.com/office/powerpoint/2010/main" val="4045891562"/>
+        <p14:creationId xmlns:p14="http://schemas.microsoft.com/office/powerpoint/2010/main" val="3470410322"/>
       </p:ext>
     </p:extLst>
   </p:cSld>
@@ -6696,7 +6753,7 @@
           <p:cNvPr id="2" name="タイトル 1">
             <a:extLst>
               <a:ext uri="{FF2B5EF4-FFF2-40B4-BE49-F238E27FC236}">
-                <a16:creationId xmlns:a16="http://schemas.microsoft.com/office/drawing/2014/main" id="{6B9E7D6C-03FE-436A-8A76-BD59F1DFDF72}"/>
+                <a16:creationId xmlns:a16="http://schemas.microsoft.com/office/drawing/2014/main" id="{04AFBAB6-5784-48A0-A0F9-F5464257D04E}"/>
               </a:ext>
             </a:extLst>
           </p:cNvPr>
@@ -6714,7 +6771,7 @@
           <a:p>
             <a:r>
               <a:rPr kumimoji="1" lang="ja-JP" altLang="en-US" dirty="0"/>
-              <a:t>研修を終えての感想（天願陽聖）</a:t>
+              <a:t>研修を終えての感想（天願大河）</a:t>
             </a:r>
           </a:p>
         </p:txBody>
@@ -6724,7 +6781,7 @@
           <p:cNvPr id="3" name="コンテンツ プレースホルダー 2">
             <a:extLst>
               <a:ext uri="{FF2B5EF4-FFF2-40B4-BE49-F238E27FC236}">
-                <a16:creationId xmlns:a16="http://schemas.microsoft.com/office/drawing/2014/main" id="{B535D103-E5FA-467C-90A3-165903AD9985}"/>
+                <a16:creationId xmlns:a16="http://schemas.microsoft.com/office/drawing/2014/main" id="{4D39B51B-463F-4727-811A-FAB99BD58730}"/>
               </a:ext>
             </a:extLst>
           </p:cNvPr>
@@ -6737,25 +6794,37 @@
         </p:nvSpPr>
         <p:spPr/>
         <p:txBody>
-          <a:bodyPr/>
-          <a:lstStyle/>
-          <a:p>
+          <a:bodyPr>
+            <a:normAutofit/>
+          </a:bodyPr>
+          <a:lstStyle/>
+          <a:p>
+            <a:r>
+              <a:rPr kumimoji="1" lang="ja-JP" altLang="en-US" dirty="0"/>
+              <a:t>ゲームバランスを考える事の難しさ</a:t>
+            </a:r>
             <a:endParaRPr kumimoji="1" lang="en-US" altLang="ja-JP" dirty="0"/>
           </a:p>
           <a:p>
-            <a:r>
-              <a:rPr kumimoji="1" lang="ja-JP" altLang="en-US" dirty="0"/>
-              <a:t>ビジネスマナー</a:t>
-            </a:r>
+            <a:pPr marL="0" indent="0">
+              <a:buNone/>
+            </a:pPr>
             <a:endParaRPr kumimoji="1" lang="en-US" altLang="ja-JP" dirty="0"/>
           </a:p>
           <a:p>
+            <a:r>
+              <a:rPr kumimoji="1" lang="ja-JP" altLang="en-US" dirty="0"/>
+              <a:t>自身の成長</a:t>
+            </a:r>
             <a:endParaRPr kumimoji="1" lang="en-US" altLang="ja-JP" dirty="0"/>
           </a:p>
           <a:p>
-            <a:r>
-              <a:rPr kumimoji="1" lang="ja-JP" altLang="en-US" dirty="0"/>
-              <a:t>仕事をする上での必要な考え方、必要な技術</a:t>
+            <a:endParaRPr kumimoji="1" lang="en-US" altLang="ja-JP" dirty="0"/>
+          </a:p>
+          <a:p>
+            <a:r>
+              <a:rPr kumimoji="1" lang="ja-JP" altLang="en-US" dirty="0"/>
+              <a:t>立派なエンジニアになる</a:t>
             </a:r>
           </a:p>
         </p:txBody>
@@ -6763,7 +6832,7 @@
     </p:spTree>
     <p:extLst>
       <p:ext uri="{BB962C8B-B14F-4D97-AF65-F5344CB8AC3E}">
-        <p14:creationId xmlns:p14="http://schemas.microsoft.com/office/powerpoint/2010/main" val="3470410322"/>
+        <p14:creationId xmlns:p14="http://schemas.microsoft.com/office/powerpoint/2010/main" val="1158736267"/>
       </p:ext>
     </p:extLst>
   </p:cSld>
@@ -6795,7 +6864,7 @@
           <p:cNvPr id="2" name="タイトル 1">
             <a:extLst>
               <a:ext uri="{FF2B5EF4-FFF2-40B4-BE49-F238E27FC236}">
-                <a16:creationId xmlns:a16="http://schemas.microsoft.com/office/drawing/2014/main" id="{04AFBAB6-5784-48A0-A0F9-F5464257D04E}"/>
+                <a16:creationId xmlns:a16="http://schemas.microsoft.com/office/drawing/2014/main" id="{5276997B-B1F7-4F72-81B9-5A2796555753}"/>
               </a:ext>
             </a:extLst>
           </p:cNvPr>
@@ -6813,7 +6882,7 @@
           <a:p>
             <a:r>
               <a:rPr kumimoji="1" lang="ja-JP" altLang="en-US" dirty="0"/>
-              <a:t>研修を終えての感想（天願大河）</a:t>
+              <a:t>研修を終えての感想（照屋涼）</a:t>
             </a:r>
           </a:p>
         </p:txBody>
@@ -6823,7 +6892,7 @@
           <p:cNvPr id="3" name="コンテンツ プレースホルダー 2">
             <a:extLst>
               <a:ext uri="{FF2B5EF4-FFF2-40B4-BE49-F238E27FC236}">
-                <a16:creationId xmlns:a16="http://schemas.microsoft.com/office/drawing/2014/main" id="{4D39B51B-463F-4727-811A-FAB99BD58730}"/>
+                <a16:creationId xmlns:a16="http://schemas.microsoft.com/office/drawing/2014/main" id="{B0298E07-189B-411A-A3FD-FD3A57E080BD}"/>
               </a:ext>
             </a:extLst>
           </p:cNvPr>
@@ -6836,37 +6905,25 @@
         </p:nvSpPr>
         <p:spPr/>
         <p:txBody>
-          <a:bodyPr>
-            <a:normAutofit/>
-          </a:bodyPr>
-          <a:lstStyle/>
-          <a:p>
-            <a:r>
-              <a:rPr kumimoji="1" lang="ja-JP" altLang="en-US" dirty="0"/>
-              <a:t>ゲームバランスを考える事の難しさ</a:t>
-            </a:r>
+          <a:bodyPr/>
+          <a:lstStyle/>
+          <a:p>
             <a:endParaRPr kumimoji="1" lang="en-US" altLang="ja-JP" dirty="0"/>
           </a:p>
           <a:p>
-            <a:pPr marL="0" indent="0">
-              <a:buNone/>
-            </a:pPr>
+            <a:r>
+              <a:rPr kumimoji="1" lang="ja-JP" altLang="en-US" dirty="0"/>
+              <a:t>自身の成長について</a:t>
+            </a:r>
             <a:endParaRPr kumimoji="1" lang="en-US" altLang="ja-JP" dirty="0"/>
           </a:p>
           <a:p>
-            <a:r>
-              <a:rPr kumimoji="1" lang="ja-JP" altLang="en-US" dirty="0"/>
-              <a:t>自身の成長</a:t>
-            </a:r>
             <a:endParaRPr kumimoji="1" lang="en-US" altLang="ja-JP" dirty="0"/>
           </a:p>
           <a:p>
-            <a:endParaRPr kumimoji="1" lang="en-US" altLang="ja-JP" dirty="0"/>
-          </a:p>
-          <a:p>
-            <a:r>
-              <a:rPr kumimoji="1" lang="ja-JP" altLang="en-US" dirty="0"/>
-              <a:t>立派なエンジニアになる</a:t>
+            <a:r>
+              <a:rPr kumimoji="1" lang="ja-JP" altLang="en-US" dirty="0"/>
+              <a:t>今後について</a:t>
             </a:r>
           </a:p>
         </p:txBody>
@@ -6874,7 +6931,7 @@
     </p:spTree>
     <p:extLst>
       <p:ext uri="{BB962C8B-B14F-4D97-AF65-F5344CB8AC3E}">
-        <p14:creationId xmlns:p14="http://schemas.microsoft.com/office/powerpoint/2010/main" val="1158736267"/>
+        <p14:creationId xmlns:p14="http://schemas.microsoft.com/office/powerpoint/2010/main" val="4045891562"/>
       </p:ext>
     </p:extLst>
   </p:cSld>

--- a/発表資料.pptx
+++ b/発表資料.pptx
@@ -17,11 +17,11 @@
     <p:sldId id="262" r:id="rId8"/>
     <p:sldId id="276" r:id="rId9"/>
     <p:sldId id="270" r:id="rId10"/>
-    <p:sldId id="268" r:id="rId11"/>
-    <p:sldId id="273" r:id="rId12"/>
-    <p:sldId id="272" r:id="rId13"/>
-    <p:sldId id="271" r:id="rId14"/>
-    <p:sldId id="274" r:id="rId15"/>
+    <p:sldId id="274" r:id="rId11"/>
+    <p:sldId id="271" r:id="rId12"/>
+    <p:sldId id="268" r:id="rId13"/>
+    <p:sldId id="273" r:id="rId14"/>
+    <p:sldId id="272" r:id="rId15"/>
     <p:sldId id="275" r:id="rId16"/>
   </p:sldIdLst>
   <p:sldSz cx="12192000" cy="6858000"/>
@@ -669,20 +669,47 @@
           <a:p>
             <a:r>
               <a:rPr kumimoji="1" lang="ja-JP" altLang="en-US" dirty="0"/>
-              <a:t>大城一馬です。研修を終えての感想としましては、開発を行う際にメンバーとのコミュニケーションがすごく大事と感じました。</a:t>
-            </a:r>
-          </a:p>
-          <a:p>
-            <a:r>
-              <a:rPr kumimoji="1" lang="ja-JP" altLang="en-US" dirty="0"/>
-              <a:t>コミュニケーションが取れないと複数人で協力して行うプロジェクトで人間関係が悪化するだけではなく、技術的にわからないことの解決策、</a:t>
-            </a:r>
-          </a:p>
-          <a:p>
-            <a:r>
-              <a:rPr kumimoji="1" lang="ja-JP" altLang="en-US" dirty="0"/>
-              <a:t>スケージュールの管理を行う点としても進捗の把握を正確に行うためにとても大事なものであると学ぶことができました。</a:t>
-            </a:r>
+              <a:t>始まったころに比べると出来る事がとても増えたと感じていて、成長できたと思います。</a:t>
+            </a:r>
+            <a:endParaRPr kumimoji="1" lang="en-US" altLang="ja-JP" dirty="0"/>
+          </a:p>
+          <a:p>
+            <a:r>
+              <a:rPr kumimoji="1" lang="ja-JP" altLang="en-US" dirty="0"/>
+              <a:t>毎日学ぶのが楽しくて休みがいらなかったくらいです。</a:t>
+            </a:r>
+            <a:endParaRPr kumimoji="1" lang="en-US" altLang="ja-JP" dirty="0"/>
+          </a:p>
+          <a:p>
+            <a:r>
+              <a:rPr kumimoji="1" lang="ja-JP" altLang="en-US" dirty="0"/>
+              <a:t>グループ開発では学んでいないことを扱ったので完成できるか毎日不安でお仲が痛かったです。何とか完成させることが出来たので良かったです。</a:t>
+            </a:r>
+            <a:endParaRPr kumimoji="1" lang="en-US" altLang="ja-JP" dirty="0"/>
+          </a:p>
+          <a:p>
+            <a:r>
+              <a:rPr kumimoji="1" lang="ja-JP" altLang="en-US" dirty="0"/>
+              <a:t>しかし、みんなとも協力する事が出来てとても楽しく研修ができたと嬉しく思っています。</a:t>
+            </a:r>
+            <a:endParaRPr kumimoji="1" lang="en-US" altLang="ja-JP" dirty="0"/>
+          </a:p>
+          <a:p>
+            <a:r>
+              <a:rPr kumimoji="1" lang="ja-JP" altLang="en-US" dirty="0"/>
+              <a:t>そして技術だけではなくビジネスマナーなども学ばせていただき、学んだことを活かして職場でも成長できるように気持ちを切らさず頑張ります。</a:t>
+            </a:r>
+            <a:endParaRPr kumimoji="1" lang="en-US" altLang="ja-JP" dirty="0"/>
+          </a:p>
+          <a:p>
+            <a:r>
+              <a:rPr kumimoji="1" lang="ja-JP" altLang="en-US" dirty="0"/>
+              <a:t>以上です。</a:t>
+            </a:r>
+            <a:endParaRPr kumimoji="1" lang="en-US" altLang="ja-JP" dirty="0"/>
+          </a:p>
+          <a:p>
+            <a:endParaRPr kumimoji="1" lang="ja-JP" altLang="en-US" dirty="0"/>
           </a:p>
         </p:txBody>
       </p:sp>
@@ -712,7 +739,7 @@
     </p:spTree>
     <p:extLst>
       <p:ext uri="{BB962C8B-B14F-4D97-AF65-F5344CB8AC3E}">
-        <p14:creationId xmlns:p14="http://schemas.microsoft.com/office/powerpoint/2010/main" val="2685804076"/>
+        <p14:creationId xmlns:p14="http://schemas.microsoft.com/office/powerpoint/2010/main" val="4086160304"/>
       </p:ext>
     </p:extLst>
   </p:cSld>
@@ -768,14 +795,36 @@
           <a:p>
             <a:r>
               <a:rPr kumimoji="1" lang="ja-JP" altLang="en-US" dirty="0"/>
-              <a:t>研修を終えての感想としましては、私はこちらの研修でプログラミングの講義についていけず、ほかの研修生より、技術は劣っている状態ではありますが、</a:t>
+              <a:t>照屋涼です。研修を終えての感想としましては、</a:t>
             </a:r>
             <a:endParaRPr kumimoji="1" lang="en-US" altLang="ja-JP" dirty="0"/>
           </a:p>
           <a:p>
             <a:r>
-              <a:rPr kumimoji="1" lang="ja-JP" altLang="en-US" dirty="0"/>
-              <a:t>プログラミング講義以外で習った、ビジネスマナーや仕事をする上で必要な考え方などはしかっり学ぶことができたので、それだけでもこの研修は自分にとっていい影響を与えてくれました。</a:t>
+              <a:rPr kumimoji="1" lang="ja-JP" altLang="en-US" sz="1200" b="0" kern="1200" dirty="0">
+                <a:solidFill>
+                  <a:schemeClr val="tx1"/>
+                </a:solidFill>
+                <a:effectLst/>
+                <a:latin typeface="+mn-lt"/>
+                <a:ea typeface="+mn-ea"/>
+                <a:cs typeface="+mn-cs"/>
+              </a:rPr>
+              <a:t>グループ開発及び研修を通しての感想といたしましては、私自身、専門外の大学からこの業界に入り、プログラミングに関する知識も無く、０からのスタートでしたが、この研修を通して、プログラムの知識やマナー、勉強の仕方など様々なことを身に付け最初の頃よりかなり成長することができました。</a:t>
+            </a:r>
+          </a:p>
+          <a:p>
+            <a:r>
+              <a:rPr kumimoji="1" lang="ja-JP" altLang="en-US" sz="1200" b="0" kern="1200" dirty="0">
+                <a:solidFill>
+                  <a:schemeClr val="tx1"/>
+                </a:solidFill>
+                <a:effectLst/>
+                <a:latin typeface="+mn-lt"/>
+                <a:ea typeface="+mn-ea"/>
+                <a:cs typeface="+mn-cs"/>
+              </a:rPr>
+              <a:t>研修で得た知識を応用することに苦労した点もあり反省するべきところも多々ありますが、今後は適宜修正、成長しながら、私を研修に送り出してくれた会社に貢献していけるよう努めていきます。</a:t>
             </a:r>
           </a:p>
         </p:txBody>
@@ -806,7 +855,7 @@
     </p:spTree>
     <p:extLst>
       <p:ext uri="{BB962C8B-B14F-4D97-AF65-F5344CB8AC3E}">
-        <p14:creationId xmlns:p14="http://schemas.microsoft.com/office/powerpoint/2010/main" val="4107838801"/>
+        <p14:creationId xmlns:p14="http://schemas.microsoft.com/office/powerpoint/2010/main" val="2485768677"/>
       </p:ext>
     </p:extLst>
   </p:cSld>
@@ -862,28 +911,20 @@
           <a:p>
             <a:r>
               <a:rPr kumimoji="1" lang="ja-JP" altLang="en-US" dirty="0"/>
-              <a:t>学生の頃は海ブドウの研究をしていたので、プログラミングの知識なんてものはほとんどありませんでした。</a:t>
-            </a:r>
-          </a:p>
-          <a:p>
-            <a:r>
-              <a:rPr kumimoji="1" lang="ja-JP" altLang="en-US" dirty="0"/>
-              <a:t>ほぼ０の状態からのスタートだったので、この研修を通して、</a:t>
-            </a:r>
-          </a:p>
-          <a:p>
-            <a:r>
-              <a:rPr kumimoji="1" lang="ja-JP" altLang="en-US" dirty="0"/>
-              <a:t>日々自分の成長を感じることができたのが非常にうれしく、楽しかったです。</a:t>
-            </a:r>
-            <a:endParaRPr kumimoji="1" lang="en-US" altLang="ja-JP" dirty="0"/>
-          </a:p>
-          <a:p>
-            <a:r>
-              <a:rPr kumimoji="1" lang="ja-JP" altLang="en-US" dirty="0"/>
-              <a:t>今後の目標は、失敗を恐れず、いろいろなことに挑戦し、いろいろなことを学び、立派なエンジニアになれるように頑張りたいです。</a:t>
-            </a:r>
-            <a:endParaRPr kumimoji="1" lang="en-US" altLang="ja-JP" dirty="0"/>
+              <a:t>大城一馬です。研修を終えての感想としましては、開発を行う際にメンバーとのコミュニケーションがすごく大事と感じました。</a:t>
+            </a:r>
+          </a:p>
+          <a:p>
+            <a:r>
+              <a:rPr kumimoji="1" lang="ja-JP" altLang="en-US" dirty="0"/>
+              <a:t>コミュニケーションが取れないと複数人で協力して行うプロジェクトで人間関係が悪化するだけではなく、技術的にわからないことの解決策、</a:t>
+            </a:r>
+          </a:p>
+          <a:p>
+            <a:r>
+              <a:rPr kumimoji="1" lang="ja-JP" altLang="en-US" dirty="0"/>
+              <a:t>スケージュールの管理を行う点としても進捗の把握を正確に行うためにとても大事なものであると学ぶことができました。</a:t>
+            </a:r>
           </a:p>
         </p:txBody>
       </p:sp>
@@ -913,7 +954,7 @@
     </p:spTree>
     <p:extLst>
       <p:ext uri="{BB962C8B-B14F-4D97-AF65-F5344CB8AC3E}">
-        <p14:creationId xmlns:p14="http://schemas.microsoft.com/office/powerpoint/2010/main" val="3883218015"/>
+        <p14:creationId xmlns:p14="http://schemas.microsoft.com/office/powerpoint/2010/main" val="2685804076"/>
       </p:ext>
     </p:extLst>
   </p:cSld>
@@ -969,36 +1010,14 @@
           <a:p>
             <a:r>
               <a:rPr kumimoji="1" lang="ja-JP" altLang="en-US" dirty="0"/>
-              <a:t>照屋涼です。研修を終えての感想としましては、</a:t>
+              <a:t>研修を終えての感想としましては、私はこちらの研修でプログラミングの講義についていけず、ほかの研修生より、技術は劣っている状態ではありますが、</a:t>
             </a:r>
             <a:endParaRPr kumimoji="1" lang="en-US" altLang="ja-JP" dirty="0"/>
           </a:p>
           <a:p>
             <a:r>
-              <a:rPr kumimoji="1" lang="ja-JP" altLang="en-US" sz="1200" b="0" kern="1200" dirty="0">
-                <a:solidFill>
-                  <a:schemeClr val="tx1"/>
-                </a:solidFill>
-                <a:effectLst/>
-                <a:latin typeface="+mn-lt"/>
-                <a:ea typeface="+mn-ea"/>
-                <a:cs typeface="+mn-cs"/>
-              </a:rPr>
-              <a:t>グループ開発及び研修を通しての感想といたしましては、私自身、専門外の大学からこの業界に入り、プログラミングに関する知識も無く、０からのスタートでしたが、この研修を通して、プログラムの知識やマナー、勉強の仕方など様々なことを身に付け最初の頃よりかなり成長することができました。</a:t>
-            </a:r>
-          </a:p>
-          <a:p>
-            <a:r>
-              <a:rPr kumimoji="1" lang="ja-JP" altLang="en-US" sz="1200" b="0" kern="1200" dirty="0">
-                <a:solidFill>
-                  <a:schemeClr val="tx1"/>
-                </a:solidFill>
-                <a:effectLst/>
-                <a:latin typeface="+mn-lt"/>
-                <a:ea typeface="+mn-ea"/>
-                <a:cs typeface="+mn-cs"/>
-              </a:rPr>
-              <a:t>研修で得た知識を応用することに苦労した点もあり反省するべきところも多々ありますが、今後は適宜修正、成長しながら、私を研修に送り出してくれた会社に貢献していけるよう努めていきます。</a:t>
+              <a:rPr kumimoji="1" lang="ja-JP" altLang="en-US" dirty="0"/>
+              <a:t>プログラミング講義以外で習った、ビジネスマナーや仕事をする上で必要な考え方などはしかっり学ぶことができたので、それだけでもこの研修は自分にとっていい影響を与えてくれました。</a:t>
             </a:r>
           </a:p>
         </p:txBody>
@@ -1029,7 +1048,7 @@
     </p:spTree>
     <p:extLst>
       <p:ext uri="{BB962C8B-B14F-4D97-AF65-F5344CB8AC3E}">
-        <p14:creationId xmlns:p14="http://schemas.microsoft.com/office/powerpoint/2010/main" val="2485768677"/>
+        <p14:creationId xmlns:p14="http://schemas.microsoft.com/office/powerpoint/2010/main" val="4107838801"/>
       </p:ext>
     </p:extLst>
   </p:cSld>
@@ -1085,47 +1104,28 @@
           <a:p>
             <a:r>
               <a:rPr kumimoji="1" lang="ja-JP" altLang="en-US" dirty="0"/>
-              <a:t>始まったころに比べると出来る事がとても増えたと感じていて、成長できたと思います。</a:t>
+              <a:t>学生の頃は海ブドウの研究をしていたので、プログラミングの知識なんてものはほとんどありませんでした。</a:t>
+            </a:r>
+          </a:p>
+          <a:p>
+            <a:r>
+              <a:rPr kumimoji="1" lang="ja-JP" altLang="en-US" dirty="0"/>
+              <a:t>ほぼ０の状態からのスタートだったので、この研修を通して、</a:t>
+            </a:r>
+          </a:p>
+          <a:p>
+            <a:r>
+              <a:rPr kumimoji="1" lang="ja-JP" altLang="en-US" dirty="0"/>
+              <a:t>日々自分の成長を感じることができたのが非常にうれしく、楽しかったです。</a:t>
             </a:r>
             <a:endParaRPr kumimoji="1" lang="en-US" altLang="ja-JP" dirty="0"/>
           </a:p>
           <a:p>
             <a:r>
               <a:rPr kumimoji="1" lang="ja-JP" altLang="en-US" dirty="0"/>
-              <a:t>毎日学ぶのが楽しくて休みがいらなかったくらいです。</a:t>
+              <a:t>今後の目標は、失敗を恐れず、いろいろなことに挑戦し、いろいろなことを学び、立派なエンジニアになれるように頑張りたいです。</a:t>
             </a:r>
             <a:endParaRPr kumimoji="1" lang="en-US" altLang="ja-JP" dirty="0"/>
-          </a:p>
-          <a:p>
-            <a:r>
-              <a:rPr kumimoji="1" lang="ja-JP" altLang="en-US" dirty="0"/>
-              <a:t>グループ開発では学んでいないことを扱ったので完成できるか毎日不安でお仲が痛かったです。何とか完成させることが出来たので良かったです。</a:t>
-            </a:r>
-            <a:endParaRPr kumimoji="1" lang="en-US" altLang="ja-JP" dirty="0"/>
-          </a:p>
-          <a:p>
-            <a:r>
-              <a:rPr kumimoji="1" lang="ja-JP" altLang="en-US" dirty="0"/>
-              <a:t>しかし、みんなとも協力する事が出来てとても楽しく研修ができたと嬉しく思っています。</a:t>
-            </a:r>
-            <a:endParaRPr kumimoji="1" lang="en-US" altLang="ja-JP" dirty="0"/>
-          </a:p>
-          <a:p>
-            <a:r>
-              <a:rPr kumimoji="1" lang="ja-JP" altLang="en-US" dirty="0"/>
-              <a:t>そして技術だけではなくビジネスマナーなども学ばせていただき、学んだことを活かして職場でも成長できるように気持ちを切らさず頑張ります。</a:t>
-            </a:r>
-            <a:endParaRPr kumimoji="1" lang="en-US" altLang="ja-JP" dirty="0"/>
-          </a:p>
-          <a:p>
-            <a:r>
-              <a:rPr kumimoji="1" lang="ja-JP" altLang="en-US" dirty="0"/>
-              <a:t>以上です。</a:t>
-            </a:r>
-            <a:endParaRPr kumimoji="1" lang="en-US" altLang="ja-JP" dirty="0"/>
-          </a:p>
-          <a:p>
-            <a:endParaRPr kumimoji="1" lang="ja-JP" altLang="en-US" dirty="0"/>
           </a:p>
         </p:txBody>
       </p:sp>
@@ -1155,7 +1155,7 @@
     </p:spTree>
     <p:extLst>
       <p:ext uri="{BB962C8B-B14F-4D97-AF65-F5344CB8AC3E}">
-        <p14:creationId xmlns:p14="http://schemas.microsoft.com/office/powerpoint/2010/main" val="4086160304"/>
+        <p14:creationId xmlns:p14="http://schemas.microsoft.com/office/powerpoint/2010/main" val="3883218015"/>
       </p:ext>
     </p:extLst>
   </p:cSld>
@@ -6555,7 +6555,7 @@
           <p:cNvPr id="2" name="タイトル 1">
             <a:extLst>
               <a:ext uri="{FF2B5EF4-FFF2-40B4-BE49-F238E27FC236}">
-                <a16:creationId xmlns:a16="http://schemas.microsoft.com/office/drawing/2014/main" id="{9688E5F2-D137-477B-B824-E1DD6D8DD576}"/>
+                <a16:creationId xmlns:a16="http://schemas.microsoft.com/office/drawing/2014/main" id="{299FBEF6-00DF-4DD8-A4D4-62E2042ED2DB}"/>
               </a:ext>
             </a:extLst>
           </p:cNvPr>
@@ -6573,7 +6573,7 @@
           <a:p>
             <a:r>
               <a:rPr kumimoji="1" lang="ja-JP" altLang="en-US" dirty="0"/>
-              <a:t>研修を終えての感想（大城一馬）</a:t>
+              <a:t>研修を終えての感想（宮城竜成）</a:t>
             </a:r>
           </a:p>
         </p:txBody>
@@ -6583,7 +6583,7 @@
           <p:cNvPr id="3" name="コンテンツ プレースホルダー 2">
             <a:extLst>
               <a:ext uri="{FF2B5EF4-FFF2-40B4-BE49-F238E27FC236}">
-                <a16:creationId xmlns:a16="http://schemas.microsoft.com/office/drawing/2014/main" id="{8ADC1BE6-7A4E-4F1D-AE25-393ECAFEA1CD}"/>
+                <a16:creationId xmlns:a16="http://schemas.microsoft.com/office/drawing/2014/main" id="{CF618CF8-0F6E-4DA9-8A73-31655F94F1D3}"/>
               </a:ext>
             </a:extLst>
           </p:cNvPr>
@@ -6604,7 +6604,7 @@
           <a:p>
             <a:r>
               <a:rPr kumimoji="1" lang="ja-JP" altLang="en-US" dirty="0"/>
-              <a:t>スケジュール管理の難しさ</a:t>
+              <a:t>成長する事が出来た</a:t>
             </a:r>
             <a:endParaRPr kumimoji="1" lang="en-US" altLang="ja-JP" dirty="0"/>
           </a:p>
@@ -6614,7 +6614,7 @@
           <a:p>
             <a:r>
               <a:rPr kumimoji="1" lang="ja-JP" altLang="en-US" dirty="0"/>
-              <a:t>コミュニケーションの大事さ</a:t>
+              <a:t>社会人としてのマナーが身についた</a:t>
             </a:r>
           </a:p>
         </p:txBody>
@@ -6622,7 +6622,7 @@
     </p:spTree>
     <p:extLst>
       <p:ext uri="{BB962C8B-B14F-4D97-AF65-F5344CB8AC3E}">
-        <p14:creationId xmlns:p14="http://schemas.microsoft.com/office/powerpoint/2010/main" val="2836958726"/>
+        <p14:creationId xmlns:p14="http://schemas.microsoft.com/office/powerpoint/2010/main" val="1812798798"/>
       </p:ext>
     </p:extLst>
   </p:cSld>
@@ -6654,7 +6654,7 @@
           <p:cNvPr id="2" name="タイトル 1">
             <a:extLst>
               <a:ext uri="{FF2B5EF4-FFF2-40B4-BE49-F238E27FC236}">
-                <a16:creationId xmlns:a16="http://schemas.microsoft.com/office/drawing/2014/main" id="{6B9E7D6C-03FE-436A-8A76-BD59F1DFDF72}"/>
+                <a16:creationId xmlns:a16="http://schemas.microsoft.com/office/drawing/2014/main" id="{5276997B-B1F7-4F72-81B9-5A2796555753}"/>
               </a:ext>
             </a:extLst>
           </p:cNvPr>
@@ -6672,7 +6672,7 @@
           <a:p>
             <a:r>
               <a:rPr kumimoji="1" lang="ja-JP" altLang="en-US" dirty="0"/>
-              <a:t>研修を終えての感想（天願陽聖）</a:t>
+              <a:t>研修を終えての感想（照屋涼）</a:t>
             </a:r>
           </a:p>
         </p:txBody>
@@ -6682,7 +6682,7 @@
           <p:cNvPr id="3" name="コンテンツ プレースホルダー 2">
             <a:extLst>
               <a:ext uri="{FF2B5EF4-FFF2-40B4-BE49-F238E27FC236}">
-                <a16:creationId xmlns:a16="http://schemas.microsoft.com/office/drawing/2014/main" id="{B535D103-E5FA-467C-90A3-165903AD9985}"/>
+                <a16:creationId xmlns:a16="http://schemas.microsoft.com/office/drawing/2014/main" id="{B0298E07-189B-411A-A3FD-FD3A57E080BD}"/>
               </a:ext>
             </a:extLst>
           </p:cNvPr>
@@ -6703,7 +6703,7 @@
           <a:p>
             <a:r>
               <a:rPr kumimoji="1" lang="ja-JP" altLang="en-US" dirty="0"/>
-              <a:t>ビジネスマナー</a:t>
+              <a:t>自身の成長について</a:t>
             </a:r>
             <a:endParaRPr kumimoji="1" lang="en-US" altLang="ja-JP" dirty="0"/>
           </a:p>
@@ -6713,7 +6713,7 @@
           <a:p>
             <a:r>
               <a:rPr kumimoji="1" lang="ja-JP" altLang="en-US" dirty="0"/>
-              <a:t>仕事をする上での必要な考え方、必要な技術</a:t>
+              <a:t>今後について</a:t>
             </a:r>
           </a:p>
         </p:txBody>
@@ -6721,7 +6721,7 @@
     </p:spTree>
     <p:extLst>
       <p:ext uri="{BB962C8B-B14F-4D97-AF65-F5344CB8AC3E}">
-        <p14:creationId xmlns:p14="http://schemas.microsoft.com/office/powerpoint/2010/main" val="3470410322"/>
+        <p14:creationId xmlns:p14="http://schemas.microsoft.com/office/powerpoint/2010/main" val="4045891562"/>
       </p:ext>
     </p:extLst>
   </p:cSld>
@@ -6753,7 +6753,7 @@
           <p:cNvPr id="2" name="タイトル 1">
             <a:extLst>
               <a:ext uri="{FF2B5EF4-FFF2-40B4-BE49-F238E27FC236}">
-                <a16:creationId xmlns:a16="http://schemas.microsoft.com/office/drawing/2014/main" id="{04AFBAB6-5784-48A0-A0F9-F5464257D04E}"/>
+                <a16:creationId xmlns:a16="http://schemas.microsoft.com/office/drawing/2014/main" id="{9688E5F2-D137-477B-B824-E1DD6D8DD576}"/>
               </a:ext>
             </a:extLst>
           </p:cNvPr>
@@ -6771,7 +6771,7 @@
           <a:p>
             <a:r>
               <a:rPr kumimoji="1" lang="ja-JP" altLang="en-US" dirty="0"/>
-              <a:t>研修を終えての感想（天願大河）</a:t>
+              <a:t>研修を終えての感想（大城一馬）</a:t>
             </a:r>
           </a:p>
         </p:txBody>
@@ -6781,7 +6781,7 @@
           <p:cNvPr id="3" name="コンテンツ プレースホルダー 2">
             <a:extLst>
               <a:ext uri="{FF2B5EF4-FFF2-40B4-BE49-F238E27FC236}">
-                <a16:creationId xmlns:a16="http://schemas.microsoft.com/office/drawing/2014/main" id="{4D39B51B-463F-4727-811A-FAB99BD58730}"/>
+                <a16:creationId xmlns:a16="http://schemas.microsoft.com/office/drawing/2014/main" id="{8ADC1BE6-7A4E-4F1D-AE25-393ECAFEA1CD}"/>
               </a:ext>
             </a:extLst>
           </p:cNvPr>
@@ -6794,37 +6794,25 @@
         </p:nvSpPr>
         <p:spPr/>
         <p:txBody>
-          <a:bodyPr>
-            <a:normAutofit/>
-          </a:bodyPr>
-          <a:lstStyle/>
-          <a:p>
-            <a:r>
-              <a:rPr kumimoji="1" lang="ja-JP" altLang="en-US" dirty="0"/>
-              <a:t>ゲームバランスを考える事の難しさ</a:t>
-            </a:r>
+          <a:bodyPr/>
+          <a:lstStyle/>
+          <a:p>
             <a:endParaRPr kumimoji="1" lang="en-US" altLang="ja-JP" dirty="0"/>
           </a:p>
           <a:p>
-            <a:pPr marL="0" indent="0">
-              <a:buNone/>
-            </a:pPr>
+            <a:r>
+              <a:rPr kumimoji="1" lang="ja-JP" altLang="en-US" dirty="0"/>
+              <a:t>スケジュール管理の難しさ</a:t>
+            </a:r>
             <a:endParaRPr kumimoji="1" lang="en-US" altLang="ja-JP" dirty="0"/>
           </a:p>
           <a:p>
-            <a:r>
-              <a:rPr kumimoji="1" lang="ja-JP" altLang="en-US" dirty="0"/>
-              <a:t>自身の成長</a:t>
-            </a:r>
             <a:endParaRPr kumimoji="1" lang="en-US" altLang="ja-JP" dirty="0"/>
           </a:p>
           <a:p>
-            <a:endParaRPr kumimoji="1" lang="en-US" altLang="ja-JP" dirty="0"/>
-          </a:p>
-          <a:p>
-            <a:r>
-              <a:rPr kumimoji="1" lang="ja-JP" altLang="en-US" dirty="0"/>
-              <a:t>立派なエンジニアになる</a:t>
+            <a:r>
+              <a:rPr kumimoji="1" lang="ja-JP" altLang="en-US" dirty="0"/>
+              <a:t>コミュニケーションの大事さ</a:t>
             </a:r>
           </a:p>
         </p:txBody>
@@ -6832,7 +6820,7 @@
     </p:spTree>
     <p:extLst>
       <p:ext uri="{BB962C8B-B14F-4D97-AF65-F5344CB8AC3E}">
-        <p14:creationId xmlns:p14="http://schemas.microsoft.com/office/powerpoint/2010/main" val="1158736267"/>
+        <p14:creationId xmlns:p14="http://schemas.microsoft.com/office/powerpoint/2010/main" val="2836958726"/>
       </p:ext>
     </p:extLst>
   </p:cSld>
@@ -6864,7 +6852,7 @@
           <p:cNvPr id="2" name="タイトル 1">
             <a:extLst>
               <a:ext uri="{FF2B5EF4-FFF2-40B4-BE49-F238E27FC236}">
-                <a16:creationId xmlns:a16="http://schemas.microsoft.com/office/drawing/2014/main" id="{5276997B-B1F7-4F72-81B9-5A2796555753}"/>
+                <a16:creationId xmlns:a16="http://schemas.microsoft.com/office/drawing/2014/main" id="{6B9E7D6C-03FE-436A-8A76-BD59F1DFDF72}"/>
               </a:ext>
             </a:extLst>
           </p:cNvPr>
@@ -6882,7 +6870,7 @@
           <a:p>
             <a:r>
               <a:rPr kumimoji="1" lang="ja-JP" altLang="en-US" dirty="0"/>
-              <a:t>研修を終えての感想（照屋涼）</a:t>
+              <a:t>研修を終えての感想（天願陽聖）</a:t>
             </a:r>
           </a:p>
         </p:txBody>
@@ -6892,7 +6880,7 @@
           <p:cNvPr id="3" name="コンテンツ プレースホルダー 2">
             <a:extLst>
               <a:ext uri="{FF2B5EF4-FFF2-40B4-BE49-F238E27FC236}">
-                <a16:creationId xmlns:a16="http://schemas.microsoft.com/office/drawing/2014/main" id="{B0298E07-189B-411A-A3FD-FD3A57E080BD}"/>
+                <a16:creationId xmlns:a16="http://schemas.microsoft.com/office/drawing/2014/main" id="{B535D103-E5FA-467C-90A3-165903AD9985}"/>
               </a:ext>
             </a:extLst>
           </p:cNvPr>
@@ -6913,7 +6901,7 @@
           <a:p>
             <a:r>
               <a:rPr kumimoji="1" lang="ja-JP" altLang="en-US" dirty="0"/>
-              <a:t>自身の成長について</a:t>
+              <a:t>ビジネスマナー</a:t>
             </a:r>
             <a:endParaRPr kumimoji="1" lang="en-US" altLang="ja-JP" dirty="0"/>
           </a:p>
@@ -6923,7 +6911,7 @@
           <a:p>
             <a:r>
               <a:rPr kumimoji="1" lang="ja-JP" altLang="en-US" dirty="0"/>
-              <a:t>今後について</a:t>
+              <a:t>仕事をする上での必要な考え方、必要な技術</a:t>
             </a:r>
           </a:p>
         </p:txBody>
@@ -6931,7 +6919,7 @@
     </p:spTree>
     <p:extLst>
       <p:ext uri="{BB962C8B-B14F-4D97-AF65-F5344CB8AC3E}">
-        <p14:creationId xmlns:p14="http://schemas.microsoft.com/office/powerpoint/2010/main" val="4045891562"/>
+        <p14:creationId xmlns:p14="http://schemas.microsoft.com/office/powerpoint/2010/main" val="3470410322"/>
       </p:ext>
     </p:extLst>
   </p:cSld>
@@ -6963,7 +6951,7 @@
           <p:cNvPr id="2" name="タイトル 1">
             <a:extLst>
               <a:ext uri="{FF2B5EF4-FFF2-40B4-BE49-F238E27FC236}">
-                <a16:creationId xmlns:a16="http://schemas.microsoft.com/office/drawing/2014/main" id="{299FBEF6-00DF-4DD8-A4D4-62E2042ED2DB}"/>
+                <a16:creationId xmlns:a16="http://schemas.microsoft.com/office/drawing/2014/main" id="{04AFBAB6-5784-48A0-A0F9-F5464257D04E}"/>
               </a:ext>
             </a:extLst>
           </p:cNvPr>
@@ -6981,7 +6969,7 @@
           <a:p>
             <a:r>
               <a:rPr kumimoji="1" lang="ja-JP" altLang="en-US" dirty="0"/>
-              <a:t>研修を終えての感想（宮城竜成）</a:t>
+              <a:t>研修を終えての感想（天願大河）</a:t>
             </a:r>
           </a:p>
         </p:txBody>
@@ -6991,7 +6979,7 @@
           <p:cNvPr id="3" name="コンテンツ プレースホルダー 2">
             <a:extLst>
               <a:ext uri="{FF2B5EF4-FFF2-40B4-BE49-F238E27FC236}">
-                <a16:creationId xmlns:a16="http://schemas.microsoft.com/office/drawing/2014/main" id="{CF618CF8-0F6E-4DA9-8A73-31655F94F1D3}"/>
+                <a16:creationId xmlns:a16="http://schemas.microsoft.com/office/drawing/2014/main" id="{4D39B51B-463F-4727-811A-FAB99BD58730}"/>
               </a:ext>
             </a:extLst>
           </p:cNvPr>
@@ -7004,25 +6992,37 @@
         </p:nvSpPr>
         <p:spPr/>
         <p:txBody>
-          <a:bodyPr/>
-          <a:lstStyle/>
-          <a:p>
+          <a:bodyPr>
+            <a:normAutofit/>
+          </a:bodyPr>
+          <a:lstStyle/>
+          <a:p>
+            <a:r>
+              <a:rPr kumimoji="1" lang="ja-JP" altLang="en-US" dirty="0"/>
+              <a:t>ゲームバランスを考える事の難しさ</a:t>
+            </a:r>
             <a:endParaRPr kumimoji="1" lang="en-US" altLang="ja-JP" dirty="0"/>
           </a:p>
           <a:p>
-            <a:r>
-              <a:rPr kumimoji="1" lang="ja-JP" altLang="en-US" dirty="0"/>
-              <a:t>成長する事が出来た</a:t>
-            </a:r>
+            <a:pPr marL="0" indent="0">
+              <a:buNone/>
+            </a:pPr>
             <a:endParaRPr kumimoji="1" lang="en-US" altLang="ja-JP" dirty="0"/>
           </a:p>
           <a:p>
+            <a:r>
+              <a:rPr kumimoji="1" lang="ja-JP" altLang="en-US" dirty="0"/>
+              <a:t>自身の成長</a:t>
+            </a:r>
             <a:endParaRPr kumimoji="1" lang="en-US" altLang="ja-JP" dirty="0"/>
           </a:p>
           <a:p>
-            <a:r>
-              <a:rPr kumimoji="1" lang="ja-JP" altLang="en-US" dirty="0"/>
-              <a:t>社会人としてのマナーが身についた</a:t>
+            <a:endParaRPr kumimoji="1" lang="en-US" altLang="ja-JP" dirty="0"/>
+          </a:p>
+          <a:p>
+            <a:r>
+              <a:rPr kumimoji="1" lang="ja-JP" altLang="en-US" dirty="0"/>
+              <a:t>立派なエンジニアになる</a:t>
             </a:r>
           </a:p>
         </p:txBody>
@@ -7030,7 +7030,7 @@
     </p:spTree>
     <p:extLst>
       <p:ext uri="{BB962C8B-B14F-4D97-AF65-F5344CB8AC3E}">
-        <p14:creationId xmlns:p14="http://schemas.microsoft.com/office/powerpoint/2010/main" val="1812798798"/>
+        <p14:creationId xmlns:p14="http://schemas.microsoft.com/office/powerpoint/2010/main" val="1158736267"/>
       </p:ext>
     </p:extLst>
   </p:cSld>
@@ -7872,8 +7872,12 @@
           </a:p>
           <a:p>
             <a:r>
-              <a:rPr kumimoji="1" lang="ja-JP" altLang="en-US" dirty="0"/>
-              <a:t>しかし、予定通りには作業を進められなかった</a:t>
+              <a:rPr kumimoji="1" lang="ja-JP" altLang="en-US"/>
+              <a:t>予定</a:t>
+            </a:r>
+            <a:r>
+              <a:rPr kumimoji="1" lang="ja-JP" altLang="en-US" dirty="0"/>
+              <a:t>通りには作業を進められなかった</a:t>
             </a:r>
             <a:endParaRPr kumimoji="1" lang="en-US" altLang="ja-JP" dirty="0"/>
           </a:p>

--- a/発表資料.pptx
+++ b/発表資料.pptx
@@ -7872,12 +7872,8 @@
           </a:p>
           <a:p>
             <a:r>
-              <a:rPr kumimoji="1" lang="ja-JP" altLang="en-US"/>
-              <a:t>予定</a:t>
-            </a:r>
-            <a:r>
-              <a:rPr kumimoji="1" lang="ja-JP" altLang="en-US" dirty="0"/>
-              <a:t>通りには作業を進められなかった</a:t>
+              <a:rPr kumimoji="1" lang="ja-JP" altLang="en-US" dirty="0"/>
+              <a:t>予定通りには作業を進められなかった</a:t>
             </a:r>
             <a:endParaRPr kumimoji="1" lang="en-US" altLang="ja-JP" dirty="0"/>
           </a:p>
@@ -7887,7 +7883,7 @@
             </a:pPr>
             <a:r>
               <a:rPr kumimoji="1" lang="ja-JP" altLang="en-US" dirty="0"/>
-              <a:t>　（ブラックジャック・必殺技等）。</a:t>
+              <a:t>　（ブラックジャック・必殺技等）</a:t>
             </a:r>
             <a:endParaRPr kumimoji="1" lang="en-US" altLang="ja-JP" dirty="0"/>
           </a:p>

--- a/発表資料.pptx
+++ b/発表資料.pptx
@@ -214,7 +214,7 @@
           <a:p>
             <a:fld id="{10935577-1A92-4EF2-A9DD-97FD6FA44B2C}" type="datetimeFigureOut">
               <a:rPr kumimoji="1" lang="ja-JP" altLang="en-US" smtClean="0"/>
-              <a:t>2020/6/29</a:t>
+              <a:t>2020/6/30</a:t>
             </a:fld>
             <a:endParaRPr kumimoji="1" lang="ja-JP" altLang="en-US"/>
           </a:p>
@@ -911,20 +911,53 @@
           <a:p>
             <a:r>
               <a:rPr kumimoji="1" lang="ja-JP" altLang="en-US" dirty="0"/>
-              <a:t>大城一馬です。研修を終えての感想としましては、開発を行う際にメンバーとのコミュニケーションがすごく大事と感じました。</a:t>
-            </a:r>
-          </a:p>
-          <a:p>
-            <a:r>
-              <a:rPr kumimoji="1" lang="ja-JP" altLang="en-US" dirty="0"/>
-              <a:t>コミュニケーションが取れないと複数人で協力して行うプロジェクトで人間関係が悪化するだけではなく、技術的にわからないことの解決策、</a:t>
-            </a:r>
-          </a:p>
-          <a:p>
-            <a:r>
-              <a:rPr kumimoji="1" lang="ja-JP" altLang="en-US" dirty="0"/>
-              <a:t>スケージュールの管理を行う点としても進捗の把握を正確に行うためにとても大事なものであると学ぶことができました。</a:t>
-            </a:r>
+              <a:t>私大城の研修を終えての感想としまして、以下の</a:t>
+            </a:r>
+            <a:r>
+              <a:rPr kumimoji="1" lang="en-US" altLang="ja-JP" dirty="0"/>
+              <a:t>2</a:t>
+            </a:r>
+            <a:r>
+              <a:rPr kumimoji="1" lang="ja-JP" altLang="en-US" dirty="0"/>
+              <a:t>点を大きく感じました。</a:t>
+            </a:r>
+          </a:p>
+          <a:p>
+            <a:r>
+              <a:rPr kumimoji="1" lang="ja-JP" altLang="en-US" dirty="0"/>
+              <a:t>まず一点目はスケジュール管理の難しさです。</a:t>
+            </a:r>
+          </a:p>
+          <a:p>
+            <a:r>
+              <a:rPr kumimoji="1" lang="ja-JP" altLang="en-US" dirty="0"/>
+              <a:t>スケジュールの制作をしっかりと行わないと、いつまでにどこまで完了させればいいのかなど、締め切りがわからなくなり、メンバーのモチベーションや進捗を管理でないと感じました。</a:t>
+            </a:r>
+          </a:p>
+          <a:p>
+            <a:r>
+              <a:rPr kumimoji="1" lang="en-US" altLang="ja-JP" dirty="0"/>
+              <a:t>2</a:t>
+            </a:r>
+            <a:r>
+              <a:rPr kumimoji="1" lang="ja-JP" altLang="en-US" dirty="0"/>
+              <a:t>点目にコミュニケーションの大事さです。</a:t>
+            </a:r>
+          </a:p>
+          <a:p>
+            <a:r>
+              <a:rPr kumimoji="1" lang="ja-JP" altLang="en-US" dirty="0"/>
+              <a:t>理由としましては、複数人で作業を行うプロジェクトでは、コミュニケーションがしっかりとれないと人間関係が悪くなったり、先ほど挙げたスケジュールの管理の点で、共有することができず、プロジェクトの失敗につながる可能性があるので以上の</a:t>
+            </a:r>
+            <a:r>
+              <a:rPr kumimoji="1" lang="en-US" altLang="ja-JP" dirty="0"/>
+              <a:t>2</a:t>
+            </a:r>
+            <a:r>
+              <a:rPr kumimoji="1" lang="ja-JP" altLang="en-US"/>
+              <a:t>点が大事と考えました。</a:t>
+            </a:r>
+            <a:endParaRPr kumimoji="1" lang="ja-JP" altLang="en-US" dirty="0"/>
           </a:p>
         </p:txBody>
       </p:sp>
@@ -2424,7 +2457,7 @@
           <a:p>
             <a:fld id="{76969C88-B244-455D-A017-012B25B1ACDD}" type="datetimeFigureOut">
               <a:rPr lang="en-US" smtClean="0"/>
-              <a:t>6/29/2020</a:t>
+              <a:t>6/30/2020</a:t>
             </a:fld>
             <a:endParaRPr lang="en-US"/>
           </a:p>
@@ -2622,7 +2655,7 @@
           <a:p>
             <a:fld id="{76969C88-B244-455D-A017-012B25B1ACDD}" type="datetimeFigureOut">
               <a:rPr lang="en-US" smtClean="0"/>
-              <a:t>6/29/2020</a:t>
+              <a:t>6/30/2020</a:t>
             </a:fld>
             <a:endParaRPr lang="en-US"/>
           </a:p>
@@ -2830,7 +2863,7 @@
           <a:p>
             <a:fld id="{76969C88-B244-455D-A017-012B25B1ACDD}" type="datetimeFigureOut">
               <a:rPr lang="en-US" smtClean="0"/>
-              <a:t>6/29/2020</a:t>
+              <a:t>6/30/2020</a:t>
             </a:fld>
             <a:endParaRPr lang="en-US"/>
           </a:p>
@@ -3029,7 +3062,7 @@
           <a:p>
             <a:fld id="{76969C88-B244-455D-A017-012B25B1ACDD}" type="datetimeFigureOut">
               <a:rPr lang="en-US" smtClean="0"/>
-              <a:t>6/29/2020</a:t>
+              <a:t>6/30/2020</a:t>
             </a:fld>
             <a:endParaRPr lang="en-US"/>
           </a:p>
@@ -3304,7 +3337,7 @@
           <a:p>
             <a:fld id="{76969C88-B244-455D-A017-012B25B1ACDD}" type="datetimeFigureOut">
               <a:rPr lang="en-US" smtClean="0"/>
-              <a:t>6/29/2020</a:t>
+              <a:t>6/30/2020</a:t>
             </a:fld>
             <a:endParaRPr lang="en-US"/>
           </a:p>
@@ -3569,7 +3602,7 @@
           <a:p>
             <a:fld id="{76969C88-B244-455D-A017-012B25B1ACDD}" type="datetimeFigureOut">
               <a:rPr lang="en-US" smtClean="0"/>
-              <a:t>6/29/2020</a:t>
+              <a:t>6/30/2020</a:t>
             </a:fld>
             <a:endParaRPr lang="en-US"/>
           </a:p>
@@ -3981,7 +4014,7 @@
           <a:p>
             <a:fld id="{76969C88-B244-455D-A017-012B25B1ACDD}" type="datetimeFigureOut">
               <a:rPr lang="en-US" smtClean="0"/>
-              <a:t>6/29/2020</a:t>
+              <a:t>6/30/2020</a:t>
             </a:fld>
             <a:endParaRPr lang="en-US"/>
           </a:p>
@@ -4122,7 +4155,7 @@
           <a:p>
             <a:fld id="{76969C88-B244-455D-A017-012B25B1ACDD}" type="datetimeFigureOut">
               <a:rPr lang="en-US" smtClean="0"/>
-              <a:t>6/29/2020</a:t>
+              <a:t>6/30/2020</a:t>
             </a:fld>
             <a:endParaRPr lang="en-US"/>
           </a:p>
@@ -4235,7 +4268,7 @@
           <a:p>
             <a:fld id="{76969C88-B244-455D-A017-012B25B1ACDD}" type="datetimeFigureOut">
               <a:rPr lang="en-US" smtClean="0"/>
-              <a:t>6/29/2020</a:t>
+              <a:t>6/30/2020</a:t>
             </a:fld>
             <a:endParaRPr lang="en-US"/>
           </a:p>
@@ -4547,7 +4580,7 @@
           <a:p>
             <a:fld id="{76969C88-B244-455D-A017-012B25B1ACDD}" type="datetimeFigureOut">
               <a:rPr lang="en-US" smtClean="0"/>
-              <a:t>6/29/2020</a:t>
+              <a:t>6/30/2020</a:t>
             </a:fld>
             <a:endParaRPr lang="en-US"/>
           </a:p>
@@ -4838,7 +4871,7 @@
           <a:p>
             <a:fld id="{76969C88-B244-455D-A017-012B25B1ACDD}" type="datetimeFigureOut">
               <a:rPr lang="en-US" smtClean="0"/>
-              <a:t>6/29/2020</a:t>
+              <a:t>6/30/2020</a:t>
             </a:fld>
             <a:endParaRPr lang="en-US"/>
           </a:p>
@@ -5594,7 +5627,7 @@
             <a:fld id="{76969C88-B244-455D-A017-012B25B1ACDD}" type="datetimeFigureOut">
               <a:rPr lang="en-US" smtClean="0"/>
               <a:pPr/>
-              <a:t>6/29/2020</a:t>
+              <a:t>6/30/2020</a:t>
             </a:fld>
             <a:endParaRPr lang="en-US"/>
           </a:p>

--- a/発表資料.pptx
+++ b/発表資料.pptx
@@ -559,13 +559,6 @@
           <a:p>
             <a:r>
               <a:rPr kumimoji="1" lang="ja-JP" altLang="en-US" dirty="0"/>
-              <a:t>大河さん　</a:t>
-            </a:r>
-            <a:endParaRPr kumimoji="1" lang="en-US" altLang="ja-JP" dirty="0"/>
-          </a:p>
-          <a:p>
-            <a:r>
-              <a:rPr kumimoji="1" lang="ja-JP" altLang="en-US" dirty="0"/>
               <a:t>これから</a:t>
             </a:r>
             <a:r>
@@ -574,14 +567,31 @@
             </a:r>
             <a:r>
               <a:rPr kumimoji="1" lang="ja-JP" altLang="en-US" dirty="0"/>
-              <a:t>グループのグループ開発の成果物についての発表を始めさせていただきます。よろしくお願いします。</a:t>
+              <a:t>グループの開発の最終発表を行わせていただきます。</a:t>
             </a:r>
             <a:endParaRPr kumimoji="1" lang="en-US" altLang="ja-JP" dirty="0"/>
           </a:p>
           <a:p>
             <a:r>
               <a:rPr kumimoji="1" lang="ja-JP" altLang="en-US" dirty="0"/>
-              <a:t>名前の由来は沖縄でラスベガスにいるような気分になってもらいたいという思いで名付けました。</a:t>
+              <a:t>まずは自己紹介から行います。</a:t>
+            </a:r>
+            <a:endParaRPr kumimoji="1" lang="en-US" altLang="ja-JP" dirty="0"/>
+          </a:p>
+          <a:p>
+            <a:endParaRPr kumimoji="1" lang="en-US" altLang="ja-JP" dirty="0"/>
+          </a:p>
+          <a:p>
+            <a:r>
+              <a:rPr kumimoji="1" lang="ja-JP" altLang="en-US" dirty="0"/>
+              <a:t>＾です</a:t>
+            </a:r>
+            <a:endParaRPr kumimoji="1" lang="en-US" altLang="ja-JP" dirty="0"/>
+          </a:p>
+          <a:p>
+            <a:r>
+              <a:rPr kumimoji="1" lang="ja-JP" altLang="en-US" dirty="0"/>
+              <a:t>以上のメンバーで発表を行います。</a:t>
             </a:r>
             <a:endParaRPr kumimoji="1" lang="en-US" altLang="ja-JP" dirty="0"/>
           </a:p>
@@ -947,17 +957,15 @@
           <a:p>
             <a:r>
               <a:rPr kumimoji="1" lang="ja-JP" altLang="en-US" dirty="0"/>
-              <a:t>理由としましては、複数人で作業を行うプロジェクトでは、コミュニケーションがしっかりとれないと人間関係が悪くなったり、先ほど挙げたスケジュールの管理の点で、共有することができず、プロジェクトの失敗につながる可能性があるので以上の</a:t>
-            </a:r>
-            <a:r>
-              <a:rPr kumimoji="1" lang="en-US" altLang="ja-JP" dirty="0"/>
-              <a:t>2</a:t>
-            </a:r>
-            <a:r>
-              <a:rPr kumimoji="1" lang="ja-JP" altLang="en-US"/>
-              <a:t>点が大事と考えました。</a:t>
-            </a:r>
-            <a:endParaRPr kumimoji="1" lang="ja-JP" altLang="en-US" dirty="0"/>
+              <a:t>理由としましては、複数人で作業を行うプロジェクトでは、コミュニケーションがしっかりとれないと人間関係が悪くなったり、先ほど挙げたスケジュールの管理の点で、共有することができず、プロジェクトの失敗につながる可能性があります。</a:t>
+            </a:r>
+            <a:endParaRPr kumimoji="1" lang="en-US" altLang="ja-JP" dirty="0"/>
+          </a:p>
+          <a:p>
+            <a:r>
+              <a:rPr kumimoji="1" lang="ja-JP" altLang="en-US" dirty="0"/>
+              <a:t>技術的な問題以前に必要なものとして学ぶことができました。</a:t>
+            </a:r>
           </a:p>
         </p:txBody>
       </p:sp>
@@ -1346,7 +1354,15 @@
           <a:p>
             <a:r>
               <a:rPr kumimoji="1" lang="ja-JP" altLang="en-US" dirty="0"/>
-              <a:t>まずは目次について説明します。この流れで説明していきます。</a:t>
+              <a:t>目次について説明します。御覧のように</a:t>
+            </a:r>
+            <a:r>
+              <a:rPr kumimoji="1" lang="en-US" altLang="ja-JP" dirty="0"/>
+              <a:t>7</a:t>
+            </a:r>
+            <a:r>
+              <a:rPr kumimoji="1" lang="ja-JP" altLang="en-US" dirty="0"/>
+              <a:t>つの項目の流れで説明していきます。</a:t>
             </a:r>
           </a:p>
         </p:txBody>
@@ -7202,7 +7218,7 @@
         <p:spPr/>
         <p:txBody>
           <a:bodyPr>
-            <a:normAutofit fontScale="92500" lnSpcReduction="20000"/>
+            <a:normAutofit lnSpcReduction="10000"/>
           </a:bodyPr>
           <a:lstStyle/>
           <a:p>
@@ -7235,15 +7251,8 @@
           </a:p>
           <a:p>
             <a:r>
-              <a:rPr kumimoji="1" lang="ja-JP" altLang="en-US" dirty="0"/>
+              <a:rPr kumimoji="1" lang="ja-JP" altLang="en-US"/>
               <a:t>デモ</a:t>
-            </a:r>
-            <a:endParaRPr kumimoji="1" lang="en-US" altLang="ja-JP" dirty="0"/>
-          </a:p>
-          <a:p>
-            <a:r>
-              <a:rPr kumimoji="1" lang="ja-JP" altLang="en-US" dirty="0"/>
-              <a:t>開発を終えての感想</a:t>
             </a:r>
             <a:endParaRPr kumimoji="1" lang="en-US" altLang="ja-JP" dirty="0"/>
           </a:p>

--- a/発表資料.pptx
+++ b/発表資料.pptx
@@ -559,6 +559,13 @@
           <a:p>
             <a:r>
               <a:rPr kumimoji="1" lang="ja-JP" altLang="en-US" dirty="0"/>
+              <a:t>大河さん　</a:t>
+            </a:r>
+            <a:endParaRPr kumimoji="1" lang="en-US" altLang="ja-JP" dirty="0"/>
+          </a:p>
+          <a:p>
+            <a:r>
+              <a:rPr kumimoji="1" lang="ja-JP" altLang="en-US" dirty="0"/>
               <a:t>これから</a:t>
             </a:r>
             <a:r>
@@ -567,31 +574,14 @@
             </a:r>
             <a:r>
               <a:rPr kumimoji="1" lang="ja-JP" altLang="en-US" dirty="0"/>
-              <a:t>グループの開発の最終発表を行わせていただきます。</a:t>
+              <a:t>グループのグループ開発の成果物についての発表を始めさせていただきます。よろしくお願いします。</a:t>
             </a:r>
             <a:endParaRPr kumimoji="1" lang="en-US" altLang="ja-JP" dirty="0"/>
           </a:p>
           <a:p>
             <a:r>
               <a:rPr kumimoji="1" lang="ja-JP" altLang="en-US" dirty="0"/>
-              <a:t>まずは自己紹介から行います。</a:t>
-            </a:r>
-            <a:endParaRPr kumimoji="1" lang="en-US" altLang="ja-JP" dirty="0"/>
-          </a:p>
-          <a:p>
-            <a:endParaRPr kumimoji="1" lang="en-US" altLang="ja-JP" dirty="0"/>
-          </a:p>
-          <a:p>
-            <a:r>
-              <a:rPr kumimoji="1" lang="ja-JP" altLang="en-US" dirty="0"/>
-              <a:t>＾です</a:t>
-            </a:r>
-            <a:endParaRPr kumimoji="1" lang="en-US" altLang="ja-JP" dirty="0"/>
-          </a:p>
-          <a:p>
-            <a:r>
-              <a:rPr kumimoji="1" lang="ja-JP" altLang="en-US" dirty="0"/>
-              <a:t>以上のメンバーで発表を行います。</a:t>
+              <a:t>名前の由来は沖縄でラスベガスにいるような気分になってもらいたいという思いで名付けました。</a:t>
             </a:r>
             <a:endParaRPr kumimoji="1" lang="en-US" altLang="ja-JP" dirty="0"/>
           </a:p>
@@ -921,50 +911,19 @@
           <a:p>
             <a:r>
               <a:rPr kumimoji="1" lang="ja-JP" altLang="en-US" dirty="0"/>
-              <a:t>私大城の研修を終えての感想としまして、以下の</a:t>
-            </a:r>
-            <a:r>
-              <a:rPr kumimoji="1" lang="en-US" altLang="ja-JP" dirty="0"/>
-              <a:t>2</a:t>
-            </a:r>
-            <a:r>
-              <a:rPr kumimoji="1" lang="ja-JP" altLang="en-US" dirty="0"/>
-              <a:t>点を大きく感じました。</a:t>
-            </a:r>
-          </a:p>
-          <a:p>
-            <a:r>
-              <a:rPr kumimoji="1" lang="ja-JP" altLang="en-US" dirty="0"/>
-              <a:t>まず一点目はスケジュール管理の難しさです。</a:t>
-            </a:r>
-          </a:p>
-          <a:p>
-            <a:r>
-              <a:rPr kumimoji="1" lang="ja-JP" altLang="en-US" dirty="0"/>
-              <a:t>スケジュールの制作をしっかりと行わないと、いつまでにどこまで完了させればいいのかなど、締め切りがわからなくなり、メンバーのモチベーションや進捗を管理でないと感じました。</a:t>
-            </a:r>
-          </a:p>
-          <a:p>
-            <a:r>
-              <a:rPr kumimoji="1" lang="en-US" altLang="ja-JP" dirty="0"/>
-              <a:t>2</a:t>
-            </a:r>
-            <a:r>
-              <a:rPr kumimoji="1" lang="ja-JP" altLang="en-US" dirty="0"/>
-              <a:t>点目にコミュニケーションの大事さです。</a:t>
-            </a:r>
-          </a:p>
-          <a:p>
-            <a:r>
-              <a:rPr kumimoji="1" lang="ja-JP" altLang="en-US" dirty="0"/>
-              <a:t>理由としましては、複数人で作業を行うプロジェクトでは、コミュニケーションがしっかりとれないと人間関係が悪くなったり、先ほど挙げたスケジュールの管理の点で、共有することができず、プロジェクトの失敗につながる可能性があります。</a:t>
-            </a:r>
-            <a:endParaRPr kumimoji="1" lang="en-US" altLang="ja-JP" dirty="0"/>
-          </a:p>
-          <a:p>
-            <a:r>
-              <a:rPr kumimoji="1" lang="ja-JP" altLang="en-US" dirty="0"/>
-              <a:t>技術的な問題以前に必要なものとして学ぶことができました。</a:t>
+              <a:t>大城一馬です。研修を終えての感想としましては、開発を行う際にメンバーとのコミュニケーションがすごく大事と感じました。</a:t>
+            </a:r>
+          </a:p>
+          <a:p>
+            <a:r>
+              <a:rPr kumimoji="1" lang="ja-JP" altLang="en-US" dirty="0"/>
+              <a:t>コミュニケーションが取れないと複数人で協力して行うプロジェクトで人間関係が悪化するだけではなく、技術的にわからないことの解決策、</a:t>
+            </a:r>
+          </a:p>
+          <a:p>
+            <a:r>
+              <a:rPr kumimoji="1" lang="ja-JP" altLang="en-US" dirty="0"/>
+              <a:t>スケージュールの管理を行う点としても進捗の把握を正確に行うためにとても大事なものであると学ぶことができました。</a:t>
             </a:r>
           </a:p>
         </p:txBody>
@@ -1354,15 +1313,7 @@
           <a:p>
             <a:r>
               <a:rPr kumimoji="1" lang="ja-JP" altLang="en-US" dirty="0"/>
-              <a:t>目次について説明します。御覧のように</a:t>
-            </a:r>
-            <a:r>
-              <a:rPr kumimoji="1" lang="en-US" altLang="ja-JP" dirty="0"/>
-              <a:t>7</a:t>
-            </a:r>
-            <a:r>
-              <a:rPr kumimoji="1" lang="ja-JP" altLang="en-US" dirty="0"/>
-              <a:t>つの項目の流れで説明していきます。</a:t>
+              <a:t>まずは目次について説明します。この流れで説明していきます。</a:t>
             </a:r>
           </a:p>
         </p:txBody>
@@ -6950,17 +6901,17 @@
           <a:p>
             <a:r>
               <a:rPr kumimoji="1" lang="ja-JP" altLang="en-US" dirty="0"/>
+              <a:t>メンバー同士のコミュニケーション・協力する事の大切さ</a:t>
+            </a:r>
+            <a:endParaRPr kumimoji="1" lang="en-US" altLang="ja-JP" dirty="0"/>
+          </a:p>
+          <a:p>
+            <a:endParaRPr kumimoji="1" lang="en-US" altLang="ja-JP" dirty="0"/>
+          </a:p>
+          <a:p>
+            <a:r>
+              <a:rPr kumimoji="1" lang="ja-JP" altLang="en-US" dirty="0"/>
               <a:t>ビジネスマナー</a:t>
-            </a:r>
-            <a:endParaRPr kumimoji="1" lang="en-US" altLang="ja-JP" dirty="0"/>
-          </a:p>
-          <a:p>
-            <a:endParaRPr kumimoji="1" lang="en-US" altLang="ja-JP" dirty="0"/>
-          </a:p>
-          <a:p>
-            <a:r>
-              <a:rPr kumimoji="1" lang="ja-JP" altLang="en-US" dirty="0"/>
-              <a:t>仕事をする上での必要な考え方、必要な技術</a:t>
             </a:r>
           </a:p>
         </p:txBody>
@@ -7251,7 +7202,7 @@
           </a:p>
           <a:p>
             <a:r>
-              <a:rPr kumimoji="1" lang="ja-JP" altLang="en-US"/>
+              <a:rPr kumimoji="1" lang="ja-JP" altLang="en-US" dirty="0"/>
               <a:t>デモ</a:t>
             </a:r>
             <a:endParaRPr kumimoji="1" lang="en-US" altLang="ja-JP" dirty="0"/>
